--- a/API workshop.pptx
+++ b/API workshop.pptx
@@ -6,28 +6,27 @@
     <p:sldMasterId id="2147483660" r:id="rId2"/>
   </p:sldMasterIdLst>
   <p:notesMasterIdLst>
-    <p:notesMasterId r:id="rId19"/>
+    <p:notesMasterId r:id="rId18"/>
   </p:notesMasterIdLst>
   <p:handoutMasterIdLst>
-    <p:handoutMasterId r:id="rId20"/>
+    <p:handoutMasterId r:id="rId19"/>
   </p:handoutMasterIdLst>
   <p:sldIdLst>
     <p:sldId id="256" r:id="rId3"/>
     <p:sldId id="298" r:id="rId4"/>
-    <p:sldId id="325" r:id="rId5"/>
-    <p:sldId id="326" r:id="rId6"/>
+    <p:sldId id="326" r:id="rId5"/>
+    <p:sldId id="325" r:id="rId6"/>
     <p:sldId id="328" r:id="rId7"/>
     <p:sldId id="329" r:id="rId8"/>
     <p:sldId id="327" r:id="rId9"/>
-    <p:sldId id="337" r:id="rId10"/>
-    <p:sldId id="330" r:id="rId11"/>
-    <p:sldId id="331" r:id="rId12"/>
-    <p:sldId id="332" r:id="rId13"/>
-    <p:sldId id="333" r:id="rId14"/>
-    <p:sldId id="334" r:id="rId15"/>
-    <p:sldId id="335" r:id="rId16"/>
-    <p:sldId id="336" r:id="rId17"/>
-    <p:sldId id="261" r:id="rId18"/>
+    <p:sldId id="331" r:id="rId10"/>
+    <p:sldId id="337" r:id="rId11"/>
+    <p:sldId id="338" r:id="rId12"/>
+    <p:sldId id="330" r:id="rId13"/>
+    <p:sldId id="335" r:id="rId14"/>
+    <p:sldId id="333" r:id="rId15"/>
+    <p:sldId id="339" r:id="rId16"/>
+    <p:sldId id="261" r:id="rId17"/>
   </p:sldIdLst>
   <p:sldSz cx="9144000" cy="6858000" type="screen4x3"/>
   <p:notesSz cx="9305925" cy="7019925"/>
@@ -159,6 +158,10 @@
 </p:presentation>
 </file>
 
+<file path=ppt/revisionInfo.xml><?xml version="1.0" encoding="utf-8"?>
+<p1510:revInfo xmlns:a="http://schemas.openxmlformats.org/drawingml/2006/main" xmlns:r="http://schemas.openxmlformats.org/officeDocument/2006/relationships" xmlns:p1510="http://schemas.microsoft.com/office/powerpoint/2015/10/main"/>
+</file>
+
 <file path=ppt/handoutMasters/handoutMaster1.xml><?xml version="1.0" encoding="utf-8"?>
 <p:handoutMaster xmlns:a="http://schemas.openxmlformats.org/drawingml/2006/main" xmlns:r="http://schemas.openxmlformats.org/officeDocument/2006/relationships" xmlns:p="http://schemas.openxmlformats.org/presentationml/2006/main">
   <p:cSld>
@@ -241,7 +244,7 @@
           <a:p>
             <a:fld id="{9086756E-EA5A-43ED-BE16-BCB008523C5D}" type="datetimeFigureOut">
               <a:rPr lang="nl-NL" smtClean="0"/>
-              <a:t>18-12-2017</a:t>
+              <a:t>19-12-2017</a:t>
             </a:fld>
             <a:endParaRPr lang="nl-NL"/>
           </a:p>
@@ -406,7 +409,7 @@
           <a:p>
             <a:fld id="{8C70EF70-7A3F-42D3-81AB-7E07B1FA2B56}" type="datetimeFigureOut">
               <a:rPr lang="nl-NL" smtClean="0"/>
-              <a:t>18-12-2017</a:t>
+              <a:t>19-12-2017</a:t>
             </a:fld>
             <a:endParaRPr lang="nl-NL"/>
           </a:p>
@@ -826,7 +829,7 @@
           <a:p>
             <a:fld id="{CBE01D35-0C62-42B1-8559-BBC417D9769E}" type="slidenum">
               <a:rPr lang="nl-NL" smtClean="0"/>
-              <a:t>12</a:t>
+              <a:t>13</a:t>
             </a:fld>
             <a:endParaRPr lang="nl-NL"/>
           </a:p>
@@ -836,270 +839,6 @@
     <p:extLst>
       <p:ext uri="{BB962C8B-B14F-4D97-AF65-F5344CB8AC3E}">
         <p14:creationId xmlns:p14="http://schemas.microsoft.com/office/powerpoint/2010/main" val="2892191902"/>
-      </p:ext>
-    </p:extLst>
-  </p:cSld>
-  <p:clrMapOvr>
-    <a:masterClrMapping/>
-  </p:clrMapOvr>
-</p:notes>
-</file>
-
-<file path=ppt/notesSlides/notesSlide11.xml><?xml version="1.0" encoding="utf-8"?>
-<p:notes xmlns:a="http://schemas.openxmlformats.org/drawingml/2006/main" xmlns:r="http://schemas.openxmlformats.org/officeDocument/2006/relationships" xmlns:p="http://schemas.openxmlformats.org/presentationml/2006/main">
-  <p:cSld>
-    <p:spTree>
-      <p:nvGrpSpPr>
-        <p:cNvPr id="1" name=""/>
-        <p:cNvGrpSpPr/>
-        <p:nvPr/>
-      </p:nvGrpSpPr>
-      <p:grpSpPr>
-        <a:xfrm>
-          <a:off x="0" y="0"/>
-          <a:ext cx="0" cy="0"/>
-          <a:chOff x="0" y="0"/>
-          <a:chExt cx="0" cy="0"/>
-        </a:xfrm>
-      </p:grpSpPr>
-      <p:sp>
-        <p:nvSpPr>
-          <p:cNvPr id="2" name="Tijdelijke aanduiding voor dia-afbeelding 1"/>
-          <p:cNvSpPr>
-            <a:spLocks noGrp="1" noRot="1" noChangeAspect="1"/>
-          </p:cNvSpPr>
-          <p:nvPr>
-            <p:ph type="sldImg"/>
-          </p:nvPr>
-        </p:nvSpPr>
-        <p:spPr/>
-      </p:sp>
-      <p:sp>
-        <p:nvSpPr>
-          <p:cNvPr id="3" name="Tijdelijke aanduiding voor notities 2"/>
-          <p:cNvSpPr>
-            <a:spLocks noGrp="1"/>
-          </p:cNvSpPr>
-          <p:nvPr>
-            <p:ph type="body" idx="1"/>
-          </p:nvPr>
-        </p:nvSpPr>
-        <p:spPr/>
-        <p:txBody>
-          <a:bodyPr/>
-          <a:lstStyle/>
-          <a:p>
-            <a:pPr marL="171450" indent="-171450">
-              <a:buFont typeface="Arial" panose="020B0604020202020204" pitchFamily="34" charset="0"/>
-              <a:buChar char="•"/>
-            </a:pPr>
-            <a:endParaRPr lang="nl-NL" dirty="0"/>
-          </a:p>
-        </p:txBody>
-      </p:sp>
-      <p:sp>
-        <p:nvSpPr>
-          <p:cNvPr id="4" name="Tijdelijke aanduiding voor dianummer 3"/>
-          <p:cNvSpPr>
-            <a:spLocks noGrp="1"/>
-          </p:cNvSpPr>
-          <p:nvPr>
-            <p:ph type="sldNum" sz="quarter" idx="10"/>
-          </p:nvPr>
-        </p:nvSpPr>
-        <p:spPr/>
-        <p:txBody>
-          <a:bodyPr/>
-          <a:lstStyle/>
-          <a:p>
-            <a:fld id="{CBE01D35-0C62-42B1-8559-BBC417D9769E}" type="slidenum">
-              <a:rPr lang="nl-NL" smtClean="0"/>
-              <a:t>13</a:t>
-            </a:fld>
-            <a:endParaRPr lang="nl-NL"/>
-          </a:p>
-        </p:txBody>
-      </p:sp>
-    </p:spTree>
-    <p:extLst>
-      <p:ext uri="{BB962C8B-B14F-4D97-AF65-F5344CB8AC3E}">
-        <p14:creationId xmlns:p14="http://schemas.microsoft.com/office/powerpoint/2010/main" val="3000057796"/>
-      </p:ext>
-    </p:extLst>
-  </p:cSld>
-  <p:clrMapOvr>
-    <a:masterClrMapping/>
-  </p:clrMapOvr>
-</p:notes>
-</file>
-
-<file path=ppt/notesSlides/notesSlide12.xml><?xml version="1.0" encoding="utf-8"?>
-<p:notes xmlns:a="http://schemas.openxmlformats.org/drawingml/2006/main" xmlns:r="http://schemas.openxmlformats.org/officeDocument/2006/relationships" xmlns:p="http://schemas.openxmlformats.org/presentationml/2006/main">
-  <p:cSld>
-    <p:spTree>
-      <p:nvGrpSpPr>
-        <p:cNvPr id="1" name=""/>
-        <p:cNvGrpSpPr/>
-        <p:nvPr/>
-      </p:nvGrpSpPr>
-      <p:grpSpPr>
-        <a:xfrm>
-          <a:off x="0" y="0"/>
-          <a:ext cx="0" cy="0"/>
-          <a:chOff x="0" y="0"/>
-          <a:chExt cx="0" cy="0"/>
-        </a:xfrm>
-      </p:grpSpPr>
-      <p:sp>
-        <p:nvSpPr>
-          <p:cNvPr id="2" name="Tijdelijke aanduiding voor dia-afbeelding 1"/>
-          <p:cNvSpPr>
-            <a:spLocks noGrp="1" noRot="1" noChangeAspect="1"/>
-          </p:cNvSpPr>
-          <p:nvPr>
-            <p:ph type="sldImg"/>
-          </p:nvPr>
-        </p:nvSpPr>
-        <p:spPr/>
-      </p:sp>
-      <p:sp>
-        <p:nvSpPr>
-          <p:cNvPr id="3" name="Tijdelijke aanduiding voor notities 2"/>
-          <p:cNvSpPr>
-            <a:spLocks noGrp="1"/>
-          </p:cNvSpPr>
-          <p:nvPr>
-            <p:ph type="body" idx="1"/>
-          </p:nvPr>
-        </p:nvSpPr>
-        <p:spPr/>
-        <p:txBody>
-          <a:bodyPr/>
-          <a:lstStyle/>
-          <a:p>
-            <a:pPr marL="171450" indent="-171450">
-              <a:buFont typeface="Arial" panose="020B0604020202020204" pitchFamily="34" charset="0"/>
-              <a:buChar char="•"/>
-            </a:pPr>
-            <a:endParaRPr lang="nl-NL" dirty="0"/>
-          </a:p>
-        </p:txBody>
-      </p:sp>
-      <p:sp>
-        <p:nvSpPr>
-          <p:cNvPr id="4" name="Tijdelijke aanduiding voor dianummer 3"/>
-          <p:cNvSpPr>
-            <a:spLocks noGrp="1"/>
-          </p:cNvSpPr>
-          <p:nvPr>
-            <p:ph type="sldNum" sz="quarter" idx="10"/>
-          </p:nvPr>
-        </p:nvSpPr>
-        <p:spPr/>
-        <p:txBody>
-          <a:bodyPr/>
-          <a:lstStyle/>
-          <a:p>
-            <a:fld id="{CBE01D35-0C62-42B1-8559-BBC417D9769E}" type="slidenum">
-              <a:rPr lang="nl-NL" smtClean="0"/>
-              <a:t>14</a:t>
-            </a:fld>
-            <a:endParaRPr lang="nl-NL"/>
-          </a:p>
-        </p:txBody>
-      </p:sp>
-    </p:spTree>
-    <p:extLst>
-      <p:ext uri="{BB962C8B-B14F-4D97-AF65-F5344CB8AC3E}">
-        <p14:creationId xmlns:p14="http://schemas.microsoft.com/office/powerpoint/2010/main" val="2689573187"/>
-      </p:ext>
-    </p:extLst>
-  </p:cSld>
-  <p:clrMapOvr>
-    <a:masterClrMapping/>
-  </p:clrMapOvr>
-</p:notes>
-</file>
-
-<file path=ppt/notesSlides/notesSlide13.xml><?xml version="1.0" encoding="utf-8"?>
-<p:notes xmlns:a="http://schemas.openxmlformats.org/drawingml/2006/main" xmlns:r="http://schemas.openxmlformats.org/officeDocument/2006/relationships" xmlns:p="http://schemas.openxmlformats.org/presentationml/2006/main">
-  <p:cSld>
-    <p:spTree>
-      <p:nvGrpSpPr>
-        <p:cNvPr id="1" name=""/>
-        <p:cNvGrpSpPr/>
-        <p:nvPr/>
-      </p:nvGrpSpPr>
-      <p:grpSpPr>
-        <a:xfrm>
-          <a:off x="0" y="0"/>
-          <a:ext cx="0" cy="0"/>
-          <a:chOff x="0" y="0"/>
-          <a:chExt cx="0" cy="0"/>
-        </a:xfrm>
-      </p:grpSpPr>
-      <p:sp>
-        <p:nvSpPr>
-          <p:cNvPr id="2" name="Tijdelijke aanduiding voor dia-afbeelding 1"/>
-          <p:cNvSpPr>
-            <a:spLocks noGrp="1" noRot="1" noChangeAspect="1"/>
-          </p:cNvSpPr>
-          <p:nvPr>
-            <p:ph type="sldImg"/>
-          </p:nvPr>
-        </p:nvSpPr>
-        <p:spPr/>
-      </p:sp>
-      <p:sp>
-        <p:nvSpPr>
-          <p:cNvPr id="3" name="Tijdelijke aanduiding voor notities 2"/>
-          <p:cNvSpPr>
-            <a:spLocks noGrp="1"/>
-          </p:cNvSpPr>
-          <p:nvPr>
-            <p:ph type="body" idx="1"/>
-          </p:nvPr>
-        </p:nvSpPr>
-        <p:spPr/>
-        <p:txBody>
-          <a:bodyPr/>
-          <a:lstStyle/>
-          <a:p>
-            <a:pPr marL="171450" indent="-171450">
-              <a:buFont typeface="Arial" panose="020B0604020202020204" pitchFamily="34" charset="0"/>
-              <a:buChar char="•"/>
-            </a:pPr>
-            <a:endParaRPr lang="nl-NL" dirty="0"/>
-          </a:p>
-        </p:txBody>
-      </p:sp>
-      <p:sp>
-        <p:nvSpPr>
-          <p:cNvPr id="4" name="Tijdelijke aanduiding voor dianummer 3"/>
-          <p:cNvSpPr>
-            <a:spLocks noGrp="1"/>
-          </p:cNvSpPr>
-          <p:nvPr>
-            <p:ph type="sldNum" sz="quarter" idx="10"/>
-          </p:nvPr>
-        </p:nvSpPr>
-        <p:spPr/>
-        <p:txBody>
-          <a:bodyPr/>
-          <a:lstStyle/>
-          <a:p>
-            <a:fld id="{CBE01D35-0C62-42B1-8559-BBC417D9769E}" type="slidenum">
-              <a:rPr lang="nl-NL" smtClean="0"/>
-              <a:t>15</a:t>
-            </a:fld>
-            <a:endParaRPr lang="nl-NL"/>
-          </a:p>
-        </p:txBody>
-      </p:sp>
-    </p:spTree>
-    <p:extLst>
-      <p:ext uri="{BB962C8B-B14F-4D97-AF65-F5344CB8AC3E}">
-        <p14:creationId xmlns:p14="http://schemas.microsoft.com/office/powerpoint/2010/main" val="4013296106"/>
       </p:ext>
     </p:extLst>
   </p:cSld>
@@ -1157,45 +896,6 @@
               <a:buFont typeface="Arial" panose="020B0604020202020204" pitchFamily="34" charset="0"/>
               <a:buChar char="•"/>
             </a:pPr>
-            <a:r>
-              <a:rPr lang="nl-NL" dirty="0"/>
-              <a:t>REST/API: </a:t>
-            </a:r>
-            <a:r>
-              <a:rPr lang="en-US" dirty="0"/>
-              <a:t>Representational state transfer (REST) or RESTful web services are a way of providing interoperability between computer systems on the Internet. Other forms of Web services exist which expose their own arbitrary sets of operations such as WSDL and SOAP.</a:t>
-            </a:r>
-          </a:p>
-          <a:p>
-            <a:pPr marL="171450" indent="-171450">
-              <a:buFont typeface="Arial" panose="020B0604020202020204" pitchFamily="34" charset="0"/>
-              <a:buChar char="•"/>
-            </a:pPr>
-            <a:r>
-              <a:rPr lang="en-US" dirty="0"/>
-              <a:t>HTTP methods GET, POST, PUT, DELETE</a:t>
-            </a:r>
-          </a:p>
-          <a:p>
-            <a:pPr marL="171450" indent="-171450">
-              <a:buFont typeface="Arial" panose="020B0604020202020204" pitchFamily="34" charset="0"/>
-              <a:buChar char="•"/>
-            </a:pPr>
-            <a:r>
-              <a:rPr lang="nl-NL" dirty="0"/>
-              <a:t>Data </a:t>
-            </a:r>
-            <a:r>
-              <a:rPr lang="nl-NL" dirty="0" err="1"/>
-              <a:t>serialization</a:t>
-            </a:r>
-            <a:endParaRPr lang="nl-NL" dirty="0"/>
-          </a:p>
-          <a:p>
-            <a:pPr marL="171450" indent="-171450">
-              <a:buFont typeface="Arial" panose="020B0604020202020204" pitchFamily="34" charset="0"/>
-              <a:buChar char="•"/>
-            </a:pPr>
             <a:endParaRPr lang="nl-NL" dirty="0"/>
           </a:p>
         </p:txBody>
@@ -1226,7 +926,7 @@
     </p:spTree>
     <p:extLst>
       <p:ext uri="{BB962C8B-B14F-4D97-AF65-F5344CB8AC3E}">
-        <p14:creationId xmlns:p14="http://schemas.microsoft.com/office/powerpoint/2010/main" val="1116008011"/>
+        <p14:creationId xmlns:p14="http://schemas.microsoft.com/office/powerpoint/2010/main" val="1779923317"/>
       </p:ext>
     </p:extLst>
   </p:cSld>
@@ -1284,6 +984,45 @@
               <a:buFont typeface="Arial" panose="020B0604020202020204" pitchFamily="34" charset="0"/>
               <a:buChar char="•"/>
             </a:pPr>
+            <a:r>
+              <a:rPr lang="nl-NL" dirty="0"/>
+              <a:t>REST/API: </a:t>
+            </a:r>
+            <a:r>
+              <a:rPr lang="en-US" dirty="0"/>
+              <a:t>Representational state transfer (REST) or RESTful web services are a way of providing interoperability between computer systems on the Internet. Other forms of Web services exist which expose their own arbitrary sets of operations such as WSDL and SOAP.</a:t>
+            </a:r>
+          </a:p>
+          <a:p>
+            <a:pPr marL="171450" indent="-171450">
+              <a:buFont typeface="Arial" panose="020B0604020202020204" pitchFamily="34" charset="0"/>
+              <a:buChar char="•"/>
+            </a:pPr>
+            <a:r>
+              <a:rPr lang="en-US" dirty="0"/>
+              <a:t>HTTP methods GET, POST, PUT, DELETE</a:t>
+            </a:r>
+          </a:p>
+          <a:p>
+            <a:pPr marL="171450" indent="-171450">
+              <a:buFont typeface="Arial" panose="020B0604020202020204" pitchFamily="34" charset="0"/>
+              <a:buChar char="•"/>
+            </a:pPr>
+            <a:r>
+              <a:rPr lang="nl-NL" dirty="0"/>
+              <a:t>Data </a:t>
+            </a:r>
+            <a:r>
+              <a:rPr lang="nl-NL" dirty="0" err="1"/>
+              <a:t>serialization</a:t>
+            </a:r>
+            <a:endParaRPr lang="nl-NL" dirty="0"/>
+          </a:p>
+          <a:p>
+            <a:pPr marL="171450" indent="-171450">
+              <a:buFont typeface="Arial" panose="020B0604020202020204" pitchFamily="34" charset="0"/>
+              <a:buChar char="•"/>
+            </a:pPr>
             <a:endParaRPr lang="nl-NL" dirty="0"/>
           </a:p>
         </p:txBody>
@@ -1314,7 +1053,7 @@
     </p:spTree>
     <p:extLst>
       <p:ext uri="{BB962C8B-B14F-4D97-AF65-F5344CB8AC3E}">
-        <p14:creationId xmlns:p14="http://schemas.microsoft.com/office/powerpoint/2010/main" val="1779923317"/>
+        <p14:creationId xmlns:p14="http://schemas.microsoft.com/office/powerpoint/2010/main" val="1116008011"/>
       </p:ext>
     </p:extLst>
   </p:cSld>
@@ -1696,7 +1435,7 @@
           <a:p>
             <a:fld id="{CBE01D35-0C62-42B1-8559-BBC417D9769E}" type="slidenum">
               <a:rPr lang="nl-NL" smtClean="0"/>
-              <a:t>9</a:t>
+              <a:t>8</a:t>
             </a:fld>
             <a:endParaRPr lang="nl-NL"/>
           </a:p>
@@ -1705,7 +1444,7 @@
     </p:spTree>
     <p:extLst>
       <p:ext uri="{BB962C8B-B14F-4D97-AF65-F5344CB8AC3E}">
-        <p14:creationId xmlns:p14="http://schemas.microsoft.com/office/powerpoint/2010/main" val="643144208"/>
+        <p14:creationId xmlns:p14="http://schemas.microsoft.com/office/powerpoint/2010/main" val="1425919050"/>
       </p:ext>
     </p:extLst>
   </p:cSld>
@@ -1784,7 +1523,7 @@
           <a:p>
             <a:fld id="{CBE01D35-0C62-42B1-8559-BBC417D9769E}" type="slidenum">
               <a:rPr lang="nl-NL" smtClean="0"/>
-              <a:t>10</a:t>
+              <a:t>11</a:t>
             </a:fld>
             <a:endParaRPr lang="nl-NL"/>
           </a:p>
@@ -1793,7 +1532,7 @@
     </p:spTree>
     <p:extLst>
       <p:ext uri="{BB962C8B-B14F-4D97-AF65-F5344CB8AC3E}">
-        <p14:creationId xmlns:p14="http://schemas.microsoft.com/office/powerpoint/2010/main" val="1425919050"/>
+        <p14:creationId xmlns:p14="http://schemas.microsoft.com/office/powerpoint/2010/main" val="643144208"/>
       </p:ext>
     </p:extLst>
   </p:cSld>
@@ -1872,7 +1611,7 @@
           <a:p>
             <a:fld id="{CBE01D35-0C62-42B1-8559-BBC417D9769E}" type="slidenum">
               <a:rPr lang="nl-NL" smtClean="0"/>
-              <a:t>11</a:t>
+              <a:t>12</a:t>
             </a:fld>
             <a:endParaRPr lang="nl-NL"/>
           </a:p>
@@ -1881,7 +1620,7 @@
     </p:spTree>
     <p:extLst>
       <p:ext uri="{BB962C8B-B14F-4D97-AF65-F5344CB8AC3E}">
-        <p14:creationId xmlns:p14="http://schemas.microsoft.com/office/powerpoint/2010/main" val="2577191158"/>
+        <p14:creationId xmlns:p14="http://schemas.microsoft.com/office/powerpoint/2010/main" val="2689573187"/>
       </p:ext>
     </p:extLst>
   </p:cSld>
@@ -6489,7 +6228,13 @@
       </p:grpSpPr>
       <p:sp>
         <p:nvSpPr>
-          <p:cNvPr id="2" name="Title 1"/>
+          <p:cNvPr id="2" name="Titel 1">
+            <a:extLst>
+              <a:ext uri="{FF2B5EF4-FFF2-40B4-BE49-F238E27FC236}">
+                <a16:creationId xmlns:a16="http://schemas.microsoft.com/office/drawing/2014/main" id="{BCC5A367-5E3E-4C1A-B5E3-D1F4E5FF3AC6}"/>
+              </a:ext>
+            </a:extLst>
+          </p:cNvPr>
           <p:cNvSpPr>
             <a:spLocks noGrp="1"/>
           </p:cNvSpPr>
@@ -6497,163 +6242,520 @@
             <p:ph type="title"/>
           </p:nvPr>
         </p:nvSpPr>
+        <p:spPr/>
+        <p:txBody>
+          <a:bodyPr>
+            <a:normAutofit/>
+          </a:bodyPr>
+          <a:lstStyle/>
+          <a:p>
+            <a:r>
+              <a:rPr lang="nl-NL" dirty="0"/>
+              <a:t>Workshop 1</a:t>
+            </a:r>
+          </a:p>
+        </p:txBody>
+      </p:sp>
+      <p:graphicFrame>
+        <p:nvGraphicFramePr>
+          <p:cNvPr id="5" name="Tijdelijke aanduiding voor inhoud 4">
+            <a:extLst>
+              <a:ext uri="{FF2B5EF4-FFF2-40B4-BE49-F238E27FC236}">
+                <a16:creationId xmlns:a16="http://schemas.microsoft.com/office/drawing/2014/main" id="{80B6A393-388F-4E7F-92CB-1F4B81F688EA}"/>
+              </a:ext>
+            </a:extLst>
+          </p:cNvPr>
+          <p:cNvGraphicFramePr>
+            <a:graphicFrameLocks noGrp="1"/>
+          </p:cNvGraphicFramePr>
+          <p:nvPr>
+            <p:ph idx="1"/>
+            <p:extLst>
+              <p:ext uri="{D42A27DB-BD31-4B8C-83A1-F6EECF244321}">
+                <p14:modId xmlns:p14="http://schemas.microsoft.com/office/powerpoint/2010/main" val="3891031629"/>
+              </p:ext>
+            </p:extLst>
+          </p:nvPr>
+        </p:nvGraphicFramePr>
+        <p:xfrm>
+          <a:off x="457200" y="1600200"/>
+          <a:ext cx="8229600" cy="1112520"/>
+        </p:xfrm>
+        <a:graphic>
+          <a:graphicData uri="http://schemas.openxmlformats.org/drawingml/2006/table">
+            <a:tbl>
+              <a:tblPr firstRow="1" bandRow="1">
+                <a:tableStyleId>{073A0DAA-6AF3-43AB-8588-CEC1D06C72B9}</a:tableStyleId>
+              </a:tblPr>
+              <a:tblGrid>
+                <a:gridCol w="4114800">
+                  <a:extLst>
+                    <a:ext uri="{9D8B030D-6E8A-4147-A177-3AD203B41FA5}">
+                      <a16:colId xmlns:a16="http://schemas.microsoft.com/office/drawing/2014/main" val="586675543"/>
+                    </a:ext>
+                  </a:extLst>
+                </a:gridCol>
+                <a:gridCol w="4114800">
+                  <a:extLst>
+                    <a:ext uri="{9D8B030D-6E8A-4147-A177-3AD203B41FA5}">
+                      <a16:colId xmlns:a16="http://schemas.microsoft.com/office/drawing/2014/main" val="2753326564"/>
+                    </a:ext>
+                  </a:extLst>
+                </a:gridCol>
+              </a:tblGrid>
+              <a:tr h="370840">
+                <a:tc>
+                  <a:txBody>
+                    <a:bodyPr/>
+                    <a:lstStyle/>
+                    <a:p>
+                      <a:r>
+                        <a:rPr lang="nl-NL" dirty="0"/>
+                        <a:t>  </a:t>
+                      </a:r>
+                    </a:p>
+                  </a:txBody>
+                  <a:tcPr>
+                    <a:lnL w="12700" cmpd="sng">
+                      <a:noFill/>
+                    </a:lnL>
+                    <a:lnR w="12700" cmpd="sng">
+                      <a:noFill/>
+                    </a:lnR>
+                    <a:lnT w="12700" cmpd="sng">
+                      <a:noFill/>
+                    </a:lnT>
+                    <a:lnB w="38100" cmpd="sng">
+                      <a:noFill/>
+                    </a:lnB>
+                    <a:lnTlToBr w="12700" cmpd="sng">
+                      <a:noFill/>
+                      <a:prstDash val="solid"/>
+                    </a:lnTlToBr>
+                    <a:lnBlToTr w="12700" cmpd="sng">
+                      <a:noFill/>
+                      <a:prstDash val="solid"/>
+                    </a:lnBlToTr>
+                    <a:noFill/>
+                  </a:tcPr>
+                </a:tc>
+                <a:tc>
+                  <a:txBody>
+                    <a:bodyPr/>
+                    <a:lstStyle/>
+                    <a:p>
+                      <a:endParaRPr lang="nl-NL"/>
+                    </a:p>
+                  </a:txBody>
+                  <a:tcPr>
+                    <a:lnL w="12700" cmpd="sng">
+                      <a:noFill/>
+                    </a:lnL>
+                    <a:lnR w="12700" cmpd="sng">
+                      <a:noFill/>
+                    </a:lnR>
+                    <a:lnT w="12700" cmpd="sng">
+                      <a:noFill/>
+                    </a:lnT>
+                    <a:lnB w="38100" cmpd="sng">
+                      <a:noFill/>
+                    </a:lnB>
+                    <a:lnTlToBr w="12700" cmpd="sng">
+                      <a:noFill/>
+                      <a:prstDash val="solid"/>
+                    </a:lnTlToBr>
+                    <a:lnBlToTr w="12700" cmpd="sng">
+                      <a:noFill/>
+                      <a:prstDash val="solid"/>
+                    </a:lnBlToTr>
+                    <a:noFill/>
+                  </a:tcPr>
+                </a:tc>
+                <a:extLst>
+                  <a:ext uri="{0D108BD9-81ED-4DB2-BD59-A6C34878D82A}">
+                    <a16:rowId xmlns:a16="http://schemas.microsoft.com/office/drawing/2014/main" val="1882264882"/>
+                  </a:ext>
+                </a:extLst>
+              </a:tr>
+              <a:tr h="370840">
+                <a:tc>
+                  <a:txBody>
+                    <a:bodyPr/>
+                    <a:lstStyle/>
+                    <a:p>
+                      <a:endParaRPr lang="nl-NL" dirty="0"/>
+                    </a:p>
+                  </a:txBody>
+                  <a:tcPr>
+                    <a:lnL w="12700" cmpd="sng">
+                      <a:noFill/>
+                    </a:lnL>
+                    <a:lnR w="12700" cmpd="sng">
+                      <a:noFill/>
+                    </a:lnR>
+                    <a:lnT w="38100" cmpd="sng">
+                      <a:noFill/>
+                    </a:lnT>
+                    <a:lnB w="12700" cmpd="sng">
+                      <a:noFill/>
+                    </a:lnB>
+                    <a:lnTlToBr w="12700" cmpd="sng">
+                      <a:noFill/>
+                      <a:prstDash val="solid"/>
+                    </a:lnTlToBr>
+                    <a:lnBlToTr w="12700" cmpd="sng">
+                      <a:noFill/>
+                      <a:prstDash val="solid"/>
+                    </a:lnBlToTr>
+                    <a:noFill/>
+                  </a:tcPr>
+                </a:tc>
+                <a:tc>
+                  <a:txBody>
+                    <a:bodyPr/>
+                    <a:lstStyle/>
+                    <a:p>
+                      <a:endParaRPr lang="nl-NL" dirty="0"/>
+                    </a:p>
+                  </a:txBody>
+                  <a:tcPr>
+                    <a:lnL w="12700" cmpd="sng">
+                      <a:noFill/>
+                    </a:lnL>
+                    <a:lnR w="12700" cmpd="sng">
+                      <a:noFill/>
+                    </a:lnR>
+                    <a:lnT w="38100" cmpd="sng">
+                      <a:noFill/>
+                    </a:lnT>
+                    <a:lnB w="12700" cmpd="sng">
+                      <a:noFill/>
+                    </a:lnB>
+                    <a:lnTlToBr w="12700" cmpd="sng">
+                      <a:noFill/>
+                      <a:prstDash val="solid"/>
+                    </a:lnTlToBr>
+                    <a:lnBlToTr w="12700" cmpd="sng">
+                      <a:noFill/>
+                      <a:prstDash val="solid"/>
+                    </a:lnBlToTr>
+                    <a:noFill/>
+                  </a:tcPr>
+                </a:tc>
+                <a:extLst>
+                  <a:ext uri="{0D108BD9-81ED-4DB2-BD59-A6C34878D82A}">
+                    <a16:rowId xmlns:a16="http://schemas.microsoft.com/office/drawing/2014/main" val="1354384855"/>
+                  </a:ext>
+                </a:extLst>
+              </a:tr>
+              <a:tr h="370840">
+                <a:tc>
+                  <a:txBody>
+                    <a:bodyPr/>
+                    <a:lstStyle/>
+                    <a:p>
+                      <a:endParaRPr lang="nl-NL" dirty="0"/>
+                    </a:p>
+                  </a:txBody>
+                  <a:tcPr>
+                    <a:lnL w="12700" cmpd="sng">
+                      <a:noFill/>
+                    </a:lnL>
+                    <a:lnR w="12700" cmpd="sng">
+                      <a:noFill/>
+                    </a:lnR>
+                    <a:lnT w="12700" cmpd="sng">
+                      <a:noFill/>
+                    </a:lnT>
+                    <a:lnB w="12700" cmpd="sng">
+                      <a:noFill/>
+                    </a:lnB>
+                    <a:lnTlToBr w="12700" cmpd="sng">
+                      <a:noFill/>
+                      <a:prstDash val="solid"/>
+                    </a:lnTlToBr>
+                    <a:lnBlToTr w="12700" cmpd="sng">
+                      <a:noFill/>
+                      <a:prstDash val="solid"/>
+                    </a:lnBlToTr>
+                    <a:noFill/>
+                  </a:tcPr>
+                </a:tc>
+                <a:tc>
+                  <a:txBody>
+                    <a:bodyPr/>
+                    <a:lstStyle/>
+                    <a:p>
+                      <a:endParaRPr lang="nl-NL" dirty="0"/>
+                    </a:p>
+                  </a:txBody>
+                  <a:tcPr>
+                    <a:lnL w="12700" cmpd="sng">
+                      <a:noFill/>
+                    </a:lnL>
+                    <a:lnR w="12700" cmpd="sng">
+                      <a:noFill/>
+                    </a:lnR>
+                    <a:lnT w="12700" cmpd="sng">
+                      <a:noFill/>
+                    </a:lnT>
+                    <a:lnB w="12700" cmpd="sng">
+                      <a:noFill/>
+                    </a:lnB>
+                    <a:lnTlToBr w="12700" cmpd="sng">
+                      <a:noFill/>
+                      <a:prstDash val="solid"/>
+                    </a:lnTlToBr>
+                    <a:lnBlToTr w="12700" cmpd="sng">
+                      <a:noFill/>
+                      <a:prstDash val="solid"/>
+                    </a:lnBlToTr>
+                    <a:noFill/>
+                  </a:tcPr>
+                </a:tc>
+                <a:extLst>
+                  <a:ext uri="{0D108BD9-81ED-4DB2-BD59-A6C34878D82A}">
+                    <a16:rowId xmlns:a16="http://schemas.microsoft.com/office/drawing/2014/main" val="1653494474"/>
+                  </a:ext>
+                </a:extLst>
+              </a:tr>
+            </a:tbl>
+          </a:graphicData>
+        </a:graphic>
+      </p:graphicFrame>
+      <p:pic>
+        <p:nvPicPr>
+          <p:cNvPr id="8" name="Afbeelding 7">
+            <a:extLst>
+              <a:ext uri="{FF2B5EF4-FFF2-40B4-BE49-F238E27FC236}">
+                <a16:creationId xmlns:a16="http://schemas.microsoft.com/office/drawing/2014/main" id="{688B71FD-ECE7-4DCD-9A26-8D087E02CD56}"/>
+              </a:ext>
+            </a:extLst>
+          </p:cNvPr>
+          <p:cNvPicPr>
+            <a:picLocks noChangeAspect="1"/>
+          </p:cNvPicPr>
+          <p:nvPr/>
+        </p:nvPicPr>
+        <p:blipFill>
+          <a:blip r:embed="rId2"/>
+          <a:stretch>
+            <a:fillRect/>
+          </a:stretch>
+        </p:blipFill>
         <p:spPr>
           <a:xfrm>
-            <a:off x="457200" y="274638"/>
-            <a:ext cx="8229600" cy="1138138"/>
+            <a:off x="1470484" y="4485710"/>
+            <a:ext cx="680740" cy="1266999"/>
           </a:xfrm>
+          <a:prstGeom prst="rect">
+            <a:avLst/>
+          </a:prstGeom>
         </p:spPr>
-        <p:txBody>
-          <a:bodyPr/>
-          <a:lstStyle/>
-          <a:p>
-            <a:r>
-              <a:rPr lang="en-US" dirty="0"/>
-              <a:t>Error Handling</a:t>
-            </a:r>
-            <a:endParaRPr lang="nl-NL" dirty="0"/>
-          </a:p>
-        </p:txBody>
-      </p:sp>
-      <p:sp>
-        <p:nvSpPr>
-          <p:cNvPr id="3" name="Content Placeholder 2"/>
-          <p:cNvSpPr>
-            <a:spLocks noGrp="1"/>
-          </p:cNvSpPr>
-          <p:nvPr>
-            <p:ph idx="1"/>
-          </p:nvPr>
-        </p:nvSpPr>
+      </p:pic>
+      <p:pic>
+        <p:nvPicPr>
+          <p:cNvPr id="9" name="Afbeelding 8">
+            <a:extLst>
+              <a:ext uri="{FF2B5EF4-FFF2-40B4-BE49-F238E27FC236}">
+                <a16:creationId xmlns:a16="http://schemas.microsoft.com/office/drawing/2014/main" id="{8560F39E-6089-4177-8533-68D4B6623D6D}"/>
+              </a:ext>
+            </a:extLst>
+          </p:cNvPr>
+          <p:cNvPicPr>
+            <a:picLocks noChangeAspect="1"/>
+          </p:cNvPicPr>
+          <p:nvPr/>
+        </p:nvPicPr>
+        <p:blipFill>
+          <a:blip r:embed="rId3"/>
+          <a:stretch>
+            <a:fillRect/>
+          </a:stretch>
+        </p:blipFill>
         <p:spPr>
           <a:xfrm>
-            <a:off x="266689" y="1396662"/>
-            <a:ext cx="8420111" cy="4525963"/>
+            <a:off x="1470484" y="3068960"/>
+            <a:ext cx="691084" cy="1292996"/>
           </a:xfrm>
+          <a:prstGeom prst="rect">
+            <a:avLst/>
+          </a:prstGeom>
         </p:spPr>
-        <p:txBody>
-          <a:bodyPr>
-            <a:normAutofit fontScale="92500" lnSpcReduction="20000"/>
+      </p:pic>
+      <p:pic>
+        <p:nvPicPr>
+          <p:cNvPr id="10" name="Afbeelding 9">
+            <a:extLst>
+              <a:ext uri="{FF2B5EF4-FFF2-40B4-BE49-F238E27FC236}">
+                <a16:creationId xmlns:a16="http://schemas.microsoft.com/office/drawing/2014/main" id="{14F6F7A1-482D-4799-8CB8-7CA26E449205}"/>
+              </a:ext>
+            </a:extLst>
+          </p:cNvPr>
+          <p:cNvPicPr>
+            <a:picLocks noChangeAspect="1"/>
+          </p:cNvPicPr>
+          <p:nvPr/>
+        </p:nvPicPr>
+        <p:blipFill>
+          <a:blip r:embed="rId4"/>
+          <a:stretch>
+            <a:fillRect/>
+          </a:stretch>
+        </p:blipFill>
+        <p:spPr>
+          <a:xfrm>
+            <a:off x="1455986" y="1600200"/>
+            <a:ext cx="720080" cy="1345006"/>
+          </a:xfrm>
+          <a:prstGeom prst="rect">
+            <a:avLst/>
+          </a:prstGeom>
+        </p:spPr>
+      </p:pic>
+      <p:graphicFrame>
+        <p:nvGraphicFramePr>
+          <p:cNvPr id="11" name="Tabel 10">
+            <a:extLst>
+              <a:ext uri="{FF2B5EF4-FFF2-40B4-BE49-F238E27FC236}">
+                <a16:creationId xmlns:a16="http://schemas.microsoft.com/office/drawing/2014/main" id="{E3F85225-FBD4-43B7-B564-6B8CE87E6178}"/>
+              </a:ext>
+            </a:extLst>
+          </p:cNvPr>
+          <p:cNvGraphicFramePr>
+            <a:graphicFrameLocks noGrp="1"/>
+          </p:cNvGraphicFramePr>
+          <p:nvPr>
+            <p:extLst>
+              <p:ext uri="{D42A27DB-BD31-4B8C-83A1-F6EECF244321}">
+                <p14:modId xmlns:p14="http://schemas.microsoft.com/office/powerpoint/2010/main" val="1818112041"/>
+              </p:ext>
+            </p:extLst>
+          </p:nvPr>
+        </p:nvGraphicFramePr>
+        <p:xfrm>
+          <a:off x="2483768" y="1600199"/>
+          <a:ext cx="6096000" cy="4152510"/>
+        </p:xfrm>
+        <a:graphic>
+          <a:graphicData uri="http://schemas.openxmlformats.org/drawingml/2006/table">
+            <a:tbl>
+              <a:tblPr firstRow="1" bandRow="1">
+                <a:tableStyleId>{2D5ABB26-0587-4C30-8999-92F81FD0307C}</a:tableStyleId>
+              </a:tblPr>
+              <a:tblGrid>
+                <a:gridCol w="6096000">
+                  <a:extLst>
+                    <a:ext uri="{9D8B030D-6E8A-4147-A177-3AD203B41FA5}">
+                      <a16:colId xmlns:a16="http://schemas.microsoft.com/office/drawing/2014/main" val="3922044733"/>
+                    </a:ext>
+                  </a:extLst>
+                </a:gridCol>
+              </a:tblGrid>
+              <a:tr h="1384170">
+                <a:tc>
+                  <a:txBody>
+                    <a:bodyPr/>
+                    <a:lstStyle/>
+                    <a:p>
+                      <a:r>
+                        <a:rPr lang="nl-NL" sz="2400" dirty="0"/>
+                        <a:t>API benaderen via POSTMAN</a:t>
+                      </a:r>
+                    </a:p>
+                  </a:txBody>
+                  <a:tcPr anchor="ctr"/>
+                </a:tc>
+                <a:extLst>
+                  <a:ext uri="{0D108BD9-81ED-4DB2-BD59-A6C34878D82A}">
+                    <a16:rowId xmlns:a16="http://schemas.microsoft.com/office/drawing/2014/main" val="4098424359"/>
+                  </a:ext>
+                </a:extLst>
+              </a:tr>
+              <a:tr h="1384170">
+                <a:tc>
+                  <a:txBody>
+                    <a:bodyPr/>
+                    <a:lstStyle/>
+                    <a:p>
+                      <a:r>
+                        <a:rPr lang="nl-NL" sz="2400" dirty="0"/>
+                        <a:t>Webpagina voor weergave</a:t>
+                      </a:r>
+                    </a:p>
+                  </a:txBody>
+                  <a:tcPr anchor="ctr"/>
+                </a:tc>
+                <a:extLst>
+                  <a:ext uri="{0D108BD9-81ED-4DB2-BD59-A6C34878D82A}">
+                    <a16:rowId xmlns:a16="http://schemas.microsoft.com/office/drawing/2014/main" val="2512343265"/>
+                  </a:ext>
+                </a:extLst>
+              </a:tr>
+              <a:tr h="1384170">
+                <a:tc>
+                  <a:txBody>
+                    <a:bodyPr/>
+                    <a:lstStyle/>
+                    <a:p>
+                      <a:r>
+                        <a:rPr lang="nl-NL" sz="2400" dirty="0"/>
+                        <a:t>Webpagina voor bewerken / creëren</a:t>
+                      </a:r>
+                    </a:p>
+                  </a:txBody>
+                  <a:tcPr anchor="ctr"/>
+                </a:tc>
+                <a:extLst>
+                  <a:ext uri="{0D108BD9-81ED-4DB2-BD59-A6C34878D82A}">
+                    <a16:rowId xmlns:a16="http://schemas.microsoft.com/office/drawing/2014/main" val="3719736087"/>
+                  </a:ext>
+                </a:extLst>
+              </a:tr>
+            </a:tbl>
+          </a:graphicData>
+        </a:graphic>
+      </p:graphicFrame>
+      <p:sp>
+        <p:nvSpPr>
+          <p:cNvPr id="12" name="Tekstvak 11">
+            <a:extLst>
+              <a:ext uri="{FF2B5EF4-FFF2-40B4-BE49-F238E27FC236}">
+                <a16:creationId xmlns:a16="http://schemas.microsoft.com/office/drawing/2014/main" id="{F1CA829D-CD80-43CE-BB35-842D4EA2E5AA}"/>
+              </a:ext>
+            </a:extLst>
+          </p:cNvPr>
+          <p:cNvSpPr txBox="1"/>
+          <p:nvPr/>
+        </p:nvSpPr>
+        <p:spPr>
+          <a:xfrm>
+            <a:off x="432658" y="1172060"/>
+            <a:ext cx="8229600" cy="369332"/>
+          </a:xfrm>
+          <a:prstGeom prst="rect">
+            <a:avLst/>
+          </a:prstGeom>
+          <a:noFill/>
+        </p:spPr>
+        <p:txBody>
+          <a:bodyPr wrap="square" rtlCol="0">
+            <a:spAutoFit/>
           </a:bodyPr>
           <a:lstStyle/>
           <a:p>
-            <a:endParaRPr lang="en-US" dirty="0"/>
-          </a:p>
-          <a:p>
-            <a:r>
-              <a:rPr lang="en-US" sz="2000" dirty="0"/>
-              <a:t>HTTP Status Code: 200: OK</a:t>
-            </a:r>
-          </a:p>
-          <a:p>
-            <a:endParaRPr lang="en-US" sz="2000" dirty="0"/>
-          </a:p>
-          <a:p>
-            <a:r>
-              <a:rPr lang="en-US" sz="2000" dirty="0"/>
-              <a:t>HTTP Status Code: 401: Unauthorized (login first)</a:t>
-            </a:r>
-          </a:p>
-          <a:p>
-            <a:pPr marL="0" indent="0">
-              <a:buNone/>
-            </a:pPr>
-            <a:endParaRPr lang="en-US" sz="2000" dirty="0"/>
-          </a:p>
-          <a:p>
-            <a:r>
-              <a:rPr lang="en-US" sz="2000" dirty="0"/>
-              <a:t>HTTP Status Code: 403: Forbidden</a:t>
-            </a:r>
-          </a:p>
-          <a:p>
-            <a:endParaRPr lang="en-US" sz="2000" dirty="0"/>
-          </a:p>
-          <a:p>
-            <a:r>
-              <a:rPr lang="en-US" sz="2000" dirty="0"/>
-              <a:t>HTTP Status Code: 404: Not Found</a:t>
-            </a:r>
-          </a:p>
-          <a:p>
-            <a:endParaRPr lang="en-US" sz="2000" dirty="0"/>
-          </a:p>
-          <a:p>
-            <a:endParaRPr lang="en-US" dirty="0"/>
-          </a:p>
-          <a:p>
-            <a:pPr marL="0" indent="0">
-              <a:buNone/>
-            </a:pPr>
-            <a:r>
-              <a:rPr lang="en-US" sz="1500" dirty="0"/>
-              <a:t>Message for people </a:t>
-            </a:r>
-          </a:p>
-          <a:p>
-            <a:pPr marL="0" indent="0">
-              <a:buNone/>
-            </a:pPr>
-            <a:r>
-              <a:rPr lang="en-US" sz="1500" dirty="0"/>
-              <a:t>{"</a:t>
-            </a:r>
-            <a:r>
-              <a:rPr lang="en-US" sz="1500" dirty="0" err="1"/>
-              <a:t>developerMessage</a:t>
-            </a:r>
-            <a:r>
-              <a:rPr lang="en-US" sz="1500" dirty="0"/>
-              <a:t>" : "Verbose, plain language description of the problem for the app developer with hints about how to fix it.", "</a:t>
-            </a:r>
-            <a:r>
-              <a:rPr lang="en-US" sz="1500" dirty="0" err="1"/>
-              <a:t>userMessage</a:t>
-            </a:r>
-            <a:r>
-              <a:rPr lang="en-US" sz="1500" dirty="0"/>
-              <a:t>":"Pass this message on to the app user if needed.", "</a:t>
-            </a:r>
-            <a:r>
-              <a:rPr lang="en-US" sz="1500" dirty="0" err="1"/>
-              <a:t>errorCode</a:t>
-            </a:r>
-            <a:r>
-              <a:rPr lang="en-US" sz="1500" dirty="0"/>
-              <a:t>" : 12345, "more info": "http://dev.example.com/errors/12345"} </a:t>
-            </a:r>
-            <a:endParaRPr lang="en-US" sz="1000" dirty="0"/>
-          </a:p>
-          <a:p>
-            <a:pPr marL="0" indent="0">
-              <a:buNone/>
-            </a:pPr>
-            <a:endParaRPr lang="en-US" sz="2000" dirty="0"/>
-          </a:p>
-          <a:p>
-            <a:endParaRPr lang="en-US" dirty="0"/>
-          </a:p>
-          <a:p>
-            <a:pPr marL="0" indent="0">
-              <a:buNone/>
-            </a:pPr>
-            <a:endParaRPr lang="en-US" dirty="0"/>
-          </a:p>
-          <a:p>
-            <a:endParaRPr lang="en-US" dirty="0"/>
-          </a:p>
-          <a:p>
-            <a:endParaRPr lang="en-US" dirty="0"/>
-          </a:p>
-          <a:p>
-            <a:endParaRPr lang="en-US" sz="2800" dirty="0"/>
+            <a:pPr algn="ctr"/>
+            <a:r>
+              <a:rPr lang="nl-NL" dirty="0"/>
+              <a:t>&lt;&lt;URL INVOEGEN&gt;&gt;</a:t>
+            </a:r>
           </a:p>
         </p:txBody>
       </p:sp>
     </p:spTree>
     <p:extLst>
       <p:ext uri="{BB962C8B-B14F-4D97-AF65-F5344CB8AC3E}">
-        <p14:creationId xmlns:p14="http://schemas.microsoft.com/office/powerpoint/2010/main" val="4095739237"/>
+        <p14:creationId xmlns:p14="http://schemas.microsoft.com/office/powerpoint/2010/main" val="4180346267"/>
       </p:ext>
     </p:extLst>
   </p:cSld>
@@ -6702,7 +6804,7 @@
           <a:p>
             <a:r>
               <a:rPr lang="en-US" dirty="0"/>
-              <a:t>Versioning</a:t>
+              <a:t>Filters</a:t>
             </a:r>
             <a:endParaRPr lang="nl-NL" dirty="0"/>
           </a:p>
@@ -6726,7 +6828,7 @@
         </p:spPr>
         <p:txBody>
           <a:bodyPr>
-            <a:normAutofit fontScale="92500" lnSpcReduction="10000"/>
+            <a:normAutofit lnSpcReduction="10000"/>
           </a:bodyPr>
           <a:lstStyle/>
           <a:p>
@@ -6734,8 +6836,20 @@
               <a:buNone/>
             </a:pPr>
             <a:r>
+              <a:rPr lang="en-US" dirty="0" err="1"/>
+              <a:t>Complexiteit</a:t>
+            </a:r>
+            <a:r>
               <a:rPr lang="en-US" dirty="0"/>
-              <a:t>Examples:</a:t>
+              <a:t> </a:t>
+            </a:r>
+            <a:r>
+              <a:rPr lang="en-US" dirty="0" err="1"/>
+              <a:t>achter</a:t>
+            </a:r>
+            <a:r>
+              <a:rPr lang="en-US" dirty="0"/>
+              <a:t> de  ‘?’</a:t>
             </a:r>
           </a:p>
           <a:p>
@@ -6748,40 +6862,155 @@
             <a:endParaRPr lang="en-US" dirty="0"/>
           </a:p>
           <a:p>
-            <a:r>
-              <a:rPr lang="en-US" sz="1800" dirty="0"/>
-              <a:t>Twilio: /2010-04-01/Accounts/ </a:t>
-            </a:r>
-          </a:p>
-          <a:p>
-            <a:endParaRPr lang="en-US" sz="1800" dirty="0"/>
-          </a:p>
-          <a:p>
-            <a:r>
-              <a:rPr lang="en-US" sz="1800" dirty="0"/>
-              <a:t>Salesforce.com: /services/data/v2.0/objects/Account </a:t>
-            </a:r>
-          </a:p>
-          <a:p>
-            <a:endParaRPr lang="en-US" sz="1800" dirty="0"/>
-          </a:p>
-          <a:p>
-            <a:r>
-              <a:rPr lang="en-US" sz="1800" dirty="0"/>
-              <a:t>Facebook: ?v=1.0 </a:t>
-            </a:r>
-          </a:p>
-          <a:p>
+            <a:pPr marL="0" indent="0">
+              <a:buNone/>
+            </a:pPr>
+            <a:r>
+              <a:rPr lang="en-US" sz="2000" dirty="0" err="1"/>
+              <a:t>Alle</a:t>
+            </a:r>
+            <a:r>
+              <a:rPr lang="en-US" sz="2000" dirty="0"/>
+              <a:t> </a:t>
+            </a:r>
+            <a:r>
+              <a:rPr lang="en-US" sz="2000" dirty="0" err="1"/>
+              <a:t>rennende</a:t>
+            </a:r>
+            <a:r>
+              <a:rPr lang="en-US" sz="2000" dirty="0"/>
+              <a:t> rode </a:t>
+            </a:r>
+            <a:r>
+              <a:rPr lang="en-US" sz="2000" dirty="0" err="1"/>
+              <a:t>honden</a:t>
+            </a:r>
+            <a:r>
+              <a:rPr lang="en-US" sz="2000" dirty="0"/>
+              <a:t> in het park</a:t>
+            </a:r>
+          </a:p>
+          <a:p>
+            <a:r>
+              <a:rPr lang="en-US" sz="2000" dirty="0"/>
+              <a:t>GET /</a:t>
+            </a:r>
+            <a:r>
+              <a:rPr lang="en-US" sz="2000" dirty="0" err="1"/>
+              <a:t>dogs?color</a:t>
+            </a:r>
+            <a:r>
+              <a:rPr lang="en-US" sz="2000" dirty="0"/>
+              <a:t>=</a:t>
+            </a:r>
+            <a:r>
+              <a:rPr lang="en-US" sz="2000" dirty="0" err="1"/>
+              <a:t>red&amp;state</a:t>
+            </a:r>
+            <a:r>
+              <a:rPr lang="en-US" sz="2000" dirty="0"/>
+              <a:t>=</a:t>
+            </a:r>
+            <a:r>
+              <a:rPr lang="en-US" sz="2000" dirty="0" err="1"/>
+              <a:t>running&amp;location</a:t>
+            </a:r>
+            <a:r>
+              <a:rPr lang="en-US" sz="2000" dirty="0"/>
+              <a:t>=park</a:t>
+            </a:r>
+          </a:p>
+          <a:p>
+            <a:endParaRPr lang="en-US" sz="2000" dirty="0"/>
+          </a:p>
+          <a:p>
+            <a:pPr marL="0" indent="0">
+              <a:buNone/>
+            </a:pPr>
+            <a:r>
+              <a:rPr lang="en-US" sz="2000" dirty="0" err="1"/>
+              <a:t>Alleen</a:t>
+            </a:r>
+            <a:r>
+              <a:rPr lang="en-US" sz="2000" dirty="0"/>
+              <a:t> </a:t>
+            </a:r>
+            <a:r>
+              <a:rPr lang="en-US" sz="2000" dirty="0" err="1"/>
+              <a:t>bepaalde</a:t>
+            </a:r>
+            <a:r>
+              <a:rPr lang="en-US" sz="2000" dirty="0"/>
+              <a:t> </a:t>
+            </a:r>
+            <a:r>
+              <a:rPr lang="en-US" sz="2000" dirty="0" err="1"/>
+              <a:t>velden</a:t>
+            </a:r>
+            <a:r>
+              <a:rPr lang="en-US" sz="2000" dirty="0"/>
+              <a:t>:</a:t>
+            </a:r>
+          </a:p>
+          <a:p>
+            <a:r>
+              <a:rPr lang="en-US" sz="2000" dirty="0"/>
+              <a:t>GET /</a:t>
+            </a:r>
+            <a:r>
+              <a:rPr lang="en-US" sz="2000" dirty="0" err="1"/>
+              <a:t>dogs?fields</a:t>
+            </a:r>
+            <a:r>
+              <a:rPr lang="en-US" sz="2000" dirty="0"/>
+              <a:t>=</a:t>
+            </a:r>
+            <a:r>
+              <a:rPr lang="en-US" sz="2000" dirty="0" err="1"/>
+              <a:t>name,color,location</a:t>
+            </a:r>
+            <a:r>
+              <a:rPr lang="en-US" sz="2000" dirty="0"/>
+              <a:t> </a:t>
+            </a:r>
+          </a:p>
+          <a:p>
+            <a:endParaRPr lang="en-US" sz="2000" dirty="0"/>
+          </a:p>
+          <a:p>
+            <a:pPr marL="0" indent="0">
+              <a:buNone/>
+            </a:pPr>
+            <a:r>
+              <a:rPr lang="en-US" sz="2200" dirty="0"/>
+              <a:t>Pagination </a:t>
+            </a:r>
+          </a:p>
+          <a:p>
+            <a:r>
+              <a:rPr lang="en-US" sz="2200" dirty="0"/>
+              <a:t>GET /</a:t>
+            </a:r>
+            <a:r>
+              <a:rPr lang="en-US" sz="2200" dirty="0" err="1"/>
+              <a:t>dogs?limit</a:t>
+            </a:r>
+            <a:r>
+              <a:rPr lang="en-US" sz="2200" dirty="0"/>
+              <a:t>=25&amp;offset=50 </a:t>
+            </a:r>
+          </a:p>
+          <a:p>
+            <a:pPr marL="0" indent="0">
+              <a:buNone/>
+            </a:pPr>
             <a:endParaRPr lang="en-US" dirty="0"/>
           </a:p>
           <a:p>
-            <a:pPr marL="0" indent="0">
-              <a:buNone/>
-            </a:pPr>
-            <a:r>
-              <a:rPr lang="en-US" sz="2600" dirty="0"/>
-              <a:t>Never release an API without a version and Make the version mandatory.</a:t>
-            </a:r>
+            <a:endParaRPr lang="en-US" dirty="0"/>
+          </a:p>
+          <a:p>
+            <a:endParaRPr lang="en-US" dirty="0"/>
           </a:p>
           <a:p>
             <a:endParaRPr lang="en-US" sz="2800" dirty="0"/>
@@ -6791,7 +7020,7 @@
     </p:spTree>
     <p:extLst>
       <p:ext uri="{BB962C8B-B14F-4D97-AF65-F5344CB8AC3E}">
-        <p14:creationId xmlns:p14="http://schemas.microsoft.com/office/powerpoint/2010/main" val="1755673490"/>
+        <p14:creationId xmlns:p14="http://schemas.microsoft.com/office/powerpoint/2010/main" val="1004819729"/>
       </p:ext>
     </p:extLst>
   </p:cSld>
@@ -6839,8 +7068,8 @@
           <a:lstStyle/>
           <a:p>
             <a:r>
-              <a:rPr lang="en-US" dirty="0"/>
-              <a:t>Non-Resource URL</a:t>
+              <a:rPr lang="en-US" dirty="0" err="1"/>
+              <a:t>Authenticatie</a:t>
             </a:r>
             <a:endParaRPr lang="nl-NL" dirty="0"/>
           </a:p>
@@ -6869,70 +7098,40 @@
           <a:lstStyle/>
           <a:p>
             <a:r>
-              <a:rPr lang="en-US" dirty="0"/>
-              <a:t>Calculate </a:t>
-            </a:r>
-          </a:p>
-          <a:p>
-            <a:r>
-              <a:rPr lang="en-US" dirty="0"/>
-              <a:t>Translate </a:t>
-            </a:r>
-          </a:p>
-          <a:p>
-            <a:r>
-              <a:rPr lang="en-US" dirty="0"/>
-              <a:t>Convert </a:t>
-            </a:r>
-          </a:p>
-          <a:p>
-            <a:endParaRPr lang="en-US" sz="2800" dirty="0"/>
-          </a:p>
-          <a:p>
-            <a:pPr marL="0" indent="0">
-              <a:buNone/>
-            </a:pPr>
-            <a:r>
               <a:rPr lang="en-US" sz="2400" dirty="0"/>
-              <a:t>Example: convert 100 euros to Chinese Yen</a:t>
-            </a:r>
-          </a:p>
-          <a:p>
-            <a:r>
-              <a:rPr lang="en-US" sz="2000" dirty="0"/>
-              <a:t>GET /</a:t>
-            </a:r>
-            <a:r>
-              <a:rPr lang="en-US" sz="2000" dirty="0" err="1"/>
-              <a:t>convert?from</a:t>
-            </a:r>
-            <a:r>
-              <a:rPr lang="en-US" sz="2000" dirty="0"/>
-              <a:t>=</a:t>
-            </a:r>
-            <a:r>
-              <a:rPr lang="en-US" sz="2000" dirty="0" err="1"/>
-              <a:t>EUR&amp;to</a:t>
-            </a:r>
-            <a:r>
-              <a:rPr lang="en-US" sz="2000" dirty="0"/>
-              <a:t>=</a:t>
-            </a:r>
-            <a:r>
-              <a:rPr lang="en-US" sz="2000" dirty="0" err="1"/>
-              <a:t>CNY&amp;amount</a:t>
-            </a:r>
-            <a:r>
-              <a:rPr lang="en-US" sz="2000" dirty="0"/>
-              <a:t>=100 </a:t>
-            </a:r>
+              <a:t>HTTPS</a:t>
+            </a:r>
+          </a:p>
+          <a:p>
+            <a:endParaRPr lang="en-US" sz="2400" dirty="0"/>
+          </a:p>
+          <a:p>
+            <a:r>
+              <a:rPr lang="en-US" sz="2400" dirty="0"/>
+              <a:t>Access Control</a:t>
+            </a:r>
+          </a:p>
+          <a:p>
+            <a:r>
+              <a:rPr lang="en-US" sz="2400" dirty="0"/>
+              <a:t>JSON Web Tokens</a:t>
+            </a:r>
+          </a:p>
+          <a:p>
+            <a:r>
+              <a:rPr lang="en-US" sz="2400" dirty="0"/>
+              <a:t>API Keys</a:t>
+            </a:r>
+          </a:p>
+          <a:p>
+            <a:endParaRPr lang="en-US" sz="2000" dirty="0"/>
           </a:p>
         </p:txBody>
       </p:sp>
     </p:spTree>
     <p:extLst>
       <p:ext uri="{BB962C8B-B14F-4D97-AF65-F5344CB8AC3E}">
-        <p14:creationId xmlns:p14="http://schemas.microsoft.com/office/powerpoint/2010/main" val="3180395074"/>
+        <p14:creationId xmlns:p14="http://schemas.microsoft.com/office/powerpoint/2010/main" val="3425312892"/>
       </p:ext>
     </p:extLst>
   </p:cSld>
@@ -6981,7 +7180,7 @@
           <a:p>
             <a:r>
               <a:rPr lang="en-US" dirty="0"/>
-              <a:t>Search</a:t>
+              <a:t>Non-Resource URL</a:t>
             </a:r>
             <a:endParaRPr lang="nl-NL" dirty="0"/>
           </a:p>
@@ -7010,89 +7209,63 @@
           <a:lstStyle/>
           <a:p>
             <a:r>
+              <a:rPr lang="en-US" dirty="0" err="1"/>
+              <a:t>Berekenen</a:t>
+            </a:r>
+            <a:r>
+              <a:rPr lang="en-US" dirty="0"/>
+              <a:t> </a:t>
+            </a:r>
+          </a:p>
+          <a:p>
+            <a:r>
+              <a:rPr lang="en-US" dirty="0" err="1"/>
+              <a:t>Vertalen</a:t>
+            </a:r>
+            <a:endParaRPr lang="en-US" dirty="0"/>
+          </a:p>
+          <a:p>
+            <a:r>
+              <a:rPr lang="en-US" dirty="0" err="1"/>
+              <a:t>Omzetten</a:t>
+            </a:r>
+            <a:r>
+              <a:rPr lang="en-US" dirty="0"/>
+              <a:t> </a:t>
+            </a:r>
+          </a:p>
+          <a:p>
+            <a:endParaRPr lang="en-US" sz="2800" dirty="0"/>
+          </a:p>
+          <a:p>
+            <a:pPr marL="0" indent="0">
+              <a:buNone/>
+            </a:pPr>
+            <a:r>
+              <a:rPr lang="en-US" sz="2400" dirty="0" err="1"/>
+              <a:t>Voorbeeld</a:t>
+            </a:r>
+            <a:r>
               <a:rPr lang="en-US" sz="2400" dirty="0"/>
-              <a:t>Global search</a:t>
-            </a:r>
-          </a:p>
-          <a:p>
-            <a:pPr marL="0" indent="0">
-              <a:buNone/>
-            </a:pPr>
+              <a:t>: 100 Euro </a:t>
+            </a:r>
+            <a:r>
+              <a:rPr lang="en-US" sz="2400" dirty="0" err="1"/>
+              <a:t>naar</a:t>
+            </a:r>
             <a:r>
               <a:rPr lang="en-US" sz="2400" dirty="0"/>
-              <a:t>GET /</a:t>
-            </a:r>
-            <a:r>
-              <a:rPr lang="en-US" sz="2400" dirty="0" err="1"/>
-              <a:t>search?q</a:t>
-            </a:r>
-            <a:r>
-              <a:rPr lang="en-US" sz="2400" dirty="0"/>
-              <a:t>=</a:t>
-            </a:r>
-            <a:r>
-              <a:rPr lang="en-US" sz="2400" dirty="0" err="1"/>
-              <a:t>fluffy+fur</a:t>
-            </a:r>
-            <a:r>
-              <a:rPr lang="en-US" sz="2400" dirty="0"/>
-              <a:t> </a:t>
-            </a:r>
-          </a:p>
-          <a:p>
-            <a:endParaRPr lang="en-US" sz="2400" dirty="0"/>
-          </a:p>
-          <a:p>
-            <a:r>
-              <a:rPr lang="en-US" sz="2400" dirty="0"/>
-              <a:t>Scoped search</a:t>
-            </a:r>
-          </a:p>
-          <a:p>
-            <a:pPr marL="0" indent="0">
-              <a:buNone/>
-            </a:pPr>
-            <a:r>
-              <a:rPr lang="en-US" sz="2400" dirty="0"/>
-              <a:t>GET /owners/5678/</a:t>
-            </a:r>
-            <a:r>
-              <a:rPr lang="en-US" sz="2400" dirty="0" err="1"/>
-              <a:t>dogs?q</a:t>
-            </a:r>
-            <a:r>
-              <a:rPr lang="en-US" sz="2400" dirty="0"/>
-              <a:t>=</a:t>
-            </a:r>
-            <a:r>
-              <a:rPr lang="en-US" sz="2400" dirty="0" err="1"/>
-              <a:t>fluffy+fur</a:t>
-            </a:r>
-            <a:r>
-              <a:rPr lang="en-US" sz="2400" dirty="0"/>
-              <a:t> </a:t>
-            </a:r>
-          </a:p>
-          <a:p>
-            <a:endParaRPr lang="en-US" sz="2800" dirty="0"/>
-          </a:p>
-          <a:p>
-            <a:r>
-              <a:rPr lang="en-US" sz="2400" dirty="0"/>
-              <a:t>Formatted results</a:t>
-            </a:r>
-          </a:p>
-          <a:p>
-            <a:pPr marL="0" indent="0">
-              <a:buNone/>
-            </a:pPr>
+              <a:t> Chinese Yen</a:t>
+            </a:r>
+          </a:p>
+          <a:p>
             <a:r>
               <a:rPr lang="en-US" sz="2000" dirty="0"/>
               <a:t>GET /</a:t>
             </a:r>
             <a:r>
               <a:rPr lang="en-US" sz="2000" dirty="0" err="1"/>
-              <a:t>search.xml?q</a:t>
+              <a:t>convert?from</a:t>
             </a:r>
             <a:r>
               <a:rPr lang="en-US" sz="2000" dirty="0"/>
@@ -7100,11 +7273,19 @@
             </a:r>
             <a:r>
               <a:rPr lang="en-US" sz="2000" dirty="0" err="1"/>
-              <a:t>fluffy+fur</a:t>
+              <a:t>EUR&amp;to</a:t>
             </a:r>
             <a:r>
               <a:rPr lang="en-US" sz="2000" dirty="0"/>
-              <a:t> </a:t>
+              <a:t>=</a:t>
+            </a:r>
+            <a:r>
+              <a:rPr lang="en-US" sz="2000" dirty="0" err="1"/>
+              <a:t>CNY&amp;amount</a:t>
+            </a:r>
+            <a:r>
+              <a:rPr lang="en-US" sz="2000" dirty="0"/>
+              <a:t>=100 </a:t>
             </a:r>
           </a:p>
         </p:txBody>
@@ -7112,7 +7293,7 @@
     </p:spTree>
     <p:extLst>
       <p:ext uri="{BB962C8B-B14F-4D97-AF65-F5344CB8AC3E}">
-        <p14:creationId xmlns:p14="http://schemas.microsoft.com/office/powerpoint/2010/main" val="640982982"/>
+        <p14:creationId xmlns:p14="http://schemas.microsoft.com/office/powerpoint/2010/main" val="3180395074"/>
       </p:ext>
     </p:extLst>
   </p:cSld>
@@ -7141,7 +7322,13 @@
       </p:grpSpPr>
       <p:sp>
         <p:nvSpPr>
-          <p:cNvPr id="2" name="Title 1"/>
+          <p:cNvPr id="2" name="Titel 1">
+            <a:extLst>
+              <a:ext uri="{FF2B5EF4-FFF2-40B4-BE49-F238E27FC236}">
+                <a16:creationId xmlns:a16="http://schemas.microsoft.com/office/drawing/2014/main" id="{BCC5A367-5E3E-4C1A-B5E3-D1F4E5FF3AC6}"/>
+              </a:ext>
+            </a:extLst>
+          </p:cNvPr>
           <p:cNvSpPr>
             <a:spLocks noGrp="1"/>
           </p:cNvSpPr>
@@ -7149,63 +7336,257 @@
             <p:ph type="title"/>
           </p:nvPr>
         </p:nvSpPr>
+        <p:spPr/>
+        <p:txBody>
+          <a:bodyPr>
+            <a:normAutofit fontScale="90000"/>
+          </a:bodyPr>
+          <a:lstStyle/>
+          <a:p>
+            <a:r>
+              <a:rPr lang="nl-NL" dirty="0"/>
+              <a:t>Workshop 2</a:t>
+            </a:r>
+            <a:br>
+              <a:rPr lang="nl-NL" dirty="0"/>
+            </a:br>
+            <a:endParaRPr lang="nl-NL" dirty="0"/>
+          </a:p>
+        </p:txBody>
+      </p:sp>
+      <p:pic>
+        <p:nvPicPr>
+          <p:cNvPr id="8" name="Afbeelding 7">
+            <a:extLst>
+              <a:ext uri="{FF2B5EF4-FFF2-40B4-BE49-F238E27FC236}">
+                <a16:creationId xmlns:a16="http://schemas.microsoft.com/office/drawing/2014/main" id="{688B71FD-ECE7-4DCD-9A26-8D087E02CD56}"/>
+              </a:ext>
+            </a:extLst>
+          </p:cNvPr>
+          <p:cNvPicPr>
+            <a:picLocks noChangeAspect="1"/>
+          </p:cNvPicPr>
+          <p:nvPr/>
+        </p:nvPicPr>
+        <p:blipFill>
+          <a:blip r:embed="rId2"/>
+          <a:stretch>
+            <a:fillRect/>
+          </a:stretch>
+        </p:blipFill>
         <p:spPr>
           <a:xfrm>
-            <a:off x="457200" y="274638"/>
-            <a:ext cx="8229600" cy="1138138"/>
+            <a:off x="1470484" y="4485710"/>
+            <a:ext cx="680740" cy="1266999"/>
           </a:xfrm>
+          <a:prstGeom prst="rect">
+            <a:avLst/>
+          </a:prstGeom>
         </p:spPr>
-        <p:txBody>
-          <a:bodyPr/>
-          <a:lstStyle/>
-          <a:p>
-            <a:r>
-              <a:rPr lang="en-US" dirty="0"/>
-              <a:t>Authentication</a:t>
-            </a:r>
-            <a:endParaRPr lang="nl-NL" dirty="0"/>
-          </a:p>
-        </p:txBody>
-      </p:sp>
-      <p:sp>
-        <p:nvSpPr>
-          <p:cNvPr id="3" name="Content Placeholder 2"/>
-          <p:cNvSpPr>
-            <a:spLocks noGrp="1"/>
-          </p:cNvSpPr>
-          <p:nvPr>
-            <p:ph idx="1"/>
-          </p:nvPr>
-        </p:nvSpPr>
+      </p:pic>
+      <p:pic>
+        <p:nvPicPr>
+          <p:cNvPr id="9" name="Afbeelding 8">
+            <a:extLst>
+              <a:ext uri="{FF2B5EF4-FFF2-40B4-BE49-F238E27FC236}">
+                <a16:creationId xmlns:a16="http://schemas.microsoft.com/office/drawing/2014/main" id="{8560F39E-6089-4177-8533-68D4B6623D6D}"/>
+              </a:ext>
+            </a:extLst>
+          </p:cNvPr>
+          <p:cNvPicPr>
+            <a:picLocks noChangeAspect="1"/>
+          </p:cNvPicPr>
+          <p:nvPr/>
+        </p:nvPicPr>
+        <p:blipFill>
+          <a:blip r:embed="rId3"/>
+          <a:stretch>
+            <a:fillRect/>
+          </a:stretch>
+        </p:blipFill>
         <p:spPr>
           <a:xfrm>
-            <a:off x="266689" y="1396662"/>
-            <a:ext cx="8420111" cy="4525963"/>
+            <a:off x="1470484" y="3068960"/>
+            <a:ext cx="691084" cy="1292996"/>
           </a:xfrm>
+          <a:prstGeom prst="rect">
+            <a:avLst/>
+          </a:prstGeom>
         </p:spPr>
-        <p:txBody>
-          <a:bodyPr>
-            <a:normAutofit/>
+      </p:pic>
+      <p:pic>
+        <p:nvPicPr>
+          <p:cNvPr id="10" name="Afbeelding 9">
+            <a:extLst>
+              <a:ext uri="{FF2B5EF4-FFF2-40B4-BE49-F238E27FC236}">
+                <a16:creationId xmlns:a16="http://schemas.microsoft.com/office/drawing/2014/main" id="{14F6F7A1-482D-4799-8CB8-7CA26E449205}"/>
+              </a:ext>
+            </a:extLst>
+          </p:cNvPr>
+          <p:cNvPicPr>
+            <a:picLocks noChangeAspect="1"/>
+          </p:cNvPicPr>
+          <p:nvPr/>
+        </p:nvPicPr>
+        <p:blipFill>
+          <a:blip r:embed="rId4"/>
+          <a:stretch>
+            <a:fillRect/>
+          </a:stretch>
+        </p:blipFill>
+        <p:spPr>
+          <a:xfrm>
+            <a:off x="1455986" y="1600200"/>
+            <a:ext cx="720080" cy="1345006"/>
+          </a:xfrm>
+          <a:prstGeom prst="rect">
+            <a:avLst/>
+          </a:prstGeom>
+        </p:spPr>
+      </p:pic>
+      <p:graphicFrame>
+        <p:nvGraphicFramePr>
+          <p:cNvPr id="11" name="Tabel 10">
+            <a:extLst>
+              <a:ext uri="{FF2B5EF4-FFF2-40B4-BE49-F238E27FC236}">
+                <a16:creationId xmlns:a16="http://schemas.microsoft.com/office/drawing/2014/main" id="{E3F85225-FBD4-43B7-B564-6B8CE87E6178}"/>
+              </a:ext>
+            </a:extLst>
+          </p:cNvPr>
+          <p:cNvGraphicFramePr>
+            <a:graphicFrameLocks noGrp="1"/>
+          </p:cNvGraphicFramePr>
+          <p:nvPr>
+            <p:extLst>
+              <p:ext uri="{D42A27DB-BD31-4B8C-83A1-F6EECF244321}">
+                <p14:modId xmlns:p14="http://schemas.microsoft.com/office/powerpoint/2010/main" val="530699417"/>
+              </p:ext>
+            </p:extLst>
+          </p:nvPr>
+        </p:nvGraphicFramePr>
+        <p:xfrm>
+          <a:off x="2483768" y="1600199"/>
+          <a:ext cx="6096000" cy="4152510"/>
+        </p:xfrm>
+        <a:graphic>
+          <a:graphicData uri="http://schemas.openxmlformats.org/drawingml/2006/table">
+            <a:tbl>
+              <a:tblPr firstRow="1" bandRow="1">
+                <a:tableStyleId>{2D5ABB26-0587-4C30-8999-92F81FD0307C}</a:tableStyleId>
+              </a:tblPr>
+              <a:tblGrid>
+                <a:gridCol w="6096000">
+                  <a:extLst>
+                    <a:ext uri="{9D8B030D-6E8A-4147-A177-3AD203B41FA5}">
+                      <a16:colId xmlns:a16="http://schemas.microsoft.com/office/drawing/2014/main" val="3922044733"/>
+                    </a:ext>
+                  </a:extLst>
+                </a:gridCol>
+              </a:tblGrid>
+              <a:tr h="1384170">
+                <a:tc>
+                  <a:txBody>
+                    <a:bodyPr/>
+                    <a:lstStyle/>
+                    <a:p>
+                      <a:r>
+                        <a:rPr lang="nl-NL" sz="2400" dirty="0"/>
+                        <a:t>Dierentuin PUT/POST/DELETE</a:t>
+                      </a:r>
+                    </a:p>
+                  </a:txBody>
+                  <a:tcPr anchor="ctr"/>
+                </a:tc>
+                <a:extLst>
+                  <a:ext uri="{0D108BD9-81ED-4DB2-BD59-A6C34878D82A}">
+                    <a16:rowId xmlns:a16="http://schemas.microsoft.com/office/drawing/2014/main" val="4098424359"/>
+                  </a:ext>
+                </a:extLst>
+              </a:tr>
+              <a:tr h="1384170">
+                <a:tc>
+                  <a:txBody>
+                    <a:bodyPr/>
+                    <a:lstStyle/>
+                    <a:p>
+                      <a:r>
+                        <a:rPr lang="nl-NL" sz="2400" dirty="0"/>
+                        <a:t>Filter via URI parameters</a:t>
+                      </a:r>
+                    </a:p>
+                  </a:txBody>
+                  <a:tcPr anchor="ctr"/>
+                </a:tc>
+                <a:extLst>
+                  <a:ext uri="{0D108BD9-81ED-4DB2-BD59-A6C34878D82A}">
+                    <a16:rowId xmlns:a16="http://schemas.microsoft.com/office/drawing/2014/main" val="2512343265"/>
+                  </a:ext>
+                </a:extLst>
+              </a:tr>
+              <a:tr h="1384170">
+                <a:tc>
+                  <a:txBody>
+                    <a:bodyPr/>
+                    <a:lstStyle/>
+                    <a:p>
+                      <a:r>
+                        <a:rPr lang="nl-NL" sz="2400" dirty="0"/>
+                        <a:t>Verbeteringen aandragen</a:t>
+                      </a:r>
+                    </a:p>
+                  </a:txBody>
+                  <a:tcPr anchor="ctr"/>
+                </a:tc>
+                <a:extLst>
+                  <a:ext uri="{0D108BD9-81ED-4DB2-BD59-A6C34878D82A}">
+                    <a16:rowId xmlns:a16="http://schemas.microsoft.com/office/drawing/2014/main" val="3719736087"/>
+                  </a:ext>
+                </a:extLst>
+              </a:tr>
+            </a:tbl>
+          </a:graphicData>
+        </a:graphic>
+      </p:graphicFrame>
+      <p:sp>
+        <p:nvSpPr>
+          <p:cNvPr id="4" name="Tekstvak 3">
+            <a:extLst>
+              <a:ext uri="{FF2B5EF4-FFF2-40B4-BE49-F238E27FC236}">
+                <a16:creationId xmlns:a16="http://schemas.microsoft.com/office/drawing/2014/main" id="{B8533896-8A12-406A-B4CC-3EF77F1A6F57}"/>
+              </a:ext>
+            </a:extLst>
+          </p:cNvPr>
+          <p:cNvSpPr txBox="1"/>
+          <p:nvPr/>
+        </p:nvSpPr>
+        <p:spPr>
+          <a:xfrm>
+            <a:off x="457200" y="836712"/>
+            <a:ext cx="8229600" cy="369332"/>
+          </a:xfrm>
+          <a:prstGeom prst="rect">
+            <a:avLst/>
+          </a:prstGeom>
+          <a:noFill/>
+        </p:spPr>
+        <p:txBody>
+          <a:bodyPr wrap="square" rtlCol="0">
+            <a:spAutoFit/>
           </a:bodyPr>
           <a:lstStyle/>
           <a:p>
-            <a:r>
-              <a:rPr lang="en-US" sz="2400" dirty="0"/>
-              <a:t>OAuth 2.0</a:t>
-            </a:r>
-          </a:p>
-          <a:p>
-            <a:endParaRPr lang="en-US" sz="2400" dirty="0"/>
-          </a:p>
-          <a:p>
-            <a:endParaRPr lang="en-US" sz="2000" dirty="0"/>
+            <a:pPr algn="ctr"/>
+            <a:r>
+              <a:rPr lang="nl-NL" dirty="0"/>
+              <a:t>github.com/spijkerman/dierentuin</a:t>
+            </a:r>
           </a:p>
         </p:txBody>
       </p:sp>
     </p:spTree>
     <p:extLst>
       <p:ext uri="{BB962C8B-B14F-4D97-AF65-F5344CB8AC3E}">
-        <p14:creationId xmlns:p14="http://schemas.microsoft.com/office/powerpoint/2010/main" val="3425312892"/>
+        <p14:creationId xmlns:p14="http://schemas.microsoft.com/office/powerpoint/2010/main" val="589837753"/>
       </p:ext>
     </p:extLst>
   </p:cSld>
@@ -7216,201 +7597,6 @@
 </file>
 
 <file path=ppt/slides/slide15.xml><?xml version="1.0" encoding="utf-8"?>
-<p:sld xmlns:a="http://schemas.openxmlformats.org/drawingml/2006/main" xmlns:r="http://schemas.openxmlformats.org/officeDocument/2006/relationships" xmlns:p="http://schemas.openxmlformats.org/presentationml/2006/main">
-  <p:cSld>
-    <p:spTree>
-      <p:nvGrpSpPr>
-        <p:cNvPr id="1" name=""/>
-        <p:cNvGrpSpPr/>
-        <p:nvPr/>
-      </p:nvGrpSpPr>
-      <p:grpSpPr>
-        <a:xfrm>
-          <a:off x="0" y="0"/>
-          <a:ext cx="0" cy="0"/>
-          <a:chOff x="0" y="0"/>
-          <a:chExt cx="0" cy="0"/>
-        </a:xfrm>
-      </p:grpSpPr>
-      <p:sp>
-        <p:nvSpPr>
-          <p:cNvPr id="2" name="Title 1"/>
-          <p:cNvSpPr>
-            <a:spLocks noGrp="1"/>
-          </p:cNvSpPr>
-          <p:nvPr>
-            <p:ph type="title"/>
-          </p:nvPr>
-        </p:nvSpPr>
-        <p:spPr>
-          <a:xfrm>
-            <a:off x="457200" y="274638"/>
-            <a:ext cx="8229600" cy="1138138"/>
-          </a:xfrm>
-        </p:spPr>
-        <p:txBody>
-          <a:bodyPr/>
-          <a:lstStyle/>
-          <a:p>
-            <a:r>
-              <a:rPr lang="en-US" dirty="0"/>
-              <a:t>Example</a:t>
-            </a:r>
-            <a:endParaRPr lang="nl-NL" dirty="0"/>
-          </a:p>
-        </p:txBody>
-      </p:sp>
-      <p:sp>
-        <p:nvSpPr>
-          <p:cNvPr id="3" name="Content Placeholder 2"/>
-          <p:cNvSpPr>
-            <a:spLocks noGrp="1"/>
-          </p:cNvSpPr>
-          <p:nvPr>
-            <p:ph idx="1"/>
-          </p:nvPr>
-        </p:nvSpPr>
-        <p:spPr>
-          <a:xfrm>
-            <a:off x="266689" y="1396662"/>
-            <a:ext cx="8420111" cy="4525963"/>
-          </a:xfrm>
-        </p:spPr>
-        <p:txBody>
-          <a:bodyPr>
-            <a:normAutofit/>
-          </a:bodyPr>
-          <a:lstStyle/>
-          <a:p>
-            <a:pPr marL="0" indent="0">
-              <a:buNone/>
-            </a:pPr>
-            <a:r>
-              <a:rPr lang="en-US" sz="2000" dirty="0"/>
-              <a:t>Create a brown dog named Al:</a:t>
-            </a:r>
-          </a:p>
-          <a:p>
-            <a:r>
-              <a:rPr lang="en-US" sz="2000" dirty="0"/>
-              <a:t>POST /dogs </a:t>
-            </a:r>
-          </a:p>
-          <a:p>
-            <a:pPr marL="0" indent="0">
-              <a:buNone/>
-            </a:pPr>
-            <a:r>
-              <a:rPr lang="en-US" sz="2000" dirty="0"/>
-              <a:t>name=</a:t>
-            </a:r>
-            <a:r>
-              <a:rPr lang="en-US" sz="2000" dirty="0" err="1"/>
-              <a:t>Al&amp;furColor</a:t>
-            </a:r>
-            <a:r>
-              <a:rPr lang="en-US" sz="2000" dirty="0"/>
-              <a:t>=brown</a:t>
-            </a:r>
-          </a:p>
-          <a:p>
-            <a:r>
-              <a:rPr lang="en-US" sz="2000" dirty="0"/>
-              <a:t>Response 200 OK </a:t>
-            </a:r>
-          </a:p>
-          <a:p>
-            <a:pPr marL="0" indent="0">
-              <a:buNone/>
-            </a:pPr>
-            <a:r>
-              <a:rPr lang="en-US" sz="2000" dirty="0"/>
-              <a:t>{"dog": { "id": "1234", "name": "Al", "</a:t>
-            </a:r>
-            <a:r>
-              <a:rPr lang="en-US" sz="2000" dirty="0" err="1"/>
-              <a:t>furColor</a:t>
-            </a:r>
-            <a:r>
-              <a:rPr lang="en-US" sz="2000" dirty="0"/>
-              <a:t>": "brown" }}</a:t>
-            </a:r>
-          </a:p>
-          <a:p>
-            <a:pPr marL="0" indent="0">
-              <a:buNone/>
-            </a:pPr>
-            <a:endParaRPr lang="en-US" sz="2000" dirty="0"/>
-          </a:p>
-          <a:p>
-            <a:pPr marL="0" indent="0">
-              <a:buNone/>
-            </a:pPr>
-            <a:endParaRPr lang="en-US" sz="2000" dirty="0"/>
-          </a:p>
-          <a:p>
-            <a:pPr marL="0" indent="0">
-              <a:buNone/>
-            </a:pPr>
-            <a:r>
-              <a:rPr lang="en-US" sz="2000" dirty="0"/>
-              <a:t>Rename Al to Rover - Update</a:t>
-            </a:r>
-          </a:p>
-          <a:p>
-            <a:r>
-              <a:rPr lang="en-US" sz="2000" dirty="0"/>
-              <a:t>PUT /dogs/1234 </a:t>
-            </a:r>
-          </a:p>
-          <a:p>
-            <a:pPr marL="0" indent="0">
-              <a:buNone/>
-            </a:pPr>
-            <a:r>
-              <a:rPr lang="en-US" sz="2000" dirty="0"/>
-              <a:t>name=Rover</a:t>
-            </a:r>
-          </a:p>
-          <a:p>
-            <a:r>
-              <a:rPr lang="en-US" sz="2000" dirty="0"/>
-              <a:t>Response 200 OK </a:t>
-            </a:r>
-          </a:p>
-          <a:p>
-            <a:pPr marL="0" indent="0">
-              <a:buNone/>
-            </a:pPr>
-            <a:r>
-              <a:rPr lang="en-US" sz="2000" dirty="0"/>
-              <a:t>{"dog":{ "id":"1234", "name": "Rover", "</a:t>
-            </a:r>
-            <a:r>
-              <a:rPr lang="en-US" sz="2000" dirty="0" err="1"/>
-              <a:t>furColor</a:t>
-            </a:r>
-            <a:r>
-              <a:rPr lang="en-US" sz="2000" dirty="0"/>
-              <a:t>": "brown"}}</a:t>
-            </a:r>
-          </a:p>
-        </p:txBody>
-      </p:sp>
-    </p:spTree>
-    <p:extLst>
-      <p:ext uri="{BB962C8B-B14F-4D97-AF65-F5344CB8AC3E}">
-        <p14:creationId xmlns:p14="http://schemas.microsoft.com/office/powerpoint/2010/main" val="145429203"/>
-      </p:ext>
-    </p:extLst>
-  </p:cSld>
-  <p:clrMapOvr>
-    <a:masterClrMapping/>
-  </p:clrMapOvr>
-</p:sld>
-</file>
-
-<file path=ppt/slides/slide16.xml><?xml version="1.0" encoding="utf-8"?>
 <p:sld xmlns:a="http://schemas.openxmlformats.org/drawingml/2006/main" xmlns:r="http://schemas.openxmlformats.org/officeDocument/2006/relationships" xmlns:p="http://schemas.openxmlformats.org/presentationml/2006/main">
   <p:cSld>
     <p:spTree>
@@ -7521,7 +7707,7 @@
           <a:p>
             <a:r>
               <a:rPr lang="nl-NL" dirty="0"/>
-              <a:t>API Standaarden en Protocollen</a:t>
+              <a:t>API standaarden en protocollen</a:t>
             </a:r>
           </a:p>
           <a:p>
@@ -7535,18 +7721,14 @@
           </a:p>
           <a:p>
             <a:r>
-              <a:rPr lang="nl-NL" dirty="0" err="1"/>
-              <a:t>Scaling</a:t>
-            </a:r>
-            <a:r>
               <a:rPr lang="nl-NL" dirty="0"/>
-              <a:t> &amp; performance</a:t>
+              <a:t>Uitgebreide functionaliteiten</a:t>
             </a:r>
           </a:p>
           <a:p>
             <a:r>
               <a:rPr lang="nl-NL" dirty="0"/>
-              <a:t>Security</a:t>
+              <a:t>Waarom willen we REST</a:t>
             </a:r>
           </a:p>
           <a:p>
@@ -7623,8 +7805,8 @@
           <a:lstStyle/>
           <a:p>
             <a:r>
-              <a:rPr lang="en-US" dirty="0" err="1"/>
-              <a:t>Introductie</a:t>
+              <a:rPr lang="en-US" dirty="0"/>
+              <a:t>Over Qcast</a:t>
             </a:r>
             <a:endParaRPr lang="nl-NL" dirty="0"/>
           </a:p>
@@ -7660,25 +7842,19 @@
           <a:p>
             <a:r>
               <a:rPr lang="en-US" dirty="0"/>
-              <a:t>REST/API</a:t>
+              <a:t>Cisco certified partner</a:t>
             </a:r>
           </a:p>
           <a:p>
             <a:r>
               <a:rPr lang="en-US" dirty="0"/>
-              <a:t>Laravel / routing</a:t>
+              <a:t>Inter*net*working</a:t>
             </a:r>
           </a:p>
           <a:p>
             <a:r>
               <a:rPr lang="en-US" dirty="0"/>
-              <a:t>API Gateway</a:t>
-            </a:r>
-          </a:p>
-          <a:p>
-            <a:r>
-              <a:rPr lang="en-US" dirty="0"/>
-              <a:t>Error handling</a:t>
+              <a:t>Software Defined Networking</a:t>
             </a:r>
           </a:p>
           <a:p>
@@ -7688,19 +7864,124 @@
             </a:r>
           </a:p>
           <a:p>
+            <a:endParaRPr lang="en-US" dirty="0"/>
+          </a:p>
+          <a:p>
+            <a:endParaRPr lang="en-US" dirty="0"/>
+          </a:p>
+          <a:p>
+            <a:endParaRPr lang="en-US" dirty="0"/>
+          </a:p>
+          <a:p>
+            <a:endParaRPr lang="en-US" dirty="0"/>
+          </a:p>
+          <a:p>
+            <a:endParaRPr lang="en-US" dirty="0"/>
+          </a:p>
+          <a:p>
+            <a:endParaRPr lang="en-US" dirty="0"/>
+          </a:p>
+          <a:p>
+            <a:endParaRPr lang="en-US" sz="2800" dirty="0"/>
+          </a:p>
+        </p:txBody>
+      </p:sp>
+    </p:spTree>
+    <p:extLst>
+      <p:ext uri="{BB962C8B-B14F-4D97-AF65-F5344CB8AC3E}">
+        <p14:creationId xmlns:p14="http://schemas.microsoft.com/office/powerpoint/2010/main" val="3290027543"/>
+      </p:ext>
+    </p:extLst>
+  </p:cSld>
+  <p:clrMapOvr>
+    <a:masterClrMapping/>
+  </p:clrMapOvr>
+</p:sld>
+</file>
+
+<file path=ppt/slides/slide4.xml><?xml version="1.0" encoding="utf-8"?>
+<p:sld xmlns:a="http://schemas.openxmlformats.org/drawingml/2006/main" xmlns:r="http://schemas.openxmlformats.org/officeDocument/2006/relationships" xmlns:p="http://schemas.openxmlformats.org/presentationml/2006/main">
+  <p:cSld>
+    <p:spTree>
+      <p:nvGrpSpPr>
+        <p:cNvPr id="1" name=""/>
+        <p:cNvGrpSpPr/>
+        <p:nvPr/>
+      </p:nvGrpSpPr>
+      <p:grpSpPr>
+        <a:xfrm>
+          <a:off x="0" y="0"/>
+          <a:ext cx="0" cy="0"/>
+          <a:chOff x="0" y="0"/>
+          <a:chExt cx="0" cy="0"/>
+        </a:xfrm>
+      </p:grpSpPr>
+      <p:sp>
+        <p:nvSpPr>
+          <p:cNvPr id="2" name="Title 1"/>
+          <p:cNvSpPr>
+            <a:spLocks noGrp="1"/>
+          </p:cNvSpPr>
+          <p:nvPr>
+            <p:ph type="title"/>
+          </p:nvPr>
+        </p:nvSpPr>
+        <p:spPr>
+          <a:xfrm>
+            <a:off x="457200" y="274638"/>
+            <a:ext cx="8229600" cy="1138138"/>
+          </a:xfrm>
+        </p:spPr>
+        <p:txBody>
+          <a:bodyPr/>
+          <a:lstStyle/>
+          <a:p>
+            <a:r>
+              <a:rPr lang="en-US" dirty="0" err="1"/>
+              <a:t>Introductie</a:t>
+            </a:r>
+            <a:endParaRPr lang="nl-NL" dirty="0"/>
+          </a:p>
+        </p:txBody>
+      </p:sp>
+      <p:sp>
+        <p:nvSpPr>
+          <p:cNvPr id="3" name="Content Placeholder 2"/>
+          <p:cNvSpPr>
+            <a:spLocks noGrp="1"/>
+          </p:cNvSpPr>
+          <p:nvPr>
+            <p:ph idx="1"/>
+          </p:nvPr>
+        </p:nvSpPr>
+        <p:spPr>
+          <a:xfrm>
+            <a:off x="266689" y="1396662"/>
+            <a:ext cx="8420111" cy="4525963"/>
+          </a:xfrm>
+        </p:spPr>
+        <p:txBody>
+          <a:bodyPr>
+            <a:normAutofit/>
+          </a:bodyPr>
+          <a:lstStyle/>
+          <a:p>
+            <a:pPr marL="0" indent="0">
+              <a:buNone/>
+            </a:pPr>
+            <a:endParaRPr lang="en-US" dirty="0"/>
+          </a:p>
+          <a:p>
             <a:r>
               <a:rPr lang="en-US" dirty="0"/>
-              <a:t>Performance</a:t>
-            </a:r>
-          </a:p>
-          <a:p>
-            <a:endParaRPr lang="en-US" dirty="0"/>
-          </a:p>
-          <a:p>
-            <a:endParaRPr lang="en-US" dirty="0"/>
-          </a:p>
-          <a:p>
-            <a:endParaRPr lang="en-US" dirty="0"/>
+              <a:t>REST/API</a:t>
+            </a:r>
+          </a:p>
+          <a:p>
+            <a:r>
+              <a:rPr lang="en-US" dirty="0"/>
+              <a:t>Laravel</a:t>
+            </a:r>
           </a:p>
           <a:p>
             <a:endParaRPr lang="en-US" dirty="0"/>
@@ -7756,138 +8037,6 @@
     <p:extLst>
       <p:ext uri="{BB962C8B-B14F-4D97-AF65-F5344CB8AC3E}">
         <p14:creationId xmlns:p14="http://schemas.microsoft.com/office/powerpoint/2010/main" val="3836429904"/>
-      </p:ext>
-    </p:extLst>
-  </p:cSld>
-  <p:clrMapOvr>
-    <a:masterClrMapping/>
-  </p:clrMapOvr>
-</p:sld>
-</file>
-
-<file path=ppt/slides/slide4.xml><?xml version="1.0" encoding="utf-8"?>
-<p:sld xmlns:a="http://schemas.openxmlformats.org/drawingml/2006/main" xmlns:r="http://schemas.openxmlformats.org/officeDocument/2006/relationships" xmlns:p="http://schemas.openxmlformats.org/presentationml/2006/main">
-  <p:cSld>
-    <p:spTree>
-      <p:nvGrpSpPr>
-        <p:cNvPr id="1" name=""/>
-        <p:cNvGrpSpPr/>
-        <p:nvPr/>
-      </p:nvGrpSpPr>
-      <p:grpSpPr>
-        <a:xfrm>
-          <a:off x="0" y="0"/>
-          <a:ext cx="0" cy="0"/>
-          <a:chOff x="0" y="0"/>
-          <a:chExt cx="0" cy="0"/>
-        </a:xfrm>
-      </p:grpSpPr>
-      <p:sp>
-        <p:nvSpPr>
-          <p:cNvPr id="2" name="Title 1"/>
-          <p:cNvSpPr>
-            <a:spLocks noGrp="1"/>
-          </p:cNvSpPr>
-          <p:nvPr>
-            <p:ph type="title"/>
-          </p:nvPr>
-        </p:nvSpPr>
-        <p:spPr>
-          <a:xfrm>
-            <a:off x="457200" y="274638"/>
-            <a:ext cx="8229600" cy="1138138"/>
-          </a:xfrm>
-        </p:spPr>
-        <p:txBody>
-          <a:bodyPr/>
-          <a:lstStyle/>
-          <a:p>
-            <a:r>
-              <a:rPr lang="en-US" dirty="0"/>
-              <a:t>Over Qcast</a:t>
-            </a:r>
-            <a:endParaRPr lang="nl-NL" dirty="0"/>
-          </a:p>
-        </p:txBody>
-      </p:sp>
-      <p:sp>
-        <p:nvSpPr>
-          <p:cNvPr id="3" name="Content Placeholder 2"/>
-          <p:cNvSpPr>
-            <a:spLocks noGrp="1"/>
-          </p:cNvSpPr>
-          <p:nvPr>
-            <p:ph idx="1"/>
-          </p:nvPr>
-        </p:nvSpPr>
-        <p:spPr>
-          <a:xfrm>
-            <a:off x="266689" y="1396662"/>
-            <a:ext cx="8420111" cy="4525963"/>
-          </a:xfrm>
-        </p:spPr>
-        <p:txBody>
-          <a:bodyPr>
-            <a:normAutofit/>
-          </a:bodyPr>
-          <a:lstStyle/>
-          <a:p>
-            <a:pPr marL="0" indent="0">
-              <a:buNone/>
-            </a:pPr>
-            <a:endParaRPr lang="en-US" dirty="0"/>
-          </a:p>
-          <a:p>
-            <a:r>
-              <a:rPr lang="en-US" dirty="0"/>
-              <a:t>Cisco certified partner</a:t>
-            </a:r>
-          </a:p>
-          <a:p>
-            <a:r>
-              <a:rPr lang="en-US" dirty="0"/>
-              <a:t>Inter*net*working</a:t>
-            </a:r>
-          </a:p>
-          <a:p>
-            <a:r>
-              <a:rPr lang="en-US" dirty="0"/>
-              <a:t>Software Defined Networking</a:t>
-            </a:r>
-          </a:p>
-          <a:p>
-            <a:r>
-              <a:rPr lang="en-US" dirty="0"/>
-              <a:t>Security</a:t>
-            </a:r>
-          </a:p>
-          <a:p>
-            <a:endParaRPr lang="en-US" dirty="0"/>
-          </a:p>
-          <a:p>
-            <a:endParaRPr lang="en-US" dirty="0"/>
-          </a:p>
-          <a:p>
-            <a:endParaRPr lang="en-US" dirty="0"/>
-          </a:p>
-          <a:p>
-            <a:endParaRPr lang="en-US" dirty="0"/>
-          </a:p>
-          <a:p>
-            <a:endParaRPr lang="en-US" dirty="0"/>
-          </a:p>
-          <a:p>
-            <a:endParaRPr lang="en-US" dirty="0"/>
-          </a:p>
-          <a:p>
-            <a:endParaRPr lang="en-US" sz="2800" dirty="0"/>
-          </a:p>
-        </p:txBody>
-      </p:sp>
-    </p:spTree>
-    <p:extLst>
-      <p:ext uri="{BB962C8B-B14F-4D97-AF65-F5344CB8AC3E}">
-        <p14:creationId xmlns:p14="http://schemas.microsoft.com/office/powerpoint/2010/main" val="3290027543"/>
       </p:ext>
     </p:extLst>
   </p:cSld>
@@ -8154,9 +8303,12 @@
             </a:pPr>
             <a:r>
               <a:rPr lang="en-US" dirty="0" err="1"/>
-              <a:t>Voorbeeld</a:t>
-            </a:r>
-            <a:endParaRPr lang="en-US" dirty="0"/>
+              <a:t>Bijvoorbeeld</a:t>
+            </a:r>
+            <a:r>
+              <a:rPr lang="en-US" dirty="0"/>
+              <a:t>:</a:t>
+            </a:r>
           </a:p>
           <a:p>
             <a:r>
@@ -8243,7 +8395,11 @@
           <a:p>
             <a:r>
               <a:rPr lang="en-US" dirty="0"/>
-              <a:t>HTTP Methods</a:t>
+              <a:t>HTTP </a:t>
+            </a:r>
+            <a:r>
+              <a:rPr lang="en-US" dirty="0" err="1"/>
+              <a:t>Methoden</a:t>
             </a:r>
             <a:endParaRPr lang="nl-NL" dirty="0"/>
           </a:p>
@@ -9156,13 +9312,7 @@
       </p:grpSpPr>
       <p:sp>
         <p:nvSpPr>
-          <p:cNvPr id="2" name="Titel 1">
-            <a:extLst>
-              <a:ext uri="{FF2B5EF4-FFF2-40B4-BE49-F238E27FC236}">
-                <a16:creationId xmlns:a16="http://schemas.microsoft.com/office/drawing/2014/main" id="{BA506AC5-01FD-4199-B41A-06C103FD8418}"/>
-              </a:ext>
-            </a:extLst>
-          </p:cNvPr>
+          <p:cNvPr id="2" name="Title 1"/>
           <p:cNvSpPr>
             <a:spLocks noGrp="1"/>
           </p:cNvSpPr>
@@ -9170,27 +9320,27 @@
             <p:ph type="title"/>
           </p:nvPr>
         </p:nvSpPr>
-        <p:spPr/>
+        <p:spPr>
+          <a:xfrm>
+            <a:off x="457200" y="274638"/>
+            <a:ext cx="8229600" cy="1138138"/>
+          </a:xfrm>
+        </p:spPr>
         <p:txBody>
           <a:bodyPr/>
           <a:lstStyle/>
           <a:p>
             <a:r>
-              <a:rPr lang="nl-NL" dirty="0"/>
-              <a:t>JSON</a:t>
-            </a:r>
-          </a:p>
-        </p:txBody>
-      </p:sp>
-      <p:sp>
-        <p:nvSpPr>
-          <p:cNvPr id="3" name="Tijdelijke aanduiding voor inhoud 2">
-            <a:extLst>
-              <a:ext uri="{FF2B5EF4-FFF2-40B4-BE49-F238E27FC236}">
-                <a16:creationId xmlns:a16="http://schemas.microsoft.com/office/drawing/2014/main" id="{BD6EE3DC-E873-41CA-8F56-B170547AFEE0}"/>
-              </a:ext>
-            </a:extLst>
-          </p:cNvPr>
+              <a:rPr lang="en-US" dirty="0" err="1"/>
+              <a:t>Resultaten</a:t>
+            </a:r>
+            <a:endParaRPr lang="nl-NL" dirty="0"/>
+          </a:p>
+        </p:txBody>
+      </p:sp>
+      <p:sp>
+        <p:nvSpPr>
+          <p:cNvPr id="3" name="Content Placeholder 2"/>
           <p:cNvSpPr>
             <a:spLocks noGrp="1"/>
           </p:cNvSpPr>
@@ -9198,114 +9348,156 @@
             <p:ph idx="1"/>
           </p:nvPr>
         </p:nvSpPr>
-        <p:spPr/>
-        <p:txBody>
-          <a:bodyPr/>
+        <p:spPr>
+          <a:xfrm>
+            <a:off x="266689" y="1396662"/>
+            <a:ext cx="8420111" cy="4525963"/>
+          </a:xfrm>
+        </p:spPr>
+        <p:txBody>
+          <a:bodyPr>
+            <a:normAutofit/>
+          </a:bodyPr>
           <a:lstStyle/>
           <a:p>
             <a:pPr marL="0" indent="0">
               <a:buNone/>
             </a:pPr>
             <a:r>
-              <a:rPr lang="nl-NL" dirty="0">
-                <a:latin typeface="Ubuntu Mono" panose="020B0509030602030204" pitchFamily="49" charset="0"/>
-                <a:cs typeface="Courier New" panose="02070309020205020404" pitchFamily="49" charset="0"/>
+              <a:rPr lang="en-US" b="1" dirty="0"/>
+              <a:t>HTTP Status codes</a:t>
+            </a:r>
+          </a:p>
+          <a:p>
+            <a:r>
+              <a:rPr lang="en-US" sz="2000" dirty="0">
+                <a:solidFill>
+                  <a:srgbClr val="92D050"/>
+                </a:solidFill>
               </a:rPr>
-              <a:t>GET /dierentuinen/1</a:t>
+              <a:t>200: OK</a:t>
+            </a:r>
+          </a:p>
+          <a:p>
+            <a:r>
+              <a:rPr lang="en-US" sz="2000" dirty="0">
+                <a:solidFill>
+                  <a:srgbClr val="92D050"/>
+                </a:solidFill>
+              </a:rPr>
+              <a:t>204: OK (No content)</a:t>
+            </a:r>
+          </a:p>
+          <a:p>
+            <a:r>
+              <a:rPr lang="en-US" sz="2000" dirty="0">
+                <a:solidFill>
+                  <a:srgbClr val="FFC000"/>
+                </a:solidFill>
+              </a:rPr>
+              <a:t>304: Not modified</a:t>
+            </a:r>
+          </a:p>
+          <a:p>
+            <a:r>
+              <a:rPr lang="en-US" sz="2000" dirty="0">
+                <a:solidFill>
+                  <a:srgbClr val="00B0F0"/>
+                </a:solidFill>
+              </a:rPr>
+              <a:t>400: Bad Request</a:t>
+            </a:r>
+          </a:p>
+          <a:p>
+            <a:r>
+              <a:rPr lang="en-US" sz="2000" dirty="0">
+                <a:solidFill>
+                  <a:srgbClr val="00B0F0"/>
+                </a:solidFill>
+              </a:rPr>
+              <a:t>401 : Unauthorized</a:t>
+            </a:r>
+          </a:p>
+          <a:p>
+            <a:r>
+              <a:rPr lang="en-US" sz="2000" dirty="0">
+                <a:solidFill>
+                  <a:srgbClr val="00B0F0"/>
+                </a:solidFill>
+              </a:rPr>
+              <a:t>403: Forbidden</a:t>
+            </a:r>
+          </a:p>
+          <a:p>
+            <a:r>
+              <a:rPr lang="en-US" sz="2000" dirty="0">
+                <a:solidFill>
+                  <a:srgbClr val="00B0F0"/>
+                </a:solidFill>
+              </a:rPr>
+              <a:t>404: Not Found</a:t>
+            </a:r>
+          </a:p>
+          <a:p>
+            <a:r>
+              <a:rPr lang="en-US" sz="2000" dirty="0">
+                <a:solidFill>
+                  <a:srgbClr val="FF0000"/>
+                </a:solidFill>
+              </a:rPr>
+              <a:t>500: Server Error</a:t>
+            </a:r>
+          </a:p>
+          <a:p>
+            <a:r>
+              <a:rPr lang="en-US" sz="2000" dirty="0">
+                <a:solidFill>
+                  <a:srgbClr val="FF0000"/>
+                </a:solidFill>
+              </a:rPr>
+              <a:t>501	 : Not Implemented</a:t>
+            </a:r>
+          </a:p>
+          <a:p>
+            <a:r>
+              <a:rPr lang="en-US" sz="2000" dirty="0">
+                <a:solidFill>
+                  <a:srgbClr val="FF0000"/>
+                </a:solidFill>
+              </a:rPr>
+              <a:t>550: Permission Denied</a:t>
             </a:r>
           </a:p>
           <a:p>
             <a:pPr marL="0" indent="0">
               <a:buNone/>
             </a:pPr>
-            <a:r>
-              <a:rPr lang="nl-NL" dirty="0">
-                <a:latin typeface="Ubuntu Mono" panose="020B0509030602030204" pitchFamily="49" charset="0"/>
-                <a:cs typeface="Courier New" panose="02070309020205020404" pitchFamily="49" charset="0"/>
-              </a:rPr>
-              <a:t>{</a:t>
-            </a:r>
+            <a:endParaRPr lang="en-US" sz="2000" dirty="0"/>
+          </a:p>
+          <a:p>
+            <a:endParaRPr lang="en-US" dirty="0"/>
           </a:p>
           <a:p>
             <a:pPr marL="0" indent="0">
               <a:buNone/>
             </a:pPr>
-            <a:r>
-              <a:rPr lang="nl-NL" dirty="0">
-                <a:latin typeface="Ubuntu Mono" panose="020B0509030602030204" pitchFamily="49" charset="0"/>
-                <a:cs typeface="Courier New" panose="02070309020205020404" pitchFamily="49" charset="0"/>
-              </a:rPr>
-              <a:t>  “</a:t>
-            </a:r>
-            <a:r>
-              <a:rPr lang="nl-NL" dirty="0" err="1">
-                <a:latin typeface="Ubuntu Mono" panose="020B0509030602030204" pitchFamily="49" charset="0"/>
-                <a:cs typeface="Courier New" panose="02070309020205020404" pitchFamily="49" charset="0"/>
-              </a:rPr>
-              <a:t>id</a:t>
-            </a:r>
-            <a:r>
-              <a:rPr lang="nl-NL" dirty="0">
-                <a:latin typeface="Ubuntu Mono" panose="020B0509030602030204" pitchFamily="49" charset="0"/>
-                <a:cs typeface="Courier New" panose="02070309020205020404" pitchFamily="49" charset="0"/>
-              </a:rPr>
-              <a:t>”: 1</a:t>
-            </a:r>
-          </a:p>
-          <a:p>
-            <a:pPr marL="0" indent="0">
-              <a:buNone/>
-            </a:pPr>
-            <a:r>
-              <a:rPr lang="nl-NL" dirty="0">
-                <a:latin typeface="Ubuntu Mono" panose="020B0509030602030204" pitchFamily="49" charset="0"/>
-                <a:cs typeface="Courier New" panose="02070309020205020404" pitchFamily="49" charset="0"/>
-              </a:rPr>
-              <a:t>  “naam”: “Beekse Bergen”</a:t>
-            </a:r>
-          </a:p>
-          <a:p>
-            <a:pPr marL="0" indent="0">
-              <a:buNone/>
-            </a:pPr>
-            <a:r>
-              <a:rPr lang="nl-NL" dirty="0">
-                <a:latin typeface="Ubuntu Mono" panose="020B0509030602030204" pitchFamily="49" charset="0"/>
-                <a:cs typeface="Courier New" panose="02070309020205020404" pitchFamily="49" charset="0"/>
-              </a:rPr>
-              <a:t>  “dieren”: [1, 2, …, 482]</a:t>
-            </a:r>
-          </a:p>
-          <a:p>
-            <a:pPr marL="0" indent="0">
-              <a:buNone/>
-            </a:pPr>
-            <a:r>
-              <a:rPr lang="nl-NL" dirty="0">
-                <a:latin typeface="Ubuntu Mono" panose="020B0509030602030204" pitchFamily="49" charset="0"/>
-                <a:cs typeface="Courier New" panose="02070309020205020404" pitchFamily="49" charset="0"/>
-              </a:rPr>
-              <a:t>  … </a:t>
-            </a:r>
-          </a:p>
-          <a:p>
-            <a:pPr marL="0" indent="0">
-              <a:buNone/>
-            </a:pPr>
-            <a:r>
-              <a:rPr lang="nl-NL" dirty="0">
-                <a:latin typeface="Ubuntu Mono" panose="020B0509030602030204" pitchFamily="49" charset="0"/>
-                <a:cs typeface="Courier New" panose="02070309020205020404" pitchFamily="49" charset="0"/>
-              </a:rPr>
-              <a:t>}</a:t>
-            </a:r>
+            <a:endParaRPr lang="en-US" dirty="0"/>
+          </a:p>
+          <a:p>
+            <a:endParaRPr lang="en-US" dirty="0"/>
+          </a:p>
+          <a:p>
+            <a:endParaRPr lang="en-US" dirty="0"/>
+          </a:p>
+          <a:p>
+            <a:endParaRPr lang="en-US" sz="2800" dirty="0"/>
           </a:p>
         </p:txBody>
       </p:sp>
     </p:spTree>
     <p:extLst>
       <p:ext uri="{BB962C8B-B14F-4D97-AF65-F5344CB8AC3E}">
-        <p14:creationId xmlns:p14="http://schemas.microsoft.com/office/powerpoint/2010/main" val="3945948258"/>
+        <p14:creationId xmlns:p14="http://schemas.microsoft.com/office/powerpoint/2010/main" val="4095739237"/>
       </p:ext>
     </p:extLst>
   </p:cSld>
@@ -9334,7 +9526,13 @@
       </p:grpSpPr>
       <p:sp>
         <p:nvSpPr>
-          <p:cNvPr id="2" name="Title 1"/>
+          <p:cNvPr id="2" name="Titel 1">
+            <a:extLst>
+              <a:ext uri="{FF2B5EF4-FFF2-40B4-BE49-F238E27FC236}">
+                <a16:creationId xmlns:a16="http://schemas.microsoft.com/office/drawing/2014/main" id="{BA506AC5-01FD-4199-B41A-06C103FD8418}"/>
+              </a:ext>
+            </a:extLst>
+          </p:cNvPr>
           <p:cNvSpPr>
             <a:spLocks noGrp="1"/>
           </p:cNvSpPr>
@@ -9342,27 +9540,27 @@
             <p:ph type="title"/>
           </p:nvPr>
         </p:nvSpPr>
-        <p:spPr>
-          <a:xfrm>
-            <a:off x="457200" y="274638"/>
-            <a:ext cx="8229600" cy="1138138"/>
-          </a:xfrm>
-        </p:spPr>
+        <p:spPr/>
         <p:txBody>
           <a:bodyPr/>
           <a:lstStyle/>
           <a:p>
             <a:r>
-              <a:rPr lang="en-US" dirty="0"/>
-              <a:t>Filters</a:t>
-            </a:r>
-            <a:endParaRPr lang="nl-NL" dirty="0"/>
-          </a:p>
-        </p:txBody>
-      </p:sp>
-      <p:sp>
-        <p:nvSpPr>
-          <p:cNvPr id="3" name="Content Placeholder 2"/>
+              <a:rPr lang="nl-NL" dirty="0"/>
+              <a:t>JSON</a:t>
+            </a:r>
+          </a:p>
+        </p:txBody>
+      </p:sp>
+      <p:sp>
+        <p:nvSpPr>
+          <p:cNvPr id="3" name="Tijdelijke aanduiding voor inhoud 2">
+            <a:extLst>
+              <a:ext uri="{FF2B5EF4-FFF2-40B4-BE49-F238E27FC236}">
+                <a16:creationId xmlns:a16="http://schemas.microsoft.com/office/drawing/2014/main" id="{BD6EE3DC-E873-41CA-8F56-B170547AFEE0}"/>
+              </a:ext>
+            </a:extLst>
+          </p:cNvPr>
           <p:cNvSpPr>
             <a:spLocks noGrp="1"/>
           </p:cNvSpPr>
@@ -9370,15 +9568,10 @@
             <p:ph idx="1"/>
           </p:nvPr>
         </p:nvSpPr>
-        <p:spPr>
-          <a:xfrm>
-            <a:off x="266689" y="1396662"/>
-            <a:ext cx="8420111" cy="4525963"/>
-          </a:xfrm>
-        </p:spPr>
+        <p:spPr/>
         <p:txBody>
           <a:bodyPr>
-            <a:normAutofit lnSpcReduction="10000"/>
+            <a:normAutofit fontScale="47500" lnSpcReduction="20000"/>
           </a:bodyPr>
           <a:lstStyle/>
           <a:p>
@@ -9386,8 +9579,212 @@
               <a:buNone/>
             </a:pPr>
             <a:r>
-              <a:rPr lang="en-US" dirty="0"/>
-              <a:t>Sweep complexity behind the ‘?’</a:t>
+              <a:rPr lang="en-US" dirty="0">
+                <a:cs typeface="Courier New" panose="02070309020205020404" pitchFamily="49" charset="0"/>
+              </a:rPr>
+              <a:t>Object Result:</a:t>
+            </a:r>
+          </a:p>
+          <a:p>
+            <a:pPr marL="0" indent="0">
+              <a:buNone/>
+            </a:pPr>
+            <a:r>
+              <a:rPr lang="en-US" dirty="0">
+                <a:latin typeface="Ubuntu Mono" panose="020B0509030602030204" pitchFamily="49" charset="0"/>
+                <a:cs typeface="Courier New" panose="02070309020205020404" pitchFamily="49" charset="0"/>
+              </a:rPr>
+              <a:t>{</a:t>
+            </a:r>
+          </a:p>
+          <a:p>
+            <a:pPr marL="0" indent="0">
+              <a:buNone/>
+            </a:pPr>
+            <a:r>
+              <a:rPr lang="en-US" dirty="0">
+                <a:latin typeface="Ubuntu Mono" panose="020B0509030602030204" pitchFamily="49" charset="0"/>
+                <a:cs typeface="Courier New" panose="02070309020205020404" pitchFamily="49" charset="0"/>
+              </a:rPr>
+              <a:t>  "</a:t>
+            </a:r>
+            <a:r>
+              <a:rPr lang="en-US" dirty="0" err="1">
+                <a:latin typeface="Ubuntu Mono" panose="020B0509030602030204" pitchFamily="49" charset="0"/>
+                <a:cs typeface="Courier New" panose="02070309020205020404" pitchFamily="49" charset="0"/>
+              </a:rPr>
+              <a:t>boolean</a:t>
+            </a:r>
+            <a:r>
+              <a:rPr lang="en-US" dirty="0">
+                <a:latin typeface="Ubuntu Mono" panose="020B0509030602030204" pitchFamily="49" charset="0"/>
+                <a:cs typeface="Courier New" panose="02070309020205020404" pitchFamily="49" charset="0"/>
+              </a:rPr>
+              <a:t>": true,</a:t>
+            </a:r>
+          </a:p>
+          <a:p>
+            <a:pPr marL="0" indent="0">
+              <a:buNone/>
+            </a:pPr>
+            <a:r>
+              <a:rPr lang="en-US" dirty="0">
+                <a:latin typeface="Ubuntu Mono" panose="020B0509030602030204" pitchFamily="49" charset="0"/>
+                <a:cs typeface="Courier New" panose="02070309020205020404" pitchFamily="49" charset="0"/>
+              </a:rPr>
+              <a:t>  "string": "text",</a:t>
+            </a:r>
+          </a:p>
+          <a:p>
+            <a:pPr marL="0" indent="0">
+              <a:buNone/>
+            </a:pPr>
+            <a:r>
+              <a:rPr lang="en-US" dirty="0">
+                <a:latin typeface="Ubuntu Mono" panose="020B0509030602030204" pitchFamily="49" charset="0"/>
+                <a:cs typeface="Courier New" panose="02070309020205020404" pitchFamily="49" charset="0"/>
+              </a:rPr>
+              <a:t>  "</a:t>
+            </a:r>
+            <a:r>
+              <a:rPr lang="en-US" dirty="0" err="1">
+                <a:latin typeface="Ubuntu Mono" panose="020B0509030602030204" pitchFamily="49" charset="0"/>
+                <a:cs typeface="Courier New" panose="02070309020205020404" pitchFamily="49" charset="0"/>
+              </a:rPr>
+              <a:t>simple_number</a:t>
+            </a:r>
+            <a:r>
+              <a:rPr lang="en-US" dirty="0">
+                <a:latin typeface="Ubuntu Mono" panose="020B0509030602030204" pitchFamily="49" charset="0"/>
+                <a:cs typeface="Courier New" panose="02070309020205020404" pitchFamily="49" charset="0"/>
+              </a:rPr>
+              <a:t>": 2</a:t>
+            </a:r>
+          </a:p>
+          <a:p>
+            <a:pPr marL="0" indent="0">
+              <a:buNone/>
+            </a:pPr>
+            <a:r>
+              <a:rPr lang="en-US" dirty="0">
+                <a:latin typeface="Ubuntu Mono" panose="020B0509030602030204" pitchFamily="49" charset="0"/>
+                <a:cs typeface="Courier New" panose="02070309020205020404" pitchFamily="49" charset="0"/>
+              </a:rPr>
+              <a:t>  “</a:t>
+            </a:r>
+            <a:r>
+              <a:rPr lang="en-US" dirty="0" err="1">
+                <a:latin typeface="Ubuntu Mono" panose="020B0509030602030204" pitchFamily="49" charset="0"/>
+                <a:cs typeface="Courier New" panose="02070309020205020404" pitchFamily="49" charset="0"/>
+              </a:rPr>
+              <a:t>complex_number</a:t>
+            </a:r>
+            <a:r>
+              <a:rPr lang="en-US" dirty="0">
+                <a:latin typeface="Ubuntu Mono" panose="020B0509030602030204" pitchFamily="49" charset="0"/>
+                <a:cs typeface="Courier New" panose="02070309020205020404" pitchFamily="49" charset="0"/>
+              </a:rPr>
+              <a:t>": 1.8e02,</a:t>
+            </a:r>
+          </a:p>
+          <a:p>
+            <a:pPr marL="0" indent="0">
+              <a:buNone/>
+            </a:pPr>
+            <a:r>
+              <a:rPr lang="en-US" dirty="0">
+                <a:latin typeface="Ubuntu Mono" panose="020B0509030602030204" pitchFamily="49" charset="0"/>
+                <a:cs typeface="Courier New" panose="02070309020205020404" pitchFamily="49" charset="0"/>
+              </a:rPr>
+              <a:t>  "object": {</a:t>
+            </a:r>
+          </a:p>
+          <a:p>
+            <a:pPr marL="0" indent="0">
+              <a:buNone/>
+            </a:pPr>
+            <a:r>
+              <a:rPr lang="en-US" dirty="0">
+                <a:latin typeface="Ubuntu Mono" panose="020B0509030602030204" pitchFamily="49" charset="0"/>
+                <a:cs typeface="Courier New" panose="02070309020205020404" pitchFamily="49" charset="0"/>
+              </a:rPr>
+              <a:t>    "name": "Qcast"</a:t>
+            </a:r>
+          </a:p>
+          <a:p>
+            <a:pPr marL="0" indent="0">
+              <a:buNone/>
+            </a:pPr>
+            <a:r>
+              <a:rPr lang="en-US" dirty="0">
+                <a:latin typeface="Ubuntu Mono" panose="020B0509030602030204" pitchFamily="49" charset="0"/>
+                <a:cs typeface="Courier New" panose="02070309020205020404" pitchFamily="49" charset="0"/>
+              </a:rPr>
+              <a:t>  },</a:t>
+            </a:r>
+          </a:p>
+          <a:p>
+            <a:pPr marL="0" indent="0">
+              <a:buNone/>
+            </a:pPr>
+            <a:r>
+              <a:rPr lang="en-US" dirty="0">
+                <a:latin typeface="Ubuntu Mono" panose="020B0509030602030204" pitchFamily="49" charset="0"/>
+                <a:cs typeface="Courier New" panose="02070309020205020404" pitchFamily="49" charset="0"/>
+              </a:rPr>
+              <a:t>  "</a:t>
+            </a:r>
+            <a:r>
+              <a:rPr lang="en-US" dirty="0" err="1">
+                <a:latin typeface="Ubuntu Mono" panose="020B0509030602030204" pitchFamily="49" charset="0"/>
+                <a:cs typeface="Courier New" panose="02070309020205020404" pitchFamily="49" charset="0"/>
+              </a:rPr>
+              <a:t>simple_array</a:t>
+            </a:r>
+            <a:r>
+              <a:rPr lang="en-US" dirty="0">
+                <a:latin typeface="Ubuntu Mono" panose="020B0509030602030204" pitchFamily="49" charset="0"/>
+                <a:cs typeface="Courier New" panose="02070309020205020404" pitchFamily="49" charset="0"/>
+              </a:rPr>
+              <a:t>": [1, 2, 3],</a:t>
+            </a:r>
+          </a:p>
+          <a:p>
+            <a:pPr marL="0" indent="0">
+              <a:buNone/>
+            </a:pPr>
+            <a:r>
+              <a:rPr lang="en-US" dirty="0">
+                <a:latin typeface="Ubuntu Mono" panose="020B0509030602030204" pitchFamily="49" charset="0"/>
+                <a:cs typeface="Courier New" panose="02070309020205020404" pitchFamily="49" charset="0"/>
+              </a:rPr>
+              <a:t>  "</a:t>
+            </a:r>
+            <a:r>
+              <a:rPr lang="en-US" dirty="0" err="1">
+                <a:latin typeface="Ubuntu Mono" panose="020B0509030602030204" pitchFamily="49" charset="0"/>
+                <a:cs typeface="Courier New" panose="02070309020205020404" pitchFamily="49" charset="0"/>
+              </a:rPr>
+              <a:t>complex_array</a:t>
+            </a:r>
+            <a:r>
+              <a:rPr lang="en-US" dirty="0">
+                <a:latin typeface="Ubuntu Mono" panose="020B0509030602030204" pitchFamily="49" charset="0"/>
+                <a:cs typeface="Courier New" panose="02070309020205020404" pitchFamily="49" charset="0"/>
+              </a:rPr>
+              <a:t>": [{"id": 1}, 1, true]</a:t>
+            </a:r>
+          </a:p>
+          <a:p>
+            <a:pPr marL="0" indent="0">
+              <a:buNone/>
+            </a:pPr>
+            <a:r>
+              <a:rPr lang="en-US" dirty="0">
+                <a:latin typeface="Ubuntu Mono" panose="020B0509030602030204" pitchFamily="49" charset="0"/>
+                <a:cs typeface="Courier New" panose="02070309020205020404" pitchFamily="49" charset="0"/>
+              </a:rPr>
+              <a:t>}</a:t>
             </a:r>
           </a:p>
           <a:p>
@@ -9397,128 +9794,105 @@
             <a:endParaRPr lang="en-US" dirty="0"/>
           </a:p>
           <a:p>
-            <a:endParaRPr lang="en-US" dirty="0"/>
-          </a:p>
-          <a:p>
             <a:pPr marL="0" indent="0">
               <a:buNone/>
             </a:pPr>
             <a:r>
-              <a:rPr lang="en-US" sz="2000" dirty="0"/>
-              <a:t>To get all red dogs running in the park:</a:t>
-            </a:r>
-          </a:p>
-          <a:p>
-            <a:r>
-              <a:rPr lang="en-US" sz="2000" dirty="0"/>
-              <a:t>GET /</a:t>
-            </a:r>
-            <a:r>
-              <a:rPr lang="en-US" sz="2000" dirty="0" err="1"/>
-              <a:t>dogs?color</a:t>
-            </a:r>
-            <a:r>
-              <a:rPr lang="en-US" sz="2000" dirty="0"/>
-              <a:t>=</a:t>
-            </a:r>
-            <a:r>
-              <a:rPr lang="en-US" sz="2000" dirty="0" err="1"/>
-              <a:t>red&amp;state</a:t>
-            </a:r>
-            <a:r>
-              <a:rPr lang="en-US" sz="2000" dirty="0"/>
-              <a:t>=</a:t>
-            </a:r>
-            <a:r>
-              <a:rPr lang="en-US" sz="2000" dirty="0" err="1"/>
-              <a:t>running&amp;location</a:t>
-            </a:r>
-            <a:r>
-              <a:rPr lang="en-US" sz="2000" dirty="0"/>
-              <a:t>=park</a:t>
-            </a:r>
-          </a:p>
-          <a:p>
-            <a:endParaRPr lang="en-US" sz="2000" dirty="0"/>
+              <a:rPr lang="en-US" dirty="0"/>
+              <a:t>Message for people </a:t>
+            </a:r>
           </a:p>
           <a:p>
             <a:pPr marL="0" indent="0">
               <a:buNone/>
             </a:pPr>
             <a:r>
-              <a:rPr lang="en-US" sz="2000" dirty="0"/>
-              <a:t>Partial results:</a:t>
-            </a:r>
-          </a:p>
-          <a:p>
-            <a:r>
-              <a:rPr lang="en-US" sz="2000" dirty="0"/>
-              <a:t>GET /</a:t>
-            </a:r>
-            <a:r>
-              <a:rPr lang="en-US" sz="2000" dirty="0" err="1"/>
-              <a:t>dogs?fields</a:t>
-            </a:r>
-            <a:r>
-              <a:rPr lang="en-US" sz="2000" dirty="0"/>
-              <a:t>=</a:t>
-            </a:r>
-            <a:r>
-              <a:rPr lang="en-US" sz="2000" dirty="0" err="1"/>
-              <a:t>name,color,location</a:t>
-            </a:r>
-            <a:r>
-              <a:rPr lang="en-US" sz="2000" dirty="0"/>
+              <a:rPr lang="en-US" dirty="0">
+                <a:latin typeface="Ubuntu Mono" panose="020B0509030602030204" pitchFamily="49" charset="0"/>
+              </a:rPr>
+              <a:t>{"</a:t>
+            </a:r>
+            <a:r>
+              <a:rPr lang="en-US" dirty="0" err="1">
+                <a:latin typeface="Ubuntu Mono" panose="020B0509030602030204" pitchFamily="49" charset="0"/>
+              </a:rPr>
+              <a:t>developerMessage</a:t>
+            </a:r>
+            <a:r>
+              <a:rPr lang="en-US" dirty="0">
+                <a:latin typeface="Ubuntu Mono" panose="020B0509030602030204" pitchFamily="49" charset="0"/>
+              </a:rPr>
+              <a:t>": "Verbose, plain language description of the problem for the app developer with hints about how to fix it.", </a:t>
+            </a:r>
+          </a:p>
+          <a:p>
+            <a:pPr marL="0" indent="0">
+              <a:buNone/>
+            </a:pPr>
+            <a:r>
+              <a:rPr lang="en-US" dirty="0">
+                <a:latin typeface="Ubuntu Mono" panose="020B0509030602030204" pitchFamily="49" charset="0"/>
+              </a:rPr>
+              <a:t>"</a:t>
+            </a:r>
+            <a:r>
+              <a:rPr lang="en-US" dirty="0" err="1">
+                <a:latin typeface="Ubuntu Mono" panose="020B0509030602030204" pitchFamily="49" charset="0"/>
+              </a:rPr>
+              <a:t>userMessage</a:t>
+            </a:r>
+            <a:r>
+              <a:rPr lang="en-US" dirty="0">
+                <a:latin typeface="Ubuntu Mono" panose="020B0509030602030204" pitchFamily="49" charset="0"/>
+              </a:rPr>
+              <a:t>": "Pass this message on to the app user if needed.", </a:t>
+            </a:r>
+          </a:p>
+          <a:p>
+            <a:pPr marL="0" indent="0">
+              <a:buNone/>
+            </a:pPr>
+            <a:r>
+              <a:rPr lang="en-US" dirty="0">
+                <a:latin typeface="Ubuntu Mono" panose="020B0509030602030204" pitchFamily="49" charset="0"/>
+              </a:rPr>
+              <a:t>"</a:t>
+            </a:r>
+            <a:r>
+              <a:rPr lang="en-US" dirty="0" err="1">
+                <a:latin typeface="Ubuntu Mono" panose="020B0509030602030204" pitchFamily="49" charset="0"/>
+              </a:rPr>
+              <a:t>errorCode</a:t>
+            </a:r>
+            <a:r>
+              <a:rPr lang="en-US" dirty="0">
+                <a:latin typeface="Ubuntu Mono" panose="020B0509030602030204" pitchFamily="49" charset="0"/>
+              </a:rPr>
+              <a:t>": 12345,</a:t>
+            </a:r>
+          </a:p>
+          <a:p>
+            <a:pPr marL="0" indent="0">
+              <a:buNone/>
+            </a:pPr>
+            <a:r>
+              <a:rPr lang="en-US" dirty="0">
+                <a:latin typeface="Ubuntu Mono" panose="020B0509030602030204" pitchFamily="49" charset="0"/>
+              </a:rPr>
+              <a:t>"more info": "http://dev.example.com/errors/12345"}</a:t>
+            </a:r>
+            <a:r>
+              <a:rPr lang="en-US" dirty="0"/>
               <a:t> </a:t>
             </a:r>
-          </a:p>
-          <a:p>
-            <a:endParaRPr lang="en-US" sz="2000" dirty="0"/>
-          </a:p>
-          <a:p>
-            <a:pPr marL="0" indent="0">
-              <a:buNone/>
-            </a:pPr>
-            <a:r>
-              <a:rPr lang="en-US" sz="2200" dirty="0"/>
-              <a:t>Pagination </a:t>
-            </a:r>
-          </a:p>
-          <a:p>
-            <a:r>
-              <a:rPr lang="en-US" sz="2200" dirty="0"/>
-              <a:t>GET /</a:t>
-            </a:r>
-            <a:r>
-              <a:rPr lang="en-US" sz="2200" dirty="0" err="1"/>
-              <a:t>dogs?limit</a:t>
-            </a:r>
-            <a:r>
-              <a:rPr lang="en-US" sz="2200" dirty="0"/>
-              <a:t>=25&amp;offset=50 </a:t>
-            </a:r>
-          </a:p>
-          <a:p>
-            <a:pPr marL="0" indent="0">
-              <a:buNone/>
-            </a:pPr>
-            <a:endParaRPr lang="en-US" dirty="0"/>
-          </a:p>
-          <a:p>
-            <a:endParaRPr lang="en-US" dirty="0"/>
-          </a:p>
-          <a:p>
-            <a:endParaRPr lang="en-US" dirty="0"/>
-          </a:p>
-          <a:p>
-            <a:endParaRPr lang="en-US" sz="2800" dirty="0"/>
+            <a:endParaRPr lang="en-US" sz="1600" dirty="0"/>
           </a:p>
         </p:txBody>
       </p:sp>
     </p:spTree>
     <p:extLst>
       <p:ext uri="{BB962C8B-B14F-4D97-AF65-F5344CB8AC3E}">
-        <p14:creationId xmlns:p14="http://schemas.microsoft.com/office/powerpoint/2010/main" val="1004819729"/>
+        <p14:creationId xmlns:p14="http://schemas.microsoft.com/office/powerpoint/2010/main" val="3945948258"/>
       </p:ext>
     </p:extLst>
   </p:cSld>

--- a/API workshop.pptx
+++ b/API workshop.pptx
@@ -6,10 +6,10 @@
     <p:sldMasterId id="2147483660" r:id="rId2"/>
   </p:sldMasterIdLst>
   <p:notesMasterIdLst>
-    <p:notesMasterId r:id="rId18"/>
+    <p:notesMasterId r:id="rId19"/>
   </p:notesMasterIdLst>
   <p:handoutMasterIdLst>
-    <p:handoutMasterId r:id="rId19"/>
+    <p:handoutMasterId r:id="rId20"/>
   </p:handoutMasterIdLst>
   <p:sldIdLst>
     <p:sldId id="256" r:id="rId3"/>
@@ -22,11 +22,12 @@
     <p:sldId id="331" r:id="rId10"/>
     <p:sldId id="337" r:id="rId11"/>
     <p:sldId id="338" r:id="rId12"/>
-    <p:sldId id="330" r:id="rId13"/>
-    <p:sldId id="335" r:id="rId14"/>
-    <p:sldId id="333" r:id="rId15"/>
-    <p:sldId id="339" r:id="rId16"/>
-    <p:sldId id="261" r:id="rId17"/>
+    <p:sldId id="340" r:id="rId13"/>
+    <p:sldId id="330" r:id="rId14"/>
+    <p:sldId id="335" r:id="rId15"/>
+    <p:sldId id="333" r:id="rId16"/>
+    <p:sldId id="339" r:id="rId17"/>
+    <p:sldId id="261" r:id="rId18"/>
   </p:sldIdLst>
   <p:sldSz cx="9144000" cy="6858000" type="screen4x3"/>
   <p:notesSz cx="9305925" cy="7019925"/>
@@ -829,7 +830,7 @@
           <a:p>
             <a:fld id="{CBE01D35-0C62-42B1-8559-BBC417D9769E}" type="slidenum">
               <a:rPr lang="nl-NL" smtClean="0"/>
-              <a:t>13</a:t>
+              <a:t>14</a:t>
             </a:fld>
             <a:endParaRPr lang="nl-NL"/>
           </a:p>
@@ -1523,7 +1524,7 @@
           <a:p>
             <a:fld id="{CBE01D35-0C62-42B1-8559-BBC417D9769E}" type="slidenum">
               <a:rPr lang="nl-NL" smtClean="0"/>
-              <a:t>11</a:t>
+              <a:t>12</a:t>
             </a:fld>
             <a:endParaRPr lang="nl-NL"/>
           </a:p>
@@ -1611,7 +1612,7 @@
           <a:p>
             <a:fld id="{CBE01D35-0C62-42B1-8559-BBC417D9769E}" type="slidenum">
               <a:rPr lang="nl-NL" smtClean="0"/>
-              <a:t>12</a:t>
+              <a:t>13</a:t>
             </a:fld>
             <a:endParaRPr lang="nl-NL"/>
           </a:p>
@@ -6784,7 +6785,13 @@
       </p:grpSpPr>
       <p:sp>
         <p:nvSpPr>
-          <p:cNvPr id="2" name="Title 1"/>
+          <p:cNvPr id="2" name="Titel 1">
+            <a:extLst>
+              <a:ext uri="{FF2B5EF4-FFF2-40B4-BE49-F238E27FC236}">
+                <a16:creationId xmlns:a16="http://schemas.microsoft.com/office/drawing/2014/main" id="{C127A12B-684C-46EE-AD41-14872B4AB3E4}"/>
+              </a:ext>
+            </a:extLst>
+          </p:cNvPr>
           <p:cNvSpPr>
             <a:spLocks noGrp="1"/>
           </p:cNvSpPr>
@@ -6792,235 +6799,421 @@
             <p:ph type="title"/>
           </p:nvPr>
         </p:nvSpPr>
-        <p:spPr>
-          <a:xfrm>
-            <a:off x="457200" y="274638"/>
-            <a:ext cx="8229600" cy="1138138"/>
-          </a:xfrm>
-        </p:spPr>
+        <p:spPr/>
         <p:txBody>
           <a:bodyPr/>
           <a:lstStyle/>
           <a:p>
             <a:r>
-              <a:rPr lang="en-US" dirty="0"/>
-              <a:t>Filters</a:t>
-            </a:r>
-            <a:endParaRPr lang="nl-NL" dirty="0"/>
+              <a:rPr lang="nl-NL" dirty="0"/>
+              <a:t>Waarom REST/JSON</a:t>
+            </a:r>
           </a:p>
         </p:txBody>
       </p:sp>
-      <p:sp>
-        <p:nvSpPr>
-          <p:cNvPr id="3" name="Content Placeholder 2"/>
-          <p:cNvSpPr>
-            <a:spLocks noGrp="1"/>
-          </p:cNvSpPr>
+      <p:graphicFrame>
+        <p:nvGraphicFramePr>
+          <p:cNvPr id="4" name="Tijdelijke aanduiding voor inhoud 3">
+            <a:extLst>
+              <a:ext uri="{FF2B5EF4-FFF2-40B4-BE49-F238E27FC236}">
+                <a16:creationId xmlns:a16="http://schemas.microsoft.com/office/drawing/2014/main" id="{29ABAA7C-E000-45B7-BDC6-328582DF8435}"/>
+              </a:ext>
+            </a:extLst>
+          </p:cNvPr>
+          <p:cNvGraphicFramePr>
+            <a:graphicFrameLocks noGrp="1"/>
+          </p:cNvGraphicFramePr>
           <p:nvPr>
             <p:ph idx="1"/>
-          </p:nvPr>
-        </p:nvSpPr>
-        <p:spPr>
-          <a:xfrm>
-            <a:off x="266689" y="1396662"/>
-            <a:ext cx="8420111" cy="4525963"/>
-          </a:xfrm>
-        </p:spPr>
-        <p:txBody>
-          <a:bodyPr>
-            <a:normAutofit lnSpcReduction="10000"/>
-          </a:bodyPr>
-          <a:lstStyle/>
-          <a:p>
-            <a:pPr marL="0" indent="0">
-              <a:buNone/>
-            </a:pPr>
-            <a:r>
-              <a:rPr lang="en-US" dirty="0" err="1"/>
-              <a:t>Complexiteit</a:t>
-            </a:r>
-            <a:r>
-              <a:rPr lang="en-US" dirty="0"/>
-              <a:t> </a:t>
-            </a:r>
-            <a:r>
-              <a:rPr lang="en-US" dirty="0" err="1"/>
-              <a:t>achter</a:t>
-            </a:r>
-            <a:r>
-              <a:rPr lang="en-US" dirty="0"/>
-              <a:t> de  ‘?’</a:t>
-            </a:r>
-          </a:p>
-          <a:p>
-            <a:pPr marL="0" indent="0">
-              <a:buNone/>
-            </a:pPr>
-            <a:endParaRPr lang="en-US" dirty="0"/>
-          </a:p>
-          <a:p>
-            <a:endParaRPr lang="en-US" dirty="0"/>
-          </a:p>
-          <a:p>
-            <a:pPr marL="0" indent="0">
-              <a:buNone/>
-            </a:pPr>
-            <a:r>
-              <a:rPr lang="en-US" sz="2000" dirty="0" err="1"/>
-              <a:t>Alle</a:t>
-            </a:r>
-            <a:r>
-              <a:rPr lang="en-US" sz="2000" dirty="0"/>
-              <a:t> </a:t>
-            </a:r>
-            <a:r>
-              <a:rPr lang="en-US" sz="2000" dirty="0" err="1"/>
-              <a:t>rennende</a:t>
-            </a:r>
-            <a:r>
-              <a:rPr lang="en-US" sz="2000" dirty="0"/>
-              <a:t> rode </a:t>
-            </a:r>
-            <a:r>
-              <a:rPr lang="en-US" sz="2000" dirty="0" err="1"/>
-              <a:t>honden</a:t>
-            </a:r>
-            <a:r>
-              <a:rPr lang="en-US" sz="2000" dirty="0"/>
-              <a:t> in het park</a:t>
-            </a:r>
-          </a:p>
-          <a:p>
-            <a:r>
-              <a:rPr lang="en-US" sz="2000" dirty="0"/>
-              <a:t>GET /</a:t>
-            </a:r>
-            <a:r>
-              <a:rPr lang="en-US" sz="2000" dirty="0" err="1"/>
-              <a:t>dogs?color</a:t>
-            </a:r>
-            <a:r>
-              <a:rPr lang="en-US" sz="2000" dirty="0"/>
-              <a:t>=</a:t>
-            </a:r>
-            <a:r>
-              <a:rPr lang="en-US" sz="2000" dirty="0" err="1"/>
-              <a:t>red&amp;state</a:t>
-            </a:r>
-            <a:r>
-              <a:rPr lang="en-US" sz="2000" dirty="0"/>
-              <a:t>=</a:t>
-            </a:r>
-            <a:r>
-              <a:rPr lang="en-US" sz="2000" dirty="0" err="1"/>
-              <a:t>running&amp;location</a:t>
-            </a:r>
-            <a:r>
-              <a:rPr lang="en-US" sz="2000" dirty="0"/>
-              <a:t>=park</a:t>
-            </a:r>
-          </a:p>
-          <a:p>
-            <a:endParaRPr lang="en-US" sz="2000" dirty="0"/>
-          </a:p>
-          <a:p>
-            <a:pPr marL="0" indent="0">
-              <a:buNone/>
-            </a:pPr>
-            <a:r>
-              <a:rPr lang="en-US" sz="2000" dirty="0" err="1"/>
-              <a:t>Alleen</a:t>
-            </a:r>
-            <a:r>
-              <a:rPr lang="en-US" sz="2000" dirty="0"/>
-              <a:t> </a:t>
-            </a:r>
-            <a:r>
-              <a:rPr lang="en-US" sz="2000" dirty="0" err="1"/>
-              <a:t>bepaalde</a:t>
-            </a:r>
-            <a:r>
-              <a:rPr lang="en-US" sz="2000" dirty="0"/>
-              <a:t> </a:t>
-            </a:r>
-            <a:r>
-              <a:rPr lang="en-US" sz="2000" dirty="0" err="1"/>
-              <a:t>velden</a:t>
-            </a:r>
-            <a:r>
-              <a:rPr lang="en-US" sz="2000" dirty="0"/>
-              <a:t>:</a:t>
-            </a:r>
-          </a:p>
-          <a:p>
-            <a:r>
-              <a:rPr lang="en-US" sz="2000" dirty="0"/>
-              <a:t>GET /</a:t>
-            </a:r>
-            <a:r>
-              <a:rPr lang="en-US" sz="2000" dirty="0" err="1"/>
-              <a:t>dogs?fields</a:t>
-            </a:r>
-            <a:r>
-              <a:rPr lang="en-US" sz="2000" dirty="0"/>
-              <a:t>=</a:t>
-            </a:r>
-            <a:r>
-              <a:rPr lang="en-US" sz="2000" dirty="0" err="1"/>
-              <a:t>name,color,location</a:t>
-            </a:r>
-            <a:r>
-              <a:rPr lang="en-US" sz="2000" dirty="0"/>
-              <a:t> </a:t>
-            </a:r>
-          </a:p>
-          <a:p>
-            <a:endParaRPr lang="en-US" sz="2000" dirty="0"/>
-          </a:p>
-          <a:p>
-            <a:pPr marL="0" indent="0">
-              <a:buNone/>
-            </a:pPr>
-            <a:r>
-              <a:rPr lang="en-US" sz="2200" dirty="0"/>
-              <a:t>Pagination </a:t>
-            </a:r>
-          </a:p>
-          <a:p>
-            <a:r>
-              <a:rPr lang="en-US" sz="2200" dirty="0"/>
-              <a:t>GET /</a:t>
-            </a:r>
-            <a:r>
-              <a:rPr lang="en-US" sz="2200" dirty="0" err="1"/>
-              <a:t>dogs?limit</a:t>
-            </a:r>
-            <a:r>
-              <a:rPr lang="en-US" sz="2200" dirty="0"/>
-              <a:t>=25&amp;offset=50 </a:t>
-            </a:r>
-          </a:p>
-          <a:p>
-            <a:pPr marL="0" indent="0">
-              <a:buNone/>
-            </a:pPr>
-            <a:endParaRPr lang="en-US" dirty="0"/>
-          </a:p>
-          <a:p>
-            <a:endParaRPr lang="en-US" dirty="0"/>
-          </a:p>
-          <a:p>
-            <a:endParaRPr lang="en-US" dirty="0"/>
-          </a:p>
-          <a:p>
-            <a:endParaRPr lang="en-US" sz="2800" dirty="0"/>
-          </a:p>
-        </p:txBody>
-      </p:sp>
+            <p:extLst>
+              <p:ext uri="{D42A27DB-BD31-4B8C-83A1-F6EECF244321}">
+                <p14:modId xmlns:p14="http://schemas.microsoft.com/office/powerpoint/2010/main" val="3384834202"/>
+              </p:ext>
+            </p:extLst>
+          </p:nvPr>
+        </p:nvGraphicFramePr>
+        <p:xfrm>
+          <a:off x="457200" y="1600200"/>
+          <a:ext cx="8229600" cy="2966720"/>
+        </p:xfrm>
+        <a:graphic>
+          <a:graphicData uri="http://schemas.openxmlformats.org/drawingml/2006/table">
+            <a:tbl>
+              <a:tblPr firstRow="1" bandRow="1">
+                <a:tableStyleId>{2D5ABB26-0587-4C30-8999-92F81FD0307C}</a:tableStyleId>
+              </a:tblPr>
+              <a:tblGrid>
+                <a:gridCol w="2743200">
+                  <a:extLst>
+                    <a:ext uri="{9D8B030D-6E8A-4147-A177-3AD203B41FA5}">
+                      <a16:colId xmlns:a16="http://schemas.microsoft.com/office/drawing/2014/main" val="297850575"/>
+                    </a:ext>
+                  </a:extLst>
+                </a:gridCol>
+                <a:gridCol w="2743200">
+                  <a:extLst>
+                    <a:ext uri="{9D8B030D-6E8A-4147-A177-3AD203B41FA5}">
+                      <a16:colId xmlns:a16="http://schemas.microsoft.com/office/drawing/2014/main" val="350445868"/>
+                    </a:ext>
+                  </a:extLst>
+                </a:gridCol>
+                <a:gridCol w="2743200">
+                  <a:extLst>
+                    <a:ext uri="{9D8B030D-6E8A-4147-A177-3AD203B41FA5}">
+                      <a16:colId xmlns:a16="http://schemas.microsoft.com/office/drawing/2014/main" val="4267716313"/>
+                    </a:ext>
+                  </a:extLst>
+                </a:gridCol>
+              </a:tblGrid>
+              <a:tr h="370840">
+                <a:tc>
+                  <a:txBody>
+                    <a:bodyPr/>
+                    <a:lstStyle/>
+                    <a:p>
+                      <a:r>
+                        <a:rPr lang="nl-NL" b="1" dirty="0"/>
+                        <a:t>Jaren ‘90</a:t>
+                      </a:r>
+                    </a:p>
+                  </a:txBody>
+                  <a:tcPr/>
+                </a:tc>
+                <a:tc>
+                  <a:txBody>
+                    <a:bodyPr/>
+                    <a:lstStyle/>
+                    <a:p>
+                      <a:r>
+                        <a:rPr lang="nl-NL" b="1" dirty="0"/>
+                        <a:t>Jaren ‘00</a:t>
+                      </a:r>
+                    </a:p>
+                  </a:txBody>
+                  <a:tcPr/>
+                </a:tc>
+                <a:tc>
+                  <a:txBody>
+                    <a:bodyPr/>
+                    <a:lstStyle/>
+                    <a:p>
+                      <a:r>
+                        <a:rPr lang="nl-NL" b="1" dirty="0"/>
+                        <a:t>Jaren ‘10</a:t>
+                      </a:r>
+                    </a:p>
+                  </a:txBody>
+                  <a:tcPr/>
+                </a:tc>
+                <a:extLst>
+                  <a:ext uri="{0D108BD9-81ED-4DB2-BD59-A6C34878D82A}">
+                    <a16:rowId xmlns:a16="http://schemas.microsoft.com/office/drawing/2014/main" val="3371940442"/>
+                  </a:ext>
+                </a:extLst>
+              </a:tr>
+              <a:tr h="370840">
+                <a:tc>
+                  <a:txBody>
+                    <a:bodyPr/>
+                    <a:lstStyle/>
+                    <a:p>
+                      <a:endParaRPr lang="nl-NL" sz="1600" dirty="0"/>
+                    </a:p>
+                  </a:txBody>
+                  <a:tcPr/>
+                </a:tc>
+                <a:tc>
+                  <a:txBody>
+                    <a:bodyPr/>
+                    <a:lstStyle/>
+                    <a:p>
+                      <a:endParaRPr lang="nl-NL" sz="1600" dirty="0"/>
+                    </a:p>
+                  </a:txBody>
+                  <a:tcPr/>
+                </a:tc>
+                <a:tc>
+                  <a:txBody>
+                    <a:bodyPr/>
+                    <a:lstStyle/>
+                    <a:p>
+                      <a:endParaRPr lang="nl-NL" sz="1600" dirty="0"/>
+                    </a:p>
+                  </a:txBody>
+                  <a:tcPr/>
+                </a:tc>
+                <a:extLst>
+                  <a:ext uri="{0D108BD9-81ED-4DB2-BD59-A6C34878D82A}">
+                    <a16:rowId xmlns:a16="http://schemas.microsoft.com/office/drawing/2014/main" val="3684242365"/>
+                  </a:ext>
+                </a:extLst>
+              </a:tr>
+              <a:tr h="370840">
+                <a:tc>
+                  <a:txBody>
+                    <a:bodyPr/>
+                    <a:lstStyle/>
+                    <a:p>
+                      <a:r>
+                        <a:rPr lang="nl-NL" sz="1600" dirty="0"/>
+                        <a:t>COM/COM+/DCOM</a:t>
+                      </a:r>
+                    </a:p>
+                  </a:txBody>
+                  <a:tcPr/>
+                </a:tc>
+                <a:tc>
+                  <a:txBody>
+                    <a:bodyPr/>
+                    <a:lstStyle/>
+                    <a:p>
+                      <a:r>
+                        <a:rPr lang="nl-NL" sz="1600" dirty="0"/>
+                        <a:t>XML(-RPC)</a:t>
+                      </a:r>
+                    </a:p>
+                  </a:txBody>
+                  <a:tcPr/>
+                </a:tc>
+                <a:tc>
+                  <a:txBody>
+                    <a:bodyPr/>
+                    <a:lstStyle/>
+                    <a:p>
+                      <a:r>
+                        <a:rPr lang="nl-NL" sz="1600" dirty="0"/>
+                        <a:t>XML</a:t>
+                      </a:r>
+                    </a:p>
+                  </a:txBody>
+                  <a:tcPr/>
+                </a:tc>
+                <a:extLst>
+                  <a:ext uri="{0D108BD9-81ED-4DB2-BD59-A6C34878D82A}">
+                    <a16:rowId xmlns:a16="http://schemas.microsoft.com/office/drawing/2014/main" val="3118794421"/>
+                  </a:ext>
+                </a:extLst>
+              </a:tr>
+              <a:tr h="370840">
+                <a:tc>
+                  <a:txBody>
+                    <a:bodyPr/>
+                    <a:lstStyle/>
+                    <a:p>
+                      <a:r>
+                        <a:rPr lang="nl-NL" sz="1600" dirty="0"/>
+                        <a:t>CORBA</a:t>
+                      </a:r>
+                    </a:p>
+                  </a:txBody>
+                  <a:tcPr/>
+                </a:tc>
+                <a:tc>
+                  <a:txBody>
+                    <a:bodyPr/>
+                    <a:lstStyle/>
+                    <a:p>
+                      <a:r>
+                        <a:rPr lang="nl-NL" sz="1600" dirty="0"/>
+                        <a:t>SOAP</a:t>
+                      </a:r>
+                    </a:p>
+                  </a:txBody>
+                  <a:tcPr/>
+                </a:tc>
+                <a:tc>
+                  <a:txBody>
+                    <a:bodyPr/>
+                    <a:lstStyle/>
+                    <a:p>
+                      <a:r>
+                        <a:rPr lang="nl-NL" sz="1600" dirty="0"/>
+                        <a:t>JSON</a:t>
+                      </a:r>
+                    </a:p>
+                  </a:txBody>
+                  <a:tcPr/>
+                </a:tc>
+                <a:extLst>
+                  <a:ext uri="{0D108BD9-81ED-4DB2-BD59-A6C34878D82A}">
+                    <a16:rowId xmlns:a16="http://schemas.microsoft.com/office/drawing/2014/main" val="558385730"/>
+                  </a:ext>
+                </a:extLst>
+              </a:tr>
+              <a:tr h="370840">
+                <a:tc>
+                  <a:txBody>
+                    <a:bodyPr/>
+                    <a:lstStyle/>
+                    <a:p>
+                      <a:endParaRPr lang="nl-NL" sz="1600" dirty="0"/>
+                    </a:p>
+                  </a:txBody>
+                  <a:tcPr/>
+                </a:tc>
+                <a:tc>
+                  <a:txBody>
+                    <a:bodyPr/>
+                    <a:lstStyle/>
+                    <a:p>
+                      <a:endParaRPr lang="nl-NL" sz="1600" dirty="0"/>
+                    </a:p>
+                  </a:txBody>
+                  <a:tcPr/>
+                </a:tc>
+                <a:tc>
+                  <a:txBody>
+                    <a:bodyPr/>
+                    <a:lstStyle/>
+                    <a:p>
+                      <a:endParaRPr lang="nl-NL" sz="1600" dirty="0"/>
+                    </a:p>
+                  </a:txBody>
+                  <a:tcPr/>
+                </a:tc>
+                <a:extLst>
+                  <a:ext uri="{0D108BD9-81ED-4DB2-BD59-A6C34878D82A}">
+                    <a16:rowId xmlns:a16="http://schemas.microsoft.com/office/drawing/2014/main" val="1013459723"/>
+                  </a:ext>
+                </a:extLst>
+              </a:tr>
+              <a:tr h="370840">
+                <a:tc>
+                  <a:txBody>
+                    <a:bodyPr/>
+                    <a:lstStyle/>
+                    <a:p>
+                      <a:r>
+                        <a:rPr lang="nl-NL" sz="1600" dirty="0"/>
+                        <a:t>Gesloten protocol</a:t>
+                      </a:r>
+                    </a:p>
+                  </a:txBody>
+                  <a:tcPr/>
+                </a:tc>
+                <a:tc>
+                  <a:txBody>
+                    <a:bodyPr/>
+                    <a:lstStyle/>
+                    <a:p>
+                      <a:r>
+                        <a:rPr lang="nl-NL" sz="1600" dirty="0"/>
+                        <a:t>Ieder voor zich</a:t>
+                      </a:r>
+                    </a:p>
+                  </a:txBody>
+                  <a:tcPr/>
+                </a:tc>
+                <a:tc>
+                  <a:txBody>
+                    <a:bodyPr/>
+                    <a:lstStyle/>
+                    <a:p>
+                      <a:r>
+                        <a:rPr lang="nl-NL" sz="1600" dirty="0"/>
+                        <a:t>Standaard</a:t>
+                      </a:r>
+                    </a:p>
+                  </a:txBody>
+                  <a:tcPr/>
+                </a:tc>
+                <a:extLst>
+                  <a:ext uri="{0D108BD9-81ED-4DB2-BD59-A6C34878D82A}">
+                    <a16:rowId xmlns:a16="http://schemas.microsoft.com/office/drawing/2014/main" val="3123645600"/>
+                  </a:ext>
+                </a:extLst>
+              </a:tr>
+              <a:tr h="370840">
+                <a:tc>
+                  <a:txBody>
+                    <a:bodyPr/>
+                    <a:lstStyle/>
+                    <a:p>
+                      <a:r>
+                        <a:rPr lang="nl-NL" sz="1600" dirty="0"/>
+                        <a:t>Maanden</a:t>
+                      </a:r>
+                    </a:p>
+                  </a:txBody>
+                  <a:tcPr/>
+                </a:tc>
+                <a:tc>
+                  <a:txBody>
+                    <a:bodyPr/>
+                    <a:lstStyle/>
+                    <a:p>
+                      <a:r>
+                        <a:rPr lang="nl-NL" sz="1600" dirty="0"/>
+                        <a:t>Weken</a:t>
+                      </a:r>
+                    </a:p>
+                  </a:txBody>
+                  <a:tcPr/>
+                </a:tc>
+                <a:tc>
+                  <a:txBody>
+                    <a:bodyPr/>
+                    <a:lstStyle/>
+                    <a:p>
+                      <a:r>
+                        <a:rPr lang="nl-NL" sz="1600" dirty="0"/>
+                        <a:t>Dagen</a:t>
+                      </a:r>
+                    </a:p>
+                  </a:txBody>
+                  <a:tcPr/>
+                </a:tc>
+                <a:extLst>
+                  <a:ext uri="{0D108BD9-81ED-4DB2-BD59-A6C34878D82A}">
+                    <a16:rowId xmlns:a16="http://schemas.microsoft.com/office/drawing/2014/main" val="200020450"/>
+                  </a:ext>
+                </a:extLst>
+              </a:tr>
+              <a:tr h="370840">
+                <a:tc>
+                  <a:txBody>
+                    <a:bodyPr/>
+                    <a:lstStyle/>
+                    <a:p>
+                      <a:endParaRPr lang="nl-NL" sz="1600" dirty="0"/>
+                    </a:p>
+                  </a:txBody>
+                  <a:tcPr/>
+                </a:tc>
+                <a:tc>
+                  <a:txBody>
+                    <a:bodyPr/>
+                    <a:lstStyle/>
+                    <a:p>
+                      <a:endParaRPr lang="nl-NL" sz="1600" dirty="0"/>
+                    </a:p>
+                  </a:txBody>
+                  <a:tcPr/>
+                </a:tc>
+                <a:tc>
+                  <a:txBody>
+                    <a:bodyPr/>
+                    <a:lstStyle/>
+                    <a:p>
+                      <a:endParaRPr lang="nl-NL" sz="1600" dirty="0"/>
+                    </a:p>
+                  </a:txBody>
+                  <a:tcPr/>
+                </a:tc>
+                <a:extLst>
+                  <a:ext uri="{0D108BD9-81ED-4DB2-BD59-A6C34878D82A}">
+                    <a16:rowId xmlns:a16="http://schemas.microsoft.com/office/drawing/2014/main" val="2117799433"/>
+                  </a:ext>
+                </a:extLst>
+              </a:tr>
+            </a:tbl>
+          </a:graphicData>
+        </a:graphic>
+      </p:graphicFrame>
     </p:spTree>
     <p:extLst>
       <p:ext uri="{BB962C8B-B14F-4D97-AF65-F5344CB8AC3E}">
-        <p14:creationId xmlns:p14="http://schemas.microsoft.com/office/powerpoint/2010/main" val="1004819729"/>
+        <p14:creationId xmlns:p14="http://schemas.microsoft.com/office/powerpoint/2010/main" val="1110744841"/>
       </p:ext>
     </p:extLst>
   </p:cSld>
@@ -7068,8 +7261,8 @@
           <a:lstStyle/>
           <a:p>
             <a:r>
-              <a:rPr lang="en-US" dirty="0" err="1"/>
-              <a:t>Authenticatie</a:t>
+              <a:rPr lang="en-US" dirty="0"/>
+              <a:t>Filters</a:t>
             </a:r>
             <a:endParaRPr lang="nl-NL" dirty="0"/>
           </a:p>
@@ -7093,45 +7286,199 @@
         </p:spPr>
         <p:txBody>
           <a:bodyPr>
-            <a:normAutofit/>
+            <a:normAutofit lnSpcReduction="10000"/>
           </a:bodyPr>
           <a:lstStyle/>
           <a:p>
-            <a:r>
-              <a:rPr lang="en-US" sz="2400" dirty="0"/>
-              <a:t>HTTPS</a:t>
-            </a:r>
-          </a:p>
-          <a:p>
-            <a:endParaRPr lang="en-US" sz="2400" dirty="0"/>
-          </a:p>
-          <a:p>
-            <a:r>
-              <a:rPr lang="en-US" sz="2400" dirty="0"/>
-              <a:t>Access Control</a:t>
-            </a:r>
-          </a:p>
-          <a:p>
-            <a:r>
-              <a:rPr lang="en-US" sz="2400" dirty="0"/>
-              <a:t>JSON Web Tokens</a:t>
-            </a:r>
-          </a:p>
-          <a:p>
-            <a:r>
-              <a:rPr lang="en-US" sz="2400" dirty="0"/>
-              <a:t>API Keys</a:t>
+            <a:pPr marL="0" indent="0">
+              <a:buNone/>
+            </a:pPr>
+            <a:r>
+              <a:rPr lang="en-US" dirty="0" err="1"/>
+              <a:t>Complexiteit</a:t>
+            </a:r>
+            <a:r>
+              <a:rPr lang="en-US" dirty="0"/>
+              <a:t> </a:t>
+            </a:r>
+            <a:r>
+              <a:rPr lang="en-US" dirty="0" err="1"/>
+              <a:t>achter</a:t>
+            </a:r>
+            <a:r>
+              <a:rPr lang="en-US" dirty="0"/>
+              <a:t> de  ‘?’</a:t>
+            </a:r>
+          </a:p>
+          <a:p>
+            <a:pPr marL="0" indent="0">
+              <a:buNone/>
+            </a:pPr>
+            <a:endParaRPr lang="en-US" dirty="0"/>
+          </a:p>
+          <a:p>
+            <a:endParaRPr lang="en-US" dirty="0"/>
+          </a:p>
+          <a:p>
+            <a:pPr marL="0" indent="0">
+              <a:buNone/>
+            </a:pPr>
+            <a:r>
+              <a:rPr lang="en-US" sz="2000" dirty="0" err="1"/>
+              <a:t>Alle</a:t>
+            </a:r>
+            <a:r>
+              <a:rPr lang="en-US" sz="2000" dirty="0"/>
+              <a:t> </a:t>
+            </a:r>
+            <a:r>
+              <a:rPr lang="en-US" sz="2000" dirty="0" err="1"/>
+              <a:t>rennende</a:t>
+            </a:r>
+            <a:r>
+              <a:rPr lang="en-US" sz="2000" dirty="0"/>
+              <a:t> rode </a:t>
+            </a:r>
+            <a:r>
+              <a:rPr lang="en-US" sz="2000" dirty="0" err="1"/>
+              <a:t>honden</a:t>
+            </a:r>
+            <a:r>
+              <a:rPr lang="en-US" sz="2000" dirty="0"/>
+              <a:t> in het park</a:t>
+            </a:r>
+          </a:p>
+          <a:p>
+            <a:r>
+              <a:rPr lang="en-US" sz="2000" dirty="0"/>
+              <a:t>GET /</a:t>
+            </a:r>
+            <a:r>
+              <a:rPr lang="en-US" sz="2000" dirty="0" err="1"/>
+              <a:t>dogs?color</a:t>
+            </a:r>
+            <a:r>
+              <a:rPr lang="en-US" sz="2000" dirty="0"/>
+              <a:t>=</a:t>
+            </a:r>
+            <a:r>
+              <a:rPr lang="en-US" sz="2000" dirty="0" err="1"/>
+              <a:t>red&amp;state</a:t>
+            </a:r>
+            <a:r>
+              <a:rPr lang="en-US" sz="2000" dirty="0"/>
+              <a:t>=</a:t>
+            </a:r>
+            <a:r>
+              <a:rPr lang="en-US" sz="2000" dirty="0" err="1"/>
+              <a:t>running&amp;location</a:t>
+            </a:r>
+            <a:r>
+              <a:rPr lang="en-US" sz="2000" dirty="0"/>
+              <a:t>=park</a:t>
             </a:r>
           </a:p>
           <a:p>
             <a:endParaRPr lang="en-US" sz="2000" dirty="0"/>
+          </a:p>
+          <a:p>
+            <a:pPr marL="0" indent="0">
+              <a:buNone/>
+            </a:pPr>
+            <a:r>
+              <a:rPr lang="en-US" sz="2000" dirty="0" err="1"/>
+              <a:t>Alleen</a:t>
+            </a:r>
+            <a:r>
+              <a:rPr lang="en-US" sz="2000" dirty="0"/>
+              <a:t> </a:t>
+            </a:r>
+            <a:r>
+              <a:rPr lang="en-US" sz="2000" dirty="0" err="1"/>
+              <a:t>bepaalde</a:t>
+            </a:r>
+            <a:r>
+              <a:rPr lang="en-US" sz="2000" dirty="0"/>
+              <a:t> </a:t>
+            </a:r>
+            <a:r>
+              <a:rPr lang="en-US" sz="2000" dirty="0" err="1"/>
+              <a:t>velden</a:t>
+            </a:r>
+            <a:r>
+              <a:rPr lang="en-US" sz="2000" dirty="0"/>
+              <a:t>:</a:t>
+            </a:r>
+          </a:p>
+          <a:p>
+            <a:r>
+              <a:rPr lang="en-US" sz="2000" dirty="0"/>
+              <a:t>GET /</a:t>
+            </a:r>
+            <a:r>
+              <a:rPr lang="en-US" sz="2000" dirty="0" err="1"/>
+              <a:t>dogs?fields</a:t>
+            </a:r>
+            <a:r>
+              <a:rPr lang="en-US" sz="2000" dirty="0"/>
+              <a:t>=</a:t>
+            </a:r>
+            <a:r>
+              <a:rPr lang="en-US" sz="2000" dirty="0" err="1"/>
+              <a:t>name,color,location</a:t>
+            </a:r>
+            <a:r>
+              <a:rPr lang="en-US" sz="2000" dirty="0"/>
+              <a:t> </a:t>
+            </a:r>
+          </a:p>
+          <a:p>
+            <a:endParaRPr lang="en-US" sz="2000" dirty="0"/>
+          </a:p>
+          <a:p>
+            <a:pPr marL="0" indent="0">
+              <a:buNone/>
+            </a:pPr>
+            <a:r>
+              <a:rPr lang="en-US" sz="2200" dirty="0"/>
+              <a:t>Pagination </a:t>
+            </a:r>
+          </a:p>
+          <a:p>
+            <a:r>
+              <a:rPr lang="en-US" sz="2200" dirty="0"/>
+              <a:t>GET /</a:t>
+            </a:r>
+            <a:r>
+              <a:rPr lang="en-US" sz="2200" dirty="0" err="1"/>
+              <a:t>dogs?limit</a:t>
+            </a:r>
+            <a:r>
+              <a:rPr lang="en-US" sz="2200" dirty="0"/>
+              <a:t>=25&amp;offset=50 </a:t>
+            </a:r>
+          </a:p>
+          <a:p>
+            <a:pPr marL="0" indent="0">
+              <a:buNone/>
+            </a:pPr>
+            <a:endParaRPr lang="en-US" dirty="0"/>
+          </a:p>
+          <a:p>
+            <a:endParaRPr lang="en-US" dirty="0"/>
+          </a:p>
+          <a:p>
+            <a:endParaRPr lang="en-US" dirty="0"/>
+          </a:p>
+          <a:p>
+            <a:endParaRPr lang="en-US" sz="2800" dirty="0"/>
           </a:p>
         </p:txBody>
       </p:sp>
     </p:spTree>
     <p:extLst>
       <p:ext uri="{BB962C8B-B14F-4D97-AF65-F5344CB8AC3E}">
-        <p14:creationId xmlns:p14="http://schemas.microsoft.com/office/powerpoint/2010/main" val="3425312892"/>
+        <p14:creationId xmlns:p14="http://schemas.microsoft.com/office/powerpoint/2010/main" val="1004819729"/>
       </p:ext>
     </p:extLst>
   </p:cSld>
@@ -7179,6 +7526,117 @@
           <a:lstStyle/>
           <a:p>
             <a:r>
+              <a:rPr lang="en-US" dirty="0" err="1"/>
+              <a:t>Authenticatie</a:t>
+            </a:r>
+            <a:endParaRPr lang="nl-NL" dirty="0"/>
+          </a:p>
+        </p:txBody>
+      </p:sp>
+      <p:sp>
+        <p:nvSpPr>
+          <p:cNvPr id="3" name="Content Placeholder 2"/>
+          <p:cNvSpPr>
+            <a:spLocks noGrp="1"/>
+          </p:cNvSpPr>
+          <p:nvPr>
+            <p:ph idx="1"/>
+          </p:nvPr>
+        </p:nvSpPr>
+        <p:spPr>
+          <a:xfrm>
+            <a:off x="266689" y="1396662"/>
+            <a:ext cx="8420111" cy="4525963"/>
+          </a:xfrm>
+        </p:spPr>
+        <p:txBody>
+          <a:bodyPr>
+            <a:normAutofit/>
+          </a:bodyPr>
+          <a:lstStyle/>
+          <a:p>
+            <a:r>
+              <a:rPr lang="en-US" sz="2400" dirty="0"/>
+              <a:t>HTTPS</a:t>
+            </a:r>
+          </a:p>
+          <a:p>
+            <a:endParaRPr lang="en-US" sz="2400" dirty="0"/>
+          </a:p>
+          <a:p>
+            <a:r>
+              <a:rPr lang="en-US" sz="2400" dirty="0"/>
+              <a:t>Access Control</a:t>
+            </a:r>
+          </a:p>
+          <a:p>
+            <a:r>
+              <a:rPr lang="en-US" sz="2400" dirty="0"/>
+              <a:t>JSON Web Tokens</a:t>
+            </a:r>
+          </a:p>
+          <a:p>
+            <a:r>
+              <a:rPr lang="en-US" sz="2400" dirty="0"/>
+              <a:t>API Keys</a:t>
+            </a:r>
+          </a:p>
+          <a:p>
+            <a:endParaRPr lang="en-US" sz="2000" dirty="0"/>
+          </a:p>
+        </p:txBody>
+      </p:sp>
+    </p:spTree>
+    <p:extLst>
+      <p:ext uri="{BB962C8B-B14F-4D97-AF65-F5344CB8AC3E}">
+        <p14:creationId xmlns:p14="http://schemas.microsoft.com/office/powerpoint/2010/main" val="3425312892"/>
+      </p:ext>
+    </p:extLst>
+  </p:cSld>
+  <p:clrMapOvr>
+    <a:masterClrMapping/>
+  </p:clrMapOvr>
+</p:sld>
+</file>
+
+<file path=ppt/slides/slide14.xml><?xml version="1.0" encoding="utf-8"?>
+<p:sld xmlns:a="http://schemas.openxmlformats.org/drawingml/2006/main" xmlns:r="http://schemas.openxmlformats.org/officeDocument/2006/relationships" xmlns:p="http://schemas.openxmlformats.org/presentationml/2006/main">
+  <p:cSld>
+    <p:spTree>
+      <p:nvGrpSpPr>
+        <p:cNvPr id="1" name=""/>
+        <p:cNvGrpSpPr/>
+        <p:nvPr/>
+      </p:nvGrpSpPr>
+      <p:grpSpPr>
+        <a:xfrm>
+          <a:off x="0" y="0"/>
+          <a:ext cx="0" cy="0"/>
+          <a:chOff x="0" y="0"/>
+          <a:chExt cx="0" cy="0"/>
+        </a:xfrm>
+      </p:grpSpPr>
+      <p:sp>
+        <p:nvSpPr>
+          <p:cNvPr id="2" name="Title 1"/>
+          <p:cNvSpPr>
+            <a:spLocks noGrp="1"/>
+          </p:cNvSpPr>
+          <p:nvPr>
+            <p:ph type="title"/>
+          </p:nvPr>
+        </p:nvSpPr>
+        <p:spPr>
+          <a:xfrm>
+            <a:off x="457200" y="274638"/>
+            <a:ext cx="8229600" cy="1138138"/>
+          </a:xfrm>
+        </p:spPr>
+        <p:txBody>
+          <a:bodyPr/>
+          <a:lstStyle/>
+          <a:p>
+            <a:r>
               <a:rPr lang="en-US" dirty="0"/>
               <a:t>Non-Resource URL</a:t>
             </a:r>
@@ -7303,7 +7761,7 @@
 </p:sld>
 </file>
 
-<file path=ppt/slides/slide14.xml><?xml version="1.0" encoding="utf-8"?>
+<file path=ppt/slides/slide15.xml><?xml version="1.0" encoding="utf-8"?>
 <p:sld xmlns:a="http://schemas.openxmlformats.org/drawingml/2006/main" xmlns:r="http://schemas.openxmlformats.org/officeDocument/2006/relationships" xmlns:p="http://schemas.openxmlformats.org/presentationml/2006/main">
   <p:cSld>
     <p:spTree>
@@ -7596,7 +8054,7 @@
 </p:sld>
 </file>
 
-<file path=ppt/slides/slide15.xml><?xml version="1.0" encoding="utf-8"?>
+<file path=ppt/slides/slide16.xml><?xml version="1.0" encoding="utf-8"?>
 <p:sld xmlns:a="http://schemas.openxmlformats.org/drawingml/2006/main" xmlns:r="http://schemas.openxmlformats.org/officeDocument/2006/relationships" xmlns:p="http://schemas.openxmlformats.org/presentationml/2006/main">
   <p:cSld>
     <p:spTree>
@@ -7689,7 +8147,7 @@
         </p:spPr>
         <p:txBody>
           <a:bodyPr>
-            <a:normAutofit lnSpcReduction="10000"/>
+            <a:normAutofit fontScale="92500" lnSpcReduction="20000"/>
           </a:bodyPr>
           <a:lstStyle/>
           <a:p>
@@ -7720,15 +8178,18 @@
             <a:endParaRPr lang="nl-NL" dirty="0"/>
           </a:p>
           <a:p>
+            <a:endParaRPr lang="nl-NL" dirty="0"/>
+          </a:p>
+          <a:p>
+            <a:r>
+              <a:rPr lang="nl-NL" dirty="0"/>
+              <a:t>Waarom REST</a:t>
+            </a:r>
+          </a:p>
+          <a:p>
             <a:r>
               <a:rPr lang="nl-NL" dirty="0"/>
               <a:t>Uitgebreide functionaliteiten</a:t>
-            </a:r>
-          </a:p>
-          <a:p>
-            <a:r>
-              <a:rPr lang="nl-NL" dirty="0"/>
-              <a:t>Waarom willen we REST</a:t>
             </a:r>
           </a:p>
           <a:p>

--- a/API workshop.pptx
+++ b/API workshop.pptx
@@ -830,6 +830,94 @@
           <a:p>
             <a:fld id="{CBE01D35-0C62-42B1-8559-BBC417D9769E}" type="slidenum">
               <a:rPr lang="nl-NL" smtClean="0"/>
+              <a:t>13</a:t>
+            </a:fld>
+            <a:endParaRPr lang="nl-NL"/>
+          </a:p>
+        </p:txBody>
+      </p:sp>
+    </p:spTree>
+    <p:extLst>
+      <p:ext uri="{BB962C8B-B14F-4D97-AF65-F5344CB8AC3E}">
+        <p14:creationId xmlns:p14="http://schemas.microsoft.com/office/powerpoint/2010/main" val="2689573187"/>
+      </p:ext>
+    </p:extLst>
+  </p:cSld>
+  <p:clrMapOvr>
+    <a:masterClrMapping/>
+  </p:clrMapOvr>
+</p:notes>
+</file>
+
+<file path=ppt/notesSlides/notesSlide11.xml><?xml version="1.0" encoding="utf-8"?>
+<p:notes xmlns:a="http://schemas.openxmlformats.org/drawingml/2006/main" xmlns:r="http://schemas.openxmlformats.org/officeDocument/2006/relationships" xmlns:p="http://schemas.openxmlformats.org/presentationml/2006/main">
+  <p:cSld>
+    <p:spTree>
+      <p:nvGrpSpPr>
+        <p:cNvPr id="1" name=""/>
+        <p:cNvGrpSpPr/>
+        <p:nvPr/>
+      </p:nvGrpSpPr>
+      <p:grpSpPr>
+        <a:xfrm>
+          <a:off x="0" y="0"/>
+          <a:ext cx="0" cy="0"/>
+          <a:chOff x="0" y="0"/>
+          <a:chExt cx="0" cy="0"/>
+        </a:xfrm>
+      </p:grpSpPr>
+      <p:sp>
+        <p:nvSpPr>
+          <p:cNvPr id="2" name="Tijdelijke aanduiding voor dia-afbeelding 1"/>
+          <p:cNvSpPr>
+            <a:spLocks noGrp="1" noRot="1" noChangeAspect="1"/>
+          </p:cNvSpPr>
+          <p:nvPr>
+            <p:ph type="sldImg"/>
+          </p:nvPr>
+        </p:nvSpPr>
+        <p:spPr/>
+      </p:sp>
+      <p:sp>
+        <p:nvSpPr>
+          <p:cNvPr id="3" name="Tijdelijke aanduiding voor notities 2"/>
+          <p:cNvSpPr>
+            <a:spLocks noGrp="1"/>
+          </p:cNvSpPr>
+          <p:nvPr>
+            <p:ph type="body" idx="1"/>
+          </p:nvPr>
+        </p:nvSpPr>
+        <p:spPr/>
+        <p:txBody>
+          <a:bodyPr/>
+          <a:lstStyle/>
+          <a:p>
+            <a:pPr marL="171450" indent="-171450">
+              <a:buFont typeface="Arial" panose="020B0604020202020204" pitchFamily="34" charset="0"/>
+              <a:buChar char="•"/>
+            </a:pPr>
+            <a:endParaRPr lang="nl-NL" dirty="0"/>
+          </a:p>
+        </p:txBody>
+      </p:sp>
+      <p:sp>
+        <p:nvSpPr>
+          <p:cNvPr id="4" name="Tijdelijke aanduiding voor dianummer 3"/>
+          <p:cNvSpPr>
+            <a:spLocks noGrp="1"/>
+          </p:cNvSpPr>
+          <p:nvPr>
+            <p:ph type="sldNum" sz="quarter" idx="10"/>
+          </p:nvPr>
+        </p:nvSpPr>
+        <p:spPr/>
+        <p:txBody>
+          <a:bodyPr/>
+          <a:lstStyle/>
+          <a:p>
+            <a:fld id="{CBE01D35-0C62-42B1-8559-BBC417D9769E}" type="slidenum">
+              <a:rPr lang="nl-NL" smtClean="0"/>
               <a:t>14</a:t>
             </a:fld>
             <a:endParaRPr lang="nl-NL"/>
@@ -1499,10 +1587,6 @@
           <a:bodyPr/>
           <a:lstStyle/>
           <a:p>
-            <a:pPr marL="171450" indent="-171450">
-              <a:buFont typeface="Arial" panose="020B0604020202020204" pitchFamily="34" charset="0"/>
-              <a:buChar char="•"/>
-            </a:pPr>
             <a:endParaRPr lang="nl-NL" dirty="0"/>
           </a:p>
         </p:txBody>
@@ -1524,7 +1608,7 @@
           <a:p>
             <a:fld id="{CBE01D35-0C62-42B1-8559-BBC417D9769E}" type="slidenum">
               <a:rPr lang="nl-NL" smtClean="0"/>
-              <a:t>12</a:t>
+              <a:t>11</a:t>
             </a:fld>
             <a:endParaRPr lang="nl-NL"/>
           </a:p>
@@ -1533,7 +1617,7 @@
     </p:spTree>
     <p:extLst>
       <p:ext uri="{BB962C8B-B14F-4D97-AF65-F5344CB8AC3E}">
-        <p14:creationId xmlns:p14="http://schemas.microsoft.com/office/powerpoint/2010/main" val="643144208"/>
+        <p14:creationId xmlns:p14="http://schemas.microsoft.com/office/powerpoint/2010/main" val="3645748835"/>
       </p:ext>
     </p:extLst>
   </p:cSld>
@@ -1612,7 +1696,7 @@
           <a:p>
             <a:fld id="{CBE01D35-0C62-42B1-8559-BBC417D9769E}" type="slidenum">
               <a:rPr lang="nl-NL" smtClean="0"/>
-              <a:t>13</a:t>
+              <a:t>12</a:t>
             </a:fld>
             <a:endParaRPr lang="nl-NL"/>
           </a:p>
@@ -1621,7 +1705,7 @@
     </p:spTree>
     <p:extLst>
       <p:ext uri="{BB962C8B-B14F-4D97-AF65-F5344CB8AC3E}">
-        <p14:creationId xmlns:p14="http://schemas.microsoft.com/office/powerpoint/2010/main" val="2689573187"/>
+        <p14:creationId xmlns:p14="http://schemas.microsoft.com/office/powerpoint/2010/main" val="643144208"/>
       </p:ext>
     </p:extLst>
   </p:cSld>
@@ -6827,14 +6911,14 @@
             <p:ph idx="1"/>
             <p:extLst>
               <p:ext uri="{D42A27DB-BD31-4B8C-83A1-F6EECF244321}">
-                <p14:modId xmlns:p14="http://schemas.microsoft.com/office/powerpoint/2010/main" val="3384834202"/>
+                <p14:modId xmlns:p14="http://schemas.microsoft.com/office/powerpoint/2010/main" val="329248880"/>
               </p:ext>
             </p:extLst>
           </p:nvPr>
         </p:nvGraphicFramePr>
         <p:xfrm>
           <a:off x="457200" y="1600200"/>
-          <a:ext cx="8229600" cy="2966720"/>
+          <a:ext cx="8229600" cy="4079240"/>
         </p:xfrm>
         <a:graphic>
           <a:graphicData uri="http://schemas.openxmlformats.org/drawingml/2006/table">
@@ -7203,6 +7287,137 @@
                 <a:extLst>
                   <a:ext uri="{0D108BD9-81ED-4DB2-BD59-A6C34878D82A}">
                     <a16:rowId xmlns:a16="http://schemas.microsoft.com/office/drawing/2014/main" val="2117799433"/>
+                  </a:ext>
+                </a:extLst>
+              </a:tr>
+              <a:tr h="370840">
+                <a:tc>
+                  <a:txBody>
+                    <a:bodyPr/>
+                    <a:lstStyle/>
+                    <a:p>
+                      <a:endParaRPr lang="nl-NL" sz="1600" dirty="0"/>
+                    </a:p>
+                  </a:txBody>
+                  <a:tcPr/>
+                </a:tc>
+                <a:tc>
+                  <a:txBody>
+                    <a:bodyPr/>
+                    <a:lstStyle/>
+                    <a:p>
+                      <a:endParaRPr lang="nl-NL" sz="1600" dirty="0"/>
+                    </a:p>
+                  </a:txBody>
+                  <a:tcPr/>
+                </a:tc>
+                <a:tc>
+                  <a:txBody>
+                    <a:bodyPr/>
+                    <a:lstStyle/>
+                    <a:p>
+                      <a:endParaRPr lang="nl-NL" sz="1600" dirty="0"/>
+                    </a:p>
+                  </a:txBody>
+                  <a:tcPr/>
+                </a:tc>
+                <a:extLst>
+                  <a:ext uri="{0D108BD9-81ED-4DB2-BD59-A6C34878D82A}">
+                    <a16:rowId xmlns:a16="http://schemas.microsoft.com/office/drawing/2014/main" val="1776912621"/>
+                  </a:ext>
+                </a:extLst>
+              </a:tr>
+              <a:tr h="370840">
+                <a:tc>
+                  <a:txBody>
+                    <a:bodyPr/>
+                    <a:lstStyle/>
+                    <a:p>
+                      <a:endParaRPr lang="nl-NL" sz="1600" dirty="0"/>
+                    </a:p>
+                  </a:txBody>
+                  <a:tcPr/>
+                </a:tc>
+                <a:tc>
+                  <a:txBody>
+                    <a:bodyPr/>
+                    <a:lstStyle/>
+                    <a:p>
+                      <a:endParaRPr lang="nl-NL" sz="1600" dirty="0"/>
+                    </a:p>
+                  </a:txBody>
+                  <a:tcPr/>
+                </a:tc>
+                <a:tc>
+                  <a:txBody>
+                    <a:bodyPr/>
+                    <a:lstStyle/>
+                    <a:p>
+                      <a:endParaRPr lang="nl-NL" sz="1600" dirty="0"/>
+                    </a:p>
+                  </a:txBody>
+                  <a:tcPr/>
+                </a:tc>
+                <a:extLst>
+                  <a:ext uri="{0D108BD9-81ED-4DB2-BD59-A6C34878D82A}">
+                    <a16:rowId xmlns:a16="http://schemas.microsoft.com/office/drawing/2014/main" val="2501912620"/>
+                  </a:ext>
+                </a:extLst>
+              </a:tr>
+              <a:tr h="370840">
+                <a:tc>
+                  <a:txBody>
+                    <a:bodyPr/>
+                    <a:lstStyle/>
+                    <a:p>
+                      <a:endParaRPr lang="nl-NL" sz="1600" dirty="0"/>
+                    </a:p>
+                  </a:txBody>
+                  <a:tcPr/>
+                </a:tc>
+                <a:tc>
+                  <a:txBody>
+                    <a:bodyPr/>
+                    <a:lstStyle/>
+                    <a:p>
+                      <a:pPr marL="0" marR="0" lvl="0" indent="0" algn="l" defTabSz="914400" rtl="0" eaLnBrk="1" fontAlgn="auto" latinLnBrk="0" hangingPunct="1">
+                        <a:lnSpc>
+                          <a:spcPct val="100000"/>
+                        </a:lnSpc>
+                        <a:spcBef>
+                          <a:spcPts val="0"/>
+                        </a:spcBef>
+                        <a:spcAft>
+                          <a:spcPts val="0"/>
+                        </a:spcAft>
+                        <a:buClrTx/>
+                        <a:buSzTx/>
+                        <a:buFontTx/>
+                        <a:buNone/>
+                        <a:tabLst/>
+                        <a:defRPr/>
+                      </a:pPr>
+                      <a:r>
+                        <a:rPr lang="nl-NL" sz="1600" b="1" dirty="0"/>
+                        <a:t>Jaren ’20 ?</a:t>
+                      </a:r>
+                    </a:p>
+                  </a:txBody>
+                  <a:tcPr/>
+                </a:tc>
+                <a:tc>
+                  <a:txBody>
+                    <a:bodyPr/>
+                    <a:lstStyle/>
+                    <a:p>
+                      <a:endParaRPr lang="nl-NL" sz="1600" dirty="0"/>
+                    </a:p>
+                  </a:txBody>
+                  <a:tcPr/>
+                </a:tc>
+                <a:extLst>
+                  <a:ext uri="{0D108BD9-81ED-4DB2-BD59-A6C34878D82A}">
+                    <a16:rowId xmlns:a16="http://schemas.microsoft.com/office/drawing/2014/main" val="2764516619"/>
                   </a:ext>
                 </a:extLst>
               </a:tr>

--- a/API workshop.pptx
+++ b/API workshop.pptx
@@ -245,7 +245,7 @@
           <a:p>
             <a:fld id="{9086756E-EA5A-43ED-BE16-BCB008523C5D}" type="datetimeFigureOut">
               <a:rPr lang="nl-NL" smtClean="0"/>
-              <a:t>19-12-2017</a:t>
+              <a:t>20-12-2017</a:t>
             </a:fld>
             <a:endParaRPr lang="nl-NL"/>
           </a:p>
@@ -410,7 +410,7 @@
           <a:p>
             <a:fld id="{8C70EF70-7A3F-42D3-81AB-7E07B1FA2B56}" type="datetimeFigureOut">
               <a:rPr lang="nl-NL" smtClean="0"/>
-              <a:t>19-12-2017</a:t>
+              <a:t>20-12-2017</a:t>
             </a:fld>
             <a:endParaRPr lang="nl-NL"/>
           </a:p>
@@ -6713,7 +6713,7 @@
           <p:nvPr>
             <p:extLst>
               <p:ext uri="{D42A27DB-BD31-4B8C-83A1-F6EECF244321}">
-                <p14:modId xmlns:p14="http://schemas.microsoft.com/office/powerpoint/2010/main" val="1818112041"/>
+                <p14:modId xmlns:p14="http://schemas.microsoft.com/office/powerpoint/2010/main" val="2229661787"/>
               </p:ext>
             </p:extLst>
           </p:nvPr>
@@ -6745,7 +6745,7 @@
                     <a:p>
                       <a:r>
                         <a:rPr lang="nl-NL" sz="2400" dirty="0"/>
-                        <a:t>API benaderen via POSTMAN</a:t>
+                        <a:t>Dieren bewerken via POSTMAN</a:t>
                       </a:r>
                     </a:p>
                   </a:txBody>
@@ -6803,10 +6803,10 @@
       </p:graphicFrame>
       <p:sp>
         <p:nvSpPr>
-          <p:cNvPr id="12" name="Tekstvak 11">
+          <p:cNvPr id="13" name="Tekstvak 12">
             <a:extLst>
               <a:ext uri="{FF2B5EF4-FFF2-40B4-BE49-F238E27FC236}">
-                <a16:creationId xmlns:a16="http://schemas.microsoft.com/office/drawing/2014/main" id="{F1CA829D-CD80-43CE-BB35-842D4EA2E5AA}"/>
+                <a16:creationId xmlns:a16="http://schemas.microsoft.com/office/drawing/2014/main" id="{6B65978C-A39A-4F4C-8D64-A06F284B7D48}"/>
               </a:ext>
             </a:extLst>
           </p:cNvPr>
@@ -6815,7 +6815,7 @@
         </p:nvSpPr>
         <p:spPr>
           <a:xfrm>
-            <a:off x="432658" y="1172060"/>
+            <a:off x="457200" y="1110183"/>
             <a:ext cx="8229600" cy="369332"/>
           </a:xfrm>
           <a:prstGeom prst="rect">
@@ -6832,7 +6832,7 @@
             <a:pPr algn="ctr"/>
             <a:r>
               <a:rPr lang="nl-NL" dirty="0"/>
-              <a:t>&lt;&lt;URL INVOEGEN&gt;&gt;</a:t>
+              <a:t>github.com/spijkerman/dierentuin</a:t>
             </a:r>
           </a:p>
         </p:txBody>
@@ -9097,14 +9097,14 @@
             <p:ph idx="1"/>
             <p:extLst>
               <p:ext uri="{D42A27DB-BD31-4B8C-83A1-F6EECF244321}">
-                <p14:modId xmlns:p14="http://schemas.microsoft.com/office/powerpoint/2010/main" val="2199626819"/>
+                <p14:modId xmlns:p14="http://schemas.microsoft.com/office/powerpoint/2010/main" val="4264290851"/>
               </p:ext>
             </p:extLst>
           </p:nvPr>
         </p:nvGraphicFramePr>
         <p:xfrm>
-          <a:off x="266700" y="2576190"/>
-          <a:ext cx="8420100" cy="1112520"/>
+          <a:off x="361950" y="2348880"/>
+          <a:ext cx="8420100" cy="1365250"/>
         </p:xfrm>
         <a:graphic>
           <a:graphicData uri="http://schemas.openxmlformats.org/drawingml/2006/table">
@@ -9157,12 +9157,12 @@
                     <a:p>
                       <a:pPr algn="l" fontAlgn="t"/>
                       <a:r>
-                        <a:rPr lang="en-US" sz="900" u="none" strike="noStrike" dirty="0">
+                        <a:rPr lang="en-US" sz="1600" b="0" u="none" strike="noStrike" dirty="0">
                           <a:effectLst/>
                         </a:rPr>
                         <a:t>Resource</a:t>
                       </a:r>
-                      <a:endParaRPr lang="en-US" sz="900" b="0" i="0" u="none" strike="noStrike" dirty="0">
+                      <a:endParaRPr lang="en-US" sz="1600" b="0" i="0" u="none" strike="noStrike" dirty="0">
                         <a:solidFill>
                           <a:srgbClr val="000000"/>
                         </a:solidFill>
@@ -9171,7 +9171,28 @@
                       </a:endParaRPr>
                     </a:p>
                   </a:txBody>
-                  <a:tcPr marL="9525" marR="9525" marT="9525" marB="0"/>
+                  <a:tcPr marL="9525" marR="9525" marT="9525" marB="0">
+                    <a:lnL w="12700" cmpd="sng">
+                      <a:noFill/>
+                    </a:lnL>
+                    <a:lnR w="12700" cmpd="sng">
+                      <a:noFill/>
+                    </a:lnR>
+                    <a:lnT w="12700" cmpd="sng">
+                      <a:noFill/>
+                    </a:lnT>
+                    <a:lnB w="12700" cmpd="sng">
+                      <a:noFill/>
+                    </a:lnB>
+                    <a:lnTlToBr w="12700" cmpd="sng">
+                      <a:noFill/>
+                      <a:prstDash val="solid"/>
+                    </a:lnTlToBr>
+                    <a:lnBlToTr w="12700" cmpd="sng">
+                      <a:noFill/>
+                      <a:prstDash val="solid"/>
+                    </a:lnBlToTr>
+                  </a:tcPr>
                 </a:tc>
                 <a:tc>
                   <a:txBody>
@@ -9180,7 +9201,7 @@
                     <a:p>
                       <a:pPr algn="l" fontAlgn="t"/>
                       <a:r>
-                        <a:rPr lang="en-US" sz="900" u="none" strike="noStrike" dirty="0">
+                        <a:rPr lang="en-US" sz="1600" b="0" u="none" strike="noStrike" dirty="0">
                           <a:effectLst/>
                         </a:rPr>
                         <a:t>POST </a:t>
@@ -9189,14 +9210,35 @@
                     <a:p>
                       <a:pPr algn="l" fontAlgn="t"/>
                       <a:r>
-                        <a:rPr lang="en-US" sz="900" u="none" strike="noStrike" dirty="0">
+                        <a:rPr lang="en-US" sz="1600" b="0" u="none" strike="noStrike" dirty="0">
                           <a:effectLst/>
                         </a:rPr>
                         <a:t>Create</a:t>
                       </a:r>
                     </a:p>
                   </a:txBody>
-                  <a:tcPr marL="9525" marR="9525" marT="9525" marB="0"/>
+                  <a:tcPr marL="9525" marR="9525" marT="9525" marB="0">
+                    <a:lnL w="12700" cmpd="sng">
+                      <a:noFill/>
+                    </a:lnL>
+                    <a:lnR w="12700" cmpd="sng">
+                      <a:noFill/>
+                    </a:lnR>
+                    <a:lnT w="12700" cmpd="sng">
+                      <a:noFill/>
+                    </a:lnT>
+                    <a:lnB w="12700" cmpd="sng">
+                      <a:noFill/>
+                    </a:lnB>
+                    <a:lnTlToBr w="12700" cmpd="sng">
+                      <a:noFill/>
+                      <a:prstDash val="solid"/>
+                    </a:lnTlToBr>
+                    <a:lnBlToTr w="12700" cmpd="sng">
+                      <a:noFill/>
+                      <a:prstDash val="solid"/>
+                    </a:lnBlToTr>
+                  </a:tcPr>
                 </a:tc>
                 <a:tc>
                   <a:txBody>
@@ -9205,7 +9247,7 @@
                     <a:p>
                       <a:pPr algn="l" fontAlgn="t"/>
                       <a:r>
-                        <a:rPr lang="en-US" sz="900" u="none" strike="noStrike" dirty="0">
+                        <a:rPr lang="en-US" sz="1600" b="0" u="none" strike="noStrike" dirty="0">
                           <a:effectLst/>
                         </a:rPr>
                         <a:t>GET </a:t>
@@ -9214,12 +9256,12 @@
                     <a:p>
                       <a:pPr algn="l" fontAlgn="t"/>
                       <a:r>
-                        <a:rPr lang="en-US" sz="900" u="none" strike="noStrike" dirty="0">
+                        <a:rPr lang="en-US" sz="1600" b="0" u="none" strike="noStrike" dirty="0">
                           <a:effectLst/>
                         </a:rPr>
                         <a:t>Read</a:t>
                       </a:r>
-                      <a:endParaRPr lang="en-US" sz="900" b="0" i="0" u="none" strike="noStrike" dirty="0">
+                      <a:endParaRPr lang="en-US" sz="1600" b="0" i="0" u="none" strike="noStrike" dirty="0">
                         <a:solidFill>
                           <a:srgbClr val="000000"/>
                         </a:solidFill>
@@ -9228,7 +9270,28 @@
                       </a:endParaRPr>
                     </a:p>
                   </a:txBody>
-                  <a:tcPr marL="9525" marR="9525" marT="9525" marB="0"/>
+                  <a:tcPr marL="9525" marR="9525" marT="9525" marB="0">
+                    <a:lnL w="12700" cmpd="sng">
+                      <a:noFill/>
+                    </a:lnL>
+                    <a:lnR w="12700" cmpd="sng">
+                      <a:noFill/>
+                    </a:lnR>
+                    <a:lnT w="12700" cmpd="sng">
+                      <a:noFill/>
+                    </a:lnT>
+                    <a:lnB w="12700" cmpd="sng">
+                      <a:noFill/>
+                    </a:lnB>
+                    <a:lnTlToBr w="12700" cmpd="sng">
+                      <a:noFill/>
+                      <a:prstDash val="solid"/>
+                    </a:lnTlToBr>
+                    <a:lnBlToTr w="12700" cmpd="sng">
+                      <a:noFill/>
+                      <a:prstDash val="solid"/>
+                    </a:lnBlToTr>
+                  </a:tcPr>
                 </a:tc>
                 <a:tc>
                   <a:txBody>
@@ -9237,7 +9300,7 @@
                     <a:p>
                       <a:pPr algn="l" fontAlgn="t"/>
                       <a:r>
-                        <a:rPr lang="en-US" sz="900" u="none" strike="noStrike" dirty="0">
+                        <a:rPr lang="en-US" sz="1600" b="0" u="none" strike="noStrike" dirty="0">
                           <a:effectLst/>
                         </a:rPr>
                         <a:t>PUT </a:t>
@@ -9246,12 +9309,12 @@
                     <a:p>
                       <a:pPr algn="l" fontAlgn="t"/>
                       <a:r>
-                        <a:rPr lang="en-US" sz="900" u="none" strike="noStrike" dirty="0">
+                        <a:rPr lang="en-US" sz="1600" b="0" u="none" strike="noStrike" dirty="0">
                           <a:effectLst/>
                         </a:rPr>
                         <a:t>Update</a:t>
                       </a:r>
-                      <a:endParaRPr lang="en-US" sz="900" b="0" i="0" u="none" strike="noStrike" dirty="0">
+                      <a:endParaRPr lang="en-US" sz="1600" b="0" i="0" u="none" strike="noStrike" dirty="0">
                         <a:solidFill>
                           <a:srgbClr val="000000"/>
                         </a:solidFill>
@@ -9260,7 +9323,28 @@
                       </a:endParaRPr>
                     </a:p>
                   </a:txBody>
-                  <a:tcPr marL="9525" marR="9525" marT="9525" marB="0"/>
+                  <a:tcPr marL="9525" marR="9525" marT="9525" marB="0">
+                    <a:lnL w="12700" cmpd="sng">
+                      <a:noFill/>
+                    </a:lnL>
+                    <a:lnR w="12700" cmpd="sng">
+                      <a:noFill/>
+                    </a:lnR>
+                    <a:lnT w="12700" cmpd="sng">
+                      <a:noFill/>
+                    </a:lnT>
+                    <a:lnB w="12700" cmpd="sng">
+                      <a:noFill/>
+                    </a:lnB>
+                    <a:lnTlToBr w="12700" cmpd="sng">
+                      <a:noFill/>
+                      <a:prstDash val="solid"/>
+                    </a:lnTlToBr>
+                    <a:lnBlToTr w="12700" cmpd="sng">
+                      <a:noFill/>
+                      <a:prstDash val="solid"/>
+                    </a:lnBlToTr>
+                  </a:tcPr>
                 </a:tc>
                 <a:tc>
                   <a:txBody>
@@ -9269,7 +9353,7 @@
                     <a:p>
                       <a:pPr algn="l" fontAlgn="t"/>
                       <a:r>
-                        <a:rPr lang="en-US" sz="900" u="none" strike="noStrike" dirty="0">
+                        <a:rPr lang="en-US" sz="1600" b="0" u="none" strike="noStrike" dirty="0">
                           <a:effectLst/>
                         </a:rPr>
                         <a:t>DELETE </a:t>
@@ -9278,12 +9362,12 @@
                     <a:p>
                       <a:pPr algn="l" fontAlgn="t"/>
                       <a:r>
-                        <a:rPr lang="en-US" sz="900" u="none" strike="noStrike" dirty="0">
+                        <a:rPr lang="en-US" sz="1600" b="0" u="none" strike="noStrike" dirty="0">
                           <a:effectLst/>
                         </a:rPr>
                         <a:t>Delete</a:t>
                       </a:r>
-                      <a:endParaRPr lang="en-US" sz="900" b="0" i="0" u="none" strike="noStrike" dirty="0">
+                      <a:endParaRPr lang="en-US" sz="1600" b="0" i="0" u="none" strike="noStrike" dirty="0">
                         <a:solidFill>
                           <a:srgbClr val="000000"/>
                         </a:solidFill>
@@ -9292,7 +9376,28 @@
                       </a:endParaRPr>
                     </a:p>
                   </a:txBody>
-                  <a:tcPr marL="9525" marR="9525" marT="9525" marB="0"/>
+                  <a:tcPr marL="9525" marR="9525" marT="9525" marB="0">
+                    <a:lnL w="12700" cmpd="sng">
+                      <a:noFill/>
+                    </a:lnL>
+                    <a:lnR w="12700" cmpd="sng">
+                      <a:noFill/>
+                    </a:lnR>
+                    <a:lnT w="12700" cmpd="sng">
+                      <a:noFill/>
+                    </a:lnT>
+                    <a:lnB w="12700" cmpd="sng">
+                      <a:noFill/>
+                    </a:lnB>
+                    <a:lnTlToBr w="12700" cmpd="sng">
+                      <a:noFill/>
+                      <a:prstDash val="solid"/>
+                    </a:lnTlToBr>
+                    <a:lnBlToTr w="12700" cmpd="sng">
+                      <a:noFill/>
+                      <a:prstDash val="solid"/>
+                    </a:lnBlToTr>
+                  </a:tcPr>
                 </a:tc>
                 <a:extLst>
                   <a:ext uri="{0D108BD9-81ED-4DB2-BD59-A6C34878D82A}">
@@ -9308,12 +9413,18 @@
                     <a:p>
                       <a:pPr algn="l" fontAlgn="t"/>
                       <a:r>
-                        <a:rPr lang="en-US" sz="900" u="none" strike="noStrike" dirty="0">
+                        <a:rPr lang="en-US" sz="1600" b="0" u="none" strike="noStrike" dirty="0">
                           <a:effectLst/>
                         </a:rPr>
-                        <a:t>/dogs</a:t>
+                        <a:t>/</a:t>
                       </a:r>
-                      <a:endParaRPr lang="en-US" sz="900" b="0" i="0" u="none" strike="noStrike" dirty="0">
+                      <a:r>
+                        <a:rPr lang="en-US" sz="1600" b="0" u="none" strike="noStrike" dirty="0" err="1">
+                          <a:effectLst/>
+                        </a:rPr>
+                        <a:t>dieren</a:t>
+                      </a:r>
+                      <a:endParaRPr lang="en-US" sz="1600" b="0" i="0" u="none" strike="noStrike" dirty="0">
                         <a:solidFill>
                           <a:srgbClr val="000000"/>
                         </a:solidFill>
@@ -9322,7 +9433,28 @@
                       </a:endParaRPr>
                     </a:p>
                   </a:txBody>
-                  <a:tcPr marL="9525" marR="9525" marT="9525" marB="0"/>
+                  <a:tcPr marL="9525" marR="9525" marT="9525" marB="0">
+                    <a:lnL w="12700" cmpd="sng">
+                      <a:noFill/>
+                    </a:lnL>
+                    <a:lnR w="12700" cmpd="sng">
+                      <a:noFill/>
+                    </a:lnR>
+                    <a:lnT w="12700" cmpd="sng">
+                      <a:noFill/>
+                    </a:lnT>
+                    <a:lnB w="12700" cmpd="sng">
+                      <a:noFill/>
+                    </a:lnB>
+                    <a:lnTlToBr w="12700" cmpd="sng">
+                      <a:noFill/>
+                      <a:prstDash val="solid"/>
+                    </a:lnTlToBr>
+                    <a:lnBlToTr w="12700" cmpd="sng">
+                      <a:noFill/>
+                      <a:prstDash val="solid"/>
+                    </a:lnBlToTr>
+                  </a:tcPr>
                 </a:tc>
                 <a:tc>
                   <a:txBody>
@@ -9331,36 +9463,36 @@
                     <a:p>
                       <a:pPr algn="l" fontAlgn="t"/>
                       <a:r>
-                        <a:rPr lang="en-US" sz="900" u="none" strike="noStrike" dirty="0" err="1">
+                        <a:rPr lang="en-US" sz="1600" b="0" u="none" strike="noStrike" dirty="0" err="1">
                           <a:effectLst/>
                         </a:rPr>
                         <a:t>Creëer</a:t>
                       </a:r>
                       <a:r>
-                        <a:rPr lang="en-US" sz="900" u="none" strike="noStrike" dirty="0">
+                        <a:rPr lang="en-US" sz="1600" b="0" u="none" strike="noStrike" dirty="0">
                           <a:effectLst/>
                         </a:rPr>
                         <a:t> </a:t>
                       </a:r>
                       <a:r>
-                        <a:rPr lang="en-US" sz="900" u="none" strike="noStrike" dirty="0" err="1">
+                        <a:rPr lang="en-US" sz="1600" b="0" u="none" strike="noStrike" dirty="0" err="1">
                           <a:effectLst/>
                         </a:rPr>
                         <a:t>nieuw</a:t>
                       </a:r>
                       <a:r>
-                        <a:rPr lang="en-US" sz="900" u="none" strike="noStrike" dirty="0">
+                        <a:rPr lang="en-US" sz="1600" b="0" u="none" strike="noStrike" dirty="0">
                           <a:effectLst/>
                         </a:rPr>
                         <a:t> </a:t>
                       </a:r>
                       <a:r>
-                        <a:rPr lang="en-US" sz="900" u="none" strike="noStrike" dirty="0" err="1">
+                        <a:rPr lang="en-US" sz="1600" b="0" u="none" strike="noStrike" dirty="0" err="1">
                           <a:effectLst/>
                         </a:rPr>
                         <a:t>dier</a:t>
                       </a:r>
-                      <a:endParaRPr lang="en-US" sz="900" b="0" i="0" u="none" strike="noStrike" dirty="0">
+                      <a:endParaRPr lang="en-US" sz="1600" b="0" i="0" u="none" strike="noStrike" dirty="0">
                         <a:solidFill>
                           <a:srgbClr val="000000"/>
                         </a:solidFill>
@@ -9369,7 +9501,28 @@
                       </a:endParaRPr>
                     </a:p>
                   </a:txBody>
-                  <a:tcPr marL="9525" marR="9525" marT="9525" marB="0"/>
+                  <a:tcPr marL="9525" marR="9525" marT="9525" marB="0">
+                    <a:lnL w="12700" cmpd="sng">
+                      <a:noFill/>
+                    </a:lnL>
+                    <a:lnR w="12700" cmpd="sng">
+                      <a:noFill/>
+                    </a:lnR>
+                    <a:lnT w="12700" cmpd="sng">
+                      <a:noFill/>
+                    </a:lnT>
+                    <a:lnB w="12700" cmpd="sng">
+                      <a:noFill/>
+                    </a:lnB>
+                    <a:lnTlToBr w="12700" cmpd="sng">
+                      <a:noFill/>
+                      <a:prstDash val="solid"/>
+                    </a:lnTlToBr>
+                    <a:lnBlToTr w="12700" cmpd="sng">
+                      <a:noFill/>
+                      <a:prstDash val="solid"/>
+                    </a:lnBlToTr>
+                  </a:tcPr>
                 </a:tc>
                 <a:tc>
                   <a:txBody>
@@ -9378,24 +9531,24 @@
                     <a:p>
                       <a:pPr algn="l" fontAlgn="t"/>
                       <a:r>
-                        <a:rPr lang="en-US" sz="900" u="none" strike="noStrike" dirty="0" err="1">
+                        <a:rPr lang="en-US" sz="1600" b="0" u="none" strike="noStrike" dirty="0" err="1">
                           <a:effectLst/>
                         </a:rPr>
                         <a:t>Alle</a:t>
                       </a:r>
                       <a:r>
-                        <a:rPr lang="en-US" sz="900" u="none" strike="noStrike" dirty="0">
+                        <a:rPr lang="en-US" sz="1600" b="0" u="none" strike="noStrike" dirty="0">
                           <a:effectLst/>
                         </a:rPr>
                         <a:t> </a:t>
                       </a:r>
                       <a:r>
-                        <a:rPr lang="en-US" sz="900" u="none" strike="noStrike" dirty="0" err="1">
+                        <a:rPr lang="en-US" sz="1600" b="0" u="none" strike="noStrike" dirty="0" err="1">
                           <a:effectLst/>
                         </a:rPr>
                         <a:t>dieren</a:t>
                       </a:r>
-                      <a:endParaRPr lang="en-US" sz="900" b="0" i="0" u="none" strike="noStrike" dirty="0">
+                      <a:endParaRPr lang="en-US" sz="1600" b="0" i="0" u="none" strike="noStrike" dirty="0">
                         <a:solidFill>
                           <a:srgbClr val="000000"/>
                         </a:solidFill>
@@ -9404,7 +9557,28 @@
                       </a:endParaRPr>
                     </a:p>
                   </a:txBody>
-                  <a:tcPr marL="9525" marR="9525" marT="9525" marB="0"/>
+                  <a:tcPr marL="9525" marR="9525" marT="9525" marB="0">
+                    <a:lnL w="12700" cmpd="sng">
+                      <a:noFill/>
+                    </a:lnL>
+                    <a:lnR w="12700" cmpd="sng">
+                      <a:noFill/>
+                    </a:lnR>
+                    <a:lnT w="12700" cmpd="sng">
+                      <a:noFill/>
+                    </a:lnT>
+                    <a:lnB w="12700" cmpd="sng">
+                      <a:noFill/>
+                    </a:lnB>
+                    <a:lnTlToBr w="12700" cmpd="sng">
+                      <a:noFill/>
+                      <a:prstDash val="solid"/>
+                    </a:lnTlToBr>
+                    <a:lnBlToTr w="12700" cmpd="sng">
+                      <a:noFill/>
+                      <a:prstDash val="solid"/>
+                    </a:lnBlToTr>
+                  </a:tcPr>
                 </a:tc>
                 <a:tc>
                   <a:txBody>
@@ -9413,19 +9587,19 @@
                     <a:p>
                       <a:pPr algn="l" fontAlgn="t"/>
                       <a:r>
-                        <a:rPr lang="en-US" sz="900" u="none" strike="noStrike" dirty="0">
+                        <a:rPr lang="en-US" sz="1600" b="0" u="none" strike="noStrike" dirty="0">
                           <a:effectLst/>
                         </a:rPr>
                         <a:t>Bulk update </a:t>
                       </a:r>
                       <a:r>
-                        <a:rPr lang="en-US" sz="900" u="none" strike="noStrike" dirty="0" err="1">
+                        <a:rPr lang="en-US" sz="1600" b="0" u="none" strike="noStrike" dirty="0" err="1">
                           <a:effectLst/>
                         </a:rPr>
                         <a:t>dieren</a:t>
                       </a:r>
                       <a:r>
-                        <a:rPr lang="en-US" sz="900" u="none" strike="noStrike" dirty="0">
+                        <a:rPr lang="en-US" sz="1600" b="0" u="none" strike="noStrike" dirty="0">
                           <a:effectLst/>
                         </a:rPr>
                         <a:t> </a:t>
@@ -9434,12 +9608,12 @@
                     <a:p>
                       <a:pPr algn="l" fontAlgn="t"/>
                       <a:r>
-                        <a:rPr lang="en-US" sz="900" u="none" strike="noStrike" dirty="0">
+                        <a:rPr lang="en-US" sz="1600" b="0" u="none" strike="noStrike" dirty="0">
                           <a:effectLst/>
                         </a:rPr>
                         <a:t>ERROR</a:t>
                       </a:r>
-                      <a:endParaRPr lang="en-US" sz="900" b="0" i="0" u="none" strike="noStrike" dirty="0">
+                      <a:endParaRPr lang="en-US" sz="1600" b="0" i="0" u="none" strike="noStrike" dirty="0">
                         <a:solidFill>
                           <a:srgbClr val="000000"/>
                         </a:solidFill>
@@ -9448,7 +9622,28 @@
                       </a:endParaRPr>
                     </a:p>
                   </a:txBody>
-                  <a:tcPr marL="9525" marR="9525" marT="9525" marB="0"/>
+                  <a:tcPr marL="9525" marR="9525" marT="9525" marB="0">
+                    <a:lnL w="12700" cmpd="sng">
+                      <a:noFill/>
+                    </a:lnL>
+                    <a:lnR w="12700" cmpd="sng">
+                      <a:noFill/>
+                    </a:lnR>
+                    <a:lnT w="12700" cmpd="sng">
+                      <a:noFill/>
+                    </a:lnT>
+                    <a:lnB w="12700" cmpd="sng">
+                      <a:noFill/>
+                    </a:lnB>
+                    <a:lnTlToBr w="12700" cmpd="sng">
+                      <a:noFill/>
+                      <a:prstDash val="solid"/>
+                    </a:lnTlToBr>
+                    <a:lnBlToTr w="12700" cmpd="sng">
+                      <a:noFill/>
+                      <a:prstDash val="solid"/>
+                    </a:lnBlToTr>
+                  </a:tcPr>
                 </a:tc>
                 <a:tc>
                   <a:txBody>
@@ -9457,31 +9652,31 @@
                     <a:p>
                       <a:pPr algn="l" fontAlgn="t"/>
                       <a:r>
-                        <a:rPr lang="en-US" sz="900" u="none" strike="noStrike" dirty="0">
+                        <a:rPr lang="en-US" sz="1600" b="0" u="none" strike="noStrike" dirty="0">
                           <a:effectLst/>
                         </a:rPr>
                         <a:t>Delete </a:t>
                       </a:r>
                       <a:r>
-                        <a:rPr lang="en-US" sz="900" u="none" strike="noStrike" dirty="0" err="1">
+                        <a:rPr lang="en-US" sz="1600" b="0" u="none" strike="noStrike" dirty="0" err="1">
                           <a:effectLst/>
                         </a:rPr>
                         <a:t>alle</a:t>
                       </a:r>
                       <a:r>
-                        <a:rPr lang="en-US" sz="900" u="none" strike="noStrike" dirty="0">
+                        <a:rPr lang="en-US" sz="1600" b="0" u="none" strike="noStrike" dirty="0">
                           <a:effectLst/>
                         </a:rPr>
                         <a:t> </a:t>
                       </a:r>
                       <a:r>
-                        <a:rPr lang="en-US" sz="900" u="none" strike="noStrike" dirty="0" err="1">
+                        <a:rPr lang="en-US" sz="1600" b="0" u="none" strike="noStrike" dirty="0" err="1">
                           <a:effectLst/>
                         </a:rPr>
                         <a:t>dieren</a:t>
                       </a:r>
                       <a:r>
-                        <a:rPr lang="en-US" sz="900" u="none" strike="noStrike" dirty="0">
+                        <a:rPr lang="en-US" sz="1600" b="0" u="none" strike="noStrike" dirty="0">
                           <a:effectLst/>
                         </a:rPr>
                         <a:t> </a:t>
@@ -9490,12 +9685,12 @@
                     <a:p>
                       <a:pPr algn="l" fontAlgn="t"/>
                       <a:r>
-                        <a:rPr lang="en-US" sz="900" u="none" strike="noStrike" dirty="0">
+                        <a:rPr lang="en-US" sz="1600" b="0" u="none" strike="noStrike" dirty="0">
                           <a:effectLst/>
                         </a:rPr>
                         <a:t>ERROR</a:t>
                       </a:r>
-                      <a:endParaRPr lang="en-US" sz="900" b="0" i="0" u="none" strike="noStrike" dirty="0">
+                      <a:endParaRPr lang="en-US" sz="1600" b="0" i="0" u="none" strike="noStrike" dirty="0">
                         <a:solidFill>
                           <a:srgbClr val="000000"/>
                         </a:solidFill>
@@ -9504,7 +9699,28 @@
                       </a:endParaRPr>
                     </a:p>
                   </a:txBody>
-                  <a:tcPr marL="9525" marR="9525" marT="9525" marB="0"/>
+                  <a:tcPr marL="9525" marR="9525" marT="9525" marB="0">
+                    <a:lnL w="12700" cmpd="sng">
+                      <a:noFill/>
+                    </a:lnL>
+                    <a:lnR w="12700" cmpd="sng">
+                      <a:noFill/>
+                    </a:lnR>
+                    <a:lnT w="12700" cmpd="sng">
+                      <a:noFill/>
+                    </a:lnT>
+                    <a:lnB w="12700" cmpd="sng">
+                      <a:noFill/>
+                    </a:lnB>
+                    <a:lnTlToBr w="12700" cmpd="sng">
+                      <a:noFill/>
+                      <a:prstDash val="solid"/>
+                    </a:lnTlToBr>
+                    <a:lnBlToTr w="12700" cmpd="sng">
+                      <a:noFill/>
+                      <a:prstDash val="solid"/>
+                    </a:lnBlToTr>
+                  </a:tcPr>
                 </a:tc>
                 <a:extLst>
                   <a:ext uri="{0D108BD9-81ED-4DB2-BD59-A6C34878D82A}">
@@ -9520,12 +9736,24 @@
                     <a:p>
                       <a:pPr algn="l" fontAlgn="t"/>
                       <a:r>
-                        <a:rPr lang="en-US" sz="900" u="none" strike="noStrike" dirty="0">
+                        <a:rPr lang="en-US" sz="1600" b="0" u="none" strike="noStrike" dirty="0">
                           <a:effectLst/>
                         </a:rPr>
-                        <a:t>/dogs/1234</a:t>
+                        <a:t>/</a:t>
                       </a:r>
-                      <a:endParaRPr lang="en-US" sz="900" b="0" i="0" u="none" strike="noStrike" dirty="0">
+                      <a:r>
+                        <a:rPr lang="en-US" sz="1600" b="0" u="none" strike="noStrike" dirty="0" err="1">
+                          <a:effectLst/>
+                        </a:rPr>
+                        <a:t>dieren</a:t>
+                      </a:r>
+                      <a:r>
+                        <a:rPr lang="en-US" sz="1600" b="0" u="none" strike="noStrike" dirty="0">
+                          <a:effectLst/>
+                        </a:rPr>
+                        <a:t>/1234</a:t>
+                      </a:r>
+                      <a:endParaRPr lang="en-US" sz="1600" b="0" i="0" u="none" strike="noStrike" dirty="0">
                         <a:solidFill>
                           <a:srgbClr val="000000"/>
                         </a:solidFill>
@@ -9534,7 +9762,28 @@
                       </a:endParaRPr>
                     </a:p>
                   </a:txBody>
-                  <a:tcPr marL="9525" marR="9525" marT="9525" marB="0"/>
+                  <a:tcPr marL="9525" marR="9525" marT="9525" marB="0">
+                    <a:lnL w="12700" cmpd="sng">
+                      <a:noFill/>
+                    </a:lnL>
+                    <a:lnR w="12700" cmpd="sng">
+                      <a:noFill/>
+                    </a:lnR>
+                    <a:lnT w="12700" cmpd="sng">
+                      <a:noFill/>
+                    </a:lnT>
+                    <a:lnB w="12700" cmpd="sng">
+                      <a:noFill/>
+                    </a:lnB>
+                    <a:lnTlToBr w="12700" cmpd="sng">
+                      <a:noFill/>
+                      <a:prstDash val="solid"/>
+                    </a:lnTlToBr>
+                    <a:lnBlToTr w="12700" cmpd="sng">
+                      <a:noFill/>
+                      <a:prstDash val="solid"/>
+                    </a:lnBlToTr>
+                  </a:tcPr>
                 </a:tc>
                 <a:tc>
                   <a:txBody>
@@ -9543,12 +9792,12 @@
                     <a:p>
                       <a:pPr algn="l" fontAlgn="t"/>
                       <a:r>
-                        <a:rPr lang="en-US" sz="900" u="none" strike="noStrike" dirty="0">
+                        <a:rPr lang="en-US" sz="1600" b="0" u="none" strike="noStrike" dirty="0">
                           <a:effectLst/>
                         </a:rPr>
                         <a:t>ERROR</a:t>
                       </a:r>
-                      <a:endParaRPr lang="en-US" sz="900" b="0" i="0" u="none" strike="noStrike" dirty="0">
+                      <a:endParaRPr lang="en-US" sz="1600" b="0" i="0" u="none" strike="noStrike" dirty="0">
                         <a:solidFill>
                           <a:srgbClr val="000000"/>
                         </a:solidFill>
@@ -9557,7 +9806,28 @@
                       </a:endParaRPr>
                     </a:p>
                   </a:txBody>
-                  <a:tcPr marL="9525" marR="9525" marT="9525" marB="0"/>
+                  <a:tcPr marL="9525" marR="9525" marT="9525" marB="0">
+                    <a:lnL w="12700" cmpd="sng">
+                      <a:noFill/>
+                    </a:lnL>
+                    <a:lnR w="12700" cmpd="sng">
+                      <a:noFill/>
+                    </a:lnR>
+                    <a:lnT w="12700" cmpd="sng">
+                      <a:noFill/>
+                    </a:lnT>
+                    <a:lnB w="12700" cmpd="sng">
+                      <a:noFill/>
+                    </a:lnB>
+                    <a:lnTlToBr w="12700" cmpd="sng">
+                      <a:noFill/>
+                      <a:prstDash val="solid"/>
+                    </a:lnTlToBr>
+                    <a:lnBlToTr w="12700" cmpd="sng">
+                      <a:noFill/>
+                      <a:prstDash val="solid"/>
+                    </a:lnBlToTr>
+                  </a:tcPr>
                 </a:tc>
                 <a:tc>
                   <a:txBody>
@@ -9566,24 +9836,24 @@
                     <a:p>
                       <a:pPr algn="l" fontAlgn="t"/>
                       <a:r>
-                        <a:rPr lang="en-US" sz="900" u="none" strike="noStrike" dirty="0" err="1">
+                        <a:rPr lang="en-US" sz="1600" b="0" u="none" strike="noStrike" dirty="0" err="1">
                           <a:effectLst/>
                         </a:rPr>
                         <a:t>Enkel</a:t>
                       </a:r>
                       <a:r>
-                        <a:rPr lang="en-US" sz="900" u="none" strike="noStrike" dirty="0">
+                        <a:rPr lang="en-US" sz="1600" b="0" u="none" strike="noStrike" dirty="0">
                           <a:effectLst/>
                         </a:rPr>
                         <a:t> </a:t>
                       </a:r>
                       <a:r>
-                        <a:rPr lang="en-US" sz="900" u="none" strike="noStrike" dirty="0" err="1">
+                        <a:rPr lang="en-US" sz="1600" b="0" u="none" strike="noStrike" dirty="0" err="1">
                           <a:effectLst/>
                         </a:rPr>
                         <a:t>dier</a:t>
                       </a:r>
-                      <a:endParaRPr lang="en-US" sz="900" b="0" i="0" u="none" strike="noStrike" dirty="0">
+                      <a:endParaRPr lang="en-US" sz="1600" b="0" i="0" u="none" strike="noStrike" dirty="0">
                         <a:solidFill>
                           <a:srgbClr val="000000"/>
                         </a:solidFill>
@@ -9592,7 +9862,28 @@
                       </a:endParaRPr>
                     </a:p>
                   </a:txBody>
-                  <a:tcPr marL="9525" marR="9525" marT="9525" marB="0"/>
+                  <a:tcPr marL="9525" marR="9525" marT="9525" marB="0">
+                    <a:lnL w="12700" cmpd="sng">
+                      <a:noFill/>
+                    </a:lnL>
+                    <a:lnR w="12700" cmpd="sng">
+                      <a:noFill/>
+                    </a:lnR>
+                    <a:lnT w="12700" cmpd="sng">
+                      <a:noFill/>
+                    </a:lnT>
+                    <a:lnB w="12700" cmpd="sng">
+                      <a:noFill/>
+                    </a:lnB>
+                    <a:lnTlToBr w="12700" cmpd="sng">
+                      <a:noFill/>
+                      <a:prstDash val="solid"/>
+                    </a:lnTlToBr>
+                    <a:lnBlToTr w="12700" cmpd="sng">
+                      <a:noFill/>
+                      <a:prstDash val="solid"/>
+                    </a:lnBlToTr>
+                  </a:tcPr>
                 </a:tc>
                 <a:tc>
                   <a:txBody>
@@ -9601,24 +9892,24 @@
                     <a:p>
                       <a:pPr algn="l" fontAlgn="t"/>
                       <a:r>
-                        <a:rPr lang="en-US" sz="900" u="none" strike="noStrike" dirty="0">
+                        <a:rPr lang="en-US" sz="1600" b="0" u="none" strike="noStrike" dirty="0">
                           <a:effectLst/>
                         </a:rPr>
                         <a:t>Update </a:t>
                       </a:r>
                       <a:r>
-                        <a:rPr lang="en-US" sz="900" u="none" strike="noStrike" dirty="0" err="1">
+                        <a:rPr lang="en-US" sz="1600" b="0" u="none" strike="noStrike" dirty="0" err="1">
                           <a:effectLst/>
                         </a:rPr>
                         <a:t>dier</a:t>
                       </a:r>
                       <a:r>
-                        <a:rPr lang="en-US" sz="900" u="none" strike="noStrike" dirty="0">
+                        <a:rPr lang="en-US" sz="1600" b="0" u="none" strike="noStrike" dirty="0">
                           <a:effectLst/>
                         </a:rPr>
                         <a:t> 1234</a:t>
                       </a:r>
-                      <a:endParaRPr lang="en-US" sz="900" b="0" i="0" u="none" strike="noStrike" dirty="0">
+                      <a:endParaRPr lang="en-US" sz="1600" b="0" i="0" u="none" strike="noStrike" dirty="0">
                         <a:solidFill>
                           <a:srgbClr val="000000"/>
                         </a:solidFill>
@@ -9627,7 +9918,28 @@
                       </a:endParaRPr>
                     </a:p>
                   </a:txBody>
-                  <a:tcPr marL="9525" marR="9525" marT="9525" marB="0"/>
+                  <a:tcPr marL="9525" marR="9525" marT="9525" marB="0">
+                    <a:lnL w="12700" cmpd="sng">
+                      <a:noFill/>
+                    </a:lnL>
+                    <a:lnR w="12700" cmpd="sng">
+                      <a:noFill/>
+                    </a:lnR>
+                    <a:lnT w="12700" cmpd="sng">
+                      <a:noFill/>
+                    </a:lnT>
+                    <a:lnB w="12700" cmpd="sng">
+                      <a:noFill/>
+                    </a:lnB>
+                    <a:lnTlToBr w="12700" cmpd="sng">
+                      <a:noFill/>
+                      <a:prstDash val="solid"/>
+                    </a:lnTlToBr>
+                    <a:lnBlToTr w="12700" cmpd="sng">
+                      <a:noFill/>
+                      <a:prstDash val="solid"/>
+                    </a:lnBlToTr>
+                  </a:tcPr>
                 </a:tc>
                 <a:tc>
                   <a:txBody>
@@ -9636,24 +9948,24 @@
                     <a:p>
                       <a:pPr algn="l" fontAlgn="t"/>
                       <a:r>
-                        <a:rPr lang="en-US" sz="900" u="none" strike="noStrike" dirty="0">
+                        <a:rPr lang="en-US" sz="1600" b="0" u="none" strike="noStrike" dirty="0">
                           <a:effectLst/>
                         </a:rPr>
                         <a:t>Delete </a:t>
                       </a:r>
                       <a:r>
-                        <a:rPr lang="en-US" sz="900" u="none" strike="noStrike" dirty="0" err="1">
+                        <a:rPr lang="en-US" sz="1600" b="0" u="none" strike="noStrike" dirty="0" err="1">
                           <a:effectLst/>
                         </a:rPr>
                         <a:t>dier</a:t>
                       </a:r>
                       <a:r>
-                        <a:rPr lang="en-US" sz="900" u="none" strike="noStrike" dirty="0">
+                        <a:rPr lang="en-US" sz="1600" b="0" u="none" strike="noStrike" dirty="0">
                           <a:effectLst/>
                         </a:rPr>
                         <a:t> 1234</a:t>
                       </a:r>
-                      <a:endParaRPr lang="en-US" sz="900" b="0" i="0" u="none" strike="noStrike" dirty="0">
+                      <a:endParaRPr lang="en-US" sz="1600" b="0" i="0" u="none" strike="noStrike" dirty="0">
                         <a:solidFill>
                           <a:srgbClr val="000000"/>
                         </a:solidFill>
@@ -9662,7 +9974,28 @@
                       </a:endParaRPr>
                     </a:p>
                   </a:txBody>
-                  <a:tcPr marL="9525" marR="9525" marT="9525" marB="0"/>
+                  <a:tcPr marL="9525" marR="9525" marT="9525" marB="0">
+                    <a:lnL w="12700" cmpd="sng">
+                      <a:noFill/>
+                    </a:lnL>
+                    <a:lnR w="12700" cmpd="sng">
+                      <a:noFill/>
+                    </a:lnR>
+                    <a:lnT w="12700" cmpd="sng">
+                      <a:noFill/>
+                    </a:lnT>
+                    <a:lnB w="12700" cmpd="sng">
+                      <a:noFill/>
+                    </a:lnB>
+                    <a:lnTlToBr w="12700" cmpd="sng">
+                      <a:noFill/>
+                      <a:prstDash val="solid"/>
+                    </a:lnTlToBr>
+                    <a:lnBlToTr w="12700" cmpd="sng">
+                      <a:noFill/>
+                      <a:prstDash val="solid"/>
+                    </a:lnBlToTr>
+                  </a:tcPr>
                 </a:tc>
                 <a:extLst>
                   <a:ext uri="{0D108BD9-81ED-4DB2-BD59-A6C34878D82A}">
@@ -10032,7 +10365,7 @@
         </p:spPr>
         <p:txBody>
           <a:bodyPr>
-            <a:normAutofit/>
+            <a:normAutofit lnSpcReduction="10000"/>
           </a:bodyPr>
           <a:lstStyle/>
           <a:p>
@@ -10061,6 +10394,16 @@
                   <a:srgbClr val="92D050"/>
                 </a:solidFill>
               </a:rPr>
+              <a:t>201: Created</a:t>
+            </a:r>
+          </a:p>
+          <a:p>
+            <a:r>
+              <a:rPr lang="en-US" sz="2000" dirty="0">
+                <a:solidFill>
+                  <a:srgbClr val="92D050"/>
+                </a:solidFill>
+              </a:rPr>
               <a:t>204: OK (No content)</a:t>
             </a:r>
           </a:p>
@@ -10131,7 +10474,7 @@
                   <a:srgbClr val="FF0000"/>
                 </a:solidFill>
               </a:rPr>
-              <a:t>501	 : Not Implemented</a:t>
+              <a:t>501: Not Implemented</a:t>
             </a:r>
           </a:p>
           <a:p>

--- a/API workshop.pptx
+++ b/API workshop.pptx
@@ -6,10 +6,10 @@
     <p:sldMasterId id="2147483660" r:id="rId2"/>
   </p:sldMasterIdLst>
   <p:notesMasterIdLst>
-    <p:notesMasterId r:id="rId19"/>
+    <p:notesMasterId r:id="rId20"/>
   </p:notesMasterIdLst>
   <p:handoutMasterIdLst>
-    <p:handoutMasterId r:id="rId20"/>
+    <p:handoutMasterId r:id="rId21"/>
   </p:handoutMasterIdLst>
   <p:sldIdLst>
     <p:sldId id="256" r:id="rId3"/>
@@ -22,12 +22,13 @@
     <p:sldId id="331" r:id="rId10"/>
     <p:sldId id="337" r:id="rId11"/>
     <p:sldId id="338" r:id="rId12"/>
-    <p:sldId id="340" r:id="rId13"/>
-    <p:sldId id="330" r:id="rId14"/>
-    <p:sldId id="335" r:id="rId15"/>
-    <p:sldId id="333" r:id="rId16"/>
-    <p:sldId id="339" r:id="rId17"/>
-    <p:sldId id="261" r:id="rId18"/>
+    <p:sldId id="341" r:id="rId13"/>
+    <p:sldId id="340" r:id="rId14"/>
+    <p:sldId id="330" r:id="rId15"/>
+    <p:sldId id="335" r:id="rId16"/>
+    <p:sldId id="333" r:id="rId17"/>
+    <p:sldId id="339" r:id="rId18"/>
+    <p:sldId id="261" r:id="rId19"/>
   </p:sldIdLst>
   <p:sldSz cx="9144000" cy="6858000" type="screen4x3"/>
   <p:notesSz cx="9305925" cy="7019925"/>
@@ -839,7 +840,7 @@
     </p:spTree>
     <p:extLst>
       <p:ext uri="{BB962C8B-B14F-4D97-AF65-F5344CB8AC3E}">
-        <p14:creationId xmlns:p14="http://schemas.microsoft.com/office/powerpoint/2010/main" val="2689573187"/>
+        <p14:creationId xmlns:p14="http://schemas.microsoft.com/office/powerpoint/2010/main" val="643144208"/>
       </p:ext>
     </p:extLst>
   </p:cSld>
@@ -919,6 +920,94 @@
             <a:fld id="{CBE01D35-0C62-42B1-8559-BBC417D9769E}" type="slidenum">
               <a:rPr lang="nl-NL" smtClean="0"/>
               <a:t>14</a:t>
+            </a:fld>
+            <a:endParaRPr lang="nl-NL"/>
+          </a:p>
+        </p:txBody>
+      </p:sp>
+    </p:spTree>
+    <p:extLst>
+      <p:ext uri="{BB962C8B-B14F-4D97-AF65-F5344CB8AC3E}">
+        <p14:creationId xmlns:p14="http://schemas.microsoft.com/office/powerpoint/2010/main" val="2689573187"/>
+      </p:ext>
+    </p:extLst>
+  </p:cSld>
+  <p:clrMapOvr>
+    <a:masterClrMapping/>
+  </p:clrMapOvr>
+</p:notes>
+</file>
+
+<file path=ppt/notesSlides/notesSlide12.xml><?xml version="1.0" encoding="utf-8"?>
+<p:notes xmlns:a="http://schemas.openxmlformats.org/drawingml/2006/main" xmlns:r="http://schemas.openxmlformats.org/officeDocument/2006/relationships" xmlns:p="http://schemas.openxmlformats.org/presentationml/2006/main">
+  <p:cSld>
+    <p:spTree>
+      <p:nvGrpSpPr>
+        <p:cNvPr id="1" name=""/>
+        <p:cNvGrpSpPr/>
+        <p:nvPr/>
+      </p:nvGrpSpPr>
+      <p:grpSpPr>
+        <a:xfrm>
+          <a:off x="0" y="0"/>
+          <a:ext cx="0" cy="0"/>
+          <a:chOff x="0" y="0"/>
+          <a:chExt cx="0" cy="0"/>
+        </a:xfrm>
+      </p:grpSpPr>
+      <p:sp>
+        <p:nvSpPr>
+          <p:cNvPr id="2" name="Tijdelijke aanduiding voor dia-afbeelding 1"/>
+          <p:cNvSpPr>
+            <a:spLocks noGrp="1" noRot="1" noChangeAspect="1"/>
+          </p:cNvSpPr>
+          <p:nvPr>
+            <p:ph type="sldImg"/>
+          </p:nvPr>
+        </p:nvSpPr>
+        <p:spPr/>
+      </p:sp>
+      <p:sp>
+        <p:nvSpPr>
+          <p:cNvPr id="3" name="Tijdelijke aanduiding voor notities 2"/>
+          <p:cNvSpPr>
+            <a:spLocks noGrp="1"/>
+          </p:cNvSpPr>
+          <p:nvPr>
+            <p:ph type="body" idx="1"/>
+          </p:nvPr>
+        </p:nvSpPr>
+        <p:spPr/>
+        <p:txBody>
+          <a:bodyPr/>
+          <a:lstStyle/>
+          <a:p>
+            <a:pPr marL="171450" indent="-171450">
+              <a:buFont typeface="Arial" panose="020B0604020202020204" pitchFamily="34" charset="0"/>
+              <a:buChar char="•"/>
+            </a:pPr>
+            <a:endParaRPr lang="nl-NL" dirty="0"/>
+          </a:p>
+        </p:txBody>
+      </p:sp>
+      <p:sp>
+        <p:nvSpPr>
+          <p:cNvPr id="4" name="Tijdelijke aanduiding voor dianummer 3"/>
+          <p:cNvSpPr>
+            <a:spLocks noGrp="1"/>
+          </p:cNvSpPr>
+          <p:nvPr>
+            <p:ph type="sldNum" sz="quarter" idx="10"/>
+          </p:nvPr>
+        </p:nvSpPr>
+        <p:spPr/>
+        <p:txBody>
+          <a:bodyPr/>
+          <a:lstStyle/>
+          <a:p>
+            <a:fld id="{CBE01D35-0C62-42B1-8559-BBC417D9769E}" type="slidenum">
+              <a:rPr lang="nl-NL" smtClean="0"/>
+              <a:t>15</a:t>
             </a:fld>
             <a:endParaRPr lang="nl-NL"/>
           </a:p>
@@ -1617,7 +1706,7 @@
     </p:spTree>
     <p:extLst>
       <p:ext uri="{BB962C8B-B14F-4D97-AF65-F5344CB8AC3E}">
-        <p14:creationId xmlns:p14="http://schemas.microsoft.com/office/powerpoint/2010/main" val="3645748835"/>
+        <p14:creationId xmlns:p14="http://schemas.microsoft.com/office/powerpoint/2010/main" val="1605732787"/>
       </p:ext>
     </p:extLst>
   </p:cSld>
@@ -1671,10 +1760,6 @@
           <a:bodyPr/>
           <a:lstStyle/>
           <a:p>
-            <a:pPr marL="171450" indent="-171450">
-              <a:buFont typeface="Arial" panose="020B0604020202020204" pitchFamily="34" charset="0"/>
-              <a:buChar char="•"/>
-            </a:pPr>
             <a:endParaRPr lang="nl-NL" dirty="0"/>
           </a:p>
         </p:txBody>
@@ -1705,7 +1790,7 @@
     </p:spTree>
     <p:extLst>
       <p:ext uri="{BB962C8B-B14F-4D97-AF65-F5344CB8AC3E}">
-        <p14:creationId xmlns:p14="http://schemas.microsoft.com/office/powerpoint/2010/main" val="643144208"/>
+        <p14:creationId xmlns:p14="http://schemas.microsoft.com/office/powerpoint/2010/main" val="3645748835"/>
       </p:ext>
     </p:extLst>
   </p:cSld>
@@ -6832,8 +6917,21 @@
             <a:pPr algn="ctr"/>
             <a:r>
               <a:rPr lang="nl-NL" dirty="0"/>
-              <a:t>github.com/spijkerman/dierentuin</a:t>
-            </a:r>
+              <a:t>github.com/spijkerman/dierentuin/tree/master/</a:t>
+            </a:r>
+            <a:r>
+              <a:rPr lang="nl-NL" dirty="0" err="1"/>
+              <a:t>client</a:t>
+            </a:r>
+            <a:r>
+              <a:rPr lang="nl-NL" dirty="0"/>
+              <a:t>/</a:t>
+            </a:r>
+            <a:r>
+              <a:rPr lang="nl-NL" dirty="0" err="1"/>
+              <a:t>api_client</a:t>
+            </a:r>
+            <a:endParaRPr lang="nl-NL" dirty="0"/>
           </a:p>
         </p:txBody>
       </p:sp>
@@ -6851,6 +6949,207 @@
 </file>
 
 <file path=ppt/slides/slide11.xml><?xml version="1.0" encoding="utf-8"?>
+<p:sld xmlns:a="http://schemas.openxmlformats.org/drawingml/2006/main" xmlns:r="http://schemas.openxmlformats.org/officeDocument/2006/relationships" xmlns:p="http://schemas.openxmlformats.org/presentationml/2006/main">
+  <p:cSld>
+    <p:spTree>
+      <p:nvGrpSpPr>
+        <p:cNvPr id="1" name=""/>
+        <p:cNvGrpSpPr/>
+        <p:nvPr/>
+      </p:nvGrpSpPr>
+      <p:grpSpPr>
+        <a:xfrm>
+          <a:off x="0" y="0"/>
+          <a:ext cx="0" cy="0"/>
+          <a:chOff x="0" y="0"/>
+          <a:chExt cx="0" cy="0"/>
+        </a:xfrm>
+      </p:grpSpPr>
+      <p:sp>
+        <p:nvSpPr>
+          <p:cNvPr id="2" name="Titel 1">
+            <a:extLst>
+              <a:ext uri="{FF2B5EF4-FFF2-40B4-BE49-F238E27FC236}">
+                <a16:creationId xmlns:a16="http://schemas.microsoft.com/office/drawing/2014/main" id="{7076AB49-537D-416C-874D-913A2FB9E243}"/>
+              </a:ext>
+            </a:extLst>
+          </p:cNvPr>
+          <p:cNvSpPr>
+            <a:spLocks noGrp="1"/>
+          </p:cNvSpPr>
+          <p:nvPr>
+            <p:ph type="title"/>
+          </p:nvPr>
+        </p:nvSpPr>
+        <p:spPr/>
+        <p:txBody>
+          <a:bodyPr/>
+          <a:lstStyle/>
+          <a:p>
+            <a:r>
+              <a:rPr lang="nl-NL" dirty="0"/>
+              <a:t>Workshop 1</a:t>
+            </a:r>
+          </a:p>
+        </p:txBody>
+      </p:sp>
+      <p:sp>
+        <p:nvSpPr>
+          <p:cNvPr id="3" name="Tijdelijke aanduiding voor inhoud 2">
+            <a:extLst>
+              <a:ext uri="{FF2B5EF4-FFF2-40B4-BE49-F238E27FC236}">
+                <a16:creationId xmlns:a16="http://schemas.microsoft.com/office/drawing/2014/main" id="{7E3F970D-84EE-4449-9613-1053BEE50C80}"/>
+              </a:ext>
+            </a:extLst>
+          </p:cNvPr>
+          <p:cNvSpPr>
+            <a:spLocks noGrp="1"/>
+          </p:cNvSpPr>
+          <p:nvPr>
+            <p:ph idx="1"/>
+          </p:nvPr>
+        </p:nvSpPr>
+        <p:spPr/>
+        <p:txBody>
+          <a:bodyPr>
+            <a:normAutofit/>
+          </a:bodyPr>
+          <a:lstStyle/>
+          <a:p>
+            <a:r>
+              <a:rPr lang="nl-NL" dirty="0"/>
+              <a:t>Verbinden met </a:t>
+            </a:r>
+            <a:r>
+              <a:rPr lang="nl-NL" dirty="0" err="1"/>
+              <a:t>hotspot</a:t>
+            </a:r>
+            <a:r>
+              <a:rPr lang="nl-NL" dirty="0"/>
+              <a:t>:</a:t>
+            </a:r>
+          </a:p>
+          <a:p>
+            <a:r>
+              <a:rPr lang="nl-NL" dirty="0"/>
+              <a:t>API url: http://server_ip:8000/api</a:t>
+            </a:r>
+          </a:p>
+          <a:p>
+            <a:r>
+              <a:rPr lang="nl-NL" sz="1800" dirty="0"/>
+              <a:t>GET /dieren</a:t>
+            </a:r>
+          </a:p>
+          <a:p>
+            <a:r>
+              <a:rPr lang="nl-NL" sz="1800" dirty="0"/>
+              <a:t>GET /dieren/{</a:t>
+            </a:r>
+            <a:r>
+              <a:rPr lang="nl-NL" sz="1800" dirty="0" err="1"/>
+              <a:t>id</a:t>
+            </a:r>
+            <a:r>
+              <a:rPr lang="nl-NL" sz="1800" dirty="0"/>
+              <a:t>}</a:t>
+            </a:r>
+          </a:p>
+          <a:p>
+            <a:r>
+              <a:rPr lang="nl-NL" sz="1800" dirty="0"/>
+              <a:t>PUT /dieren/{</a:t>
+            </a:r>
+            <a:r>
+              <a:rPr lang="nl-NL" sz="1800" dirty="0" err="1"/>
+              <a:t>id</a:t>
+            </a:r>
+            <a:r>
+              <a:rPr lang="nl-NL" sz="1800" dirty="0"/>
+              <a:t>}</a:t>
+            </a:r>
+          </a:p>
+          <a:p>
+            <a:r>
+              <a:rPr lang="nl-NL" sz="1800" dirty="0"/>
+              <a:t>POST /dieren</a:t>
+            </a:r>
+          </a:p>
+          <a:p>
+            <a:r>
+              <a:rPr lang="nl-NL" sz="1800" dirty="0"/>
+              <a:t>GET /dierentuinen</a:t>
+            </a:r>
+          </a:p>
+          <a:p>
+            <a:r>
+              <a:rPr lang="nl-NL" sz="1800" dirty="0"/>
+              <a:t>GET /dierentuinen/{</a:t>
+            </a:r>
+            <a:r>
+              <a:rPr lang="nl-NL" sz="1800" dirty="0" err="1"/>
+              <a:t>id</a:t>
+            </a:r>
+            <a:r>
+              <a:rPr lang="nl-NL" sz="1800" dirty="0"/>
+              <a:t>}</a:t>
+            </a:r>
+          </a:p>
+          <a:p>
+            <a:r>
+              <a:rPr lang="nl-NL" sz="1800" dirty="0"/>
+              <a:t>GET /</a:t>
+            </a:r>
+            <a:r>
+              <a:rPr lang="nl-NL" sz="1800" dirty="0" err="1"/>
+              <a:t>dieren_types</a:t>
+            </a:r>
+            <a:endParaRPr lang="nl-NL" sz="1800" dirty="0"/>
+          </a:p>
+          <a:p>
+            <a:r>
+              <a:rPr lang="nl-NL" sz="1800" dirty="0"/>
+              <a:t>GET /</a:t>
+            </a:r>
+            <a:r>
+              <a:rPr lang="nl-NL" sz="1800" dirty="0" err="1"/>
+              <a:t>dieren_types</a:t>
+            </a:r>
+            <a:r>
+              <a:rPr lang="nl-NL" sz="1800" dirty="0"/>
+              <a:t>/{</a:t>
+            </a:r>
+            <a:r>
+              <a:rPr lang="nl-NL" sz="1800" dirty="0" err="1"/>
+              <a:t>id</a:t>
+            </a:r>
+            <a:r>
+              <a:rPr lang="nl-NL" sz="1800" dirty="0"/>
+              <a:t>}</a:t>
+            </a:r>
+          </a:p>
+          <a:p>
+            <a:endParaRPr lang="nl-NL" dirty="0"/>
+          </a:p>
+          <a:p>
+            <a:endParaRPr lang="nl-NL" dirty="0"/>
+          </a:p>
+        </p:txBody>
+      </p:sp>
+    </p:spTree>
+    <p:extLst>
+      <p:ext uri="{BB962C8B-B14F-4D97-AF65-F5344CB8AC3E}">
+        <p14:creationId xmlns:p14="http://schemas.microsoft.com/office/powerpoint/2010/main" val="694866976"/>
+      </p:ext>
+    </p:extLst>
+  </p:cSld>
+  <p:clrMapOvr>
+    <a:masterClrMapping/>
+  </p:clrMapOvr>
+</p:sld>
+</file>
+
+<file path=ppt/slides/slide12.xml><?xml version="1.0" encoding="utf-8"?>
 <p:sld xmlns:a="http://schemas.openxmlformats.org/drawingml/2006/main" xmlns:r="http://schemas.openxmlformats.org/officeDocument/2006/relationships" xmlns:p="http://schemas.openxmlformats.org/presentationml/2006/main">
   <p:cSld>
     <p:spTree>
@@ -7438,271 +7737,6 @@
 </p:sld>
 </file>
 
-<file path=ppt/slides/slide12.xml><?xml version="1.0" encoding="utf-8"?>
-<p:sld xmlns:a="http://schemas.openxmlformats.org/drawingml/2006/main" xmlns:r="http://schemas.openxmlformats.org/officeDocument/2006/relationships" xmlns:p="http://schemas.openxmlformats.org/presentationml/2006/main">
-  <p:cSld>
-    <p:spTree>
-      <p:nvGrpSpPr>
-        <p:cNvPr id="1" name=""/>
-        <p:cNvGrpSpPr/>
-        <p:nvPr/>
-      </p:nvGrpSpPr>
-      <p:grpSpPr>
-        <a:xfrm>
-          <a:off x="0" y="0"/>
-          <a:ext cx="0" cy="0"/>
-          <a:chOff x="0" y="0"/>
-          <a:chExt cx="0" cy="0"/>
-        </a:xfrm>
-      </p:grpSpPr>
-      <p:sp>
-        <p:nvSpPr>
-          <p:cNvPr id="2" name="Title 1"/>
-          <p:cNvSpPr>
-            <a:spLocks noGrp="1"/>
-          </p:cNvSpPr>
-          <p:nvPr>
-            <p:ph type="title"/>
-          </p:nvPr>
-        </p:nvSpPr>
-        <p:spPr>
-          <a:xfrm>
-            <a:off x="457200" y="274638"/>
-            <a:ext cx="8229600" cy="1138138"/>
-          </a:xfrm>
-        </p:spPr>
-        <p:txBody>
-          <a:bodyPr/>
-          <a:lstStyle/>
-          <a:p>
-            <a:r>
-              <a:rPr lang="en-US" dirty="0"/>
-              <a:t>Filters</a:t>
-            </a:r>
-            <a:endParaRPr lang="nl-NL" dirty="0"/>
-          </a:p>
-        </p:txBody>
-      </p:sp>
-      <p:sp>
-        <p:nvSpPr>
-          <p:cNvPr id="3" name="Content Placeholder 2"/>
-          <p:cNvSpPr>
-            <a:spLocks noGrp="1"/>
-          </p:cNvSpPr>
-          <p:nvPr>
-            <p:ph idx="1"/>
-          </p:nvPr>
-        </p:nvSpPr>
-        <p:spPr>
-          <a:xfrm>
-            <a:off x="266689" y="1396662"/>
-            <a:ext cx="8420111" cy="4525963"/>
-          </a:xfrm>
-        </p:spPr>
-        <p:txBody>
-          <a:bodyPr>
-            <a:normAutofit lnSpcReduction="10000"/>
-          </a:bodyPr>
-          <a:lstStyle/>
-          <a:p>
-            <a:pPr marL="0" indent="0">
-              <a:buNone/>
-            </a:pPr>
-            <a:r>
-              <a:rPr lang="en-US" dirty="0" err="1"/>
-              <a:t>Complexiteit</a:t>
-            </a:r>
-            <a:r>
-              <a:rPr lang="en-US" dirty="0"/>
-              <a:t> </a:t>
-            </a:r>
-            <a:r>
-              <a:rPr lang="en-US" dirty="0" err="1"/>
-              <a:t>achter</a:t>
-            </a:r>
-            <a:r>
-              <a:rPr lang="en-US" dirty="0"/>
-              <a:t> de  ‘?’</a:t>
-            </a:r>
-          </a:p>
-          <a:p>
-            <a:pPr marL="0" indent="0">
-              <a:buNone/>
-            </a:pPr>
-            <a:endParaRPr lang="en-US" dirty="0"/>
-          </a:p>
-          <a:p>
-            <a:endParaRPr lang="en-US" dirty="0"/>
-          </a:p>
-          <a:p>
-            <a:pPr marL="0" indent="0">
-              <a:buNone/>
-            </a:pPr>
-            <a:r>
-              <a:rPr lang="en-US" sz="2000" dirty="0" err="1"/>
-              <a:t>Alle</a:t>
-            </a:r>
-            <a:r>
-              <a:rPr lang="en-US" sz="2000" dirty="0"/>
-              <a:t> </a:t>
-            </a:r>
-            <a:r>
-              <a:rPr lang="en-US" sz="2000" dirty="0" err="1"/>
-              <a:t>rennende</a:t>
-            </a:r>
-            <a:r>
-              <a:rPr lang="en-US" sz="2000" dirty="0"/>
-              <a:t> rode </a:t>
-            </a:r>
-            <a:r>
-              <a:rPr lang="en-US" sz="2000" dirty="0" err="1"/>
-              <a:t>honden</a:t>
-            </a:r>
-            <a:r>
-              <a:rPr lang="en-US" sz="2000" dirty="0"/>
-              <a:t> in het park</a:t>
-            </a:r>
-          </a:p>
-          <a:p>
-            <a:r>
-              <a:rPr lang="en-US" sz="2000" dirty="0"/>
-              <a:t>GET /</a:t>
-            </a:r>
-            <a:r>
-              <a:rPr lang="en-US" sz="2000" dirty="0" err="1"/>
-              <a:t>dogs?color</a:t>
-            </a:r>
-            <a:r>
-              <a:rPr lang="en-US" sz="2000" dirty="0"/>
-              <a:t>=</a:t>
-            </a:r>
-            <a:r>
-              <a:rPr lang="en-US" sz="2000" dirty="0" err="1"/>
-              <a:t>red&amp;state</a:t>
-            </a:r>
-            <a:r>
-              <a:rPr lang="en-US" sz="2000" dirty="0"/>
-              <a:t>=</a:t>
-            </a:r>
-            <a:r>
-              <a:rPr lang="en-US" sz="2000" dirty="0" err="1"/>
-              <a:t>running&amp;location</a:t>
-            </a:r>
-            <a:r>
-              <a:rPr lang="en-US" sz="2000" dirty="0"/>
-              <a:t>=park</a:t>
-            </a:r>
-          </a:p>
-          <a:p>
-            <a:endParaRPr lang="en-US" sz="2000" dirty="0"/>
-          </a:p>
-          <a:p>
-            <a:pPr marL="0" indent="0">
-              <a:buNone/>
-            </a:pPr>
-            <a:r>
-              <a:rPr lang="en-US" sz="2000" dirty="0" err="1"/>
-              <a:t>Alleen</a:t>
-            </a:r>
-            <a:r>
-              <a:rPr lang="en-US" sz="2000" dirty="0"/>
-              <a:t> </a:t>
-            </a:r>
-            <a:r>
-              <a:rPr lang="en-US" sz="2000" dirty="0" err="1"/>
-              <a:t>bepaalde</a:t>
-            </a:r>
-            <a:r>
-              <a:rPr lang="en-US" sz="2000" dirty="0"/>
-              <a:t> </a:t>
-            </a:r>
-            <a:r>
-              <a:rPr lang="en-US" sz="2000" dirty="0" err="1"/>
-              <a:t>velden</a:t>
-            </a:r>
-            <a:r>
-              <a:rPr lang="en-US" sz="2000" dirty="0"/>
-              <a:t>:</a:t>
-            </a:r>
-          </a:p>
-          <a:p>
-            <a:r>
-              <a:rPr lang="en-US" sz="2000" dirty="0"/>
-              <a:t>GET /</a:t>
-            </a:r>
-            <a:r>
-              <a:rPr lang="en-US" sz="2000" dirty="0" err="1"/>
-              <a:t>dogs?fields</a:t>
-            </a:r>
-            <a:r>
-              <a:rPr lang="en-US" sz="2000" dirty="0"/>
-              <a:t>=</a:t>
-            </a:r>
-            <a:r>
-              <a:rPr lang="en-US" sz="2000" dirty="0" err="1"/>
-              <a:t>name,color,location</a:t>
-            </a:r>
-            <a:r>
-              <a:rPr lang="en-US" sz="2000" dirty="0"/>
-              <a:t> </a:t>
-            </a:r>
-          </a:p>
-          <a:p>
-            <a:endParaRPr lang="en-US" sz="2000" dirty="0"/>
-          </a:p>
-          <a:p>
-            <a:pPr marL="0" indent="0">
-              <a:buNone/>
-            </a:pPr>
-            <a:r>
-              <a:rPr lang="en-US" sz="2200" dirty="0"/>
-              <a:t>Pagination </a:t>
-            </a:r>
-          </a:p>
-          <a:p>
-            <a:r>
-              <a:rPr lang="en-US" sz="2200" dirty="0"/>
-              <a:t>GET /</a:t>
-            </a:r>
-            <a:r>
-              <a:rPr lang="en-US" sz="2200" dirty="0" err="1"/>
-              <a:t>dogs?limit</a:t>
-            </a:r>
-            <a:r>
-              <a:rPr lang="en-US" sz="2200" dirty="0"/>
-              <a:t>=25&amp;offset=50 </a:t>
-            </a:r>
-          </a:p>
-          <a:p>
-            <a:pPr marL="0" indent="0">
-              <a:buNone/>
-            </a:pPr>
-            <a:endParaRPr lang="en-US" dirty="0"/>
-          </a:p>
-          <a:p>
-            <a:endParaRPr lang="en-US" dirty="0"/>
-          </a:p>
-          <a:p>
-            <a:endParaRPr lang="en-US" dirty="0"/>
-          </a:p>
-          <a:p>
-            <a:endParaRPr lang="en-US" sz="2800" dirty="0"/>
-          </a:p>
-        </p:txBody>
-      </p:sp>
-    </p:spTree>
-    <p:extLst>
-      <p:ext uri="{BB962C8B-B14F-4D97-AF65-F5344CB8AC3E}">
-        <p14:creationId xmlns:p14="http://schemas.microsoft.com/office/powerpoint/2010/main" val="1004819729"/>
-      </p:ext>
-    </p:extLst>
-  </p:cSld>
-  <p:clrMapOvr>
-    <a:masterClrMapping/>
-  </p:clrMapOvr>
-</p:sld>
-</file>
-
 <file path=ppt/slides/slide13.xml><?xml version="1.0" encoding="utf-8"?>
 <p:sld xmlns:a="http://schemas.openxmlformats.org/drawingml/2006/main" xmlns:r="http://schemas.openxmlformats.org/officeDocument/2006/relationships" xmlns:p="http://schemas.openxmlformats.org/presentationml/2006/main">
   <p:cSld>
@@ -7741,8 +7775,8 @@
           <a:lstStyle/>
           <a:p>
             <a:r>
-              <a:rPr lang="en-US" dirty="0" err="1"/>
-              <a:t>Authenticatie</a:t>
+              <a:rPr lang="en-US" dirty="0"/>
+              <a:t>Filters</a:t>
             </a:r>
             <a:endParaRPr lang="nl-NL" dirty="0"/>
           </a:p>
@@ -7766,45 +7800,199 @@
         </p:spPr>
         <p:txBody>
           <a:bodyPr>
-            <a:normAutofit/>
+            <a:normAutofit lnSpcReduction="10000"/>
           </a:bodyPr>
           <a:lstStyle/>
           <a:p>
-            <a:r>
-              <a:rPr lang="en-US" sz="2400" dirty="0"/>
-              <a:t>HTTPS</a:t>
-            </a:r>
-          </a:p>
-          <a:p>
-            <a:endParaRPr lang="en-US" sz="2400" dirty="0"/>
-          </a:p>
-          <a:p>
-            <a:r>
-              <a:rPr lang="en-US" sz="2400" dirty="0"/>
-              <a:t>Access Control</a:t>
-            </a:r>
-          </a:p>
-          <a:p>
-            <a:r>
-              <a:rPr lang="en-US" sz="2400" dirty="0"/>
-              <a:t>JSON Web Tokens</a:t>
-            </a:r>
-          </a:p>
-          <a:p>
-            <a:r>
-              <a:rPr lang="en-US" sz="2400" dirty="0"/>
-              <a:t>API Keys</a:t>
+            <a:pPr marL="0" indent="0">
+              <a:buNone/>
+            </a:pPr>
+            <a:r>
+              <a:rPr lang="en-US" dirty="0" err="1"/>
+              <a:t>Complexiteit</a:t>
+            </a:r>
+            <a:r>
+              <a:rPr lang="en-US" dirty="0"/>
+              <a:t> </a:t>
+            </a:r>
+            <a:r>
+              <a:rPr lang="en-US" dirty="0" err="1"/>
+              <a:t>achter</a:t>
+            </a:r>
+            <a:r>
+              <a:rPr lang="en-US" dirty="0"/>
+              <a:t> de  ‘?’</a:t>
+            </a:r>
+          </a:p>
+          <a:p>
+            <a:pPr marL="0" indent="0">
+              <a:buNone/>
+            </a:pPr>
+            <a:endParaRPr lang="en-US" dirty="0"/>
+          </a:p>
+          <a:p>
+            <a:endParaRPr lang="en-US" dirty="0"/>
+          </a:p>
+          <a:p>
+            <a:pPr marL="0" indent="0">
+              <a:buNone/>
+            </a:pPr>
+            <a:r>
+              <a:rPr lang="en-US" sz="2000" dirty="0" err="1"/>
+              <a:t>Alle</a:t>
+            </a:r>
+            <a:r>
+              <a:rPr lang="en-US" sz="2000" dirty="0"/>
+              <a:t> </a:t>
+            </a:r>
+            <a:r>
+              <a:rPr lang="en-US" sz="2000" dirty="0" err="1"/>
+              <a:t>rennende</a:t>
+            </a:r>
+            <a:r>
+              <a:rPr lang="en-US" sz="2000" dirty="0"/>
+              <a:t> rode </a:t>
+            </a:r>
+            <a:r>
+              <a:rPr lang="en-US" sz="2000" dirty="0" err="1"/>
+              <a:t>honden</a:t>
+            </a:r>
+            <a:r>
+              <a:rPr lang="en-US" sz="2000" dirty="0"/>
+              <a:t> in het park</a:t>
+            </a:r>
+          </a:p>
+          <a:p>
+            <a:r>
+              <a:rPr lang="en-US" sz="2000" dirty="0"/>
+              <a:t>GET /</a:t>
+            </a:r>
+            <a:r>
+              <a:rPr lang="en-US" sz="2000" dirty="0" err="1"/>
+              <a:t>dogs?color</a:t>
+            </a:r>
+            <a:r>
+              <a:rPr lang="en-US" sz="2000" dirty="0"/>
+              <a:t>=</a:t>
+            </a:r>
+            <a:r>
+              <a:rPr lang="en-US" sz="2000" dirty="0" err="1"/>
+              <a:t>red&amp;state</a:t>
+            </a:r>
+            <a:r>
+              <a:rPr lang="en-US" sz="2000" dirty="0"/>
+              <a:t>=</a:t>
+            </a:r>
+            <a:r>
+              <a:rPr lang="en-US" sz="2000" dirty="0" err="1"/>
+              <a:t>running&amp;location</a:t>
+            </a:r>
+            <a:r>
+              <a:rPr lang="en-US" sz="2000" dirty="0"/>
+              <a:t>=park</a:t>
             </a:r>
           </a:p>
           <a:p>
             <a:endParaRPr lang="en-US" sz="2000" dirty="0"/>
+          </a:p>
+          <a:p>
+            <a:pPr marL="0" indent="0">
+              <a:buNone/>
+            </a:pPr>
+            <a:r>
+              <a:rPr lang="en-US" sz="2000" dirty="0" err="1"/>
+              <a:t>Alleen</a:t>
+            </a:r>
+            <a:r>
+              <a:rPr lang="en-US" sz="2000" dirty="0"/>
+              <a:t> </a:t>
+            </a:r>
+            <a:r>
+              <a:rPr lang="en-US" sz="2000" dirty="0" err="1"/>
+              <a:t>bepaalde</a:t>
+            </a:r>
+            <a:r>
+              <a:rPr lang="en-US" sz="2000" dirty="0"/>
+              <a:t> </a:t>
+            </a:r>
+            <a:r>
+              <a:rPr lang="en-US" sz="2000" dirty="0" err="1"/>
+              <a:t>velden</a:t>
+            </a:r>
+            <a:r>
+              <a:rPr lang="en-US" sz="2000" dirty="0"/>
+              <a:t>:</a:t>
+            </a:r>
+          </a:p>
+          <a:p>
+            <a:r>
+              <a:rPr lang="en-US" sz="2000" dirty="0"/>
+              <a:t>GET /</a:t>
+            </a:r>
+            <a:r>
+              <a:rPr lang="en-US" sz="2000" dirty="0" err="1"/>
+              <a:t>dogs?fields</a:t>
+            </a:r>
+            <a:r>
+              <a:rPr lang="en-US" sz="2000" dirty="0"/>
+              <a:t>=</a:t>
+            </a:r>
+            <a:r>
+              <a:rPr lang="en-US" sz="2000" dirty="0" err="1"/>
+              <a:t>name,color,location</a:t>
+            </a:r>
+            <a:r>
+              <a:rPr lang="en-US" sz="2000" dirty="0"/>
+              <a:t> </a:t>
+            </a:r>
+          </a:p>
+          <a:p>
+            <a:endParaRPr lang="en-US" sz="2000" dirty="0"/>
+          </a:p>
+          <a:p>
+            <a:pPr marL="0" indent="0">
+              <a:buNone/>
+            </a:pPr>
+            <a:r>
+              <a:rPr lang="en-US" sz="2200" dirty="0"/>
+              <a:t>Pagination </a:t>
+            </a:r>
+          </a:p>
+          <a:p>
+            <a:r>
+              <a:rPr lang="en-US" sz="2200" dirty="0"/>
+              <a:t>GET /</a:t>
+            </a:r>
+            <a:r>
+              <a:rPr lang="en-US" sz="2200" dirty="0" err="1"/>
+              <a:t>dogs?limit</a:t>
+            </a:r>
+            <a:r>
+              <a:rPr lang="en-US" sz="2200" dirty="0"/>
+              <a:t>=25&amp;offset=50 </a:t>
+            </a:r>
+          </a:p>
+          <a:p>
+            <a:pPr marL="0" indent="0">
+              <a:buNone/>
+            </a:pPr>
+            <a:endParaRPr lang="en-US" dirty="0"/>
+          </a:p>
+          <a:p>
+            <a:endParaRPr lang="en-US" dirty="0"/>
+          </a:p>
+          <a:p>
+            <a:endParaRPr lang="en-US" dirty="0"/>
+          </a:p>
+          <a:p>
+            <a:endParaRPr lang="en-US" sz="2800" dirty="0"/>
           </a:p>
         </p:txBody>
       </p:sp>
     </p:spTree>
     <p:extLst>
       <p:ext uri="{BB962C8B-B14F-4D97-AF65-F5344CB8AC3E}">
-        <p14:creationId xmlns:p14="http://schemas.microsoft.com/office/powerpoint/2010/main" val="3425312892"/>
+        <p14:creationId xmlns:p14="http://schemas.microsoft.com/office/powerpoint/2010/main" val="1004819729"/>
       </p:ext>
     </p:extLst>
   </p:cSld>
@@ -7852,6 +8040,117 @@
           <a:lstStyle/>
           <a:p>
             <a:r>
+              <a:rPr lang="en-US" dirty="0" err="1"/>
+              <a:t>Authenticatie</a:t>
+            </a:r>
+            <a:endParaRPr lang="nl-NL" dirty="0"/>
+          </a:p>
+        </p:txBody>
+      </p:sp>
+      <p:sp>
+        <p:nvSpPr>
+          <p:cNvPr id="3" name="Content Placeholder 2"/>
+          <p:cNvSpPr>
+            <a:spLocks noGrp="1"/>
+          </p:cNvSpPr>
+          <p:nvPr>
+            <p:ph idx="1"/>
+          </p:nvPr>
+        </p:nvSpPr>
+        <p:spPr>
+          <a:xfrm>
+            <a:off x="266689" y="1396662"/>
+            <a:ext cx="8420111" cy="4525963"/>
+          </a:xfrm>
+        </p:spPr>
+        <p:txBody>
+          <a:bodyPr>
+            <a:normAutofit/>
+          </a:bodyPr>
+          <a:lstStyle/>
+          <a:p>
+            <a:r>
+              <a:rPr lang="en-US" sz="2400" dirty="0"/>
+              <a:t>HTTPS</a:t>
+            </a:r>
+          </a:p>
+          <a:p>
+            <a:endParaRPr lang="en-US" sz="2400" dirty="0"/>
+          </a:p>
+          <a:p>
+            <a:r>
+              <a:rPr lang="en-US" sz="2400" dirty="0"/>
+              <a:t>Access Control</a:t>
+            </a:r>
+          </a:p>
+          <a:p>
+            <a:r>
+              <a:rPr lang="en-US" sz="2400" dirty="0"/>
+              <a:t>JSON Web Tokens</a:t>
+            </a:r>
+          </a:p>
+          <a:p>
+            <a:r>
+              <a:rPr lang="en-US" sz="2400" dirty="0"/>
+              <a:t>API Keys</a:t>
+            </a:r>
+          </a:p>
+          <a:p>
+            <a:endParaRPr lang="en-US" sz="2000" dirty="0"/>
+          </a:p>
+        </p:txBody>
+      </p:sp>
+    </p:spTree>
+    <p:extLst>
+      <p:ext uri="{BB962C8B-B14F-4D97-AF65-F5344CB8AC3E}">
+        <p14:creationId xmlns:p14="http://schemas.microsoft.com/office/powerpoint/2010/main" val="3425312892"/>
+      </p:ext>
+    </p:extLst>
+  </p:cSld>
+  <p:clrMapOvr>
+    <a:masterClrMapping/>
+  </p:clrMapOvr>
+</p:sld>
+</file>
+
+<file path=ppt/slides/slide15.xml><?xml version="1.0" encoding="utf-8"?>
+<p:sld xmlns:a="http://schemas.openxmlformats.org/drawingml/2006/main" xmlns:r="http://schemas.openxmlformats.org/officeDocument/2006/relationships" xmlns:p="http://schemas.openxmlformats.org/presentationml/2006/main">
+  <p:cSld>
+    <p:spTree>
+      <p:nvGrpSpPr>
+        <p:cNvPr id="1" name=""/>
+        <p:cNvGrpSpPr/>
+        <p:nvPr/>
+      </p:nvGrpSpPr>
+      <p:grpSpPr>
+        <a:xfrm>
+          <a:off x="0" y="0"/>
+          <a:ext cx="0" cy="0"/>
+          <a:chOff x="0" y="0"/>
+          <a:chExt cx="0" cy="0"/>
+        </a:xfrm>
+      </p:grpSpPr>
+      <p:sp>
+        <p:nvSpPr>
+          <p:cNvPr id="2" name="Title 1"/>
+          <p:cNvSpPr>
+            <a:spLocks noGrp="1"/>
+          </p:cNvSpPr>
+          <p:nvPr>
+            <p:ph type="title"/>
+          </p:nvPr>
+        </p:nvSpPr>
+        <p:spPr>
+          <a:xfrm>
+            <a:off x="457200" y="274638"/>
+            <a:ext cx="8229600" cy="1138138"/>
+          </a:xfrm>
+        </p:spPr>
+        <p:txBody>
+          <a:bodyPr/>
+          <a:lstStyle/>
+          <a:p>
+            <a:r>
               <a:rPr lang="en-US" dirty="0"/>
               <a:t>Non-Resource URL</a:t>
             </a:r>
@@ -7976,7 +8275,7 @@
 </p:sld>
 </file>
 
-<file path=ppt/slides/slide15.xml><?xml version="1.0" encoding="utf-8"?>
+<file path=ppt/slides/slide16.xml><?xml version="1.0" encoding="utf-8"?>
 <p:sld xmlns:a="http://schemas.openxmlformats.org/drawingml/2006/main" xmlns:r="http://schemas.openxmlformats.org/officeDocument/2006/relationships" xmlns:p="http://schemas.openxmlformats.org/presentationml/2006/main">
   <p:cSld>
     <p:spTree>
@@ -8269,7 +8568,7 @@
 </p:sld>
 </file>
 
-<file path=ppt/slides/slide16.xml><?xml version="1.0" encoding="utf-8"?>
+<file path=ppt/slides/slide17.xml><?xml version="1.0" encoding="utf-8"?>
 <p:sld xmlns:a="http://schemas.openxmlformats.org/drawingml/2006/main" xmlns:r="http://schemas.openxmlformats.org/officeDocument/2006/relationships" xmlns:p="http://schemas.openxmlformats.org/presentationml/2006/main">
   <p:cSld>
     <p:spTree>

--- a/API workshop.pptx
+++ b/API workshop.pptx
@@ -6900,7 +6900,7 @@
         </p:nvSpPr>
         <p:spPr>
           <a:xfrm>
-            <a:off x="457200" y="1110183"/>
+            <a:off x="457200" y="1107113"/>
             <a:ext cx="8229600" cy="369332"/>
           </a:xfrm>
           <a:prstGeom prst="rect">
@@ -7017,21 +7017,21 @@
           <a:lstStyle/>
           <a:p>
             <a:r>
-              <a:rPr lang="nl-NL" dirty="0"/>
+              <a:rPr lang="nl-NL" sz="2800" dirty="0"/>
               <a:t>Verbinden met </a:t>
             </a:r>
             <a:r>
-              <a:rPr lang="nl-NL" dirty="0" err="1"/>
+              <a:rPr lang="nl-NL" sz="2800" dirty="0" err="1"/>
               <a:t>hotspot</a:t>
             </a:r>
             <a:r>
-              <a:rPr lang="nl-NL" dirty="0"/>
+              <a:rPr lang="nl-NL" sz="2800" dirty="0"/>
               <a:t>:</a:t>
             </a:r>
           </a:p>
           <a:p>
             <a:r>
-              <a:rPr lang="nl-NL" dirty="0"/>
+              <a:rPr lang="nl-NL" sz="2800" dirty="0"/>
               <a:t>API url: http://server_ip:8000/api</a:t>
             </a:r>
           </a:p>
@@ -7127,6 +7127,37 @@
               <a:rPr lang="nl-NL" sz="1800" dirty="0"/>
               <a:t>}</a:t>
             </a:r>
+          </a:p>
+          <a:p>
+            <a:r>
+              <a:rPr lang="nl-NL" sz="2000" dirty="0" err="1"/>
+              <a:t>Github</a:t>
+            </a:r>
+            <a:r>
+              <a:rPr lang="nl-NL" sz="2000" dirty="0"/>
+              <a:t>: github.com/</a:t>
+            </a:r>
+            <a:r>
+              <a:rPr lang="nl-NL" sz="2000" dirty="0" err="1"/>
+              <a:t>spijkerman</a:t>
+            </a:r>
+            <a:r>
+              <a:rPr lang="nl-NL" sz="2000" dirty="0"/>
+              <a:t>/dierentuin/tree/master/</a:t>
+            </a:r>
+            <a:r>
+              <a:rPr lang="nl-NL" sz="2000" dirty="0" err="1"/>
+              <a:t>client</a:t>
+            </a:r>
+            <a:r>
+              <a:rPr lang="nl-NL" sz="2000" dirty="0"/>
+              <a:t>/</a:t>
+            </a:r>
+            <a:r>
+              <a:rPr lang="nl-NL" sz="2000" dirty="0" err="1"/>
+              <a:t>api_client</a:t>
+            </a:r>
+            <a:endParaRPr lang="nl-NL" sz="2000" dirty="0"/>
           </a:p>
           <a:p>
             <a:endParaRPr lang="nl-NL" dirty="0"/>

--- a/API workshop.pptx
+++ b/API workshop.pptx
@@ -6,29 +6,28 @@
     <p:sldMasterId id="2147483660" r:id="rId2"/>
   </p:sldMasterIdLst>
   <p:notesMasterIdLst>
-    <p:notesMasterId r:id="rId20"/>
+    <p:notesMasterId r:id="rId19"/>
   </p:notesMasterIdLst>
   <p:handoutMasterIdLst>
-    <p:handoutMasterId r:id="rId21"/>
+    <p:handoutMasterId r:id="rId20"/>
   </p:handoutMasterIdLst>
   <p:sldIdLst>
     <p:sldId id="256" r:id="rId3"/>
     <p:sldId id="298" r:id="rId4"/>
     <p:sldId id="326" r:id="rId5"/>
     <p:sldId id="325" r:id="rId6"/>
-    <p:sldId id="328" r:id="rId7"/>
-    <p:sldId id="329" r:id="rId8"/>
-    <p:sldId id="327" r:id="rId9"/>
-    <p:sldId id="331" r:id="rId10"/>
-    <p:sldId id="337" r:id="rId11"/>
-    <p:sldId id="338" r:id="rId12"/>
-    <p:sldId id="341" r:id="rId13"/>
-    <p:sldId id="340" r:id="rId14"/>
-    <p:sldId id="330" r:id="rId15"/>
-    <p:sldId id="335" r:id="rId16"/>
-    <p:sldId id="333" r:id="rId17"/>
-    <p:sldId id="339" r:id="rId18"/>
-    <p:sldId id="261" r:id="rId19"/>
+    <p:sldId id="329" r:id="rId7"/>
+    <p:sldId id="327" r:id="rId8"/>
+    <p:sldId id="331" r:id="rId9"/>
+    <p:sldId id="337" r:id="rId10"/>
+    <p:sldId id="338" r:id="rId11"/>
+    <p:sldId id="341" r:id="rId12"/>
+    <p:sldId id="340" r:id="rId13"/>
+    <p:sldId id="330" r:id="rId14"/>
+    <p:sldId id="335" r:id="rId15"/>
+    <p:sldId id="333" r:id="rId16"/>
+    <p:sldId id="339" r:id="rId17"/>
+    <p:sldId id="261" r:id="rId18"/>
   </p:sldIdLst>
   <p:sldSz cx="9144000" cy="6858000" type="screen4x3"/>
   <p:notesSz cx="9305925" cy="7019925"/>
@@ -840,7 +839,7 @@
     </p:spTree>
     <p:extLst>
       <p:ext uri="{BB962C8B-B14F-4D97-AF65-F5344CB8AC3E}">
-        <p14:creationId xmlns:p14="http://schemas.microsoft.com/office/powerpoint/2010/main" val="643144208"/>
+        <p14:creationId xmlns:p14="http://schemas.microsoft.com/office/powerpoint/2010/main" val="2689573187"/>
       </p:ext>
     </p:extLst>
   </p:cSld>
@@ -920,94 +919,6 @@
             <a:fld id="{CBE01D35-0C62-42B1-8559-BBC417D9769E}" type="slidenum">
               <a:rPr lang="nl-NL" smtClean="0"/>
               <a:t>14</a:t>
-            </a:fld>
-            <a:endParaRPr lang="nl-NL"/>
-          </a:p>
-        </p:txBody>
-      </p:sp>
-    </p:spTree>
-    <p:extLst>
-      <p:ext uri="{BB962C8B-B14F-4D97-AF65-F5344CB8AC3E}">
-        <p14:creationId xmlns:p14="http://schemas.microsoft.com/office/powerpoint/2010/main" val="2689573187"/>
-      </p:ext>
-    </p:extLst>
-  </p:cSld>
-  <p:clrMapOvr>
-    <a:masterClrMapping/>
-  </p:clrMapOvr>
-</p:notes>
-</file>
-
-<file path=ppt/notesSlides/notesSlide12.xml><?xml version="1.0" encoding="utf-8"?>
-<p:notes xmlns:a="http://schemas.openxmlformats.org/drawingml/2006/main" xmlns:r="http://schemas.openxmlformats.org/officeDocument/2006/relationships" xmlns:p="http://schemas.openxmlformats.org/presentationml/2006/main">
-  <p:cSld>
-    <p:spTree>
-      <p:nvGrpSpPr>
-        <p:cNvPr id="1" name=""/>
-        <p:cNvGrpSpPr/>
-        <p:nvPr/>
-      </p:nvGrpSpPr>
-      <p:grpSpPr>
-        <a:xfrm>
-          <a:off x="0" y="0"/>
-          <a:ext cx="0" cy="0"/>
-          <a:chOff x="0" y="0"/>
-          <a:chExt cx="0" cy="0"/>
-        </a:xfrm>
-      </p:grpSpPr>
-      <p:sp>
-        <p:nvSpPr>
-          <p:cNvPr id="2" name="Tijdelijke aanduiding voor dia-afbeelding 1"/>
-          <p:cNvSpPr>
-            <a:spLocks noGrp="1" noRot="1" noChangeAspect="1"/>
-          </p:cNvSpPr>
-          <p:nvPr>
-            <p:ph type="sldImg"/>
-          </p:nvPr>
-        </p:nvSpPr>
-        <p:spPr/>
-      </p:sp>
-      <p:sp>
-        <p:nvSpPr>
-          <p:cNvPr id="3" name="Tijdelijke aanduiding voor notities 2"/>
-          <p:cNvSpPr>
-            <a:spLocks noGrp="1"/>
-          </p:cNvSpPr>
-          <p:nvPr>
-            <p:ph type="body" idx="1"/>
-          </p:nvPr>
-        </p:nvSpPr>
-        <p:spPr/>
-        <p:txBody>
-          <a:bodyPr/>
-          <a:lstStyle/>
-          <a:p>
-            <a:pPr marL="171450" indent="-171450">
-              <a:buFont typeface="Arial" panose="020B0604020202020204" pitchFamily="34" charset="0"/>
-              <a:buChar char="•"/>
-            </a:pPr>
-            <a:endParaRPr lang="nl-NL" dirty="0"/>
-          </a:p>
-        </p:txBody>
-      </p:sp>
-      <p:sp>
-        <p:nvSpPr>
-          <p:cNvPr id="4" name="Tijdelijke aanduiding voor dianummer 3"/>
-          <p:cNvSpPr>
-            <a:spLocks noGrp="1"/>
-          </p:cNvSpPr>
-          <p:nvPr>
-            <p:ph type="sldNum" sz="quarter" idx="10"/>
-          </p:nvPr>
-        </p:nvSpPr>
-        <p:spPr/>
-        <p:txBody>
-          <a:bodyPr/>
-          <a:lstStyle/>
-          <a:p>
-            <a:fld id="{CBE01D35-0C62-42B1-8559-BBC417D9769E}" type="slidenum">
-              <a:rPr lang="nl-NL" smtClean="0"/>
-              <a:t>15</a:t>
             </a:fld>
             <a:endParaRPr lang="nl-NL"/>
           </a:p>
@@ -1319,7 +1230,7 @@
     </p:spTree>
     <p:extLst>
       <p:ext uri="{BB962C8B-B14F-4D97-AF65-F5344CB8AC3E}">
-        <p14:creationId xmlns:p14="http://schemas.microsoft.com/office/powerpoint/2010/main" val="1047546409"/>
+        <p14:creationId xmlns:p14="http://schemas.microsoft.com/office/powerpoint/2010/main" val="2981113040"/>
       </p:ext>
     </p:extLst>
   </p:cSld>
@@ -1377,6 +1288,45 @@
               <a:buFont typeface="Arial" panose="020B0604020202020204" pitchFamily="34" charset="0"/>
               <a:buChar char="•"/>
             </a:pPr>
+            <a:r>
+              <a:rPr lang="nl-NL" dirty="0"/>
+              <a:t>REST/API: </a:t>
+            </a:r>
+            <a:r>
+              <a:rPr lang="en-US" dirty="0"/>
+              <a:t>Representational state transfer (REST) or RESTful web services are a way of providing interoperability between computer systems on the Internet. Other forms of Web services exist which expose their own arbitrary sets of operations such as WSDL and SOAP.</a:t>
+            </a:r>
+          </a:p>
+          <a:p>
+            <a:pPr marL="171450" indent="-171450">
+              <a:buFont typeface="Arial" panose="020B0604020202020204" pitchFamily="34" charset="0"/>
+              <a:buChar char="•"/>
+            </a:pPr>
+            <a:r>
+              <a:rPr lang="en-US" dirty="0"/>
+              <a:t>HTTP methods GET, POST, PUT, DELETE</a:t>
+            </a:r>
+          </a:p>
+          <a:p>
+            <a:pPr marL="171450" indent="-171450">
+              <a:buFont typeface="Arial" panose="020B0604020202020204" pitchFamily="34" charset="0"/>
+              <a:buChar char="•"/>
+            </a:pPr>
+            <a:r>
+              <a:rPr lang="nl-NL" dirty="0"/>
+              <a:t>Data </a:t>
+            </a:r>
+            <a:r>
+              <a:rPr lang="nl-NL" dirty="0" err="1"/>
+              <a:t>serialization</a:t>
+            </a:r>
+            <a:endParaRPr lang="nl-NL" dirty="0"/>
+          </a:p>
+          <a:p>
+            <a:pPr marL="171450" indent="-171450">
+              <a:buFont typeface="Arial" panose="020B0604020202020204" pitchFamily="34" charset="0"/>
+              <a:buChar char="•"/>
+            </a:pPr>
             <a:endParaRPr lang="nl-NL" dirty="0"/>
           </a:p>
         </p:txBody>
@@ -1407,7 +1357,7 @@
     </p:spTree>
     <p:extLst>
       <p:ext uri="{BB962C8B-B14F-4D97-AF65-F5344CB8AC3E}">
-        <p14:creationId xmlns:p14="http://schemas.microsoft.com/office/powerpoint/2010/main" val="2981113040"/>
+        <p14:creationId xmlns:p14="http://schemas.microsoft.com/office/powerpoint/2010/main" val="2208537119"/>
       </p:ext>
     </p:extLst>
   </p:cSld>
@@ -1465,45 +1415,6 @@
               <a:buFont typeface="Arial" panose="020B0604020202020204" pitchFamily="34" charset="0"/>
               <a:buChar char="•"/>
             </a:pPr>
-            <a:r>
-              <a:rPr lang="nl-NL" dirty="0"/>
-              <a:t>REST/API: </a:t>
-            </a:r>
-            <a:r>
-              <a:rPr lang="en-US" dirty="0"/>
-              <a:t>Representational state transfer (REST) or RESTful web services are a way of providing interoperability between computer systems on the Internet. Other forms of Web services exist which expose their own arbitrary sets of operations such as WSDL and SOAP.</a:t>
-            </a:r>
-          </a:p>
-          <a:p>
-            <a:pPr marL="171450" indent="-171450">
-              <a:buFont typeface="Arial" panose="020B0604020202020204" pitchFamily="34" charset="0"/>
-              <a:buChar char="•"/>
-            </a:pPr>
-            <a:r>
-              <a:rPr lang="en-US" dirty="0"/>
-              <a:t>HTTP methods GET, POST, PUT, DELETE</a:t>
-            </a:r>
-          </a:p>
-          <a:p>
-            <a:pPr marL="171450" indent="-171450">
-              <a:buFont typeface="Arial" panose="020B0604020202020204" pitchFamily="34" charset="0"/>
-              <a:buChar char="•"/>
-            </a:pPr>
-            <a:r>
-              <a:rPr lang="nl-NL" dirty="0"/>
-              <a:t>Data </a:t>
-            </a:r>
-            <a:r>
-              <a:rPr lang="nl-NL" dirty="0" err="1"/>
-              <a:t>serialization</a:t>
-            </a:r>
-            <a:endParaRPr lang="nl-NL" dirty="0"/>
-          </a:p>
-          <a:p>
-            <a:pPr marL="171450" indent="-171450">
-              <a:buFont typeface="Arial" panose="020B0604020202020204" pitchFamily="34" charset="0"/>
-              <a:buChar char="•"/>
-            </a:pPr>
             <a:endParaRPr lang="nl-NL" dirty="0"/>
           </a:p>
         </p:txBody>
@@ -1534,7 +1445,7 @@
     </p:spTree>
     <p:extLst>
       <p:ext uri="{BB962C8B-B14F-4D97-AF65-F5344CB8AC3E}">
-        <p14:creationId xmlns:p14="http://schemas.microsoft.com/office/powerpoint/2010/main" val="2208537119"/>
+        <p14:creationId xmlns:p14="http://schemas.microsoft.com/office/powerpoint/2010/main" val="1425919050"/>
       </p:ext>
     </p:extLst>
   </p:cSld>
@@ -1588,10 +1499,6 @@
           <a:bodyPr/>
           <a:lstStyle/>
           <a:p>
-            <a:pPr marL="171450" indent="-171450">
-              <a:buFont typeface="Arial" panose="020B0604020202020204" pitchFamily="34" charset="0"/>
-              <a:buChar char="•"/>
-            </a:pPr>
             <a:endParaRPr lang="nl-NL" dirty="0"/>
           </a:p>
         </p:txBody>
@@ -1613,7 +1520,7 @@
           <a:p>
             <a:fld id="{CBE01D35-0C62-42B1-8559-BBC417D9769E}" type="slidenum">
               <a:rPr lang="nl-NL" smtClean="0"/>
-              <a:t>8</a:t>
+              <a:t>10</a:t>
             </a:fld>
             <a:endParaRPr lang="nl-NL"/>
           </a:p>
@@ -1622,7 +1529,7 @@
     </p:spTree>
     <p:extLst>
       <p:ext uri="{BB962C8B-B14F-4D97-AF65-F5344CB8AC3E}">
-        <p14:creationId xmlns:p14="http://schemas.microsoft.com/office/powerpoint/2010/main" val="1425919050"/>
+        <p14:creationId xmlns:p14="http://schemas.microsoft.com/office/powerpoint/2010/main" val="1605732787"/>
       </p:ext>
     </p:extLst>
   </p:cSld>
@@ -1706,7 +1613,7 @@
     </p:spTree>
     <p:extLst>
       <p:ext uri="{BB962C8B-B14F-4D97-AF65-F5344CB8AC3E}">
-        <p14:creationId xmlns:p14="http://schemas.microsoft.com/office/powerpoint/2010/main" val="1605732787"/>
+        <p14:creationId xmlns:p14="http://schemas.microsoft.com/office/powerpoint/2010/main" val="3645748835"/>
       </p:ext>
     </p:extLst>
   </p:cSld>
@@ -1760,6 +1667,10 @@
           <a:bodyPr/>
           <a:lstStyle/>
           <a:p>
+            <a:pPr marL="171450" indent="-171450">
+              <a:buFont typeface="Arial" panose="020B0604020202020204" pitchFamily="34" charset="0"/>
+              <a:buChar char="•"/>
+            </a:pPr>
             <a:endParaRPr lang="nl-NL" dirty="0"/>
           </a:p>
         </p:txBody>
@@ -1790,7 +1701,7 @@
     </p:spTree>
     <p:extLst>
       <p:ext uri="{BB962C8B-B14F-4D97-AF65-F5344CB8AC3E}">
-        <p14:creationId xmlns:p14="http://schemas.microsoft.com/office/powerpoint/2010/main" val="3645748835"/>
+        <p14:creationId xmlns:p14="http://schemas.microsoft.com/office/powerpoint/2010/main" val="643144208"/>
       </p:ext>
     </p:extLst>
   </p:cSld>
@@ -6401,575 +6312,6 @@
           <p:cNvPr id="2" name="Titel 1">
             <a:extLst>
               <a:ext uri="{FF2B5EF4-FFF2-40B4-BE49-F238E27FC236}">
-                <a16:creationId xmlns:a16="http://schemas.microsoft.com/office/drawing/2014/main" id="{BCC5A367-5E3E-4C1A-B5E3-D1F4E5FF3AC6}"/>
-              </a:ext>
-            </a:extLst>
-          </p:cNvPr>
-          <p:cNvSpPr>
-            <a:spLocks noGrp="1"/>
-          </p:cNvSpPr>
-          <p:nvPr>
-            <p:ph type="title"/>
-          </p:nvPr>
-        </p:nvSpPr>
-        <p:spPr/>
-        <p:txBody>
-          <a:bodyPr>
-            <a:normAutofit/>
-          </a:bodyPr>
-          <a:lstStyle/>
-          <a:p>
-            <a:r>
-              <a:rPr lang="nl-NL" dirty="0"/>
-              <a:t>Workshop 1</a:t>
-            </a:r>
-          </a:p>
-        </p:txBody>
-      </p:sp>
-      <p:graphicFrame>
-        <p:nvGraphicFramePr>
-          <p:cNvPr id="5" name="Tijdelijke aanduiding voor inhoud 4">
-            <a:extLst>
-              <a:ext uri="{FF2B5EF4-FFF2-40B4-BE49-F238E27FC236}">
-                <a16:creationId xmlns:a16="http://schemas.microsoft.com/office/drawing/2014/main" id="{80B6A393-388F-4E7F-92CB-1F4B81F688EA}"/>
-              </a:ext>
-            </a:extLst>
-          </p:cNvPr>
-          <p:cNvGraphicFramePr>
-            <a:graphicFrameLocks noGrp="1"/>
-          </p:cNvGraphicFramePr>
-          <p:nvPr>
-            <p:ph idx="1"/>
-            <p:extLst>
-              <p:ext uri="{D42A27DB-BD31-4B8C-83A1-F6EECF244321}">
-                <p14:modId xmlns:p14="http://schemas.microsoft.com/office/powerpoint/2010/main" val="3891031629"/>
-              </p:ext>
-            </p:extLst>
-          </p:nvPr>
-        </p:nvGraphicFramePr>
-        <p:xfrm>
-          <a:off x="457200" y="1600200"/>
-          <a:ext cx="8229600" cy="1112520"/>
-        </p:xfrm>
-        <a:graphic>
-          <a:graphicData uri="http://schemas.openxmlformats.org/drawingml/2006/table">
-            <a:tbl>
-              <a:tblPr firstRow="1" bandRow="1">
-                <a:tableStyleId>{073A0DAA-6AF3-43AB-8588-CEC1D06C72B9}</a:tableStyleId>
-              </a:tblPr>
-              <a:tblGrid>
-                <a:gridCol w="4114800">
-                  <a:extLst>
-                    <a:ext uri="{9D8B030D-6E8A-4147-A177-3AD203B41FA5}">
-                      <a16:colId xmlns:a16="http://schemas.microsoft.com/office/drawing/2014/main" val="586675543"/>
-                    </a:ext>
-                  </a:extLst>
-                </a:gridCol>
-                <a:gridCol w="4114800">
-                  <a:extLst>
-                    <a:ext uri="{9D8B030D-6E8A-4147-A177-3AD203B41FA5}">
-                      <a16:colId xmlns:a16="http://schemas.microsoft.com/office/drawing/2014/main" val="2753326564"/>
-                    </a:ext>
-                  </a:extLst>
-                </a:gridCol>
-              </a:tblGrid>
-              <a:tr h="370840">
-                <a:tc>
-                  <a:txBody>
-                    <a:bodyPr/>
-                    <a:lstStyle/>
-                    <a:p>
-                      <a:r>
-                        <a:rPr lang="nl-NL" dirty="0"/>
-                        <a:t>  </a:t>
-                      </a:r>
-                    </a:p>
-                  </a:txBody>
-                  <a:tcPr>
-                    <a:lnL w="12700" cmpd="sng">
-                      <a:noFill/>
-                    </a:lnL>
-                    <a:lnR w="12700" cmpd="sng">
-                      <a:noFill/>
-                    </a:lnR>
-                    <a:lnT w="12700" cmpd="sng">
-                      <a:noFill/>
-                    </a:lnT>
-                    <a:lnB w="38100" cmpd="sng">
-                      <a:noFill/>
-                    </a:lnB>
-                    <a:lnTlToBr w="12700" cmpd="sng">
-                      <a:noFill/>
-                      <a:prstDash val="solid"/>
-                    </a:lnTlToBr>
-                    <a:lnBlToTr w="12700" cmpd="sng">
-                      <a:noFill/>
-                      <a:prstDash val="solid"/>
-                    </a:lnBlToTr>
-                    <a:noFill/>
-                  </a:tcPr>
-                </a:tc>
-                <a:tc>
-                  <a:txBody>
-                    <a:bodyPr/>
-                    <a:lstStyle/>
-                    <a:p>
-                      <a:endParaRPr lang="nl-NL"/>
-                    </a:p>
-                  </a:txBody>
-                  <a:tcPr>
-                    <a:lnL w="12700" cmpd="sng">
-                      <a:noFill/>
-                    </a:lnL>
-                    <a:lnR w="12700" cmpd="sng">
-                      <a:noFill/>
-                    </a:lnR>
-                    <a:lnT w="12700" cmpd="sng">
-                      <a:noFill/>
-                    </a:lnT>
-                    <a:lnB w="38100" cmpd="sng">
-                      <a:noFill/>
-                    </a:lnB>
-                    <a:lnTlToBr w="12700" cmpd="sng">
-                      <a:noFill/>
-                      <a:prstDash val="solid"/>
-                    </a:lnTlToBr>
-                    <a:lnBlToTr w="12700" cmpd="sng">
-                      <a:noFill/>
-                      <a:prstDash val="solid"/>
-                    </a:lnBlToTr>
-                    <a:noFill/>
-                  </a:tcPr>
-                </a:tc>
-                <a:extLst>
-                  <a:ext uri="{0D108BD9-81ED-4DB2-BD59-A6C34878D82A}">
-                    <a16:rowId xmlns:a16="http://schemas.microsoft.com/office/drawing/2014/main" val="1882264882"/>
-                  </a:ext>
-                </a:extLst>
-              </a:tr>
-              <a:tr h="370840">
-                <a:tc>
-                  <a:txBody>
-                    <a:bodyPr/>
-                    <a:lstStyle/>
-                    <a:p>
-                      <a:endParaRPr lang="nl-NL" dirty="0"/>
-                    </a:p>
-                  </a:txBody>
-                  <a:tcPr>
-                    <a:lnL w="12700" cmpd="sng">
-                      <a:noFill/>
-                    </a:lnL>
-                    <a:lnR w="12700" cmpd="sng">
-                      <a:noFill/>
-                    </a:lnR>
-                    <a:lnT w="38100" cmpd="sng">
-                      <a:noFill/>
-                    </a:lnT>
-                    <a:lnB w="12700" cmpd="sng">
-                      <a:noFill/>
-                    </a:lnB>
-                    <a:lnTlToBr w="12700" cmpd="sng">
-                      <a:noFill/>
-                      <a:prstDash val="solid"/>
-                    </a:lnTlToBr>
-                    <a:lnBlToTr w="12700" cmpd="sng">
-                      <a:noFill/>
-                      <a:prstDash val="solid"/>
-                    </a:lnBlToTr>
-                    <a:noFill/>
-                  </a:tcPr>
-                </a:tc>
-                <a:tc>
-                  <a:txBody>
-                    <a:bodyPr/>
-                    <a:lstStyle/>
-                    <a:p>
-                      <a:endParaRPr lang="nl-NL" dirty="0"/>
-                    </a:p>
-                  </a:txBody>
-                  <a:tcPr>
-                    <a:lnL w="12700" cmpd="sng">
-                      <a:noFill/>
-                    </a:lnL>
-                    <a:lnR w="12700" cmpd="sng">
-                      <a:noFill/>
-                    </a:lnR>
-                    <a:lnT w="38100" cmpd="sng">
-                      <a:noFill/>
-                    </a:lnT>
-                    <a:lnB w="12700" cmpd="sng">
-                      <a:noFill/>
-                    </a:lnB>
-                    <a:lnTlToBr w="12700" cmpd="sng">
-                      <a:noFill/>
-                      <a:prstDash val="solid"/>
-                    </a:lnTlToBr>
-                    <a:lnBlToTr w="12700" cmpd="sng">
-                      <a:noFill/>
-                      <a:prstDash val="solid"/>
-                    </a:lnBlToTr>
-                    <a:noFill/>
-                  </a:tcPr>
-                </a:tc>
-                <a:extLst>
-                  <a:ext uri="{0D108BD9-81ED-4DB2-BD59-A6C34878D82A}">
-                    <a16:rowId xmlns:a16="http://schemas.microsoft.com/office/drawing/2014/main" val="1354384855"/>
-                  </a:ext>
-                </a:extLst>
-              </a:tr>
-              <a:tr h="370840">
-                <a:tc>
-                  <a:txBody>
-                    <a:bodyPr/>
-                    <a:lstStyle/>
-                    <a:p>
-                      <a:endParaRPr lang="nl-NL" dirty="0"/>
-                    </a:p>
-                  </a:txBody>
-                  <a:tcPr>
-                    <a:lnL w="12700" cmpd="sng">
-                      <a:noFill/>
-                    </a:lnL>
-                    <a:lnR w="12700" cmpd="sng">
-                      <a:noFill/>
-                    </a:lnR>
-                    <a:lnT w="12700" cmpd="sng">
-                      <a:noFill/>
-                    </a:lnT>
-                    <a:lnB w="12700" cmpd="sng">
-                      <a:noFill/>
-                    </a:lnB>
-                    <a:lnTlToBr w="12700" cmpd="sng">
-                      <a:noFill/>
-                      <a:prstDash val="solid"/>
-                    </a:lnTlToBr>
-                    <a:lnBlToTr w="12700" cmpd="sng">
-                      <a:noFill/>
-                      <a:prstDash val="solid"/>
-                    </a:lnBlToTr>
-                    <a:noFill/>
-                  </a:tcPr>
-                </a:tc>
-                <a:tc>
-                  <a:txBody>
-                    <a:bodyPr/>
-                    <a:lstStyle/>
-                    <a:p>
-                      <a:endParaRPr lang="nl-NL" dirty="0"/>
-                    </a:p>
-                  </a:txBody>
-                  <a:tcPr>
-                    <a:lnL w="12700" cmpd="sng">
-                      <a:noFill/>
-                    </a:lnL>
-                    <a:lnR w="12700" cmpd="sng">
-                      <a:noFill/>
-                    </a:lnR>
-                    <a:lnT w="12700" cmpd="sng">
-                      <a:noFill/>
-                    </a:lnT>
-                    <a:lnB w="12700" cmpd="sng">
-                      <a:noFill/>
-                    </a:lnB>
-                    <a:lnTlToBr w="12700" cmpd="sng">
-                      <a:noFill/>
-                      <a:prstDash val="solid"/>
-                    </a:lnTlToBr>
-                    <a:lnBlToTr w="12700" cmpd="sng">
-                      <a:noFill/>
-                      <a:prstDash val="solid"/>
-                    </a:lnBlToTr>
-                    <a:noFill/>
-                  </a:tcPr>
-                </a:tc>
-                <a:extLst>
-                  <a:ext uri="{0D108BD9-81ED-4DB2-BD59-A6C34878D82A}">
-                    <a16:rowId xmlns:a16="http://schemas.microsoft.com/office/drawing/2014/main" val="1653494474"/>
-                  </a:ext>
-                </a:extLst>
-              </a:tr>
-            </a:tbl>
-          </a:graphicData>
-        </a:graphic>
-      </p:graphicFrame>
-      <p:pic>
-        <p:nvPicPr>
-          <p:cNvPr id="8" name="Afbeelding 7">
-            <a:extLst>
-              <a:ext uri="{FF2B5EF4-FFF2-40B4-BE49-F238E27FC236}">
-                <a16:creationId xmlns:a16="http://schemas.microsoft.com/office/drawing/2014/main" id="{688B71FD-ECE7-4DCD-9A26-8D087E02CD56}"/>
-              </a:ext>
-            </a:extLst>
-          </p:cNvPr>
-          <p:cNvPicPr>
-            <a:picLocks noChangeAspect="1"/>
-          </p:cNvPicPr>
-          <p:nvPr/>
-        </p:nvPicPr>
-        <p:blipFill>
-          <a:blip r:embed="rId2"/>
-          <a:stretch>
-            <a:fillRect/>
-          </a:stretch>
-        </p:blipFill>
-        <p:spPr>
-          <a:xfrm>
-            <a:off x="1470484" y="4485710"/>
-            <a:ext cx="680740" cy="1266999"/>
-          </a:xfrm>
-          <a:prstGeom prst="rect">
-            <a:avLst/>
-          </a:prstGeom>
-        </p:spPr>
-      </p:pic>
-      <p:pic>
-        <p:nvPicPr>
-          <p:cNvPr id="9" name="Afbeelding 8">
-            <a:extLst>
-              <a:ext uri="{FF2B5EF4-FFF2-40B4-BE49-F238E27FC236}">
-                <a16:creationId xmlns:a16="http://schemas.microsoft.com/office/drawing/2014/main" id="{8560F39E-6089-4177-8533-68D4B6623D6D}"/>
-              </a:ext>
-            </a:extLst>
-          </p:cNvPr>
-          <p:cNvPicPr>
-            <a:picLocks noChangeAspect="1"/>
-          </p:cNvPicPr>
-          <p:nvPr/>
-        </p:nvPicPr>
-        <p:blipFill>
-          <a:blip r:embed="rId3"/>
-          <a:stretch>
-            <a:fillRect/>
-          </a:stretch>
-        </p:blipFill>
-        <p:spPr>
-          <a:xfrm>
-            <a:off x="1470484" y="3068960"/>
-            <a:ext cx="691084" cy="1292996"/>
-          </a:xfrm>
-          <a:prstGeom prst="rect">
-            <a:avLst/>
-          </a:prstGeom>
-        </p:spPr>
-      </p:pic>
-      <p:pic>
-        <p:nvPicPr>
-          <p:cNvPr id="10" name="Afbeelding 9">
-            <a:extLst>
-              <a:ext uri="{FF2B5EF4-FFF2-40B4-BE49-F238E27FC236}">
-                <a16:creationId xmlns:a16="http://schemas.microsoft.com/office/drawing/2014/main" id="{14F6F7A1-482D-4799-8CB8-7CA26E449205}"/>
-              </a:ext>
-            </a:extLst>
-          </p:cNvPr>
-          <p:cNvPicPr>
-            <a:picLocks noChangeAspect="1"/>
-          </p:cNvPicPr>
-          <p:nvPr/>
-        </p:nvPicPr>
-        <p:blipFill>
-          <a:blip r:embed="rId4"/>
-          <a:stretch>
-            <a:fillRect/>
-          </a:stretch>
-        </p:blipFill>
-        <p:spPr>
-          <a:xfrm>
-            <a:off x="1455986" y="1600200"/>
-            <a:ext cx="720080" cy="1345006"/>
-          </a:xfrm>
-          <a:prstGeom prst="rect">
-            <a:avLst/>
-          </a:prstGeom>
-        </p:spPr>
-      </p:pic>
-      <p:graphicFrame>
-        <p:nvGraphicFramePr>
-          <p:cNvPr id="11" name="Tabel 10">
-            <a:extLst>
-              <a:ext uri="{FF2B5EF4-FFF2-40B4-BE49-F238E27FC236}">
-                <a16:creationId xmlns:a16="http://schemas.microsoft.com/office/drawing/2014/main" id="{E3F85225-FBD4-43B7-B564-6B8CE87E6178}"/>
-              </a:ext>
-            </a:extLst>
-          </p:cNvPr>
-          <p:cNvGraphicFramePr>
-            <a:graphicFrameLocks noGrp="1"/>
-          </p:cNvGraphicFramePr>
-          <p:nvPr>
-            <p:extLst>
-              <p:ext uri="{D42A27DB-BD31-4B8C-83A1-F6EECF244321}">
-                <p14:modId xmlns:p14="http://schemas.microsoft.com/office/powerpoint/2010/main" val="2229661787"/>
-              </p:ext>
-            </p:extLst>
-          </p:nvPr>
-        </p:nvGraphicFramePr>
-        <p:xfrm>
-          <a:off x="2483768" y="1600199"/>
-          <a:ext cx="6096000" cy="4152510"/>
-        </p:xfrm>
-        <a:graphic>
-          <a:graphicData uri="http://schemas.openxmlformats.org/drawingml/2006/table">
-            <a:tbl>
-              <a:tblPr firstRow="1" bandRow="1">
-                <a:tableStyleId>{2D5ABB26-0587-4C30-8999-92F81FD0307C}</a:tableStyleId>
-              </a:tblPr>
-              <a:tblGrid>
-                <a:gridCol w="6096000">
-                  <a:extLst>
-                    <a:ext uri="{9D8B030D-6E8A-4147-A177-3AD203B41FA5}">
-                      <a16:colId xmlns:a16="http://schemas.microsoft.com/office/drawing/2014/main" val="3922044733"/>
-                    </a:ext>
-                  </a:extLst>
-                </a:gridCol>
-              </a:tblGrid>
-              <a:tr h="1384170">
-                <a:tc>
-                  <a:txBody>
-                    <a:bodyPr/>
-                    <a:lstStyle/>
-                    <a:p>
-                      <a:r>
-                        <a:rPr lang="nl-NL" sz="2400" dirty="0"/>
-                        <a:t>Dieren bewerken via POSTMAN</a:t>
-                      </a:r>
-                    </a:p>
-                  </a:txBody>
-                  <a:tcPr anchor="ctr"/>
-                </a:tc>
-                <a:extLst>
-                  <a:ext uri="{0D108BD9-81ED-4DB2-BD59-A6C34878D82A}">
-                    <a16:rowId xmlns:a16="http://schemas.microsoft.com/office/drawing/2014/main" val="4098424359"/>
-                  </a:ext>
-                </a:extLst>
-              </a:tr>
-              <a:tr h="1384170">
-                <a:tc>
-                  <a:txBody>
-                    <a:bodyPr/>
-                    <a:lstStyle/>
-                    <a:p>
-                      <a:r>
-                        <a:rPr lang="nl-NL" sz="2400" dirty="0"/>
-                        <a:t>Webpagina voor weergave</a:t>
-                      </a:r>
-                    </a:p>
-                  </a:txBody>
-                  <a:tcPr anchor="ctr"/>
-                </a:tc>
-                <a:extLst>
-                  <a:ext uri="{0D108BD9-81ED-4DB2-BD59-A6C34878D82A}">
-                    <a16:rowId xmlns:a16="http://schemas.microsoft.com/office/drawing/2014/main" val="2512343265"/>
-                  </a:ext>
-                </a:extLst>
-              </a:tr>
-              <a:tr h="1384170">
-                <a:tc>
-                  <a:txBody>
-                    <a:bodyPr/>
-                    <a:lstStyle/>
-                    <a:p>
-                      <a:r>
-                        <a:rPr lang="nl-NL" sz="2400" dirty="0"/>
-                        <a:t>Webpagina voor bewerken / creëren</a:t>
-                      </a:r>
-                    </a:p>
-                  </a:txBody>
-                  <a:tcPr anchor="ctr"/>
-                </a:tc>
-                <a:extLst>
-                  <a:ext uri="{0D108BD9-81ED-4DB2-BD59-A6C34878D82A}">
-                    <a16:rowId xmlns:a16="http://schemas.microsoft.com/office/drawing/2014/main" val="3719736087"/>
-                  </a:ext>
-                </a:extLst>
-              </a:tr>
-            </a:tbl>
-          </a:graphicData>
-        </a:graphic>
-      </p:graphicFrame>
-      <p:sp>
-        <p:nvSpPr>
-          <p:cNvPr id="13" name="Tekstvak 12">
-            <a:extLst>
-              <a:ext uri="{FF2B5EF4-FFF2-40B4-BE49-F238E27FC236}">
-                <a16:creationId xmlns:a16="http://schemas.microsoft.com/office/drawing/2014/main" id="{6B65978C-A39A-4F4C-8D64-A06F284B7D48}"/>
-              </a:ext>
-            </a:extLst>
-          </p:cNvPr>
-          <p:cNvSpPr txBox="1"/>
-          <p:nvPr/>
-        </p:nvSpPr>
-        <p:spPr>
-          <a:xfrm>
-            <a:off x="457200" y="1107113"/>
-            <a:ext cx="8229600" cy="369332"/>
-          </a:xfrm>
-          <a:prstGeom prst="rect">
-            <a:avLst/>
-          </a:prstGeom>
-          <a:noFill/>
-        </p:spPr>
-        <p:txBody>
-          <a:bodyPr wrap="square" rtlCol="0">
-            <a:spAutoFit/>
-          </a:bodyPr>
-          <a:lstStyle/>
-          <a:p>
-            <a:pPr algn="ctr"/>
-            <a:r>
-              <a:rPr lang="nl-NL" dirty="0"/>
-              <a:t>github.com/spijkerman/dierentuin/tree/master/</a:t>
-            </a:r>
-            <a:r>
-              <a:rPr lang="nl-NL" dirty="0" err="1"/>
-              <a:t>client</a:t>
-            </a:r>
-            <a:r>
-              <a:rPr lang="nl-NL" dirty="0"/>
-              <a:t>/</a:t>
-            </a:r>
-            <a:r>
-              <a:rPr lang="nl-NL" dirty="0" err="1"/>
-              <a:t>api_client</a:t>
-            </a:r>
-            <a:endParaRPr lang="nl-NL" dirty="0"/>
-          </a:p>
-        </p:txBody>
-      </p:sp>
-    </p:spTree>
-    <p:extLst>
-      <p:ext uri="{BB962C8B-B14F-4D97-AF65-F5344CB8AC3E}">
-        <p14:creationId xmlns:p14="http://schemas.microsoft.com/office/powerpoint/2010/main" val="4180346267"/>
-      </p:ext>
-    </p:extLst>
-  </p:cSld>
-  <p:clrMapOvr>
-    <a:masterClrMapping/>
-  </p:clrMapOvr>
-</p:sld>
-</file>
-
-<file path=ppt/slides/slide11.xml><?xml version="1.0" encoding="utf-8"?>
-<p:sld xmlns:a="http://schemas.openxmlformats.org/drawingml/2006/main" xmlns:r="http://schemas.openxmlformats.org/officeDocument/2006/relationships" xmlns:p="http://schemas.openxmlformats.org/presentationml/2006/main">
-  <p:cSld>
-    <p:spTree>
-      <p:nvGrpSpPr>
-        <p:cNvPr id="1" name=""/>
-        <p:cNvGrpSpPr/>
-        <p:nvPr/>
-      </p:nvGrpSpPr>
-      <p:grpSpPr>
-        <a:xfrm>
-          <a:off x="0" y="0"/>
-          <a:ext cx="0" cy="0"/>
-          <a:chOff x="0" y="0"/>
-          <a:chExt cx="0" cy="0"/>
-        </a:xfrm>
-      </p:grpSpPr>
-      <p:sp>
-        <p:nvSpPr>
-          <p:cNvPr id="2" name="Titel 1">
-            <a:extLst>
-              <a:ext uri="{FF2B5EF4-FFF2-40B4-BE49-F238E27FC236}">
                 <a16:creationId xmlns:a16="http://schemas.microsoft.com/office/drawing/2014/main" id="{7076AB49-537D-416C-874D-913A2FB9E243}"/>
               </a:ext>
             </a:extLst>
@@ -7012,7 +6354,7 @@
         <p:spPr/>
         <p:txBody>
           <a:bodyPr>
-            <a:normAutofit/>
+            <a:normAutofit lnSpcReduction="10000"/>
           </a:bodyPr>
           <a:lstStyle/>
           <a:p>
@@ -7180,7 +6522,7 @@
 </p:sld>
 </file>
 
-<file path=ppt/slides/slide12.xml><?xml version="1.0" encoding="utf-8"?>
+<file path=ppt/slides/slide11.xml><?xml version="1.0" encoding="utf-8"?>
 <p:sld xmlns:a="http://schemas.openxmlformats.org/drawingml/2006/main" xmlns:r="http://schemas.openxmlformats.org/officeDocument/2006/relationships" xmlns:p="http://schemas.openxmlformats.org/presentationml/2006/main">
   <p:cSld>
     <p:spTree>
@@ -7768,6 +7110,271 @@
 </p:sld>
 </file>
 
+<file path=ppt/slides/slide12.xml><?xml version="1.0" encoding="utf-8"?>
+<p:sld xmlns:a="http://schemas.openxmlformats.org/drawingml/2006/main" xmlns:r="http://schemas.openxmlformats.org/officeDocument/2006/relationships" xmlns:p="http://schemas.openxmlformats.org/presentationml/2006/main">
+  <p:cSld>
+    <p:spTree>
+      <p:nvGrpSpPr>
+        <p:cNvPr id="1" name=""/>
+        <p:cNvGrpSpPr/>
+        <p:nvPr/>
+      </p:nvGrpSpPr>
+      <p:grpSpPr>
+        <a:xfrm>
+          <a:off x="0" y="0"/>
+          <a:ext cx="0" cy="0"/>
+          <a:chOff x="0" y="0"/>
+          <a:chExt cx="0" cy="0"/>
+        </a:xfrm>
+      </p:grpSpPr>
+      <p:sp>
+        <p:nvSpPr>
+          <p:cNvPr id="2" name="Title 1"/>
+          <p:cNvSpPr>
+            <a:spLocks noGrp="1"/>
+          </p:cNvSpPr>
+          <p:nvPr>
+            <p:ph type="title"/>
+          </p:nvPr>
+        </p:nvSpPr>
+        <p:spPr>
+          <a:xfrm>
+            <a:off x="457200" y="274638"/>
+            <a:ext cx="8229600" cy="1138138"/>
+          </a:xfrm>
+        </p:spPr>
+        <p:txBody>
+          <a:bodyPr/>
+          <a:lstStyle/>
+          <a:p>
+            <a:r>
+              <a:rPr lang="en-US" dirty="0"/>
+              <a:t>Filters</a:t>
+            </a:r>
+            <a:endParaRPr lang="nl-NL" dirty="0"/>
+          </a:p>
+        </p:txBody>
+      </p:sp>
+      <p:sp>
+        <p:nvSpPr>
+          <p:cNvPr id="3" name="Content Placeholder 2"/>
+          <p:cNvSpPr>
+            <a:spLocks noGrp="1"/>
+          </p:cNvSpPr>
+          <p:nvPr>
+            <p:ph idx="1"/>
+          </p:nvPr>
+        </p:nvSpPr>
+        <p:spPr>
+          <a:xfrm>
+            <a:off x="266689" y="1396662"/>
+            <a:ext cx="8420111" cy="4525963"/>
+          </a:xfrm>
+        </p:spPr>
+        <p:txBody>
+          <a:bodyPr>
+            <a:normAutofit lnSpcReduction="10000"/>
+          </a:bodyPr>
+          <a:lstStyle/>
+          <a:p>
+            <a:pPr marL="0" indent="0">
+              <a:buNone/>
+            </a:pPr>
+            <a:r>
+              <a:rPr lang="en-US" dirty="0" err="1"/>
+              <a:t>Complexiteit</a:t>
+            </a:r>
+            <a:r>
+              <a:rPr lang="en-US" dirty="0"/>
+              <a:t> </a:t>
+            </a:r>
+            <a:r>
+              <a:rPr lang="en-US" dirty="0" err="1"/>
+              <a:t>achter</a:t>
+            </a:r>
+            <a:r>
+              <a:rPr lang="en-US" dirty="0"/>
+              <a:t> de  ‘?’</a:t>
+            </a:r>
+          </a:p>
+          <a:p>
+            <a:pPr marL="0" indent="0">
+              <a:buNone/>
+            </a:pPr>
+            <a:endParaRPr lang="en-US" dirty="0"/>
+          </a:p>
+          <a:p>
+            <a:endParaRPr lang="en-US" dirty="0"/>
+          </a:p>
+          <a:p>
+            <a:pPr marL="0" indent="0">
+              <a:buNone/>
+            </a:pPr>
+            <a:r>
+              <a:rPr lang="en-US" sz="2000" dirty="0" err="1"/>
+              <a:t>Alle</a:t>
+            </a:r>
+            <a:r>
+              <a:rPr lang="en-US" sz="2000" dirty="0"/>
+              <a:t> </a:t>
+            </a:r>
+            <a:r>
+              <a:rPr lang="en-US" sz="2000" dirty="0" err="1"/>
+              <a:t>rennende</a:t>
+            </a:r>
+            <a:r>
+              <a:rPr lang="en-US" sz="2000" dirty="0"/>
+              <a:t> rode </a:t>
+            </a:r>
+            <a:r>
+              <a:rPr lang="en-US" sz="2000" dirty="0" err="1"/>
+              <a:t>honden</a:t>
+            </a:r>
+            <a:r>
+              <a:rPr lang="en-US" sz="2000" dirty="0"/>
+              <a:t> in het park</a:t>
+            </a:r>
+          </a:p>
+          <a:p>
+            <a:r>
+              <a:rPr lang="en-US" sz="2000" dirty="0"/>
+              <a:t>GET /</a:t>
+            </a:r>
+            <a:r>
+              <a:rPr lang="en-US" sz="2000" dirty="0" err="1"/>
+              <a:t>dogs?color</a:t>
+            </a:r>
+            <a:r>
+              <a:rPr lang="en-US" sz="2000" dirty="0"/>
+              <a:t>=</a:t>
+            </a:r>
+            <a:r>
+              <a:rPr lang="en-US" sz="2000" dirty="0" err="1"/>
+              <a:t>red&amp;state</a:t>
+            </a:r>
+            <a:r>
+              <a:rPr lang="en-US" sz="2000" dirty="0"/>
+              <a:t>=</a:t>
+            </a:r>
+            <a:r>
+              <a:rPr lang="en-US" sz="2000" dirty="0" err="1"/>
+              <a:t>running&amp;location</a:t>
+            </a:r>
+            <a:r>
+              <a:rPr lang="en-US" sz="2000" dirty="0"/>
+              <a:t>=park</a:t>
+            </a:r>
+          </a:p>
+          <a:p>
+            <a:endParaRPr lang="en-US" sz="2000" dirty="0"/>
+          </a:p>
+          <a:p>
+            <a:pPr marL="0" indent="0">
+              <a:buNone/>
+            </a:pPr>
+            <a:r>
+              <a:rPr lang="en-US" sz="2000" dirty="0" err="1"/>
+              <a:t>Alleen</a:t>
+            </a:r>
+            <a:r>
+              <a:rPr lang="en-US" sz="2000" dirty="0"/>
+              <a:t> </a:t>
+            </a:r>
+            <a:r>
+              <a:rPr lang="en-US" sz="2000" dirty="0" err="1"/>
+              <a:t>bepaalde</a:t>
+            </a:r>
+            <a:r>
+              <a:rPr lang="en-US" sz="2000" dirty="0"/>
+              <a:t> </a:t>
+            </a:r>
+            <a:r>
+              <a:rPr lang="en-US" sz="2000" dirty="0" err="1"/>
+              <a:t>velden</a:t>
+            </a:r>
+            <a:r>
+              <a:rPr lang="en-US" sz="2000" dirty="0"/>
+              <a:t>:</a:t>
+            </a:r>
+          </a:p>
+          <a:p>
+            <a:r>
+              <a:rPr lang="en-US" sz="2000" dirty="0"/>
+              <a:t>GET /</a:t>
+            </a:r>
+            <a:r>
+              <a:rPr lang="en-US" sz="2000" dirty="0" err="1"/>
+              <a:t>dogs?fields</a:t>
+            </a:r>
+            <a:r>
+              <a:rPr lang="en-US" sz="2000" dirty="0"/>
+              <a:t>=</a:t>
+            </a:r>
+            <a:r>
+              <a:rPr lang="en-US" sz="2000" dirty="0" err="1"/>
+              <a:t>name,color,location</a:t>
+            </a:r>
+            <a:r>
+              <a:rPr lang="en-US" sz="2000" dirty="0"/>
+              <a:t> </a:t>
+            </a:r>
+          </a:p>
+          <a:p>
+            <a:endParaRPr lang="en-US" sz="2000" dirty="0"/>
+          </a:p>
+          <a:p>
+            <a:pPr marL="0" indent="0">
+              <a:buNone/>
+            </a:pPr>
+            <a:r>
+              <a:rPr lang="en-US" sz="2200" dirty="0"/>
+              <a:t>Pagination </a:t>
+            </a:r>
+          </a:p>
+          <a:p>
+            <a:r>
+              <a:rPr lang="en-US" sz="2200" dirty="0"/>
+              <a:t>GET /</a:t>
+            </a:r>
+            <a:r>
+              <a:rPr lang="en-US" sz="2200" dirty="0" err="1"/>
+              <a:t>dogs?limit</a:t>
+            </a:r>
+            <a:r>
+              <a:rPr lang="en-US" sz="2200" dirty="0"/>
+              <a:t>=25&amp;offset=50 </a:t>
+            </a:r>
+          </a:p>
+          <a:p>
+            <a:pPr marL="0" indent="0">
+              <a:buNone/>
+            </a:pPr>
+            <a:endParaRPr lang="en-US" dirty="0"/>
+          </a:p>
+          <a:p>
+            <a:endParaRPr lang="en-US" dirty="0"/>
+          </a:p>
+          <a:p>
+            <a:endParaRPr lang="en-US" dirty="0"/>
+          </a:p>
+          <a:p>
+            <a:endParaRPr lang="en-US" sz="2800" dirty="0"/>
+          </a:p>
+        </p:txBody>
+      </p:sp>
+    </p:spTree>
+    <p:extLst>
+      <p:ext uri="{BB962C8B-B14F-4D97-AF65-F5344CB8AC3E}">
+        <p14:creationId xmlns:p14="http://schemas.microsoft.com/office/powerpoint/2010/main" val="1004819729"/>
+      </p:ext>
+    </p:extLst>
+  </p:cSld>
+  <p:clrMapOvr>
+    <a:masterClrMapping/>
+  </p:clrMapOvr>
+</p:sld>
+</file>
+
 <file path=ppt/slides/slide13.xml><?xml version="1.0" encoding="utf-8"?>
 <p:sld xmlns:a="http://schemas.openxmlformats.org/drawingml/2006/main" xmlns:r="http://schemas.openxmlformats.org/officeDocument/2006/relationships" xmlns:p="http://schemas.openxmlformats.org/presentationml/2006/main">
   <p:cSld>
@@ -7806,8 +7413,8 @@
           <a:lstStyle/>
           <a:p>
             <a:r>
-              <a:rPr lang="en-US" dirty="0"/>
-              <a:t>Filters</a:t>
+              <a:rPr lang="en-US" dirty="0" err="1"/>
+              <a:t>Authenticatie</a:t>
             </a:r>
             <a:endParaRPr lang="nl-NL" dirty="0"/>
           </a:p>
@@ -7831,199 +7438,45 @@
         </p:spPr>
         <p:txBody>
           <a:bodyPr>
-            <a:normAutofit lnSpcReduction="10000"/>
+            <a:normAutofit/>
           </a:bodyPr>
           <a:lstStyle/>
           <a:p>
-            <a:pPr marL="0" indent="0">
-              <a:buNone/>
-            </a:pPr>
-            <a:r>
-              <a:rPr lang="en-US" dirty="0" err="1"/>
-              <a:t>Complexiteit</a:t>
-            </a:r>
-            <a:r>
-              <a:rPr lang="en-US" dirty="0"/>
-              <a:t> </a:t>
-            </a:r>
-            <a:r>
-              <a:rPr lang="en-US" dirty="0" err="1"/>
-              <a:t>achter</a:t>
-            </a:r>
-            <a:r>
-              <a:rPr lang="en-US" dirty="0"/>
-              <a:t> de  ‘?’</a:t>
-            </a:r>
-          </a:p>
-          <a:p>
-            <a:pPr marL="0" indent="0">
-              <a:buNone/>
-            </a:pPr>
-            <a:endParaRPr lang="en-US" dirty="0"/>
-          </a:p>
-          <a:p>
-            <a:endParaRPr lang="en-US" dirty="0"/>
-          </a:p>
-          <a:p>
-            <a:pPr marL="0" indent="0">
-              <a:buNone/>
-            </a:pPr>
-            <a:r>
-              <a:rPr lang="en-US" sz="2000" dirty="0" err="1"/>
-              <a:t>Alle</a:t>
-            </a:r>
-            <a:r>
-              <a:rPr lang="en-US" sz="2000" dirty="0"/>
-              <a:t> </a:t>
-            </a:r>
-            <a:r>
-              <a:rPr lang="en-US" sz="2000" dirty="0" err="1"/>
-              <a:t>rennende</a:t>
-            </a:r>
-            <a:r>
-              <a:rPr lang="en-US" sz="2000" dirty="0"/>
-              <a:t> rode </a:t>
-            </a:r>
-            <a:r>
-              <a:rPr lang="en-US" sz="2000" dirty="0" err="1"/>
-              <a:t>honden</a:t>
-            </a:r>
-            <a:r>
-              <a:rPr lang="en-US" sz="2000" dirty="0"/>
-              <a:t> in het park</a:t>
-            </a:r>
-          </a:p>
-          <a:p>
-            <a:r>
-              <a:rPr lang="en-US" sz="2000" dirty="0"/>
-              <a:t>GET /</a:t>
-            </a:r>
-            <a:r>
-              <a:rPr lang="en-US" sz="2000" dirty="0" err="1"/>
-              <a:t>dogs?color</a:t>
-            </a:r>
-            <a:r>
-              <a:rPr lang="en-US" sz="2000" dirty="0"/>
-              <a:t>=</a:t>
-            </a:r>
-            <a:r>
-              <a:rPr lang="en-US" sz="2000" dirty="0" err="1"/>
-              <a:t>red&amp;state</a:t>
-            </a:r>
-            <a:r>
-              <a:rPr lang="en-US" sz="2000" dirty="0"/>
-              <a:t>=</a:t>
-            </a:r>
-            <a:r>
-              <a:rPr lang="en-US" sz="2000" dirty="0" err="1"/>
-              <a:t>running&amp;location</a:t>
-            </a:r>
-            <a:r>
-              <a:rPr lang="en-US" sz="2000" dirty="0"/>
-              <a:t>=park</a:t>
+            <a:r>
+              <a:rPr lang="en-US" sz="2400" dirty="0"/>
+              <a:t>HTTPS</a:t>
+            </a:r>
+          </a:p>
+          <a:p>
+            <a:endParaRPr lang="en-US" sz="2400" dirty="0"/>
+          </a:p>
+          <a:p>
+            <a:r>
+              <a:rPr lang="en-US" sz="2400" dirty="0"/>
+              <a:t>Access Control</a:t>
+            </a:r>
+          </a:p>
+          <a:p>
+            <a:r>
+              <a:rPr lang="en-US" sz="2400" dirty="0"/>
+              <a:t>JSON Web Tokens</a:t>
+            </a:r>
+          </a:p>
+          <a:p>
+            <a:r>
+              <a:rPr lang="en-US" sz="2400" dirty="0"/>
+              <a:t>API Keys</a:t>
             </a:r>
           </a:p>
           <a:p>
             <a:endParaRPr lang="en-US" sz="2000" dirty="0"/>
-          </a:p>
-          <a:p>
-            <a:pPr marL="0" indent="0">
-              <a:buNone/>
-            </a:pPr>
-            <a:r>
-              <a:rPr lang="en-US" sz="2000" dirty="0" err="1"/>
-              <a:t>Alleen</a:t>
-            </a:r>
-            <a:r>
-              <a:rPr lang="en-US" sz="2000" dirty="0"/>
-              <a:t> </a:t>
-            </a:r>
-            <a:r>
-              <a:rPr lang="en-US" sz="2000" dirty="0" err="1"/>
-              <a:t>bepaalde</a:t>
-            </a:r>
-            <a:r>
-              <a:rPr lang="en-US" sz="2000" dirty="0"/>
-              <a:t> </a:t>
-            </a:r>
-            <a:r>
-              <a:rPr lang="en-US" sz="2000" dirty="0" err="1"/>
-              <a:t>velden</a:t>
-            </a:r>
-            <a:r>
-              <a:rPr lang="en-US" sz="2000" dirty="0"/>
-              <a:t>:</a:t>
-            </a:r>
-          </a:p>
-          <a:p>
-            <a:r>
-              <a:rPr lang="en-US" sz="2000" dirty="0"/>
-              <a:t>GET /</a:t>
-            </a:r>
-            <a:r>
-              <a:rPr lang="en-US" sz="2000" dirty="0" err="1"/>
-              <a:t>dogs?fields</a:t>
-            </a:r>
-            <a:r>
-              <a:rPr lang="en-US" sz="2000" dirty="0"/>
-              <a:t>=</a:t>
-            </a:r>
-            <a:r>
-              <a:rPr lang="en-US" sz="2000" dirty="0" err="1"/>
-              <a:t>name,color,location</a:t>
-            </a:r>
-            <a:r>
-              <a:rPr lang="en-US" sz="2000" dirty="0"/>
-              <a:t> </a:t>
-            </a:r>
-          </a:p>
-          <a:p>
-            <a:endParaRPr lang="en-US" sz="2000" dirty="0"/>
-          </a:p>
-          <a:p>
-            <a:pPr marL="0" indent="0">
-              <a:buNone/>
-            </a:pPr>
-            <a:r>
-              <a:rPr lang="en-US" sz="2200" dirty="0"/>
-              <a:t>Pagination </a:t>
-            </a:r>
-          </a:p>
-          <a:p>
-            <a:r>
-              <a:rPr lang="en-US" sz="2200" dirty="0"/>
-              <a:t>GET /</a:t>
-            </a:r>
-            <a:r>
-              <a:rPr lang="en-US" sz="2200" dirty="0" err="1"/>
-              <a:t>dogs?limit</a:t>
-            </a:r>
-            <a:r>
-              <a:rPr lang="en-US" sz="2200" dirty="0"/>
-              <a:t>=25&amp;offset=50 </a:t>
-            </a:r>
-          </a:p>
-          <a:p>
-            <a:pPr marL="0" indent="0">
-              <a:buNone/>
-            </a:pPr>
-            <a:endParaRPr lang="en-US" dirty="0"/>
-          </a:p>
-          <a:p>
-            <a:endParaRPr lang="en-US" dirty="0"/>
-          </a:p>
-          <a:p>
-            <a:endParaRPr lang="en-US" dirty="0"/>
-          </a:p>
-          <a:p>
-            <a:endParaRPr lang="en-US" sz="2800" dirty="0"/>
           </a:p>
         </p:txBody>
       </p:sp>
     </p:spTree>
     <p:extLst>
       <p:ext uri="{BB962C8B-B14F-4D97-AF65-F5344CB8AC3E}">
-        <p14:creationId xmlns:p14="http://schemas.microsoft.com/office/powerpoint/2010/main" val="1004819729"/>
+        <p14:creationId xmlns:p14="http://schemas.microsoft.com/office/powerpoint/2010/main" val="3425312892"/>
       </p:ext>
     </p:extLst>
   </p:cSld>
@@ -8071,117 +7524,6 @@
           <a:lstStyle/>
           <a:p>
             <a:r>
-              <a:rPr lang="en-US" dirty="0" err="1"/>
-              <a:t>Authenticatie</a:t>
-            </a:r>
-            <a:endParaRPr lang="nl-NL" dirty="0"/>
-          </a:p>
-        </p:txBody>
-      </p:sp>
-      <p:sp>
-        <p:nvSpPr>
-          <p:cNvPr id="3" name="Content Placeholder 2"/>
-          <p:cNvSpPr>
-            <a:spLocks noGrp="1"/>
-          </p:cNvSpPr>
-          <p:nvPr>
-            <p:ph idx="1"/>
-          </p:nvPr>
-        </p:nvSpPr>
-        <p:spPr>
-          <a:xfrm>
-            <a:off x="266689" y="1396662"/>
-            <a:ext cx="8420111" cy="4525963"/>
-          </a:xfrm>
-        </p:spPr>
-        <p:txBody>
-          <a:bodyPr>
-            <a:normAutofit/>
-          </a:bodyPr>
-          <a:lstStyle/>
-          <a:p>
-            <a:r>
-              <a:rPr lang="en-US" sz="2400" dirty="0"/>
-              <a:t>HTTPS</a:t>
-            </a:r>
-          </a:p>
-          <a:p>
-            <a:endParaRPr lang="en-US" sz="2400" dirty="0"/>
-          </a:p>
-          <a:p>
-            <a:r>
-              <a:rPr lang="en-US" sz="2400" dirty="0"/>
-              <a:t>Access Control</a:t>
-            </a:r>
-          </a:p>
-          <a:p>
-            <a:r>
-              <a:rPr lang="en-US" sz="2400" dirty="0"/>
-              <a:t>JSON Web Tokens</a:t>
-            </a:r>
-          </a:p>
-          <a:p>
-            <a:r>
-              <a:rPr lang="en-US" sz="2400" dirty="0"/>
-              <a:t>API Keys</a:t>
-            </a:r>
-          </a:p>
-          <a:p>
-            <a:endParaRPr lang="en-US" sz="2000" dirty="0"/>
-          </a:p>
-        </p:txBody>
-      </p:sp>
-    </p:spTree>
-    <p:extLst>
-      <p:ext uri="{BB962C8B-B14F-4D97-AF65-F5344CB8AC3E}">
-        <p14:creationId xmlns:p14="http://schemas.microsoft.com/office/powerpoint/2010/main" val="3425312892"/>
-      </p:ext>
-    </p:extLst>
-  </p:cSld>
-  <p:clrMapOvr>
-    <a:masterClrMapping/>
-  </p:clrMapOvr>
-</p:sld>
-</file>
-
-<file path=ppt/slides/slide15.xml><?xml version="1.0" encoding="utf-8"?>
-<p:sld xmlns:a="http://schemas.openxmlformats.org/drawingml/2006/main" xmlns:r="http://schemas.openxmlformats.org/officeDocument/2006/relationships" xmlns:p="http://schemas.openxmlformats.org/presentationml/2006/main">
-  <p:cSld>
-    <p:spTree>
-      <p:nvGrpSpPr>
-        <p:cNvPr id="1" name=""/>
-        <p:cNvGrpSpPr/>
-        <p:nvPr/>
-      </p:nvGrpSpPr>
-      <p:grpSpPr>
-        <a:xfrm>
-          <a:off x="0" y="0"/>
-          <a:ext cx="0" cy="0"/>
-          <a:chOff x="0" y="0"/>
-          <a:chExt cx="0" cy="0"/>
-        </a:xfrm>
-      </p:grpSpPr>
-      <p:sp>
-        <p:nvSpPr>
-          <p:cNvPr id="2" name="Title 1"/>
-          <p:cNvSpPr>
-            <a:spLocks noGrp="1"/>
-          </p:cNvSpPr>
-          <p:nvPr>
-            <p:ph type="title"/>
-          </p:nvPr>
-        </p:nvSpPr>
-        <p:spPr>
-          <a:xfrm>
-            <a:off x="457200" y="274638"/>
-            <a:ext cx="8229600" cy="1138138"/>
-          </a:xfrm>
-        </p:spPr>
-        <p:txBody>
-          <a:bodyPr/>
-          <a:lstStyle/>
-          <a:p>
-            <a:r>
               <a:rPr lang="en-US" dirty="0"/>
               <a:t>Non-Resource URL</a:t>
             </a:r>
@@ -8306,7 +7648,7 @@
 </p:sld>
 </file>
 
-<file path=ppt/slides/slide16.xml><?xml version="1.0" encoding="utf-8"?>
+<file path=ppt/slides/slide15.xml><?xml version="1.0" encoding="utf-8"?>
 <p:sld xmlns:a="http://schemas.openxmlformats.org/drawingml/2006/main" xmlns:r="http://schemas.openxmlformats.org/officeDocument/2006/relationships" xmlns:p="http://schemas.openxmlformats.org/presentationml/2006/main">
   <p:cSld>
     <p:spTree>
@@ -8599,7 +7941,7 @@
 </p:sld>
 </file>
 
-<file path=ppt/slides/slide17.xml><?xml version="1.0" encoding="utf-8"?>
+<file path=ppt/slides/slide16.xml><?xml version="1.0" encoding="utf-8"?>
 <p:sld xmlns:a="http://schemas.openxmlformats.org/drawingml/2006/main" xmlns:r="http://schemas.openxmlformats.org/officeDocument/2006/relationships" xmlns:p="http://schemas.openxmlformats.org/presentationml/2006/main">
   <p:cSld>
     <p:spTree>
@@ -9090,10 +8432,9 @@
           <a:lstStyle/>
           <a:p>
             <a:r>
-              <a:rPr lang="en-US" dirty="0"/>
-              <a:t>URL routing 1/2</a:t>
-            </a:r>
-            <a:endParaRPr lang="nl-NL" dirty="0"/>
+              <a:rPr lang="nl-NL" dirty="0"/>
+              <a:t>URL routing</a:t>
+            </a:r>
           </a:p>
         </p:txBody>
       </p:sp>
@@ -9109,8 +8450,8 @@
         </p:nvSpPr>
         <p:spPr>
           <a:xfrm>
-            <a:off x="266689" y="4725144"/>
-            <a:ext cx="8420111" cy="1197481"/>
+            <a:off x="266689" y="1396662"/>
+            <a:ext cx="8420111" cy="4525963"/>
           </a:xfrm>
         </p:spPr>
         <p:txBody>
@@ -9119,12 +8460,43 @@
           </a:bodyPr>
           <a:lstStyle/>
           <a:p>
-            <a:pPr marL="0" indent="0" algn="ctr">
+            <a:pPr marL="0" indent="0">
               <a:buNone/>
             </a:pPr>
             <a:r>
+              <a:rPr lang="en-US" dirty="0"/>
+              <a:t>Basis URL:</a:t>
+            </a:r>
+          </a:p>
+          <a:p>
+            <a:pPr marL="0" indent="0">
+              <a:buNone/>
+            </a:pPr>
+            <a:endParaRPr lang="en-US" dirty="0"/>
+          </a:p>
+          <a:p>
+            <a:pPr marL="0" indent="0">
+              <a:buNone/>
+            </a:pPr>
+            <a:endParaRPr lang="en-US" dirty="0"/>
+          </a:p>
+          <a:p>
+            <a:pPr marL="0" indent="0">
+              <a:buNone/>
+            </a:pPr>
+            <a:endParaRPr lang="en-US" dirty="0"/>
+          </a:p>
+          <a:p>
+            <a:pPr marL="0" indent="0">
+              <a:buNone/>
+            </a:pPr>
+            <a:r>
+              <a:rPr lang="en-US" dirty="0"/>
+              <a:t>Tot </a:t>
+            </a:r>
+            <a:r>
               <a:rPr lang="en-US" dirty="0" err="1"/>
-              <a:t>Geen</a:t>
+              <a:t>drie</a:t>
             </a:r>
             <a:r>
               <a:rPr lang="en-US" dirty="0"/>
@@ -9132,36 +8504,32 @@
             </a:r>
             <a:r>
               <a:rPr lang="en-US" dirty="0" err="1"/>
-              <a:t>functies</a:t>
+              <a:t>niveaus</a:t>
             </a:r>
             <a:r>
               <a:rPr lang="en-US" dirty="0"/>
-              <a:t> maar data</a:t>
-            </a:r>
-          </a:p>
-          <a:p>
+              <a:t> </a:t>
+            </a:r>
+            <a:r>
+              <a:rPr lang="en-US" dirty="0" err="1"/>
+              <a:t>diep</a:t>
+            </a:r>
             <a:endParaRPr lang="en-US" dirty="0"/>
           </a:p>
           <a:p>
-            <a:endParaRPr lang="en-US" dirty="0"/>
-          </a:p>
-          <a:p>
-            <a:endParaRPr lang="en-US" dirty="0"/>
-          </a:p>
-          <a:p>
-            <a:endParaRPr lang="en-US" dirty="0"/>
-          </a:p>
-          <a:p>
-            <a:endParaRPr lang="en-US" sz="2800" dirty="0"/>
+            <a:r>
+              <a:rPr lang="en-US" dirty="0"/>
+              <a:t>/resource/id/resource</a:t>
+            </a:r>
           </a:p>
         </p:txBody>
       </p:sp>
       <p:pic>
         <p:nvPicPr>
-          <p:cNvPr id="4" name="Picture 3">
+          <p:cNvPr id="6" name="Afbeelding 5">
             <a:extLst>
               <a:ext uri="{FF2B5EF4-FFF2-40B4-BE49-F238E27FC236}">
-                <a16:creationId xmlns:a16="http://schemas.microsoft.com/office/drawing/2014/main" id="{1C3233D7-937A-47DA-B2D4-16976E27462E}"/>
+                <a16:creationId xmlns:a16="http://schemas.microsoft.com/office/drawing/2014/main" id="{0ED33423-45C0-4FE6-8792-0411CC52DDDB}"/>
               </a:ext>
             </a:extLst>
           </p:cNvPr>
@@ -9178,177 +8546,14 @@
         </p:blipFill>
         <p:spPr>
           <a:xfrm>
-            <a:off x="2360967" y="1556792"/>
-            <a:ext cx="4231553" cy="2808312"/>
+            <a:off x="2843807" y="1268760"/>
+            <a:ext cx="5023813" cy="2160240"/>
           </a:xfrm>
           <a:prstGeom prst="rect">
             <a:avLst/>
           </a:prstGeom>
         </p:spPr>
       </p:pic>
-    </p:spTree>
-    <p:extLst>
-      <p:ext uri="{BB962C8B-B14F-4D97-AF65-F5344CB8AC3E}">
-        <p14:creationId xmlns:p14="http://schemas.microsoft.com/office/powerpoint/2010/main" val="1552349857"/>
-      </p:ext>
-    </p:extLst>
-  </p:cSld>
-  <p:clrMapOvr>
-    <a:masterClrMapping/>
-  </p:clrMapOvr>
-</p:sld>
-</file>
-
-<file path=ppt/slides/slide6.xml><?xml version="1.0" encoding="utf-8"?>
-<p:sld xmlns:a="http://schemas.openxmlformats.org/drawingml/2006/main" xmlns:r="http://schemas.openxmlformats.org/officeDocument/2006/relationships" xmlns:p="http://schemas.openxmlformats.org/presentationml/2006/main">
-  <p:cSld>
-    <p:spTree>
-      <p:nvGrpSpPr>
-        <p:cNvPr id="1" name=""/>
-        <p:cNvGrpSpPr/>
-        <p:nvPr/>
-      </p:nvGrpSpPr>
-      <p:grpSpPr>
-        <a:xfrm>
-          <a:off x="0" y="0"/>
-          <a:ext cx="0" cy="0"/>
-          <a:chOff x="0" y="0"/>
-          <a:chExt cx="0" cy="0"/>
-        </a:xfrm>
-      </p:grpSpPr>
-      <p:sp>
-        <p:nvSpPr>
-          <p:cNvPr id="2" name="Title 1"/>
-          <p:cNvSpPr>
-            <a:spLocks noGrp="1"/>
-          </p:cNvSpPr>
-          <p:nvPr>
-            <p:ph type="title"/>
-          </p:nvPr>
-        </p:nvSpPr>
-        <p:spPr>
-          <a:xfrm>
-            <a:off x="457200" y="274638"/>
-            <a:ext cx="8229600" cy="1138138"/>
-          </a:xfrm>
-        </p:spPr>
-        <p:txBody>
-          <a:bodyPr/>
-          <a:lstStyle/>
-          <a:p>
-            <a:r>
-              <a:rPr lang="nl-NL" dirty="0"/>
-              <a:t>URL routing 2/2</a:t>
-            </a:r>
-          </a:p>
-        </p:txBody>
-      </p:sp>
-      <p:sp>
-        <p:nvSpPr>
-          <p:cNvPr id="3" name="Content Placeholder 2"/>
-          <p:cNvSpPr>
-            <a:spLocks noGrp="1"/>
-          </p:cNvSpPr>
-          <p:nvPr>
-            <p:ph idx="1"/>
-          </p:nvPr>
-        </p:nvSpPr>
-        <p:spPr>
-          <a:xfrm>
-            <a:off x="266689" y="1396662"/>
-            <a:ext cx="8420111" cy="4525963"/>
-          </a:xfrm>
-        </p:spPr>
-        <p:txBody>
-          <a:bodyPr>
-            <a:normAutofit/>
-          </a:bodyPr>
-          <a:lstStyle/>
-          <a:p>
-            <a:pPr marL="0" indent="0">
-              <a:buNone/>
-            </a:pPr>
-            <a:r>
-              <a:rPr lang="en-US" dirty="0"/>
-              <a:t>Tot </a:t>
-            </a:r>
-            <a:r>
-              <a:rPr lang="en-US" dirty="0" err="1"/>
-              <a:t>drie</a:t>
-            </a:r>
-            <a:r>
-              <a:rPr lang="en-US" dirty="0"/>
-              <a:t> </a:t>
-            </a:r>
-            <a:r>
-              <a:rPr lang="en-US" dirty="0" err="1"/>
-              <a:t>niveaus</a:t>
-            </a:r>
-            <a:r>
-              <a:rPr lang="en-US" dirty="0"/>
-              <a:t> </a:t>
-            </a:r>
-            <a:r>
-              <a:rPr lang="en-US" dirty="0" err="1"/>
-              <a:t>diep</a:t>
-            </a:r>
-            <a:endParaRPr lang="en-US" dirty="0"/>
-          </a:p>
-          <a:p>
-            <a:r>
-              <a:rPr lang="en-US" dirty="0"/>
-              <a:t>/resource/id/resource</a:t>
-            </a:r>
-          </a:p>
-          <a:p>
-            <a:endParaRPr lang="en-US" dirty="0"/>
-          </a:p>
-          <a:p>
-            <a:pPr marL="0" indent="0">
-              <a:buNone/>
-            </a:pPr>
-            <a:r>
-              <a:rPr lang="en-US" dirty="0" err="1"/>
-              <a:t>Bijvoorbeeld</a:t>
-            </a:r>
-            <a:r>
-              <a:rPr lang="en-US" dirty="0"/>
-              <a:t>:</a:t>
-            </a:r>
-          </a:p>
-          <a:p>
-            <a:r>
-              <a:rPr lang="en-US" dirty="0"/>
-              <a:t>GET /</a:t>
-            </a:r>
-            <a:r>
-              <a:rPr lang="en-US" dirty="0" err="1"/>
-              <a:t>dierentuin</a:t>
-            </a:r>
-            <a:r>
-              <a:rPr lang="en-US" dirty="0"/>
-              <a:t>/1/</a:t>
-            </a:r>
-            <a:r>
-              <a:rPr lang="en-US" dirty="0" err="1"/>
-              <a:t>dieren</a:t>
-            </a:r>
-            <a:endParaRPr lang="en-US" dirty="0"/>
-          </a:p>
-          <a:p>
-            <a:endParaRPr lang="en-US" dirty="0"/>
-          </a:p>
-          <a:p>
-            <a:endParaRPr lang="en-US" dirty="0"/>
-          </a:p>
-          <a:p>
-            <a:endParaRPr lang="en-US" dirty="0"/>
-          </a:p>
-          <a:p>
-            <a:endParaRPr lang="en-US" sz="2800" dirty="0"/>
-          </a:p>
-        </p:txBody>
-      </p:sp>
     </p:spTree>
     <p:extLst>
       <p:ext uri="{BB962C8B-B14F-4D97-AF65-F5344CB8AC3E}">
@@ -9362,7 +8567,7 @@
 </p:sld>
 </file>
 
-<file path=ppt/slides/slide7.xml><?xml version="1.0" encoding="utf-8"?>
+<file path=ppt/slides/slide6.xml><?xml version="1.0" encoding="utf-8"?>
 <p:sld xmlns:a="http://schemas.openxmlformats.org/drawingml/2006/main" xmlns:r="http://schemas.openxmlformats.org/officeDocument/2006/relationships" xmlns:p="http://schemas.openxmlformats.org/presentationml/2006/main">
   <p:cSld>
     <p:spTree>
@@ -10632,6 +9837,230 @@
 </p:sld>
 </file>
 
+<file path=ppt/slides/slide7.xml><?xml version="1.0" encoding="utf-8"?>
+<p:sld xmlns:a="http://schemas.openxmlformats.org/drawingml/2006/main" xmlns:r="http://schemas.openxmlformats.org/officeDocument/2006/relationships" xmlns:p="http://schemas.openxmlformats.org/presentationml/2006/main">
+  <p:cSld>
+    <p:spTree>
+      <p:nvGrpSpPr>
+        <p:cNvPr id="1" name=""/>
+        <p:cNvGrpSpPr/>
+        <p:nvPr/>
+      </p:nvGrpSpPr>
+      <p:grpSpPr>
+        <a:xfrm>
+          <a:off x="0" y="0"/>
+          <a:ext cx="0" cy="0"/>
+          <a:chOff x="0" y="0"/>
+          <a:chExt cx="0" cy="0"/>
+        </a:xfrm>
+      </p:grpSpPr>
+      <p:sp>
+        <p:nvSpPr>
+          <p:cNvPr id="2" name="Title 1"/>
+          <p:cNvSpPr>
+            <a:spLocks noGrp="1"/>
+          </p:cNvSpPr>
+          <p:nvPr>
+            <p:ph type="title"/>
+          </p:nvPr>
+        </p:nvSpPr>
+        <p:spPr>
+          <a:xfrm>
+            <a:off x="457200" y="274638"/>
+            <a:ext cx="8229600" cy="1138138"/>
+          </a:xfrm>
+        </p:spPr>
+        <p:txBody>
+          <a:bodyPr/>
+          <a:lstStyle/>
+          <a:p>
+            <a:r>
+              <a:rPr lang="en-US" dirty="0" err="1"/>
+              <a:t>Resultaten</a:t>
+            </a:r>
+            <a:endParaRPr lang="nl-NL" dirty="0"/>
+          </a:p>
+        </p:txBody>
+      </p:sp>
+      <p:sp>
+        <p:nvSpPr>
+          <p:cNvPr id="3" name="Content Placeholder 2"/>
+          <p:cNvSpPr>
+            <a:spLocks noGrp="1"/>
+          </p:cNvSpPr>
+          <p:nvPr>
+            <p:ph idx="1"/>
+          </p:nvPr>
+        </p:nvSpPr>
+        <p:spPr>
+          <a:xfrm>
+            <a:off x="266689" y="1396662"/>
+            <a:ext cx="8420111" cy="4525963"/>
+          </a:xfrm>
+        </p:spPr>
+        <p:txBody>
+          <a:bodyPr>
+            <a:normAutofit lnSpcReduction="10000"/>
+          </a:bodyPr>
+          <a:lstStyle/>
+          <a:p>
+            <a:pPr marL="0" indent="0">
+              <a:buNone/>
+            </a:pPr>
+            <a:r>
+              <a:rPr lang="en-US" b="1" dirty="0"/>
+              <a:t>HTTP Status codes</a:t>
+            </a:r>
+          </a:p>
+          <a:p>
+            <a:r>
+              <a:rPr lang="en-US" sz="2000" dirty="0">
+                <a:solidFill>
+                  <a:srgbClr val="92D050"/>
+                </a:solidFill>
+              </a:rPr>
+              <a:t>200: OK</a:t>
+            </a:r>
+          </a:p>
+          <a:p>
+            <a:r>
+              <a:rPr lang="en-US" sz="2000" dirty="0">
+                <a:solidFill>
+                  <a:srgbClr val="92D050"/>
+                </a:solidFill>
+              </a:rPr>
+              <a:t>201: Created</a:t>
+            </a:r>
+          </a:p>
+          <a:p>
+            <a:r>
+              <a:rPr lang="en-US" sz="2000" dirty="0">
+                <a:solidFill>
+                  <a:srgbClr val="92D050"/>
+                </a:solidFill>
+              </a:rPr>
+              <a:t>204: OK (No content)</a:t>
+            </a:r>
+          </a:p>
+          <a:p>
+            <a:r>
+              <a:rPr lang="en-US" sz="2000" dirty="0">
+                <a:solidFill>
+                  <a:srgbClr val="FFC000"/>
+                </a:solidFill>
+              </a:rPr>
+              <a:t>304: Not modified</a:t>
+            </a:r>
+          </a:p>
+          <a:p>
+            <a:r>
+              <a:rPr lang="en-US" sz="2000" dirty="0">
+                <a:solidFill>
+                  <a:srgbClr val="00B0F0"/>
+                </a:solidFill>
+              </a:rPr>
+              <a:t>400: Bad Request</a:t>
+            </a:r>
+          </a:p>
+          <a:p>
+            <a:r>
+              <a:rPr lang="en-US" sz="2000" dirty="0">
+                <a:solidFill>
+                  <a:srgbClr val="00B0F0"/>
+                </a:solidFill>
+              </a:rPr>
+              <a:t>401 : Unauthorized</a:t>
+            </a:r>
+          </a:p>
+          <a:p>
+            <a:r>
+              <a:rPr lang="en-US" sz="2000" dirty="0">
+                <a:solidFill>
+                  <a:srgbClr val="00B0F0"/>
+                </a:solidFill>
+              </a:rPr>
+              <a:t>403: Forbidden</a:t>
+            </a:r>
+          </a:p>
+          <a:p>
+            <a:r>
+              <a:rPr lang="en-US" sz="2000" dirty="0">
+                <a:solidFill>
+                  <a:srgbClr val="00B0F0"/>
+                </a:solidFill>
+              </a:rPr>
+              <a:t>404: Not Found</a:t>
+            </a:r>
+          </a:p>
+          <a:p>
+            <a:r>
+              <a:rPr lang="en-US" sz="2000" dirty="0">
+                <a:solidFill>
+                  <a:srgbClr val="FF0000"/>
+                </a:solidFill>
+              </a:rPr>
+              <a:t>500: Server Error</a:t>
+            </a:r>
+          </a:p>
+          <a:p>
+            <a:r>
+              <a:rPr lang="en-US" sz="2000" dirty="0">
+                <a:solidFill>
+                  <a:srgbClr val="FF0000"/>
+                </a:solidFill>
+              </a:rPr>
+              <a:t>501: Not Implemented</a:t>
+            </a:r>
+          </a:p>
+          <a:p>
+            <a:r>
+              <a:rPr lang="en-US" sz="2000" dirty="0">
+                <a:solidFill>
+                  <a:srgbClr val="FF0000"/>
+                </a:solidFill>
+              </a:rPr>
+              <a:t>550: Permission Denied</a:t>
+            </a:r>
+          </a:p>
+          <a:p>
+            <a:pPr marL="0" indent="0">
+              <a:buNone/>
+            </a:pPr>
+            <a:endParaRPr lang="en-US" sz="2000" dirty="0"/>
+          </a:p>
+          <a:p>
+            <a:endParaRPr lang="en-US" dirty="0"/>
+          </a:p>
+          <a:p>
+            <a:pPr marL="0" indent="0">
+              <a:buNone/>
+            </a:pPr>
+            <a:endParaRPr lang="en-US" dirty="0"/>
+          </a:p>
+          <a:p>
+            <a:endParaRPr lang="en-US" dirty="0"/>
+          </a:p>
+          <a:p>
+            <a:endParaRPr lang="en-US" dirty="0"/>
+          </a:p>
+          <a:p>
+            <a:endParaRPr lang="en-US" sz="2800" dirty="0"/>
+          </a:p>
+        </p:txBody>
+      </p:sp>
+    </p:spTree>
+    <p:extLst>
+      <p:ext uri="{BB962C8B-B14F-4D97-AF65-F5344CB8AC3E}">
+        <p14:creationId xmlns:p14="http://schemas.microsoft.com/office/powerpoint/2010/main" val="4095739237"/>
+      </p:ext>
+    </p:extLst>
+  </p:cSld>
+  <p:clrMapOvr>
+    <a:masterClrMapping/>
+  </p:clrMapOvr>
+</p:sld>
+</file>
+
 <file path=ppt/slides/slide8.xml><?xml version="1.0" encoding="utf-8"?>
 <p:sld xmlns:a="http://schemas.openxmlformats.org/drawingml/2006/main" xmlns:r="http://schemas.openxmlformats.org/officeDocument/2006/relationships" xmlns:p="http://schemas.openxmlformats.org/presentationml/2006/main">
   <p:cSld>
@@ -10651,7 +10080,13 @@
       </p:grpSpPr>
       <p:sp>
         <p:nvSpPr>
-          <p:cNvPr id="2" name="Title 1"/>
+          <p:cNvPr id="2" name="Titel 1">
+            <a:extLst>
+              <a:ext uri="{FF2B5EF4-FFF2-40B4-BE49-F238E27FC236}">
+                <a16:creationId xmlns:a16="http://schemas.microsoft.com/office/drawing/2014/main" id="{BA506AC5-01FD-4199-B41A-06C103FD8418}"/>
+              </a:ext>
+            </a:extLst>
+          </p:cNvPr>
           <p:cNvSpPr>
             <a:spLocks noGrp="1"/>
           </p:cNvSpPr>
@@ -10659,27 +10094,27 @@
             <p:ph type="title"/>
           </p:nvPr>
         </p:nvSpPr>
-        <p:spPr>
-          <a:xfrm>
-            <a:off x="457200" y="274638"/>
-            <a:ext cx="8229600" cy="1138138"/>
-          </a:xfrm>
-        </p:spPr>
+        <p:spPr/>
         <p:txBody>
           <a:bodyPr/>
           <a:lstStyle/>
           <a:p>
             <a:r>
-              <a:rPr lang="en-US" dirty="0" err="1"/>
-              <a:t>Resultaten</a:t>
-            </a:r>
-            <a:endParaRPr lang="nl-NL" dirty="0"/>
+              <a:rPr lang="nl-NL" dirty="0"/>
+              <a:t>JSON</a:t>
+            </a:r>
           </a:p>
         </p:txBody>
       </p:sp>
       <p:sp>
         <p:nvSpPr>
-          <p:cNvPr id="3" name="Content Placeholder 2"/>
+          <p:cNvPr id="3" name="Tijdelijke aanduiding voor inhoud 2">
+            <a:extLst>
+              <a:ext uri="{FF2B5EF4-FFF2-40B4-BE49-F238E27FC236}">
+                <a16:creationId xmlns:a16="http://schemas.microsoft.com/office/drawing/2014/main" id="{BD6EE3DC-E873-41CA-8F56-B170547AFEE0}"/>
+              </a:ext>
+            </a:extLst>
+          </p:cNvPr>
           <p:cNvSpPr>
             <a:spLocks noGrp="1"/>
           </p:cNvSpPr>
@@ -10687,15 +10122,10 @@
             <p:ph idx="1"/>
           </p:nvPr>
         </p:nvSpPr>
-        <p:spPr>
-          <a:xfrm>
-            <a:off x="266689" y="1396662"/>
-            <a:ext cx="8420111" cy="4525963"/>
-          </a:xfrm>
-        </p:spPr>
+        <p:spPr/>
         <p:txBody>
           <a:bodyPr>
-            <a:normAutofit lnSpcReduction="10000"/>
+            <a:normAutofit fontScale="47500" lnSpcReduction="20000"/>
           </a:bodyPr>
           <a:lstStyle/>
           <a:p>
@@ -10703,128 +10133,213 @@
               <a:buNone/>
             </a:pPr>
             <a:r>
-              <a:rPr lang="en-US" b="1" dirty="0"/>
-              <a:t>HTTP Status codes</a:t>
-            </a:r>
-          </a:p>
-          <a:p>
-            <a:r>
-              <a:rPr lang="en-US" sz="2000" dirty="0">
-                <a:solidFill>
-                  <a:srgbClr val="92D050"/>
-                </a:solidFill>
+              <a:rPr lang="en-US" dirty="0">
+                <a:cs typeface="Courier New" panose="02070309020205020404" pitchFamily="49" charset="0"/>
               </a:rPr>
-              <a:t>200: OK</a:t>
-            </a:r>
-          </a:p>
-          <a:p>
-            <a:r>
-              <a:rPr lang="en-US" sz="2000" dirty="0">
-                <a:solidFill>
-                  <a:srgbClr val="92D050"/>
-                </a:solidFill>
+              <a:t>Object Result:</a:t>
+            </a:r>
+          </a:p>
+          <a:p>
+            <a:pPr marL="0" indent="0">
+              <a:buNone/>
+            </a:pPr>
+            <a:r>
+              <a:rPr lang="en-US" dirty="0">
+                <a:latin typeface="Ubuntu Mono" panose="020B0509030602030204" pitchFamily="49" charset="0"/>
+                <a:cs typeface="Courier New" panose="02070309020205020404" pitchFamily="49" charset="0"/>
               </a:rPr>
-              <a:t>201: Created</a:t>
-            </a:r>
-          </a:p>
-          <a:p>
-            <a:r>
-              <a:rPr lang="en-US" sz="2000" dirty="0">
-                <a:solidFill>
-                  <a:srgbClr val="92D050"/>
-                </a:solidFill>
+              <a:t>{</a:t>
+            </a:r>
+          </a:p>
+          <a:p>
+            <a:pPr marL="0" indent="0">
+              <a:buNone/>
+            </a:pPr>
+            <a:r>
+              <a:rPr lang="en-US" dirty="0">
+                <a:latin typeface="Ubuntu Mono" panose="020B0509030602030204" pitchFamily="49" charset="0"/>
+                <a:cs typeface="Courier New" panose="02070309020205020404" pitchFamily="49" charset="0"/>
               </a:rPr>
-              <a:t>204: OK (No content)</a:t>
-            </a:r>
-          </a:p>
-          <a:p>
-            <a:r>
-              <a:rPr lang="en-US" sz="2000" dirty="0">
-                <a:solidFill>
-                  <a:srgbClr val="FFC000"/>
-                </a:solidFill>
+              <a:t>  "</a:t>
+            </a:r>
+            <a:r>
+              <a:rPr lang="en-US" dirty="0" err="1">
+                <a:latin typeface="Ubuntu Mono" panose="020B0509030602030204" pitchFamily="49" charset="0"/>
+                <a:cs typeface="Courier New" panose="02070309020205020404" pitchFamily="49" charset="0"/>
               </a:rPr>
-              <a:t>304: Not modified</a:t>
-            </a:r>
-          </a:p>
-          <a:p>
-            <a:r>
-              <a:rPr lang="en-US" sz="2000" dirty="0">
-                <a:solidFill>
-                  <a:srgbClr val="00B0F0"/>
-                </a:solidFill>
+              <a:t>boolean</a:t>
+            </a:r>
+            <a:r>
+              <a:rPr lang="en-US" dirty="0">
+                <a:latin typeface="Ubuntu Mono" panose="020B0509030602030204" pitchFamily="49" charset="0"/>
+                <a:cs typeface="Courier New" panose="02070309020205020404" pitchFamily="49" charset="0"/>
               </a:rPr>
-              <a:t>400: Bad Request</a:t>
-            </a:r>
-          </a:p>
-          <a:p>
-            <a:r>
-              <a:rPr lang="en-US" sz="2000" dirty="0">
-                <a:solidFill>
-                  <a:srgbClr val="00B0F0"/>
-                </a:solidFill>
+              <a:t>": true,</a:t>
+            </a:r>
+          </a:p>
+          <a:p>
+            <a:pPr marL="0" indent="0">
+              <a:buNone/>
+            </a:pPr>
+            <a:r>
+              <a:rPr lang="en-US" dirty="0">
+                <a:latin typeface="Ubuntu Mono" panose="020B0509030602030204" pitchFamily="49" charset="0"/>
+                <a:cs typeface="Courier New" panose="02070309020205020404" pitchFamily="49" charset="0"/>
               </a:rPr>
-              <a:t>401 : Unauthorized</a:t>
-            </a:r>
-          </a:p>
-          <a:p>
-            <a:r>
-              <a:rPr lang="en-US" sz="2000" dirty="0">
-                <a:solidFill>
-                  <a:srgbClr val="00B0F0"/>
-                </a:solidFill>
+              <a:t>  "string": "text",</a:t>
+            </a:r>
+          </a:p>
+          <a:p>
+            <a:pPr marL="0" indent="0">
+              <a:buNone/>
+            </a:pPr>
+            <a:r>
+              <a:rPr lang="en-US" dirty="0">
+                <a:latin typeface="Ubuntu Mono" panose="020B0509030602030204" pitchFamily="49" charset="0"/>
+                <a:cs typeface="Courier New" panose="02070309020205020404" pitchFamily="49" charset="0"/>
               </a:rPr>
-              <a:t>403: Forbidden</a:t>
-            </a:r>
-          </a:p>
-          <a:p>
-            <a:r>
-              <a:rPr lang="en-US" sz="2000" dirty="0">
-                <a:solidFill>
-                  <a:srgbClr val="00B0F0"/>
-                </a:solidFill>
+              <a:t>  "</a:t>
+            </a:r>
+            <a:r>
+              <a:rPr lang="en-US" dirty="0" err="1">
+                <a:latin typeface="Ubuntu Mono" panose="020B0509030602030204" pitchFamily="49" charset="0"/>
+                <a:cs typeface="Courier New" panose="02070309020205020404" pitchFamily="49" charset="0"/>
               </a:rPr>
-              <a:t>404: Not Found</a:t>
-            </a:r>
-          </a:p>
-          <a:p>
-            <a:r>
-              <a:rPr lang="en-US" sz="2000" dirty="0">
-                <a:solidFill>
-                  <a:srgbClr val="FF0000"/>
-                </a:solidFill>
+              <a:t>simple_number</a:t>
+            </a:r>
+            <a:r>
+              <a:rPr lang="en-US" dirty="0">
+                <a:latin typeface="Ubuntu Mono" panose="020B0509030602030204" pitchFamily="49" charset="0"/>
+                <a:cs typeface="Courier New" panose="02070309020205020404" pitchFamily="49" charset="0"/>
               </a:rPr>
-              <a:t>500: Server Error</a:t>
-            </a:r>
-          </a:p>
-          <a:p>
-            <a:r>
-              <a:rPr lang="en-US" sz="2000" dirty="0">
-                <a:solidFill>
-                  <a:srgbClr val="FF0000"/>
-                </a:solidFill>
+              <a:t>": 2</a:t>
+            </a:r>
+          </a:p>
+          <a:p>
+            <a:pPr marL="0" indent="0">
+              <a:buNone/>
+            </a:pPr>
+            <a:r>
+              <a:rPr lang="en-US" dirty="0">
+                <a:latin typeface="Ubuntu Mono" panose="020B0509030602030204" pitchFamily="49" charset="0"/>
+                <a:cs typeface="Courier New" panose="02070309020205020404" pitchFamily="49" charset="0"/>
               </a:rPr>
-              <a:t>501: Not Implemented</a:t>
-            </a:r>
-          </a:p>
-          <a:p>
-            <a:r>
-              <a:rPr lang="en-US" sz="2000" dirty="0">
-                <a:solidFill>
-                  <a:srgbClr val="FF0000"/>
-                </a:solidFill>
+              <a:t>  “</a:t>
+            </a:r>
+            <a:r>
+              <a:rPr lang="en-US" dirty="0" err="1">
+                <a:latin typeface="Ubuntu Mono" panose="020B0509030602030204" pitchFamily="49" charset="0"/>
+                <a:cs typeface="Courier New" panose="02070309020205020404" pitchFamily="49" charset="0"/>
               </a:rPr>
-              <a:t>550: Permission Denied</a:t>
+              <a:t>complex_number</a:t>
+            </a:r>
+            <a:r>
+              <a:rPr lang="en-US" dirty="0">
+                <a:latin typeface="Ubuntu Mono" panose="020B0509030602030204" pitchFamily="49" charset="0"/>
+                <a:cs typeface="Courier New" panose="02070309020205020404" pitchFamily="49" charset="0"/>
+              </a:rPr>
+              <a:t>": 1.8e02,</a:t>
             </a:r>
           </a:p>
           <a:p>
             <a:pPr marL="0" indent="0">
               <a:buNone/>
             </a:pPr>
-            <a:endParaRPr lang="en-US" sz="2000" dirty="0"/>
-          </a:p>
-          <a:p>
-            <a:endParaRPr lang="en-US" dirty="0"/>
+            <a:r>
+              <a:rPr lang="en-US" dirty="0">
+                <a:latin typeface="Ubuntu Mono" panose="020B0509030602030204" pitchFamily="49" charset="0"/>
+                <a:cs typeface="Courier New" panose="02070309020205020404" pitchFamily="49" charset="0"/>
+              </a:rPr>
+              <a:t>  "object": {</a:t>
+            </a:r>
+          </a:p>
+          <a:p>
+            <a:pPr marL="0" indent="0">
+              <a:buNone/>
+            </a:pPr>
+            <a:r>
+              <a:rPr lang="en-US" dirty="0">
+                <a:latin typeface="Ubuntu Mono" panose="020B0509030602030204" pitchFamily="49" charset="0"/>
+                <a:cs typeface="Courier New" panose="02070309020205020404" pitchFamily="49" charset="0"/>
+              </a:rPr>
+              <a:t>    "name": "Qcast"</a:t>
+            </a:r>
+          </a:p>
+          <a:p>
+            <a:pPr marL="0" indent="0">
+              <a:buNone/>
+            </a:pPr>
+            <a:r>
+              <a:rPr lang="en-US" dirty="0">
+                <a:latin typeface="Ubuntu Mono" panose="020B0509030602030204" pitchFamily="49" charset="0"/>
+                <a:cs typeface="Courier New" panose="02070309020205020404" pitchFamily="49" charset="0"/>
+              </a:rPr>
+              <a:t>  },</a:t>
+            </a:r>
+          </a:p>
+          <a:p>
+            <a:pPr marL="0" indent="0">
+              <a:buNone/>
+            </a:pPr>
+            <a:r>
+              <a:rPr lang="en-US" dirty="0">
+                <a:latin typeface="Ubuntu Mono" panose="020B0509030602030204" pitchFamily="49" charset="0"/>
+                <a:cs typeface="Courier New" panose="02070309020205020404" pitchFamily="49" charset="0"/>
+              </a:rPr>
+              <a:t>  "</a:t>
+            </a:r>
+            <a:r>
+              <a:rPr lang="en-US" dirty="0" err="1">
+                <a:latin typeface="Ubuntu Mono" panose="020B0509030602030204" pitchFamily="49" charset="0"/>
+                <a:cs typeface="Courier New" panose="02070309020205020404" pitchFamily="49" charset="0"/>
+              </a:rPr>
+              <a:t>simple_array</a:t>
+            </a:r>
+            <a:r>
+              <a:rPr lang="en-US" dirty="0">
+                <a:latin typeface="Ubuntu Mono" panose="020B0509030602030204" pitchFamily="49" charset="0"/>
+                <a:cs typeface="Courier New" panose="02070309020205020404" pitchFamily="49" charset="0"/>
+              </a:rPr>
+              <a:t>": [1, 2, 3],</a:t>
+            </a:r>
+          </a:p>
+          <a:p>
+            <a:pPr marL="0" indent="0">
+              <a:buNone/>
+            </a:pPr>
+            <a:r>
+              <a:rPr lang="en-US" dirty="0">
+                <a:latin typeface="Ubuntu Mono" panose="020B0509030602030204" pitchFamily="49" charset="0"/>
+                <a:cs typeface="Courier New" panose="02070309020205020404" pitchFamily="49" charset="0"/>
+              </a:rPr>
+              <a:t>  "</a:t>
+            </a:r>
+            <a:r>
+              <a:rPr lang="en-US" dirty="0" err="1">
+                <a:latin typeface="Ubuntu Mono" panose="020B0509030602030204" pitchFamily="49" charset="0"/>
+                <a:cs typeface="Courier New" panose="02070309020205020404" pitchFamily="49" charset="0"/>
+              </a:rPr>
+              <a:t>complex_array</a:t>
+            </a:r>
+            <a:r>
+              <a:rPr lang="en-US" dirty="0">
+                <a:latin typeface="Ubuntu Mono" panose="020B0509030602030204" pitchFamily="49" charset="0"/>
+                <a:cs typeface="Courier New" panose="02070309020205020404" pitchFamily="49" charset="0"/>
+              </a:rPr>
+              <a:t>": [{"id": 1}, 1, true]</a:t>
+            </a:r>
+          </a:p>
+          <a:p>
+            <a:pPr marL="0" indent="0">
+              <a:buNone/>
+            </a:pPr>
+            <a:r>
+              <a:rPr lang="en-US" dirty="0">
+                <a:latin typeface="Ubuntu Mono" panose="020B0509030602030204" pitchFamily="49" charset="0"/>
+                <a:cs typeface="Courier New" panose="02070309020205020404" pitchFamily="49" charset="0"/>
+              </a:rPr>
+              <a:t>}</a:t>
+            </a:r>
           </a:p>
           <a:p>
             <a:pPr marL="0" indent="0">
@@ -10833,20 +10348,105 @@
             <a:endParaRPr lang="en-US" dirty="0"/>
           </a:p>
           <a:p>
-            <a:endParaRPr lang="en-US" dirty="0"/>
-          </a:p>
-          <a:p>
-            <a:endParaRPr lang="en-US" dirty="0"/>
-          </a:p>
-          <a:p>
-            <a:endParaRPr lang="en-US" sz="2800" dirty="0"/>
+            <a:pPr marL="0" indent="0">
+              <a:buNone/>
+            </a:pPr>
+            <a:r>
+              <a:rPr lang="en-US" dirty="0"/>
+              <a:t>Message for people </a:t>
+            </a:r>
+          </a:p>
+          <a:p>
+            <a:pPr marL="0" indent="0">
+              <a:buNone/>
+            </a:pPr>
+            <a:r>
+              <a:rPr lang="en-US" dirty="0">
+                <a:latin typeface="Ubuntu Mono" panose="020B0509030602030204" pitchFamily="49" charset="0"/>
+              </a:rPr>
+              <a:t>{"</a:t>
+            </a:r>
+            <a:r>
+              <a:rPr lang="en-US" dirty="0" err="1">
+                <a:latin typeface="Ubuntu Mono" panose="020B0509030602030204" pitchFamily="49" charset="0"/>
+              </a:rPr>
+              <a:t>developerMessage</a:t>
+            </a:r>
+            <a:r>
+              <a:rPr lang="en-US" dirty="0">
+                <a:latin typeface="Ubuntu Mono" panose="020B0509030602030204" pitchFamily="49" charset="0"/>
+              </a:rPr>
+              <a:t>": "Verbose, plain language description of the problem for the app developer with hints about how to fix it.", </a:t>
+            </a:r>
+          </a:p>
+          <a:p>
+            <a:pPr marL="0" indent="0">
+              <a:buNone/>
+            </a:pPr>
+            <a:r>
+              <a:rPr lang="en-US" dirty="0">
+                <a:latin typeface="Ubuntu Mono" panose="020B0509030602030204" pitchFamily="49" charset="0"/>
+              </a:rPr>
+              <a:t>"</a:t>
+            </a:r>
+            <a:r>
+              <a:rPr lang="en-US" dirty="0" err="1">
+                <a:latin typeface="Ubuntu Mono" panose="020B0509030602030204" pitchFamily="49" charset="0"/>
+              </a:rPr>
+              <a:t>userMessage</a:t>
+            </a:r>
+            <a:r>
+              <a:rPr lang="en-US" dirty="0">
+                <a:latin typeface="Ubuntu Mono" panose="020B0509030602030204" pitchFamily="49" charset="0"/>
+              </a:rPr>
+              <a:t>": "Pass this message on to the app user if needed.", </a:t>
+            </a:r>
+          </a:p>
+          <a:p>
+            <a:pPr marL="0" indent="0">
+              <a:buNone/>
+            </a:pPr>
+            <a:r>
+              <a:rPr lang="en-US" dirty="0">
+                <a:latin typeface="Ubuntu Mono" panose="020B0509030602030204" pitchFamily="49" charset="0"/>
+              </a:rPr>
+              <a:t>"</a:t>
+            </a:r>
+            <a:r>
+              <a:rPr lang="en-US" dirty="0" err="1">
+                <a:latin typeface="Ubuntu Mono" panose="020B0509030602030204" pitchFamily="49" charset="0"/>
+              </a:rPr>
+              <a:t>errorCode</a:t>
+            </a:r>
+            <a:r>
+              <a:rPr lang="en-US" dirty="0">
+                <a:latin typeface="Ubuntu Mono" panose="020B0509030602030204" pitchFamily="49" charset="0"/>
+              </a:rPr>
+              <a:t>": 12345,</a:t>
+            </a:r>
+          </a:p>
+          <a:p>
+            <a:pPr marL="0" indent="0">
+              <a:buNone/>
+            </a:pPr>
+            <a:r>
+              <a:rPr lang="en-US" dirty="0">
+                <a:latin typeface="Ubuntu Mono" panose="020B0509030602030204" pitchFamily="49" charset="0"/>
+              </a:rPr>
+              <a:t>"more info": "http://dev.example.com/errors/12345"}</a:t>
+            </a:r>
+            <a:r>
+              <a:rPr lang="en-US" dirty="0"/>
+              <a:t> </a:t>
+            </a:r>
+            <a:endParaRPr lang="en-US" sz="1600" dirty="0"/>
           </a:p>
         </p:txBody>
       </p:sp>
     </p:spTree>
     <p:extLst>
       <p:ext uri="{BB962C8B-B14F-4D97-AF65-F5344CB8AC3E}">
-        <p14:creationId xmlns:p14="http://schemas.microsoft.com/office/powerpoint/2010/main" val="4095739237"/>
+        <p14:creationId xmlns:p14="http://schemas.microsoft.com/office/powerpoint/2010/main" val="3945948258"/>
       </p:ext>
     </p:extLst>
   </p:cSld>
@@ -10878,7 +10478,7 @@
           <p:cNvPr id="2" name="Titel 1">
             <a:extLst>
               <a:ext uri="{FF2B5EF4-FFF2-40B4-BE49-F238E27FC236}">
-                <a16:creationId xmlns:a16="http://schemas.microsoft.com/office/drawing/2014/main" id="{BA506AC5-01FD-4199-B41A-06C103FD8418}"/>
+                <a16:creationId xmlns:a16="http://schemas.microsoft.com/office/drawing/2014/main" id="{BCC5A367-5E3E-4C1A-B5E3-D1F4E5FF3AC6}"/>
               </a:ext>
             </a:extLst>
           </p:cNvPr>
@@ -10891,357 +10491,531 @@
         </p:nvSpPr>
         <p:spPr/>
         <p:txBody>
-          <a:bodyPr/>
+          <a:bodyPr>
+            <a:normAutofit/>
+          </a:bodyPr>
           <a:lstStyle/>
           <a:p>
             <a:r>
               <a:rPr lang="nl-NL" dirty="0"/>
-              <a:t>JSON</a:t>
+              <a:t>Workshop 1</a:t>
             </a:r>
           </a:p>
         </p:txBody>
       </p:sp>
-      <p:sp>
-        <p:nvSpPr>
-          <p:cNvPr id="3" name="Tijdelijke aanduiding voor inhoud 2">
+      <p:graphicFrame>
+        <p:nvGraphicFramePr>
+          <p:cNvPr id="5" name="Tijdelijke aanduiding voor inhoud 4">
             <a:extLst>
               <a:ext uri="{FF2B5EF4-FFF2-40B4-BE49-F238E27FC236}">
-                <a16:creationId xmlns:a16="http://schemas.microsoft.com/office/drawing/2014/main" id="{BD6EE3DC-E873-41CA-8F56-B170547AFEE0}"/>
+                <a16:creationId xmlns:a16="http://schemas.microsoft.com/office/drawing/2014/main" id="{80B6A393-388F-4E7F-92CB-1F4B81F688EA}"/>
               </a:ext>
             </a:extLst>
           </p:cNvPr>
-          <p:cNvSpPr>
-            <a:spLocks noGrp="1"/>
-          </p:cNvSpPr>
+          <p:cNvGraphicFramePr>
+            <a:graphicFrameLocks noGrp="1"/>
+          </p:cNvGraphicFramePr>
           <p:nvPr>
             <p:ph idx="1"/>
-          </p:nvPr>
-        </p:nvSpPr>
-        <p:spPr/>
+            <p:extLst>
+              <p:ext uri="{D42A27DB-BD31-4B8C-83A1-F6EECF244321}">
+                <p14:modId xmlns:p14="http://schemas.microsoft.com/office/powerpoint/2010/main" val="3891031629"/>
+              </p:ext>
+            </p:extLst>
+          </p:nvPr>
+        </p:nvGraphicFramePr>
+        <p:xfrm>
+          <a:off x="457200" y="1600200"/>
+          <a:ext cx="8229600" cy="1112520"/>
+        </p:xfrm>
+        <a:graphic>
+          <a:graphicData uri="http://schemas.openxmlformats.org/drawingml/2006/table">
+            <a:tbl>
+              <a:tblPr firstRow="1" bandRow="1">
+                <a:tableStyleId>{073A0DAA-6AF3-43AB-8588-CEC1D06C72B9}</a:tableStyleId>
+              </a:tblPr>
+              <a:tblGrid>
+                <a:gridCol w="4114800">
+                  <a:extLst>
+                    <a:ext uri="{9D8B030D-6E8A-4147-A177-3AD203B41FA5}">
+                      <a16:colId xmlns:a16="http://schemas.microsoft.com/office/drawing/2014/main" val="586675543"/>
+                    </a:ext>
+                  </a:extLst>
+                </a:gridCol>
+                <a:gridCol w="4114800">
+                  <a:extLst>
+                    <a:ext uri="{9D8B030D-6E8A-4147-A177-3AD203B41FA5}">
+                      <a16:colId xmlns:a16="http://schemas.microsoft.com/office/drawing/2014/main" val="2753326564"/>
+                    </a:ext>
+                  </a:extLst>
+                </a:gridCol>
+              </a:tblGrid>
+              <a:tr h="370840">
+                <a:tc>
+                  <a:txBody>
+                    <a:bodyPr/>
+                    <a:lstStyle/>
+                    <a:p>
+                      <a:r>
+                        <a:rPr lang="nl-NL" dirty="0"/>
+                        <a:t>  </a:t>
+                      </a:r>
+                    </a:p>
+                  </a:txBody>
+                  <a:tcPr>
+                    <a:lnL w="12700" cmpd="sng">
+                      <a:noFill/>
+                    </a:lnL>
+                    <a:lnR w="12700" cmpd="sng">
+                      <a:noFill/>
+                    </a:lnR>
+                    <a:lnT w="12700" cmpd="sng">
+                      <a:noFill/>
+                    </a:lnT>
+                    <a:lnB w="38100" cmpd="sng">
+                      <a:noFill/>
+                    </a:lnB>
+                    <a:lnTlToBr w="12700" cmpd="sng">
+                      <a:noFill/>
+                      <a:prstDash val="solid"/>
+                    </a:lnTlToBr>
+                    <a:lnBlToTr w="12700" cmpd="sng">
+                      <a:noFill/>
+                      <a:prstDash val="solid"/>
+                    </a:lnBlToTr>
+                    <a:noFill/>
+                  </a:tcPr>
+                </a:tc>
+                <a:tc>
+                  <a:txBody>
+                    <a:bodyPr/>
+                    <a:lstStyle/>
+                    <a:p>
+                      <a:endParaRPr lang="nl-NL"/>
+                    </a:p>
+                  </a:txBody>
+                  <a:tcPr>
+                    <a:lnL w="12700" cmpd="sng">
+                      <a:noFill/>
+                    </a:lnL>
+                    <a:lnR w="12700" cmpd="sng">
+                      <a:noFill/>
+                    </a:lnR>
+                    <a:lnT w="12700" cmpd="sng">
+                      <a:noFill/>
+                    </a:lnT>
+                    <a:lnB w="38100" cmpd="sng">
+                      <a:noFill/>
+                    </a:lnB>
+                    <a:lnTlToBr w="12700" cmpd="sng">
+                      <a:noFill/>
+                      <a:prstDash val="solid"/>
+                    </a:lnTlToBr>
+                    <a:lnBlToTr w="12700" cmpd="sng">
+                      <a:noFill/>
+                      <a:prstDash val="solid"/>
+                    </a:lnBlToTr>
+                    <a:noFill/>
+                  </a:tcPr>
+                </a:tc>
+                <a:extLst>
+                  <a:ext uri="{0D108BD9-81ED-4DB2-BD59-A6C34878D82A}">
+                    <a16:rowId xmlns:a16="http://schemas.microsoft.com/office/drawing/2014/main" val="1882264882"/>
+                  </a:ext>
+                </a:extLst>
+              </a:tr>
+              <a:tr h="370840">
+                <a:tc>
+                  <a:txBody>
+                    <a:bodyPr/>
+                    <a:lstStyle/>
+                    <a:p>
+                      <a:endParaRPr lang="nl-NL" dirty="0"/>
+                    </a:p>
+                  </a:txBody>
+                  <a:tcPr>
+                    <a:lnL w="12700" cmpd="sng">
+                      <a:noFill/>
+                    </a:lnL>
+                    <a:lnR w="12700" cmpd="sng">
+                      <a:noFill/>
+                    </a:lnR>
+                    <a:lnT w="38100" cmpd="sng">
+                      <a:noFill/>
+                    </a:lnT>
+                    <a:lnB w="12700" cmpd="sng">
+                      <a:noFill/>
+                    </a:lnB>
+                    <a:lnTlToBr w="12700" cmpd="sng">
+                      <a:noFill/>
+                      <a:prstDash val="solid"/>
+                    </a:lnTlToBr>
+                    <a:lnBlToTr w="12700" cmpd="sng">
+                      <a:noFill/>
+                      <a:prstDash val="solid"/>
+                    </a:lnBlToTr>
+                    <a:noFill/>
+                  </a:tcPr>
+                </a:tc>
+                <a:tc>
+                  <a:txBody>
+                    <a:bodyPr/>
+                    <a:lstStyle/>
+                    <a:p>
+                      <a:endParaRPr lang="nl-NL" dirty="0"/>
+                    </a:p>
+                  </a:txBody>
+                  <a:tcPr>
+                    <a:lnL w="12700" cmpd="sng">
+                      <a:noFill/>
+                    </a:lnL>
+                    <a:lnR w="12700" cmpd="sng">
+                      <a:noFill/>
+                    </a:lnR>
+                    <a:lnT w="38100" cmpd="sng">
+                      <a:noFill/>
+                    </a:lnT>
+                    <a:lnB w="12700" cmpd="sng">
+                      <a:noFill/>
+                    </a:lnB>
+                    <a:lnTlToBr w="12700" cmpd="sng">
+                      <a:noFill/>
+                      <a:prstDash val="solid"/>
+                    </a:lnTlToBr>
+                    <a:lnBlToTr w="12700" cmpd="sng">
+                      <a:noFill/>
+                      <a:prstDash val="solid"/>
+                    </a:lnBlToTr>
+                    <a:noFill/>
+                  </a:tcPr>
+                </a:tc>
+                <a:extLst>
+                  <a:ext uri="{0D108BD9-81ED-4DB2-BD59-A6C34878D82A}">
+                    <a16:rowId xmlns:a16="http://schemas.microsoft.com/office/drawing/2014/main" val="1354384855"/>
+                  </a:ext>
+                </a:extLst>
+              </a:tr>
+              <a:tr h="370840">
+                <a:tc>
+                  <a:txBody>
+                    <a:bodyPr/>
+                    <a:lstStyle/>
+                    <a:p>
+                      <a:endParaRPr lang="nl-NL" dirty="0"/>
+                    </a:p>
+                  </a:txBody>
+                  <a:tcPr>
+                    <a:lnL w="12700" cmpd="sng">
+                      <a:noFill/>
+                    </a:lnL>
+                    <a:lnR w="12700" cmpd="sng">
+                      <a:noFill/>
+                    </a:lnR>
+                    <a:lnT w="12700" cmpd="sng">
+                      <a:noFill/>
+                    </a:lnT>
+                    <a:lnB w="12700" cmpd="sng">
+                      <a:noFill/>
+                    </a:lnB>
+                    <a:lnTlToBr w="12700" cmpd="sng">
+                      <a:noFill/>
+                      <a:prstDash val="solid"/>
+                    </a:lnTlToBr>
+                    <a:lnBlToTr w="12700" cmpd="sng">
+                      <a:noFill/>
+                      <a:prstDash val="solid"/>
+                    </a:lnBlToTr>
+                    <a:noFill/>
+                  </a:tcPr>
+                </a:tc>
+                <a:tc>
+                  <a:txBody>
+                    <a:bodyPr/>
+                    <a:lstStyle/>
+                    <a:p>
+                      <a:endParaRPr lang="nl-NL" dirty="0"/>
+                    </a:p>
+                  </a:txBody>
+                  <a:tcPr>
+                    <a:lnL w="12700" cmpd="sng">
+                      <a:noFill/>
+                    </a:lnL>
+                    <a:lnR w="12700" cmpd="sng">
+                      <a:noFill/>
+                    </a:lnR>
+                    <a:lnT w="12700" cmpd="sng">
+                      <a:noFill/>
+                    </a:lnT>
+                    <a:lnB w="12700" cmpd="sng">
+                      <a:noFill/>
+                    </a:lnB>
+                    <a:lnTlToBr w="12700" cmpd="sng">
+                      <a:noFill/>
+                      <a:prstDash val="solid"/>
+                    </a:lnTlToBr>
+                    <a:lnBlToTr w="12700" cmpd="sng">
+                      <a:noFill/>
+                      <a:prstDash val="solid"/>
+                    </a:lnBlToTr>
+                    <a:noFill/>
+                  </a:tcPr>
+                </a:tc>
+                <a:extLst>
+                  <a:ext uri="{0D108BD9-81ED-4DB2-BD59-A6C34878D82A}">
+                    <a16:rowId xmlns:a16="http://schemas.microsoft.com/office/drawing/2014/main" val="1653494474"/>
+                  </a:ext>
+                </a:extLst>
+              </a:tr>
+            </a:tbl>
+          </a:graphicData>
+        </a:graphic>
+      </p:graphicFrame>
+      <p:pic>
+        <p:nvPicPr>
+          <p:cNvPr id="8" name="Afbeelding 7">
+            <a:extLst>
+              <a:ext uri="{FF2B5EF4-FFF2-40B4-BE49-F238E27FC236}">
+                <a16:creationId xmlns:a16="http://schemas.microsoft.com/office/drawing/2014/main" id="{688B71FD-ECE7-4DCD-9A26-8D087E02CD56}"/>
+              </a:ext>
+            </a:extLst>
+          </p:cNvPr>
+          <p:cNvPicPr>
+            <a:picLocks noChangeAspect="1"/>
+          </p:cNvPicPr>
+          <p:nvPr/>
+        </p:nvPicPr>
+        <p:blipFill>
+          <a:blip r:embed="rId2"/>
+          <a:stretch>
+            <a:fillRect/>
+          </a:stretch>
+        </p:blipFill>
+        <p:spPr>
+          <a:xfrm>
+            <a:off x="1470484" y="4485710"/>
+            <a:ext cx="680740" cy="1266999"/>
+          </a:xfrm>
+          <a:prstGeom prst="rect">
+            <a:avLst/>
+          </a:prstGeom>
+        </p:spPr>
+      </p:pic>
+      <p:pic>
+        <p:nvPicPr>
+          <p:cNvPr id="9" name="Afbeelding 8">
+            <a:extLst>
+              <a:ext uri="{FF2B5EF4-FFF2-40B4-BE49-F238E27FC236}">
+                <a16:creationId xmlns:a16="http://schemas.microsoft.com/office/drawing/2014/main" id="{8560F39E-6089-4177-8533-68D4B6623D6D}"/>
+              </a:ext>
+            </a:extLst>
+          </p:cNvPr>
+          <p:cNvPicPr>
+            <a:picLocks noChangeAspect="1"/>
+          </p:cNvPicPr>
+          <p:nvPr/>
+        </p:nvPicPr>
+        <p:blipFill>
+          <a:blip r:embed="rId3"/>
+          <a:stretch>
+            <a:fillRect/>
+          </a:stretch>
+        </p:blipFill>
+        <p:spPr>
+          <a:xfrm>
+            <a:off x="1470484" y="3068960"/>
+            <a:ext cx="691084" cy="1292996"/>
+          </a:xfrm>
+          <a:prstGeom prst="rect">
+            <a:avLst/>
+          </a:prstGeom>
+        </p:spPr>
+      </p:pic>
+      <p:pic>
+        <p:nvPicPr>
+          <p:cNvPr id="10" name="Afbeelding 9">
+            <a:extLst>
+              <a:ext uri="{FF2B5EF4-FFF2-40B4-BE49-F238E27FC236}">
+                <a16:creationId xmlns:a16="http://schemas.microsoft.com/office/drawing/2014/main" id="{14F6F7A1-482D-4799-8CB8-7CA26E449205}"/>
+              </a:ext>
+            </a:extLst>
+          </p:cNvPr>
+          <p:cNvPicPr>
+            <a:picLocks noChangeAspect="1"/>
+          </p:cNvPicPr>
+          <p:nvPr/>
+        </p:nvPicPr>
+        <p:blipFill>
+          <a:blip r:embed="rId4"/>
+          <a:stretch>
+            <a:fillRect/>
+          </a:stretch>
+        </p:blipFill>
+        <p:spPr>
+          <a:xfrm>
+            <a:off x="1455986" y="1600200"/>
+            <a:ext cx="720080" cy="1345006"/>
+          </a:xfrm>
+          <a:prstGeom prst="rect">
+            <a:avLst/>
+          </a:prstGeom>
+        </p:spPr>
+      </p:pic>
+      <p:graphicFrame>
+        <p:nvGraphicFramePr>
+          <p:cNvPr id="11" name="Tabel 10">
+            <a:extLst>
+              <a:ext uri="{FF2B5EF4-FFF2-40B4-BE49-F238E27FC236}">
+                <a16:creationId xmlns:a16="http://schemas.microsoft.com/office/drawing/2014/main" id="{E3F85225-FBD4-43B7-B564-6B8CE87E6178}"/>
+              </a:ext>
+            </a:extLst>
+          </p:cNvPr>
+          <p:cNvGraphicFramePr>
+            <a:graphicFrameLocks noGrp="1"/>
+          </p:cNvGraphicFramePr>
+          <p:nvPr>
+            <p:extLst>
+              <p:ext uri="{D42A27DB-BD31-4B8C-83A1-F6EECF244321}">
+                <p14:modId xmlns:p14="http://schemas.microsoft.com/office/powerpoint/2010/main" val="2229661787"/>
+              </p:ext>
+            </p:extLst>
+          </p:nvPr>
+        </p:nvGraphicFramePr>
+        <p:xfrm>
+          <a:off x="2483768" y="1600199"/>
+          <a:ext cx="6096000" cy="4152510"/>
+        </p:xfrm>
+        <a:graphic>
+          <a:graphicData uri="http://schemas.openxmlformats.org/drawingml/2006/table">
+            <a:tbl>
+              <a:tblPr firstRow="1" bandRow="1">
+                <a:tableStyleId>{2D5ABB26-0587-4C30-8999-92F81FD0307C}</a:tableStyleId>
+              </a:tblPr>
+              <a:tblGrid>
+                <a:gridCol w="6096000">
+                  <a:extLst>
+                    <a:ext uri="{9D8B030D-6E8A-4147-A177-3AD203B41FA5}">
+                      <a16:colId xmlns:a16="http://schemas.microsoft.com/office/drawing/2014/main" val="3922044733"/>
+                    </a:ext>
+                  </a:extLst>
+                </a:gridCol>
+              </a:tblGrid>
+              <a:tr h="1384170">
+                <a:tc>
+                  <a:txBody>
+                    <a:bodyPr/>
+                    <a:lstStyle/>
+                    <a:p>
+                      <a:r>
+                        <a:rPr lang="nl-NL" sz="2400" dirty="0"/>
+                        <a:t>Dieren bewerken via POSTMAN</a:t>
+                      </a:r>
+                    </a:p>
+                  </a:txBody>
+                  <a:tcPr anchor="ctr"/>
+                </a:tc>
+                <a:extLst>
+                  <a:ext uri="{0D108BD9-81ED-4DB2-BD59-A6C34878D82A}">
+                    <a16:rowId xmlns:a16="http://schemas.microsoft.com/office/drawing/2014/main" val="4098424359"/>
+                  </a:ext>
+                </a:extLst>
+              </a:tr>
+              <a:tr h="1384170">
+                <a:tc>
+                  <a:txBody>
+                    <a:bodyPr/>
+                    <a:lstStyle/>
+                    <a:p>
+                      <a:r>
+                        <a:rPr lang="nl-NL" sz="2400" dirty="0"/>
+                        <a:t>Webpagina voor weergave</a:t>
+                      </a:r>
+                    </a:p>
+                  </a:txBody>
+                  <a:tcPr anchor="ctr"/>
+                </a:tc>
+                <a:extLst>
+                  <a:ext uri="{0D108BD9-81ED-4DB2-BD59-A6C34878D82A}">
+                    <a16:rowId xmlns:a16="http://schemas.microsoft.com/office/drawing/2014/main" val="2512343265"/>
+                  </a:ext>
+                </a:extLst>
+              </a:tr>
+              <a:tr h="1384170">
+                <a:tc>
+                  <a:txBody>
+                    <a:bodyPr/>
+                    <a:lstStyle/>
+                    <a:p>
+                      <a:r>
+                        <a:rPr lang="nl-NL" sz="2400" dirty="0"/>
+                        <a:t>Webpagina voor bewerken / creëren</a:t>
+                      </a:r>
+                    </a:p>
+                  </a:txBody>
+                  <a:tcPr anchor="ctr"/>
+                </a:tc>
+                <a:extLst>
+                  <a:ext uri="{0D108BD9-81ED-4DB2-BD59-A6C34878D82A}">
+                    <a16:rowId xmlns:a16="http://schemas.microsoft.com/office/drawing/2014/main" val="3719736087"/>
+                  </a:ext>
+                </a:extLst>
+              </a:tr>
+            </a:tbl>
+          </a:graphicData>
+        </a:graphic>
+      </p:graphicFrame>
+      <p:sp>
+        <p:nvSpPr>
+          <p:cNvPr id="13" name="Tekstvak 12">
+            <a:extLst>
+              <a:ext uri="{FF2B5EF4-FFF2-40B4-BE49-F238E27FC236}">
+                <a16:creationId xmlns:a16="http://schemas.microsoft.com/office/drawing/2014/main" id="{6B65978C-A39A-4F4C-8D64-A06F284B7D48}"/>
+              </a:ext>
+            </a:extLst>
+          </p:cNvPr>
+          <p:cNvSpPr txBox="1"/>
+          <p:nvPr/>
+        </p:nvSpPr>
+        <p:spPr>
+          <a:xfrm>
+            <a:off x="457200" y="1107113"/>
+            <a:ext cx="8229600" cy="369332"/>
+          </a:xfrm>
+          <a:prstGeom prst="rect">
+            <a:avLst/>
+          </a:prstGeom>
+          <a:noFill/>
+        </p:spPr>
         <p:txBody>
-          <a:bodyPr>
-            <a:normAutofit fontScale="47500" lnSpcReduction="20000"/>
+          <a:bodyPr wrap="square" rtlCol="0">
+            <a:spAutoFit/>
           </a:bodyPr>
           <a:lstStyle/>
           <a:p>
-            <a:pPr marL="0" indent="0">
-              <a:buNone/>
-            </a:pPr>
-            <a:r>
-              <a:rPr lang="en-US" dirty="0">
-                <a:cs typeface="Courier New" panose="02070309020205020404" pitchFamily="49" charset="0"/>
-              </a:rPr>
-              <a:t>Object Result:</a:t>
-            </a:r>
-          </a:p>
-          <a:p>
-            <a:pPr marL="0" indent="0">
-              <a:buNone/>
-            </a:pPr>
-            <a:r>
-              <a:rPr lang="en-US" dirty="0">
-                <a:latin typeface="Ubuntu Mono" panose="020B0509030602030204" pitchFamily="49" charset="0"/>
-                <a:cs typeface="Courier New" panose="02070309020205020404" pitchFamily="49" charset="0"/>
-              </a:rPr>
-              <a:t>{</a:t>
-            </a:r>
-          </a:p>
-          <a:p>
-            <a:pPr marL="0" indent="0">
-              <a:buNone/>
-            </a:pPr>
-            <a:r>
-              <a:rPr lang="en-US" dirty="0">
-                <a:latin typeface="Ubuntu Mono" panose="020B0509030602030204" pitchFamily="49" charset="0"/>
-                <a:cs typeface="Courier New" panose="02070309020205020404" pitchFamily="49" charset="0"/>
-              </a:rPr>
-              <a:t>  "</a:t>
-            </a:r>
-            <a:r>
-              <a:rPr lang="en-US" dirty="0" err="1">
-                <a:latin typeface="Ubuntu Mono" panose="020B0509030602030204" pitchFamily="49" charset="0"/>
-                <a:cs typeface="Courier New" panose="02070309020205020404" pitchFamily="49" charset="0"/>
-              </a:rPr>
-              <a:t>boolean</a:t>
-            </a:r>
-            <a:r>
-              <a:rPr lang="en-US" dirty="0">
-                <a:latin typeface="Ubuntu Mono" panose="020B0509030602030204" pitchFamily="49" charset="0"/>
-                <a:cs typeface="Courier New" panose="02070309020205020404" pitchFamily="49" charset="0"/>
-              </a:rPr>
-              <a:t>": true,</a:t>
-            </a:r>
-          </a:p>
-          <a:p>
-            <a:pPr marL="0" indent="0">
-              <a:buNone/>
-            </a:pPr>
-            <a:r>
-              <a:rPr lang="en-US" dirty="0">
-                <a:latin typeface="Ubuntu Mono" panose="020B0509030602030204" pitchFamily="49" charset="0"/>
-                <a:cs typeface="Courier New" panose="02070309020205020404" pitchFamily="49" charset="0"/>
-              </a:rPr>
-              <a:t>  "string": "text",</a:t>
-            </a:r>
-          </a:p>
-          <a:p>
-            <a:pPr marL="0" indent="0">
-              <a:buNone/>
-            </a:pPr>
-            <a:r>
-              <a:rPr lang="en-US" dirty="0">
-                <a:latin typeface="Ubuntu Mono" panose="020B0509030602030204" pitchFamily="49" charset="0"/>
-                <a:cs typeface="Courier New" panose="02070309020205020404" pitchFamily="49" charset="0"/>
-              </a:rPr>
-              <a:t>  "</a:t>
-            </a:r>
-            <a:r>
-              <a:rPr lang="en-US" dirty="0" err="1">
-                <a:latin typeface="Ubuntu Mono" panose="020B0509030602030204" pitchFamily="49" charset="0"/>
-                <a:cs typeface="Courier New" panose="02070309020205020404" pitchFamily="49" charset="0"/>
-              </a:rPr>
-              <a:t>simple_number</a:t>
-            </a:r>
-            <a:r>
-              <a:rPr lang="en-US" dirty="0">
-                <a:latin typeface="Ubuntu Mono" panose="020B0509030602030204" pitchFamily="49" charset="0"/>
-                <a:cs typeface="Courier New" panose="02070309020205020404" pitchFamily="49" charset="0"/>
-              </a:rPr>
-              <a:t>": 2</a:t>
-            </a:r>
-          </a:p>
-          <a:p>
-            <a:pPr marL="0" indent="0">
-              <a:buNone/>
-            </a:pPr>
-            <a:r>
-              <a:rPr lang="en-US" dirty="0">
-                <a:latin typeface="Ubuntu Mono" panose="020B0509030602030204" pitchFamily="49" charset="0"/>
-                <a:cs typeface="Courier New" panose="02070309020205020404" pitchFamily="49" charset="0"/>
-              </a:rPr>
-              <a:t>  “</a:t>
-            </a:r>
-            <a:r>
-              <a:rPr lang="en-US" dirty="0" err="1">
-                <a:latin typeface="Ubuntu Mono" panose="020B0509030602030204" pitchFamily="49" charset="0"/>
-                <a:cs typeface="Courier New" panose="02070309020205020404" pitchFamily="49" charset="0"/>
-              </a:rPr>
-              <a:t>complex_number</a:t>
-            </a:r>
-            <a:r>
-              <a:rPr lang="en-US" dirty="0">
-                <a:latin typeface="Ubuntu Mono" panose="020B0509030602030204" pitchFamily="49" charset="0"/>
-                <a:cs typeface="Courier New" panose="02070309020205020404" pitchFamily="49" charset="0"/>
-              </a:rPr>
-              <a:t>": 1.8e02,</a:t>
-            </a:r>
-          </a:p>
-          <a:p>
-            <a:pPr marL="0" indent="0">
-              <a:buNone/>
-            </a:pPr>
-            <a:r>
-              <a:rPr lang="en-US" dirty="0">
-                <a:latin typeface="Ubuntu Mono" panose="020B0509030602030204" pitchFamily="49" charset="0"/>
-                <a:cs typeface="Courier New" panose="02070309020205020404" pitchFamily="49" charset="0"/>
-              </a:rPr>
-              <a:t>  "object": {</a:t>
-            </a:r>
-          </a:p>
-          <a:p>
-            <a:pPr marL="0" indent="0">
-              <a:buNone/>
-            </a:pPr>
-            <a:r>
-              <a:rPr lang="en-US" dirty="0">
-                <a:latin typeface="Ubuntu Mono" panose="020B0509030602030204" pitchFamily="49" charset="0"/>
-                <a:cs typeface="Courier New" panose="02070309020205020404" pitchFamily="49" charset="0"/>
-              </a:rPr>
-              <a:t>    "name": "Qcast"</a:t>
-            </a:r>
-          </a:p>
-          <a:p>
-            <a:pPr marL="0" indent="0">
-              <a:buNone/>
-            </a:pPr>
-            <a:r>
-              <a:rPr lang="en-US" dirty="0">
-                <a:latin typeface="Ubuntu Mono" panose="020B0509030602030204" pitchFamily="49" charset="0"/>
-                <a:cs typeface="Courier New" panose="02070309020205020404" pitchFamily="49" charset="0"/>
-              </a:rPr>
-              <a:t>  },</a:t>
-            </a:r>
-          </a:p>
-          <a:p>
-            <a:pPr marL="0" indent="0">
-              <a:buNone/>
-            </a:pPr>
-            <a:r>
-              <a:rPr lang="en-US" dirty="0">
-                <a:latin typeface="Ubuntu Mono" panose="020B0509030602030204" pitchFamily="49" charset="0"/>
-                <a:cs typeface="Courier New" panose="02070309020205020404" pitchFamily="49" charset="0"/>
-              </a:rPr>
-              <a:t>  "</a:t>
-            </a:r>
-            <a:r>
-              <a:rPr lang="en-US" dirty="0" err="1">
-                <a:latin typeface="Ubuntu Mono" panose="020B0509030602030204" pitchFamily="49" charset="0"/>
-                <a:cs typeface="Courier New" panose="02070309020205020404" pitchFamily="49" charset="0"/>
-              </a:rPr>
-              <a:t>simple_array</a:t>
-            </a:r>
-            <a:r>
-              <a:rPr lang="en-US" dirty="0">
-                <a:latin typeface="Ubuntu Mono" panose="020B0509030602030204" pitchFamily="49" charset="0"/>
-                <a:cs typeface="Courier New" panose="02070309020205020404" pitchFamily="49" charset="0"/>
-              </a:rPr>
-              <a:t>": [1, 2, 3],</a:t>
-            </a:r>
-          </a:p>
-          <a:p>
-            <a:pPr marL="0" indent="0">
-              <a:buNone/>
-            </a:pPr>
-            <a:r>
-              <a:rPr lang="en-US" dirty="0">
-                <a:latin typeface="Ubuntu Mono" panose="020B0509030602030204" pitchFamily="49" charset="0"/>
-                <a:cs typeface="Courier New" panose="02070309020205020404" pitchFamily="49" charset="0"/>
-              </a:rPr>
-              <a:t>  "</a:t>
-            </a:r>
-            <a:r>
-              <a:rPr lang="en-US" dirty="0" err="1">
-                <a:latin typeface="Ubuntu Mono" panose="020B0509030602030204" pitchFamily="49" charset="0"/>
-                <a:cs typeface="Courier New" panose="02070309020205020404" pitchFamily="49" charset="0"/>
-              </a:rPr>
-              <a:t>complex_array</a:t>
-            </a:r>
-            <a:r>
-              <a:rPr lang="en-US" dirty="0">
-                <a:latin typeface="Ubuntu Mono" panose="020B0509030602030204" pitchFamily="49" charset="0"/>
-                <a:cs typeface="Courier New" panose="02070309020205020404" pitchFamily="49" charset="0"/>
-              </a:rPr>
-              <a:t>": [{"id": 1}, 1, true]</a:t>
-            </a:r>
-          </a:p>
-          <a:p>
-            <a:pPr marL="0" indent="0">
-              <a:buNone/>
-            </a:pPr>
-            <a:r>
-              <a:rPr lang="en-US" dirty="0">
-                <a:latin typeface="Ubuntu Mono" panose="020B0509030602030204" pitchFamily="49" charset="0"/>
-                <a:cs typeface="Courier New" panose="02070309020205020404" pitchFamily="49" charset="0"/>
-              </a:rPr>
-              <a:t>}</a:t>
-            </a:r>
-          </a:p>
-          <a:p>
-            <a:pPr marL="0" indent="0">
-              <a:buNone/>
-            </a:pPr>
-            <a:endParaRPr lang="en-US" dirty="0"/>
-          </a:p>
-          <a:p>
-            <a:pPr marL="0" indent="0">
-              <a:buNone/>
-            </a:pPr>
-            <a:r>
-              <a:rPr lang="en-US" dirty="0"/>
-              <a:t>Message for people </a:t>
-            </a:r>
-          </a:p>
-          <a:p>
-            <a:pPr marL="0" indent="0">
-              <a:buNone/>
-            </a:pPr>
-            <a:r>
-              <a:rPr lang="en-US" dirty="0">
-                <a:latin typeface="Ubuntu Mono" panose="020B0509030602030204" pitchFamily="49" charset="0"/>
-              </a:rPr>
-              <a:t>{"</a:t>
-            </a:r>
-            <a:r>
-              <a:rPr lang="en-US" dirty="0" err="1">
-                <a:latin typeface="Ubuntu Mono" panose="020B0509030602030204" pitchFamily="49" charset="0"/>
-              </a:rPr>
-              <a:t>developerMessage</a:t>
-            </a:r>
-            <a:r>
-              <a:rPr lang="en-US" dirty="0">
-                <a:latin typeface="Ubuntu Mono" panose="020B0509030602030204" pitchFamily="49" charset="0"/>
-              </a:rPr>
-              <a:t>": "Verbose, plain language description of the problem for the app developer with hints about how to fix it.", </a:t>
-            </a:r>
-          </a:p>
-          <a:p>
-            <a:pPr marL="0" indent="0">
-              <a:buNone/>
-            </a:pPr>
-            <a:r>
-              <a:rPr lang="en-US" dirty="0">
-                <a:latin typeface="Ubuntu Mono" panose="020B0509030602030204" pitchFamily="49" charset="0"/>
-              </a:rPr>
-              <a:t>"</a:t>
-            </a:r>
-            <a:r>
-              <a:rPr lang="en-US" dirty="0" err="1">
-                <a:latin typeface="Ubuntu Mono" panose="020B0509030602030204" pitchFamily="49" charset="0"/>
-              </a:rPr>
-              <a:t>userMessage</a:t>
-            </a:r>
-            <a:r>
-              <a:rPr lang="en-US" dirty="0">
-                <a:latin typeface="Ubuntu Mono" panose="020B0509030602030204" pitchFamily="49" charset="0"/>
-              </a:rPr>
-              <a:t>": "Pass this message on to the app user if needed.", </a:t>
-            </a:r>
-          </a:p>
-          <a:p>
-            <a:pPr marL="0" indent="0">
-              <a:buNone/>
-            </a:pPr>
-            <a:r>
-              <a:rPr lang="en-US" dirty="0">
-                <a:latin typeface="Ubuntu Mono" panose="020B0509030602030204" pitchFamily="49" charset="0"/>
-              </a:rPr>
-              <a:t>"</a:t>
-            </a:r>
-            <a:r>
-              <a:rPr lang="en-US" dirty="0" err="1">
-                <a:latin typeface="Ubuntu Mono" panose="020B0509030602030204" pitchFamily="49" charset="0"/>
-              </a:rPr>
-              <a:t>errorCode</a:t>
-            </a:r>
-            <a:r>
-              <a:rPr lang="en-US" dirty="0">
-                <a:latin typeface="Ubuntu Mono" panose="020B0509030602030204" pitchFamily="49" charset="0"/>
-              </a:rPr>
-              <a:t>": 12345,</a:t>
-            </a:r>
-          </a:p>
-          <a:p>
-            <a:pPr marL="0" indent="0">
-              <a:buNone/>
-            </a:pPr>
-            <a:r>
-              <a:rPr lang="en-US" dirty="0">
-                <a:latin typeface="Ubuntu Mono" panose="020B0509030602030204" pitchFamily="49" charset="0"/>
-              </a:rPr>
-              <a:t>"more info": "http://dev.example.com/errors/12345"}</a:t>
-            </a:r>
-            <a:r>
-              <a:rPr lang="en-US" dirty="0"/>
-              <a:t> </a:t>
-            </a:r>
-            <a:endParaRPr lang="en-US" sz="1600" dirty="0"/>
+            <a:pPr algn="ctr"/>
+            <a:r>
+              <a:rPr lang="nl-NL" dirty="0"/>
+              <a:t>github.com/spijkerman/dierentuin/tree/master/</a:t>
+            </a:r>
+            <a:r>
+              <a:rPr lang="nl-NL" dirty="0" err="1"/>
+              <a:t>client</a:t>
+            </a:r>
+            <a:r>
+              <a:rPr lang="nl-NL" dirty="0"/>
+              <a:t>/</a:t>
+            </a:r>
+            <a:r>
+              <a:rPr lang="nl-NL" dirty="0" err="1"/>
+              <a:t>api_client</a:t>
+            </a:r>
+            <a:endParaRPr lang="nl-NL" dirty="0"/>
           </a:p>
         </p:txBody>
       </p:sp>
     </p:spTree>
     <p:extLst>
       <p:ext uri="{BB962C8B-B14F-4D97-AF65-F5344CB8AC3E}">
-        <p14:creationId xmlns:p14="http://schemas.microsoft.com/office/powerpoint/2010/main" val="3945948258"/>
+        <p14:creationId xmlns:p14="http://schemas.microsoft.com/office/powerpoint/2010/main" val="4180346267"/>
       </p:ext>
     </p:extLst>
   </p:cSld>
